--- a/Project2/Reports/Project 2 interim.pptx
+++ b/Project2/Reports/Project 2 interim.pptx
@@ -573,7 +573,7 @@
           <p:cNvPr id="2" name="Title 1">
             <a:extLst>
               <a:ext uri="{FF2B5EF4-FFF2-40B4-BE49-F238E27FC236}">
-                <a16:creationId xmlns="" xmlns:a16="http://schemas.microsoft.com/office/drawing/2014/main" id="{8261E5CC-0E9A-BC41-AC38-A28E2C3FC2E7}"/>
+                <a16:creationId xmlns:a16="http://schemas.microsoft.com/office/drawing/2014/main" xmlns="" id="{8261E5CC-0E9A-BC41-AC38-A28E2C3FC2E7}"/>
               </a:ext>
             </a:extLst>
           </p:cNvPr>
@@ -610,7 +610,7 @@
           <p:cNvPr id="3" name="Subtitle 2">
             <a:extLst>
               <a:ext uri="{FF2B5EF4-FFF2-40B4-BE49-F238E27FC236}">
-                <a16:creationId xmlns="" xmlns:a16="http://schemas.microsoft.com/office/drawing/2014/main" id="{2D8637E8-F6AF-1B40-97EA-CD78ACD98472}"/>
+                <a16:creationId xmlns:a16="http://schemas.microsoft.com/office/drawing/2014/main" xmlns="" id="{2D8637E8-F6AF-1B40-97EA-CD78ACD98472}"/>
               </a:ext>
             </a:extLst>
           </p:cNvPr>
@@ -680,7 +680,7 @@
           <p:cNvPr id="4" name="Date Placeholder 3">
             <a:extLst>
               <a:ext uri="{FF2B5EF4-FFF2-40B4-BE49-F238E27FC236}">
-                <a16:creationId xmlns="" xmlns:a16="http://schemas.microsoft.com/office/drawing/2014/main" id="{F6F16E05-4F17-6645-93B7-BB4FC38CAECF}"/>
+                <a16:creationId xmlns:a16="http://schemas.microsoft.com/office/drawing/2014/main" xmlns="" id="{F6F16E05-4F17-6645-93B7-BB4FC38CAECF}"/>
               </a:ext>
             </a:extLst>
           </p:cNvPr>
@@ -709,7 +709,7 @@
           <p:cNvPr id="5" name="Footer Placeholder 4">
             <a:extLst>
               <a:ext uri="{FF2B5EF4-FFF2-40B4-BE49-F238E27FC236}">
-                <a16:creationId xmlns="" xmlns:a16="http://schemas.microsoft.com/office/drawing/2014/main" id="{ECB4114E-9D2D-0D41-A41E-DB7A85CB7B9E}"/>
+                <a16:creationId xmlns:a16="http://schemas.microsoft.com/office/drawing/2014/main" xmlns="" id="{ECB4114E-9D2D-0D41-A41E-DB7A85CB7B9E}"/>
               </a:ext>
             </a:extLst>
           </p:cNvPr>
@@ -734,7 +734,7 @@
           <p:cNvPr id="6" name="Slide Number Placeholder 5">
             <a:extLst>
               <a:ext uri="{FF2B5EF4-FFF2-40B4-BE49-F238E27FC236}">
-                <a16:creationId xmlns="" xmlns:a16="http://schemas.microsoft.com/office/drawing/2014/main" id="{07B540AD-E6A3-5F41-9BBC-19E0E62AFE38}"/>
+                <a16:creationId xmlns:a16="http://schemas.microsoft.com/office/drawing/2014/main" xmlns="" id="{07B540AD-E6A3-5F41-9BBC-19E0E62AFE38}"/>
               </a:ext>
             </a:extLst>
           </p:cNvPr>
@@ -793,7 +793,7 @@
           <p:cNvPr id="2" name="Title 1">
             <a:extLst>
               <a:ext uri="{FF2B5EF4-FFF2-40B4-BE49-F238E27FC236}">
-                <a16:creationId xmlns="" xmlns:a16="http://schemas.microsoft.com/office/drawing/2014/main" id="{4C50086C-2E01-7845-8DE1-52396B1B8F52}"/>
+                <a16:creationId xmlns:a16="http://schemas.microsoft.com/office/drawing/2014/main" xmlns="" id="{4C50086C-2E01-7845-8DE1-52396B1B8F52}"/>
               </a:ext>
             </a:extLst>
           </p:cNvPr>
@@ -821,7 +821,7 @@
           <p:cNvPr id="3" name="Vertical Text Placeholder 2">
             <a:extLst>
               <a:ext uri="{FF2B5EF4-FFF2-40B4-BE49-F238E27FC236}">
-                <a16:creationId xmlns="" xmlns:a16="http://schemas.microsoft.com/office/drawing/2014/main" id="{D16FB8D2-7CA5-F649-AC6D-4CD109D4B8EB}"/>
+                <a16:creationId xmlns:a16="http://schemas.microsoft.com/office/drawing/2014/main" xmlns="" id="{D16FB8D2-7CA5-F649-AC6D-4CD109D4B8EB}"/>
               </a:ext>
             </a:extLst>
           </p:cNvPr>
@@ -878,7 +878,7 @@
           <p:cNvPr id="4" name="Date Placeholder 3">
             <a:extLst>
               <a:ext uri="{FF2B5EF4-FFF2-40B4-BE49-F238E27FC236}">
-                <a16:creationId xmlns="" xmlns:a16="http://schemas.microsoft.com/office/drawing/2014/main" id="{671A69BE-6437-D749-918C-310952A07C17}"/>
+                <a16:creationId xmlns:a16="http://schemas.microsoft.com/office/drawing/2014/main" xmlns="" id="{671A69BE-6437-D749-918C-310952A07C17}"/>
               </a:ext>
             </a:extLst>
           </p:cNvPr>
@@ -907,7 +907,7 @@
           <p:cNvPr id="5" name="Footer Placeholder 4">
             <a:extLst>
               <a:ext uri="{FF2B5EF4-FFF2-40B4-BE49-F238E27FC236}">
-                <a16:creationId xmlns="" xmlns:a16="http://schemas.microsoft.com/office/drawing/2014/main" id="{F475ADD5-B33D-7F40-BCFD-8FF622718B3A}"/>
+                <a16:creationId xmlns:a16="http://schemas.microsoft.com/office/drawing/2014/main" xmlns="" id="{F475ADD5-B33D-7F40-BCFD-8FF622718B3A}"/>
               </a:ext>
             </a:extLst>
           </p:cNvPr>
@@ -932,7 +932,7 @@
           <p:cNvPr id="6" name="Slide Number Placeholder 5">
             <a:extLst>
               <a:ext uri="{FF2B5EF4-FFF2-40B4-BE49-F238E27FC236}">
-                <a16:creationId xmlns="" xmlns:a16="http://schemas.microsoft.com/office/drawing/2014/main" id="{E0D54E36-203D-E347-A5A8-6C73207C227A}"/>
+                <a16:creationId xmlns:a16="http://schemas.microsoft.com/office/drawing/2014/main" xmlns="" id="{E0D54E36-203D-E347-A5A8-6C73207C227A}"/>
               </a:ext>
             </a:extLst>
           </p:cNvPr>
@@ -991,7 +991,7 @@
           <p:cNvPr id="2" name="Vertical Title 1">
             <a:extLst>
               <a:ext uri="{FF2B5EF4-FFF2-40B4-BE49-F238E27FC236}">
-                <a16:creationId xmlns="" xmlns:a16="http://schemas.microsoft.com/office/drawing/2014/main" id="{EA84F8B8-D481-B849-A448-3655E4C57651}"/>
+                <a16:creationId xmlns:a16="http://schemas.microsoft.com/office/drawing/2014/main" xmlns="" id="{EA84F8B8-D481-B849-A448-3655E4C57651}"/>
               </a:ext>
             </a:extLst>
           </p:cNvPr>
@@ -1024,7 +1024,7 @@
           <p:cNvPr id="3" name="Vertical Text Placeholder 2">
             <a:extLst>
               <a:ext uri="{FF2B5EF4-FFF2-40B4-BE49-F238E27FC236}">
-                <a16:creationId xmlns="" xmlns:a16="http://schemas.microsoft.com/office/drawing/2014/main" id="{01C81AFF-38D4-484B-BF35-AF1D30B2F686}"/>
+                <a16:creationId xmlns:a16="http://schemas.microsoft.com/office/drawing/2014/main" xmlns="" id="{01C81AFF-38D4-484B-BF35-AF1D30B2F686}"/>
               </a:ext>
             </a:extLst>
           </p:cNvPr>
@@ -1086,7 +1086,7 @@
           <p:cNvPr id="4" name="Date Placeholder 3">
             <a:extLst>
               <a:ext uri="{FF2B5EF4-FFF2-40B4-BE49-F238E27FC236}">
-                <a16:creationId xmlns="" xmlns:a16="http://schemas.microsoft.com/office/drawing/2014/main" id="{DB1F81C1-60E0-684C-9CE9-C260D51EB273}"/>
+                <a16:creationId xmlns:a16="http://schemas.microsoft.com/office/drawing/2014/main" xmlns="" id="{DB1F81C1-60E0-684C-9CE9-C260D51EB273}"/>
               </a:ext>
             </a:extLst>
           </p:cNvPr>
@@ -1115,7 +1115,7 @@
           <p:cNvPr id="5" name="Footer Placeholder 4">
             <a:extLst>
               <a:ext uri="{FF2B5EF4-FFF2-40B4-BE49-F238E27FC236}">
-                <a16:creationId xmlns="" xmlns:a16="http://schemas.microsoft.com/office/drawing/2014/main" id="{3F5299E7-AF38-664C-8E53-89B1277B7E0A}"/>
+                <a16:creationId xmlns:a16="http://schemas.microsoft.com/office/drawing/2014/main" xmlns="" id="{3F5299E7-AF38-664C-8E53-89B1277B7E0A}"/>
               </a:ext>
             </a:extLst>
           </p:cNvPr>
@@ -1140,7 +1140,7 @@
           <p:cNvPr id="6" name="Slide Number Placeholder 5">
             <a:extLst>
               <a:ext uri="{FF2B5EF4-FFF2-40B4-BE49-F238E27FC236}">
-                <a16:creationId xmlns="" xmlns:a16="http://schemas.microsoft.com/office/drawing/2014/main" id="{7ED94C23-F71B-044F-B694-25DE8ED2766C}"/>
+                <a16:creationId xmlns:a16="http://schemas.microsoft.com/office/drawing/2014/main" xmlns="" id="{7ED94C23-F71B-044F-B694-25DE8ED2766C}"/>
               </a:ext>
             </a:extLst>
           </p:cNvPr>
@@ -1199,7 +1199,7 @@
           <p:cNvPr id="2" name="Title 1">
             <a:extLst>
               <a:ext uri="{FF2B5EF4-FFF2-40B4-BE49-F238E27FC236}">
-                <a16:creationId xmlns="" xmlns:a16="http://schemas.microsoft.com/office/drawing/2014/main" id="{D8D2F5D2-EE27-3548-B240-120254AB49E7}"/>
+                <a16:creationId xmlns:a16="http://schemas.microsoft.com/office/drawing/2014/main" xmlns="" id="{D8D2F5D2-EE27-3548-B240-120254AB49E7}"/>
               </a:ext>
             </a:extLst>
           </p:cNvPr>
@@ -1227,7 +1227,7 @@
           <p:cNvPr id="3" name="Content Placeholder 2">
             <a:extLst>
               <a:ext uri="{FF2B5EF4-FFF2-40B4-BE49-F238E27FC236}">
-                <a16:creationId xmlns="" xmlns:a16="http://schemas.microsoft.com/office/drawing/2014/main" id="{8E10ABAB-75B1-9E42-B5C0-93480F139269}"/>
+                <a16:creationId xmlns:a16="http://schemas.microsoft.com/office/drawing/2014/main" xmlns="" id="{8E10ABAB-75B1-9E42-B5C0-93480F139269}"/>
               </a:ext>
             </a:extLst>
           </p:cNvPr>
@@ -1284,7 +1284,7 @@
           <p:cNvPr id="4" name="Date Placeholder 3">
             <a:extLst>
               <a:ext uri="{FF2B5EF4-FFF2-40B4-BE49-F238E27FC236}">
-                <a16:creationId xmlns="" xmlns:a16="http://schemas.microsoft.com/office/drawing/2014/main" id="{6EF5BBFB-7570-6940-8D73-2B1473673D84}"/>
+                <a16:creationId xmlns:a16="http://schemas.microsoft.com/office/drawing/2014/main" xmlns="" id="{6EF5BBFB-7570-6940-8D73-2B1473673D84}"/>
               </a:ext>
             </a:extLst>
           </p:cNvPr>
@@ -1313,7 +1313,7 @@
           <p:cNvPr id="5" name="Footer Placeholder 4">
             <a:extLst>
               <a:ext uri="{FF2B5EF4-FFF2-40B4-BE49-F238E27FC236}">
-                <a16:creationId xmlns="" xmlns:a16="http://schemas.microsoft.com/office/drawing/2014/main" id="{04C1C668-2DB2-CD41-887D-DFE3C9412408}"/>
+                <a16:creationId xmlns:a16="http://schemas.microsoft.com/office/drawing/2014/main" xmlns="" id="{04C1C668-2DB2-CD41-887D-DFE3C9412408}"/>
               </a:ext>
             </a:extLst>
           </p:cNvPr>
@@ -1338,7 +1338,7 @@
           <p:cNvPr id="6" name="Slide Number Placeholder 5">
             <a:extLst>
               <a:ext uri="{FF2B5EF4-FFF2-40B4-BE49-F238E27FC236}">
-                <a16:creationId xmlns="" xmlns:a16="http://schemas.microsoft.com/office/drawing/2014/main" id="{4F992ACE-FA09-F145-9F66-D1D5C835E14B}"/>
+                <a16:creationId xmlns:a16="http://schemas.microsoft.com/office/drawing/2014/main" xmlns="" id="{4F992ACE-FA09-F145-9F66-D1D5C835E14B}"/>
               </a:ext>
             </a:extLst>
           </p:cNvPr>
@@ -1397,7 +1397,7 @@
           <p:cNvPr id="2" name="Title 1">
             <a:extLst>
               <a:ext uri="{FF2B5EF4-FFF2-40B4-BE49-F238E27FC236}">
-                <a16:creationId xmlns="" xmlns:a16="http://schemas.microsoft.com/office/drawing/2014/main" id="{5923B807-CE68-9C4C-AD5D-E1E7D129C9D4}"/>
+                <a16:creationId xmlns:a16="http://schemas.microsoft.com/office/drawing/2014/main" xmlns="" id="{5923B807-CE68-9C4C-AD5D-E1E7D129C9D4}"/>
               </a:ext>
             </a:extLst>
           </p:cNvPr>
@@ -1434,7 +1434,7 @@
           <p:cNvPr id="3" name="Text Placeholder 2">
             <a:extLst>
               <a:ext uri="{FF2B5EF4-FFF2-40B4-BE49-F238E27FC236}">
-                <a16:creationId xmlns="" xmlns:a16="http://schemas.microsoft.com/office/drawing/2014/main" id="{D1F757C6-43C6-B242-9B1C-50A30FBBCB4C}"/>
+                <a16:creationId xmlns:a16="http://schemas.microsoft.com/office/drawing/2014/main" xmlns="" id="{D1F757C6-43C6-B242-9B1C-50A30FBBCB4C}"/>
               </a:ext>
             </a:extLst>
           </p:cNvPr>
@@ -1559,7 +1559,7 @@
           <p:cNvPr id="4" name="Date Placeholder 3">
             <a:extLst>
               <a:ext uri="{FF2B5EF4-FFF2-40B4-BE49-F238E27FC236}">
-                <a16:creationId xmlns="" xmlns:a16="http://schemas.microsoft.com/office/drawing/2014/main" id="{55FA4973-79B8-ED47-8A51-ED3A854CF41E}"/>
+                <a16:creationId xmlns:a16="http://schemas.microsoft.com/office/drawing/2014/main" xmlns="" id="{55FA4973-79B8-ED47-8A51-ED3A854CF41E}"/>
               </a:ext>
             </a:extLst>
           </p:cNvPr>
@@ -1588,7 +1588,7 @@
           <p:cNvPr id="5" name="Footer Placeholder 4">
             <a:extLst>
               <a:ext uri="{FF2B5EF4-FFF2-40B4-BE49-F238E27FC236}">
-                <a16:creationId xmlns="" xmlns:a16="http://schemas.microsoft.com/office/drawing/2014/main" id="{A3395830-DD5D-3845-9460-BD7AF9F73D76}"/>
+                <a16:creationId xmlns:a16="http://schemas.microsoft.com/office/drawing/2014/main" xmlns="" id="{A3395830-DD5D-3845-9460-BD7AF9F73D76}"/>
               </a:ext>
             </a:extLst>
           </p:cNvPr>
@@ -1613,7 +1613,7 @@
           <p:cNvPr id="6" name="Slide Number Placeholder 5">
             <a:extLst>
               <a:ext uri="{FF2B5EF4-FFF2-40B4-BE49-F238E27FC236}">
-                <a16:creationId xmlns="" xmlns:a16="http://schemas.microsoft.com/office/drawing/2014/main" id="{84AA004D-D813-D546-A587-45E9075EEB4D}"/>
+                <a16:creationId xmlns:a16="http://schemas.microsoft.com/office/drawing/2014/main" xmlns="" id="{84AA004D-D813-D546-A587-45E9075EEB4D}"/>
               </a:ext>
             </a:extLst>
           </p:cNvPr>
@@ -1672,7 +1672,7 @@
           <p:cNvPr id="2" name="Title 1">
             <a:extLst>
               <a:ext uri="{FF2B5EF4-FFF2-40B4-BE49-F238E27FC236}">
-                <a16:creationId xmlns="" xmlns:a16="http://schemas.microsoft.com/office/drawing/2014/main" id="{42C63B00-2D0E-AD47-B060-298BB7E5FC02}"/>
+                <a16:creationId xmlns:a16="http://schemas.microsoft.com/office/drawing/2014/main" xmlns="" id="{42C63B00-2D0E-AD47-B060-298BB7E5FC02}"/>
               </a:ext>
             </a:extLst>
           </p:cNvPr>
@@ -1700,7 +1700,7 @@
           <p:cNvPr id="3" name="Content Placeholder 2">
             <a:extLst>
               <a:ext uri="{FF2B5EF4-FFF2-40B4-BE49-F238E27FC236}">
-                <a16:creationId xmlns="" xmlns:a16="http://schemas.microsoft.com/office/drawing/2014/main" id="{A3741ED2-DEBE-9E43-BFD6-89AF35F67E3C}"/>
+                <a16:creationId xmlns:a16="http://schemas.microsoft.com/office/drawing/2014/main" xmlns="" id="{A3741ED2-DEBE-9E43-BFD6-89AF35F67E3C}"/>
               </a:ext>
             </a:extLst>
           </p:cNvPr>
@@ -1762,7 +1762,7 @@
           <p:cNvPr id="4" name="Content Placeholder 3">
             <a:extLst>
               <a:ext uri="{FF2B5EF4-FFF2-40B4-BE49-F238E27FC236}">
-                <a16:creationId xmlns="" xmlns:a16="http://schemas.microsoft.com/office/drawing/2014/main" id="{AF7282ED-8F3C-6547-B6AA-D9D98BBFE584}"/>
+                <a16:creationId xmlns:a16="http://schemas.microsoft.com/office/drawing/2014/main" xmlns="" id="{AF7282ED-8F3C-6547-B6AA-D9D98BBFE584}"/>
               </a:ext>
             </a:extLst>
           </p:cNvPr>
@@ -1824,7 +1824,7 @@
           <p:cNvPr id="5" name="Date Placeholder 4">
             <a:extLst>
               <a:ext uri="{FF2B5EF4-FFF2-40B4-BE49-F238E27FC236}">
-                <a16:creationId xmlns="" xmlns:a16="http://schemas.microsoft.com/office/drawing/2014/main" id="{A5A43D20-17D0-B44E-9D00-E94D1E9D012F}"/>
+                <a16:creationId xmlns:a16="http://schemas.microsoft.com/office/drawing/2014/main" xmlns="" id="{A5A43D20-17D0-B44E-9D00-E94D1E9D012F}"/>
               </a:ext>
             </a:extLst>
           </p:cNvPr>
@@ -1853,7 +1853,7 @@
           <p:cNvPr id="6" name="Footer Placeholder 5">
             <a:extLst>
               <a:ext uri="{FF2B5EF4-FFF2-40B4-BE49-F238E27FC236}">
-                <a16:creationId xmlns="" xmlns:a16="http://schemas.microsoft.com/office/drawing/2014/main" id="{6C5BE584-C962-3546-A532-4D3FBDED36BF}"/>
+                <a16:creationId xmlns:a16="http://schemas.microsoft.com/office/drawing/2014/main" xmlns="" id="{6C5BE584-C962-3546-A532-4D3FBDED36BF}"/>
               </a:ext>
             </a:extLst>
           </p:cNvPr>
@@ -1878,7 +1878,7 @@
           <p:cNvPr id="7" name="Slide Number Placeholder 6">
             <a:extLst>
               <a:ext uri="{FF2B5EF4-FFF2-40B4-BE49-F238E27FC236}">
-                <a16:creationId xmlns="" xmlns:a16="http://schemas.microsoft.com/office/drawing/2014/main" id="{C006DF7C-E72C-154B-A944-3FC39A2C5427}"/>
+                <a16:creationId xmlns:a16="http://schemas.microsoft.com/office/drawing/2014/main" xmlns="" id="{C006DF7C-E72C-154B-A944-3FC39A2C5427}"/>
               </a:ext>
             </a:extLst>
           </p:cNvPr>
@@ -1937,7 +1937,7 @@
           <p:cNvPr id="2" name="Title 1">
             <a:extLst>
               <a:ext uri="{FF2B5EF4-FFF2-40B4-BE49-F238E27FC236}">
-                <a16:creationId xmlns="" xmlns:a16="http://schemas.microsoft.com/office/drawing/2014/main" id="{41475361-ECF4-814B-96CF-E20E1AEA7007}"/>
+                <a16:creationId xmlns:a16="http://schemas.microsoft.com/office/drawing/2014/main" xmlns="" id="{41475361-ECF4-814B-96CF-E20E1AEA7007}"/>
               </a:ext>
             </a:extLst>
           </p:cNvPr>
@@ -1970,7 +1970,7 @@
           <p:cNvPr id="3" name="Text Placeholder 2">
             <a:extLst>
               <a:ext uri="{FF2B5EF4-FFF2-40B4-BE49-F238E27FC236}">
-                <a16:creationId xmlns="" xmlns:a16="http://schemas.microsoft.com/office/drawing/2014/main" id="{0AC37B5F-C045-B449-928F-C91003FADF7B}"/>
+                <a16:creationId xmlns:a16="http://schemas.microsoft.com/office/drawing/2014/main" xmlns="" id="{0AC37B5F-C045-B449-928F-C91003FADF7B}"/>
               </a:ext>
             </a:extLst>
           </p:cNvPr>
@@ -2041,7 +2041,7 @@
           <p:cNvPr id="4" name="Content Placeholder 3">
             <a:extLst>
               <a:ext uri="{FF2B5EF4-FFF2-40B4-BE49-F238E27FC236}">
-                <a16:creationId xmlns="" xmlns:a16="http://schemas.microsoft.com/office/drawing/2014/main" id="{2B94B475-1B2E-9E45-99B0-BEBDA1F42DAD}"/>
+                <a16:creationId xmlns:a16="http://schemas.microsoft.com/office/drawing/2014/main" xmlns="" id="{2B94B475-1B2E-9E45-99B0-BEBDA1F42DAD}"/>
               </a:ext>
             </a:extLst>
           </p:cNvPr>
@@ -2103,7 +2103,7 @@
           <p:cNvPr id="5" name="Text Placeholder 4">
             <a:extLst>
               <a:ext uri="{FF2B5EF4-FFF2-40B4-BE49-F238E27FC236}">
-                <a16:creationId xmlns="" xmlns:a16="http://schemas.microsoft.com/office/drawing/2014/main" id="{0B14AA75-47FA-B54B-9226-4EDBBD96279F}"/>
+                <a16:creationId xmlns:a16="http://schemas.microsoft.com/office/drawing/2014/main" xmlns="" id="{0B14AA75-47FA-B54B-9226-4EDBBD96279F}"/>
               </a:ext>
             </a:extLst>
           </p:cNvPr>
@@ -2174,7 +2174,7 @@
           <p:cNvPr id="6" name="Content Placeholder 5">
             <a:extLst>
               <a:ext uri="{FF2B5EF4-FFF2-40B4-BE49-F238E27FC236}">
-                <a16:creationId xmlns="" xmlns:a16="http://schemas.microsoft.com/office/drawing/2014/main" id="{40FA81D0-5E4E-1644-A21C-E2322BC6066C}"/>
+                <a16:creationId xmlns:a16="http://schemas.microsoft.com/office/drawing/2014/main" xmlns="" id="{40FA81D0-5E4E-1644-A21C-E2322BC6066C}"/>
               </a:ext>
             </a:extLst>
           </p:cNvPr>
@@ -2236,7 +2236,7 @@
           <p:cNvPr id="7" name="Date Placeholder 6">
             <a:extLst>
               <a:ext uri="{FF2B5EF4-FFF2-40B4-BE49-F238E27FC236}">
-                <a16:creationId xmlns="" xmlns:a16="http://schemas.microsoft.com/office/drawing/2014/main" id="{37BFF0E9-B807-F34C-94F1-7A6C74A5CD1B}"/>
+                <a16:creationId xmlns:a16="http://schemas.microsoft.com/office/drawing/2014/main" xmlns="" id="{37BFF0E9-B807-F34C-94F1-7A6C74A5CD1B}"/>
               </a:ext>
             </a:extLst>
           </p:cNvPr>
@@ -2265,7 +2265,7 @@
           <p:cNvPr id="8" name="Footer Placeholder 7">
             <a:extLst>
               <a:ext uri="{FF2B5EF4-FFF2-40B4-BE49-F238E27FC236}">
-                <a16:creationId xmlns="" xmlns:a16="http://schemas.microsoft.com/office/drawing/2014/main" id="{895BDC8A-F5A7-C145-8F1B-B55EF038106E}"/>
+                <a16:creationId xmlns:a16="http://schemas.microsoft.com/office/drawing/2014/main" xmlns="" id="{895BDC8A-F5A7-C145-8F1B-B55EF038106E}"/>
               </a:ext>
             </a:extLst>
           </p:cNvPr>
@@ -2290,7 +2290,7 @@
           <p:cNvPr id="9" name="Slide Number Placeholder 8">
             <a:extLst>
               <a:ext uri="{FF2B5EF4-FFF2-40B4-BE49-F238E27FC236}">
-                <a16:creationId xmlns="" xmlns:a16="http://schemas.microsoft.com/office/drawing/2014/main" id="{B1BCAF86-91A6-1240-8BDA-22A16018C876}"/>
+                <a16:creationId xmlns:a16="http://schemas.microsoft.com/office/drawing/2014/main" xmlns="" id="{B1BCAF86-91A6-1240-8BDA-22A16018C876}"/>
               </a:ext>
             </a:extLst>
           </p:cNvPr>
@@ -2349,7 +2349,7 @@
           <p:cNvPr id="2" name="Title 1">
             <a:extLst>
               <a:ext uri="{FF2B5EF4-FFF2-40B4-BE49-F238E27FC236}">
-                <a16:creationId xmlns="" xmlns:a16="http://schemas.microsoft.com/office/drawing/2014/main" id="{49918E1B-78E7-814F-96D0-C5C541039C33}"/>
+                <a16:creationId xmlns:a16="http://schemas.microsoft.com/office/drawing/2014/main" xmlns="" id="{49918E1B-78E7-814F-96D0-C5C541039C33}"/>
               </a:ext>
             </a:extLst>
           </p:cNvPr>
@@ -2377,7 +2377,7 @@
           <p:cNvPr id="3" name="Date Placeholder 2">
             <a:extLst>
               <a:ext uri="{FF2B5EF4-FFF2-40B4-BE49-F238E27FC236}">
-                <a16:creationId xmlns="" xmlns:a16="http://schemas.microsoft.com/office/drawing/2014/main" id="{327FEA7C-7546-964B-A5B7-73202EB416A2}"/>
+                <a16:creationId xmlns:a16="http://schemas.microsoft.com/office/drawing/2014/main" xmlns="" id="{327FEA7C-7546-964B-A5B7-73202EB416A2}"/>
               </a:ext>
             </a:extLst>
           </p:cNvPr>
@@ -2406,7 +2406,7 @@
           <p:cNvPr id="4" name="Footer Placeholder 3">
             <a:extLst>
               <a:ext uri="{FF2B5EF4-FFF2-40B4-BE49-F238E27FC236}">
-                <a16:creationId xmlns="" xmlns:a16="http://schemas.microsoft.com/office/drawing/2014/main" id="{F8FA2CFB-CBF5-F74E-A2B0-78A36CBA0BB6}"/>
+                <a16:creationId xmlns:a16="http://schemas.microsoft.com/office/drawing/2014/main" xmlns="" id="{F8FA2CFB-CBF5-F74E-A2B0-78A36CBA0BB6}"/>
               </a:ext>
             </a:extLst>
           </p:cNvPr>
@@ -2431,7 +2431,7 @@
           <p:cNvPr id="5" name="Slide Number Placeholder 4">
             <a:extLst>
               <a:ext uri="{FF2B5EF4-FFF2-40B4-BE49-F238E27FC236}">
-                <a16:creationId xmlns="" xmlns:a16="http://schemas.microsoft.com/office/drawing/2014/main" id="{62001BC7-4821-1D4A-9E7B-5828A2ABED03}"/>
+                <a16:creationId xmlns:a16="http://schemas.microsoft.com/office/drawing/2014/main" xmlns="" id="{62001BC7-4821-1D4A-9E7B-5828A2ABED03}"/>
               </a:ext>
             </a:extLst>
           </p:cNvPr>
@@ -2490,7 +2490,7 @@
           <p:cNvPr id="2" name="Date Placeholder 1">
             <a:extLst>
               <a:ext uri="{FF2B5EF4-FFF2-40B4-BE49-F238E27FC236}">
-                <a16:creationId xmlns="" xmlns:a16="http://schemas.microsoft.com/office/drawing/2014/main" id="{26F9902A-F8D3-F047-BE04-F6A1CEA02BB6}"/>
+                <a16:creationId xmlns:a16="http://schemas.microsoft.com/office/drawing/2014/main" xmlns="" id="{26F9902A-F8D3-F047-BE04-F6A1CEA02BB6}"/>
               </a:ext>
             </a:extLst>
           </p:cNvPr>
@@ -2519,7 +2519,7 @@
           <p:cNvPr id="3" name="Footer Placeholder 2">
             <a:extLst>
               <a:ext uri="{FF2B5EF4-FFF2-40B4-BE49-F238E27FC236}">
-                <a16:creationId xmlns="" xmlns:a16="http://schemas.microsoft.com/office/drawing/2014/main" id="{ECA4DA2C-4C69-8C44-ACD0-0DDE2567CF1D}"/>
+                <a16:creationId xmlns:a16="http://schemas.microsoft.com/office/drawing/2014/main" xmlns="" id="{ECA4DA2C-4C69-8C44-ACD0-0DDE2567CF1D}"/>
               </a:ext>
             </a:extLst>
           </p:cNvPr>
@@ -2544,7 +2544,7 @@
           <p:cNvPr id="4" name="Slide Number Placeholder 3">
             <a:extLst>
               <a:ext uri="{FF2B5EF4-FFF2-40B4-BE49-F238E27FC236}">
-                <a16:creationId xmlns="" xmlns:a16="http://schemas.microsoft.com/office/drawing/2014/main" id="{C1740E63-75C5-9848-910D-7F7449D8D81B}"/>
+                <a16:creationId xmlns:a16="http://schemas.microsoft.com/office/drawing/2014/main" xmlns="" id="{C1740E63-75C5-9848-910D-7F7449D8D81B}"/>
               </a:ext>
             </a:extLst>
           </p:cNvPr>
@@ -2603,7 +2603,7 @@
           <p:cNvPr id="2" name="Title 1">
             <a:extLst>
               <a:ext uri="{FF2B5EF4-FFF2-40B4-BE49-F238E27FC236}">
-                <a16:creationId xmlns="" xmlns:a16="http://schemas.microsoft.com/office/drawing/2014/main" id="{E6B93C26-878C-094E-9628-F46CF0379CB2}"/>
+                <a16:creationId xmlns:a16="http://schemas.microsoft.com/office/drawing/2014/main" xmlns="" id="{E6B93C26-878C-094E-9628-F46CF0379CB2}"/>
               </a:ext>
             </a:extLst>
           </p:cNvPr>
@@ -2640,7 +2640,7 @@
           <p:cNvPr id="3" name="Content Placeholder 2">
             <a:extLst>
               <a:ext uri="{FF2B5EF4-FFF2-40B4-BE49-F238E27FC236}">
-                <a16:creationId xmlns="" xmlns:a16="http://schemas.microsoft.com/office/drawing/2014/main" id="{9311CB3C-5CAF-6143-8693-4211FD61DAA6}"/>
+                <a16:creationId xmlns:a16="http://schemas.microsoft.com/office/drawing/2014/main" xmlns="" id="{9311CB3C-5CAF-6143-8693-4211FD61DAA6}"/>
               </a:ext>
             </a:extLst>
           </p:cNvPr>
@@ -2730,7 +2730,7 @@
           <p:cNvPr id="4" name="Text Placeholder 3">
             <a:extLst>
               <a:ext uri="{FF2B5EF4-FFF2-40B4-BE49-F238E27FC236}">
-                <a16:creationId xmlns="" xmlns:a16="http://schemas.microsoft.com/office/drawing/2014/main" id="{8FF2D588-7825-0D45-877B-4E35B060F548}"/>
+                <a16:creationId xmlns:a16="http://schemas.microsoft.com/office/drawing/2014/main" xmlns="" id="{8FF2D588-7825-0D45-877B-4E35B060F548}"/>
               </a:ext>
             </a:extLst>
           </p:cNvPr>
@@ -2801,7 +2801,7 @@
           <p:cNvPr id="5" name="Date Placeholder 4">
             <a:extLst>
               <a:ext uri="{FF2B5EF4-FFF2-40B4-BE49-F238E27FC236}">
-                <a16:creationId xmlns="" xmlns:a16="http://schemas.microsoft.com/office/drawing/2014/main" id="{32650E3D-302E-E647-9B80-BAC2ABAA72A2}"/>
+                <a16:creationId xmlns:a16="http://schemas.microsoft.com/office/drawing/2014/main" xmlns="" id="{32650E3D-302E-E647-9B80-BAC2ABAA72A2}"/>
               </a:ext>
             </a:extLst>
           </p:cNvPr>
@@ -2830,7 +2830,7 @@
           <p:cNvPr id="6" name="Footer Placeholder 5">
             <a:extLst>
               <a:ext uri="{FF2B5EF4-FFF2-40B4-BE49-F238E27FC236}">
-                <a16:creationId xmlns="" xmlns:a16="http://schemas.microsoft.com/office/drawing/2014/main" id="{1DE1111F-A8C7-0B4E-BB5A-9336C453C42E}"/>
+                <a16:creationId xmlns:a16="http://schemas.microsoft.com/office/drawing/2014/main" xmlns="" id="{1DE1111F-A8C7-0B4E-BB5A-9336C453C42E}"/>
               </a:ext>
             </a:extLst>
           </p:cNvPr>
@@ -2855,7 +2855,7 @@
           <p:cNvPr id="7" name="Slide Number Placeholder 6">
             <a:extLst>
               <a:ext uri="{FF2B5EF4-FFF2-40B4-BE49-F238E27FC236}">
-                <a16:creationId xmlns="" xmlns:a16="http://schemas.microsoft.com/office/drawing/2014/main" id="{6D706197-D20D-2943-AB95-1028D352DD56}"/>
+                <a16:creationId xmlns:a16="http://schemas.microsoft.com/office/drawing/2014/main" xmlns="" id="{6D706197-D20D-2943-AB95-1028D352DD56}"/>
               </a:ext>
             </a:extLst>
           </p:cNvPr>
@@ -2914,7 +2914,7 @@
           <p:cNvPr id="2" name="Title 1">
             <a:extLst>
               <a:ext uri="{FF2B5EF4-FFF2-40B4-BE49-F238E27FC236}">
-                <a16:creationId xmlns="" xmlns:a16="http://schemas.microsoft.com/office/drawing/2014/main" id="{E66CA690-A271-114B-8704-4146A4F662F3}"/>
+                <a16:creationId xmlns:a16="http://schemas.microsoft.com/office/drawing/2014/main" xmlns="" id="{E66CA690-A271-114B-8704-4146A4F662F3}"/>
               </a:ext>
             </a:extLst>
           </p:cNvPr>
@@ -2951,7 +2951,7 @@
           <p:cNvPr id="3" name="Picture Placeholder 2">
             <a:extLst>
               <a:ext uri="{FF2B5EF4-FFF2-40B4-BE49-F238E27FC236}">
-                <a16:creationId xmlns="" xmlns:a16="http://schemas.microsoft.com/office/drawing/2014/main" id="{254B9456-1BA5-0C47-81E6-13518642D000}"/>
+                <a16:creationId xmlns:a16="http://schemas.microsoft.com/office/drawing/2014/main" xmlns="" id="{254B9456-1BA5-0C47-81E6-13518642D000}"/>
               </a:ext>
             </a:extLst>
           </p:cNvPr>
@@ -3018,7 +3018,7 @@
           <p:cNvPr id="4" name="Text Placeholder 3">
             <a:extLst>
               <a:ext uri="{FF2B5EF4-FFF2-40B4-BE49-F238E27FC236}">
-                <a16:creationId xmlns="" xmlns:a16="http://schemas.microsoft.com/office/drawing/2014/main" id="{4B792BFC-62EE-4249-A162-030343D7BBA3}"/>
+                <a16:creationId xmlns:a16="http://schemas.microsoft.com/office/drawing/2014/main" xmlns="" id="{4B792BFC-62EE-4249-A162-030343D7BBA3}"/>
               </a:ext>
             </a:extLst>
           </p:cNvPr>
@@ -3089,7 +3089,7 @@
           <p:cNvPr id="5" name="Date Placeholder 4">
             <a:extLst>
               <a:ext uri="{FF2B5EF4-FFF2-40B4-BE49-F238E27FC236}">
-                <a16:creationId xmlns="" xmlns:a16="http://schemas.microsoft.com/office/drawing/2014/main" id="{76990BB0-02BA-5447-AC21-191CBAC68948}"/>
+                <a16:creationId xmlns:a16="http://schemas.microsoft.com/office/drawing/2014/main" xmlns="" id="{76990BB0-02BA-5447-AC21-191CBAC68948}"/>
               </a:ext>
             </a:extLst>
           </p:cNvPr>
@@ -3118,7 +3118,7 @@
           <p:cNvPr id="6" name="Footer Placeholder 5">
             <a:extLst>
               <a:ext uri="{FF2B5EF4-FFF2-40B4-BE49-F238E27FC236}">
-                <a16:creationId xmlns="" xmlns:a16="http://schemas.microsoft.com/office/drawing/2014/main" id="{44C5A254-5526-934E-86B7-97E10A307919}"/>
+                <a16:creationId xmlns:a16="http://schemas.microsoft.com/office/drawing/2014/main" xmlns="" id="{44C5A254-5526-934E-86B7-97E10A307919}"/>
               </a:ext>
             </a:extLst>
           </p:cNvPr>
@@ -3143,7 +3143,7 @@
           <p:cNvPr id="7" name="Slide Number Placeholder 6">
             <a:extLst>
               <a:ext uri="{FF2B5EF4-FFF2-40B4-BE49-F238E27FC236}">
-                <a16:creationId xmlns="" xmlns:a16="http://schemas.microsoft.com/office/drawing/2014/main" id="{E5A2164C-8100-474C-9342-360D8BA27D9E}"/>
+                <a16:creationId xmlns:a16="http://schemas.microsoft.com/office/drawing/2014/main" xmlns="" id="{E5A2164C-8100-474C-9342-360D8BA27D9E}"/>
               </a:ext>
             </a:extLst>
           </p:cNvPr>
@@ -3207,7 +3207,7 @@
           <p:cNvPr id="2" name="Title Placeholder 1">
             <a:extLst>
               <a:ext uri="{FF2B5EF4-FFF2-40B4-BE49-F238E27FC236}">
-                <a16:creationId xmlns="" xmlns:a16="http://schemas.microsoft.com/office/drawing/2014/main" id="{1286D7CA-62E8-B84C-B371-F75A911FC9F6}"/>
+                <a16:creationId xmlns:a16="http://schemas.microsoft.com/office/drawing/2014/main" xmlns="" id="{1286D7CA-62E8-B84C-B371-F75A911FC9F6}"/>
               </a:ext>
             </a:extLst>
           </p:cNvPr>
@@ -3245,7 +3245,7 @@
           <p:cNvPr id="3" name="Text Placeholder 2">
             <a:extLst>
               <a:ext uri="{FF2B5EF4-FFF2-40B4-BE49-F238E27FC236}">
-                <a16:creationId xmlns="" xmlns:a16="http://schemas.microsoft.com/office/drawing/2014/main" id="{58AA0451-C5A6-8E4C-B9A3-E78BF9E5A7AB}"/>
+                <a16:creationId xmlns:a16="http://schemas.microsoft.com/office/drawing/2014/main" xmlns="" id="{58AA0451-C5A6-8E4C-B9A3-E78BF9E5A7AB}"/>
               </a:ext>
             </a:extLst>
           </p:cNvPr>
@@ -3312,7 +3312,7 @@
           <p:cNvPr id="4" name="Date Placeholder 3">
             <a:extLst>
               <a:ext uri="{FF2B5EF4-FFF2-40B4-BE49-F238E27FC236}">
-                <a16:creationId xmlns="" xmlns:a16="http://schemas.microsoft.com/office/drawing/2014/main" id="{08769CCC-DE4D-8C46-B693-C68C2215F7CC}"/>
+                <a16:creationId xmlns:a16="http://schemas.microsoft.com/office/drawing/2014/main" xmlns="" id="{08769CCC-DE4D-8C46-B693-C68C2215F7CC}"/>
               </a:ext>
             </a:extLst>
           </p:cNvPr>
@@ -3359,7 +3359,7 @@
           <p:cNvPr id="5" name="Footer Placeholder 4">
             <a:extLst>
               <a:ext uri="{FF2B5EF4-FFF2-40B4-BE49-F238E27FC236}">
-                <a16:creationId xmlns="" xmlns:a16="http://schemas.microsoft.com/office/drawing/2014/main" id="{F8B3DB0B-E7AF-D94B-9935-3A7445785B74}"/>
+                <a16:creationId xmlns:a16="http://schemas.microsoft.com/office/drawing/2014/main" xmlns="" id="{F8B3DB0B-E7AF-D94B-9935-3A7445785B74}"/>
               </a:ext>
             </a:extLst>
           </p:cNvPr>
@@ -3402,7 +3402,7 @@
           <p:cNvPr id="6" name="Slide Number Placeholder 5">
             <a:extLst>
               <a:ext uri="{FF2B5EF4-FFF2-40B4-BE49-F238E27FC236}">
-                <a16:creationId xmlns="" xmlns:a16="http://schemas.microsoft.com/office/drawing/2014/main" id="{646EB73A-E6FC-F144-ACCA-6A709311E103}"/>
+                <a16:creationId xmlns:a16="http://schemas.microsoft.com/office/drawing/2014/main" xmlns="" id="{646EB73A-E6FC-F144-ACCA-6A709311E103}"/>
               </a:ext>
             </a:extLst>
           </p:cNvPr>
@@ -3770,7 +3770,7 @@
           <p:cNvPr id="2" name="Title 1">
             <a:extLst>
               <a:ext uri="{FF2B5EF4-FFF2-40B4-BE49-F238E27FC236}">
-                <a16:creationId xmlns="" xmlns:a16="http://schemas.microsoft.com/office/drawing/2014/main" id="{A5BB4555-5C41-AB4E-AF47-7E61B4A9F554}"/>
+                <a16:creationId xmlns:a16="http://schemas.microsoft.com/office/drawing/2014/main" xmlns="" id="{A5BB4555-5C41-AB4E-AF47-7E61B4A9F554}"/>
               </a:ext>
             </a:extLst>
           </p:cNvPr>
@@ -3783,156 +3783,314 @@
         </p:nvSpPr>
         <p:spPr/>
         <p:txBody>
-          <a:bodyPr/>
+          <a:bodyPr>
+            <a:normAutofit fontScale="90000"/>
+          </a:bodyPr>
           <a:lstStyle/>
           <a:p>
+            <a:pPr algn="ctr"/>
             <a:r>
               <a:rPr lang="en-US" dirty="0" smtClean="0"/>
-              <a:t>Project2: </a:t>
+              <a:t>Project2: Overview of </a:t>
             </a:r>
             <a:r>
               <a:rPr lang="en-US" dirty="0" smtClean="0"/>
-              <a:t>Overview </a:t>
+              <a:t>goal</a:t>
+            </a:r>
+            <a:br>
+              <a:rPr lang="en-US" dirty="0" smtClean="0"/>
+            </a:br>
+            <a:r>
+              <a:rPr lang="en-US" sz="2400" dirty="0" err="1" smtClean="0"/>
+              <a:t>Zhou,Wenru</a:t>
             </a:r>
             <a:r>
-              <a:rPr lang="en-US" dirty="0" smtClean="0"/>
-              <a:t>of goal</a:t>
+              <a:rPr lang="en-US" sz="2400" dirty="0"/>
+              <a:t/>
             </a:r>
-            <a:endParaRPr lang="en-US" dirty="0"/>
+            <a:br>
+              <a:rPr lang="en-US" sz="2400" dirty="0"/>
+            </a:br>
+            <a:r>
+              <a:rPr lang="en-US" sz="2400" dirty="0" smtClean="0"/>
+              <a:t>Group3 members: Zhang, Lingdi; Zhuang, Yaxu</a:t>
+            </a:r>
+            <a:r>
+              <a:rPr lang="en-US" sz="2400" dirty="0"/>
+              <a:t>;</a:t>
+            </a:r>
+            <a:r>
+              <a:rPr lang="en-US" sz="2400" dirty="0" smtClean="0"/>
+              <a:t> Zhou, Wenru</a:t>
+            </a:r>
+            <a:endParaRPr lang="en-US" sz="2400" dirty="0"/>
           </a:p>
         </p:txBody>
       </p:sp>
-      <p:sp>
-        <p:nvSpPr>
-          <p:cNvPr id="3" name="Content Placeholder 2">
-            <a:extLst>
-              <a:ext uri="{FF2B5EF4-FFF2-40B4-BE49-F238E27FC236}">
-                <a16:creationId xmlns="" xmlns:a16="http://schemas.microsoft.com/office/drawing/2014/main" id="{9B7DB3B7-AA04-EB40-9807-E1F03014FC26}"/>
-              </a:ext>
-            </a:extLst>
-          </p:cNvPr>
-          <p:cNvSpPr>
-            <a:spLocks noGrp="1"/>
-          </p:cNvSpPr>
-          <p:nvPr>
-            <p:ph idx="1"/>
-          </p:nvPr>
-        </p:nvSpPr>
-        <p:spPr/>
-        <p:txBody>
-          <a:bodyPr/>
-          <a:lstStyle/>
-          <a:p>
-            <a:r>
-              <a:rPr lang="en-US" dirty="0" smtClean="0"/>
-              <a:t>For a mixed model Y=X</a:t>
-            </a:r>
-            <a:r>
-              <a:rPr lang="el-GR" dirty="0" smtClean="0"/>
-              <a:t>β</a:t>
-            </a:r>
-            <a:r>
-              <a:rPr lang="en-US" dirty="0" smtClean="0"/>
-              <a:t>+</a:t>
-            </a:r>
-            <a:r>
-              <a:rPr lang="en-US" dirty="0" err="1" smtClean="0"/>
-              <a:t>Zb+E</a:t>
-            </a:r>
-            <a:r>
-              <a:rPr lang="en-US" dirty="0"/>
-              <a:t> </a:t>
-            </a:r>
-            <a:r>
-              <a:rPr lang="en-US" dirty="0" smtClean="0"/>
-              <a:t>with </a:t>
-            </a:r>
-            <a:r>
-              <a:rPr lang="en-US" dirty="0" err="1" smtClean="0"/>
-              <a:t>E~iid</a:t>
-            </a:r>
-            <a:r>
-              <a:rPr lang="en-US" dirty="0" smtClean="0"/>
-              <a:t> N(0,</a:t>
-            </a:r>
-            <a:r>
-              <a:rPr lang="el-GR" dirty="0" smtClean="0"/>
-              <a:t>Σ</a:t>
-            </a:r>
-            <a:r>
-              <a:rPr lang="en-US" dirty="0" smtClean="0"/>
-              <a:t>) If </a:t>
-            </a:r>
-            <a:r>
-              <a:rPr lang="en-US" dirty="0"/>
-              <a:t>the random effects distribution is not normally distributed, </a:t>
-            </a:r>
-            <a:r>
-              <a:rPr lang="en-US" dirty="0" smtClean="0"/>
-              <a:t>then what happens </a:t>
-            </a:r>
-            <a:r>
-              <a:rPr lang="en-US" dirty="0"/>
-              <a:t>to</a:t>
-            </a:r>
-          </a:p>
-          <a:p>
-            <a:pPr lvl="1"/>
-            <a:r>
-              <a:rPr lang="en-US" dirty="0"/>
-              <a:t>E</a:t>
-            </a:r>
-            <a:r>
-              <a:rPr lang="en-US" dirty="0" smtClean="0"/>
-              <a:t>stimation </a:t>
-            </a:r>
-            <a:r>
-              <a:rPr lang="en-US" dirty="0"/>
-              <a:t>of fixed effects</a:t>
-            </a:r>
-            <a:r>
-              <a:rPr lang="en-US" dirty="0">
-                <a:effectLst/>
-              </a:rPr>
-              <a:t> </a:t>
-            </a:r>
-          </a:p>
-          <a:p>
-            <a:pPr lvl="1"/>
-            <a:r>
-              <a:rPr lang="en-US" dirty="0"/>
-              <a:t>T</a:t>
-            </a:r>
-            <a:r>
-              <a:rPr lang="en-US" dirty="0" smtClean="0"/>
-              <a:t>he </a:t>
-            </a:r>
-            <a:r>
-              <a:rPr lang="en-US" dirty="0"/>
-              <a:t>standard errors estimates of the fixed effects </a:t>
-            </a:r>
-          </a:p>
-          <a:p>
-            <a:pPr lvl="1"/>
-            <a:r>
-              <a:rPr lang="en-US" dirty="0"/>
-              <a:t>T</a:t>
-            </a:r>
-            <a:r>
-              <a:rPr lang="en-US" dirty="0" smtClean="0"/>
-              <a:t>he </a:t>
-            </a:r>
-            <a:r>
-              <a:rPr lang="en-US" dirty="0" err="1"/>
-              <a:t>TypeI</a:t>
-            </a:r>
-            <a:r>
-              <a:rPr lang="en-US" dirty="0"/>
-              <a:t>/II error for the fixed effects hypothesis testing </a:t>
-            </a:r>
-          </a:p>
-        </p:txBody>
-      </p:sp>
+      <mc:AlternateContent xmlns:mc="http://schemas.openxmlformats.org/markup-compatibility/2006">
+        <mc:Choice xmlns:a14="http://schemas.microsoft.com/office/drawing/2010/main" Requires="a14">
+          <p:sp>
+            <p:nvSpPr>
+              <p:cNvPr id="3" name="Content Placeholder 2">
+                <a:extLst>
+                  <a:ext uri="{FF2B5EF4-FFF2-40B4-BE49-F238E27FC236}">
+                    <a16:creationId xmlns:a16="http://schemas.microsoft.com/office/drawing/2014/main" xmlns="" id="{9B7DB3B7-AA04-EB40-9807-E1F03014FC26}"/>
+                  </a:ext>
+                </a:extLst>
+              </p:cNvPr>
+              <p:cNvSpPr>
+                <a:spLocks noGrp="1"/>
+              </p:cNvSpPr>
+              <p:nvPr>
+                <p:ph idx="1"/>
+              </p:nvPr>
+            </p:nvSpPr>
+            <p:spPr/>
+            <p:txBody>
+              <a:bodyPr>
+                <a:normAutofit/>
+              </a:bodyPr>
+              <a:lstStyle/>
+              <a:p>
+                <a:r>
+                  <a:rPr lang="en-US" dirty="0" smtClean="0"/>
+                  <a:t>For a mixed model Y=X</a:t>
+                </a:r>
+                <a:r>
+                  <a:rPr lang="el-GR" dirty="0" smtClean="0"/>
+                  <a:t>β</a:t>
+                </a:r>
+                <a:r>
+                  <a:rPr lang="en-US" dirty="0" smtClean="0"/>
+                  <a:t>+</a:t>
+                </a:r>
+                <a:r>
+                  <a:rPr lang="en-US" dirty="0" err="1" smtClean="0"/>
+                  <a:t>Zb+E</a:t>
+                </a:r>
+                <a:r>
+                  <a:rPr lang="en-US" dirty="0" smtClean="0"/>
+                  <a:t>, usually we have the </a:t>
+                </a:r>
+                <a:r>
+                  <a:rPr lang="en-US" dirty="0" smtClean="0"/>
+                  <a:t>following assumption:</a:t>
+                </a:r>
+              </a:p>
+              <a:p>
+                <a:pPr lvl="1"/>
+                <a14:m>
+                  <m:oMath xmlns:m="http://schemas.openxmlformats.org/officeDocument/2006/math">
+                    <m:r>
+                      <a:rPr lang="en-US" b="0" i="1" smtClean="0">
+                        <a:latin typeface="Cambria Math" panose="02040503050406030204" pitchFamily="18" charset="0"/>
+                      </a:rPr>
+                      <m:t>𝐸</m:t>
+                    </m:r>
+                    <m:r>
+                      <a:rPr lang="en-US" b="0" i="1" smtClean="0">
+                        <a:latin typeface="Cambria Math" panose="02040503050406030204" pitchFamily="18" charset="0"/>
+                      </a:rPr>
+                      <m:t>~</m:t>
+                    </m:r>
+                    <m:r>
+                      <a:rPr lang="en-US" b="0" i="1" smtClean="0">
+                        <a:latin typeface="Cambria Math" panose="02040503050406030204" pitchFamily="18" charset="0"/>
+                      </a:rPr>
+                      <m:t>𝑁</m:t>
+                    </m:r>
+                    <m:d>
+                      <m:dPr>
+                        <m:ctrlPr>
+                          <a:rPr lang="en-US" b="0" i="1" smtClean="0">
+                            <a:latin typeface="Cambria Math" panose="02040503050406030204" pitchFamily="18" charset="0"/>
+                          </a:rPr>
+                        </m:ctrlPr>
+                      </m:dPr>
+                      <m:e>
+                        <m:r>
+                          <a:rPr lang="en-US" b="0" i="1" smtClean="0">
+                            <a:latin typeface="Cambria Math" panose="02040503050406030204" pitchFamily="18" charset="0"/>
+                          </a:rPr>
+                          <m:t>0,</m:t>
+                        </m:r>
+                        <m:r>
+                          <a:rPr lang="en-US" b="0" i="1" smtClean="0">
+                            <a:latin typeface="Cambria Math" panose="02040503050406030204" pitchFamily="18" charset="0"/>
+                          </a:rPr>
+                          <m:t>𝑅</m:t>
+                        </m:r>
+                      </m:e>
+                    </m:d>
+                  </m:oMath>
+                </a14:m>
+                <a:endParaRPr lang="en-US" dirty="0" smtClean="0"/>
+              </a:p>
+              <a:p>
+                <a:pPr lvl="1"/>
+                <a14:m>
+                  <m:oMath xmlns:m="http://schemas.openxmlformats.org/officeDocument/2006/math">
+                    <m:r>
+                      <a:rPr lang="en-US" b="0" i="1" smtClean="0">
+                        <a:latin typeface="Cambria Math" panose="02040503050406030204" pitchFamily="18" charset="0"/>
+                      </a:rPr>
+                      <m:t>𝑏</m:t>
+                    </m:r>
+                    <m:r>
+                      <a:rPr lang="en-US" b="0" i="1" smtClean="0">
+                        <a:latin typeface="Cambria Math" panose="02040503050406030204" pitchFamily="18" charset="0"/>
+                      </a:rPr>
+                      <m:t>~</m:t>
+                    </m:r>
+                    <m:r>
+                      <a:rPr lang="en-US" b="0" i="1" smtClean="0">
+                        <a:latin typeface="Cambria Math" panose="02040503050406030204" pitchFamily="18" charset="0"/>
+                      </a:rPr>
+                      <m:t>𝑁</m:t>
+                    </m:r>
+                    <m:d>
+                      <m:dPr>
+                        <m:ctrlPr>
+                          <a:rPr lang="en-US" b="0" i="1" smtClean="0">
+                            <a:latin typeface="Cambria Math" panose="02040503050406030204" pitchFamily="18" charset="0"/>
+                          </a:rPr>
+                        </m:ctrlPr>
+                      </m:dPr>
+                      <m:e>
+                        <m:r>
+                          <a:rPr lang="en-US" b="0" i="1" smtClean="0">
+                            <a:latin typeface="Cambria Math" panose="02040503050406030204" pitchFamily="18" charset="0"/>
+                          </a:rPr>
+                          <m:t>0,</m:t>
+                        </m:r>
+                        <m:r>
+                          <a:rPr lang="en-US" b="0" i="1" smtClean="0">
+                            <a:latin typeface="Cambria Math" panose="02040503050406030204" pitchFamily="18" charset="0"/>
+                          </a:rPr>
+                          <m:t>𝐺</m:t>
+                        </m:r>
+                      </m:e>
+                    </m:d>
+                  </m:oMath>
+                </a14:m>
+                <a:endParaRPr lang="en-US" dirty="0"/>
+              </a:p>
+              <a:p>
+                <a:r>
+                  <a:rPr lang="en-US" dirty="0" smtClean="0"/>
+                  <a:t>Our goal is to investigate if </a:t>
+                </a:r>
+                <a:r>
+                  <a:rPr lang="en-US" dirty="0"/>
+                  <a:t>the random effects distribution is not normally distributed, </a:t>
+                </a:r>
+                <a:r>
+                  <a:rPr lang="en-US" dirty="0" smtClean="0"/>
+                  <a:t>what would happen </a:t>
+                </a:r>
+                <a:r>
+                  <a:rPr lang="en-US" dirty="0"/>
+                  <a:t>to</a:t>
+                </a:r>
+              </a:p>
+              <a:p>
+                <a:pPr lvl="1"/>
+                <a:r>
+                  <a:rPr lang="en-US" dirty="0"/>
+                  <a:t>E</a:t>
+                </a:r>
+                <a:r>
+                  <a:rPr lang="en-US" dirty="0" smtClean="0"/>
+                  <a:t>stimation </a:t>
+                </a:r>
+                <a:r>
+                  <a:rPr lang="en-US" dirty="0"/>
+                  <a:t>of fixed effects</a:t>
+                </a:r>
+                <a:r>
+                  <a:rPr lang="en-US" dirty="0">
+                    <a:effectLst/>
+                  </a:rPr>
+                  <a:t> </a:t>
+                </a:r>
+              </a:p>
+              <a:p>
+                <a:pPr lvl="1"/>
+                <a:r>
+                  <a:rPr lang="en-US" dirty="0"/>
+                  <a:t>T</a:t>
+                </a:r>
+                <a:r>
+                  <a:rPr lang="en-US" dirty="0" smtClean="0"/>
+                  <a:t>he </a:t>
+                </a:r>
+                <a:r>
+                  <a:rPr lang="en-US" dirty="0"/>
+                  <a:t>standard errors estimates of the fixed effects </a:t>
+                </a:r>
+              </a:p>
+              <a:p>
+                <a:pPr lvl="1"/>
+                <a:r>
+                  <a:rPr lang="en-US" dirty="0"/>
+                  <a:t>T</a:t>
+                </a:r>
+                <a:r>
+                  <a:rPr lang="en-US" dirty="0" smtClean="0"/>
+                  <a:t>he </a:t>
+                </a:r>
+                <a:r>
+                  <a:rPr lang="en-US" dirty="0" err="1"/>
+                  <a:t>TypeI</a:t>
+                </a:r>
+                <a:r>
+                  <a:rPr lang="en-US" dirty="0"/>
+                  <a:t>/II error for the fixed effects hypothesis testing </a:t>
+                </a:r>
+              </a:p>
+            </p:txBody>
+          </p:sp>
+        </mc:Choice>
+        <mc:Fallback>
+          <p:sp>
+            <p:nvSpPr>
+              <p:cNvPr id="3" name="Content Placeholder 2">
+                <a:extLst>
+                  <a:ext uri="{FF2B5EF4-FFF2-40B4-BE49-F238E27FC236}">
+                    <a16:creationId xmlns:a16="http://schemas.microsoft.com/office/drawing/2014/main" xmlns="" id="{9B7DB3B7-AA04-EB40-9807-E1F03014FC26}"/>
+                  </a:ext>
+                </a:extLst>
+              </p:cNvPr>
+              <p:cNvSpPr>
+                <a:spLocks noGrp="1" noRot="1" noChangeAspect="1" noMove="1" noResize="1" noEditPoints="1" noAdjustHandles="1" noChangeArrowheads="1" noChangeShapeType="1" noTextEdit="1"/>
+              </p:cNvSpPr>
+              <p:nvPr>
+                <p:ph idx="1"/>
+              </p:nvPr>
+            </p:nvSpPr>
+            <p:spPr>
+              <a:blipFill rotWithShape="0">
+                <a:blip r:embed="rId2"/>
+                <a:stretch>
+                  <a:fillRect l="-1043" t="-2241"/>
+                </a:stretch>
+              </a:blipFill>
+            </p:spPr>
+            <p:txBody>
+              <a:bodyPr/>
+              <a:lstStyle/>
+              <a:p>
+                <a:r>
+                  <a:rPr lang="en-US">
+                    <a:noFill/>
+                  </a:rPr>
+                  <a:t> </a:t>
+                </a:r>
+              </a:p>
+            </p:txBody>
+          </p:sp>
+        </mc:Fallback>
+      </mc:AlternateContent>
     </p:spTree>
     <p:extLst>
       <p:ext uri="{BB962C8B-B14F-4D97-AF65-F5344CB8AC3E}">
@@ -3975,7 +4133,7 @@
           <p:cNvPr id="2" name="Title 1">
             <a:extLst>
               <a:ext uri="{FF2B5EF4-FFF2-40B4-BE49-F238E27FC236}">
-                <a16:creationId xmlns="" xmlns:a16="http://schemas.microsoft.com/office/drawing/2014/main" id="{BA7FFAC6-5999-CE46-BA63-3F88FD4F16D5}"/>
+                <a16:creationId xmlns:a16="http://schemas.microsoft.com/office/drawing/2014/main" xmlns="" id="{BA7FFAC6-5999-CE46-BA63-3F88FD4F16D5}"/>
               </a:ext>
             </a:extLst>
           </p:cNvPr>
@@ -4010,7 +4168,7 @@
           <p:cNvPr id="3" name="Content Placeholder 2">
             <a:extLst>
               <a:ext uri="{FF2B5EF4-FFF2-40B4-BE49-F238E27FC236}">
-                <a16:creationId xmlns="" xmlns:a16="http://schemas.microsoft.com/office/drawing/2014/main" id="{B5ABBD12-F1F4-6143-A67D-2DCE70C17F44}"/>
+                <a16:creationId xmlns:a16="http://schemas.microsoft.com/office/drawing/2014/main" xmlns="" id="{B5ABBD12-F1F4-6143-A67D-2DCE70C17F44}"/>
               </a:ext>
             </a:extLst>
           </p:cNvPr>
@@ -4300,8 +4458,8 @@
           </a:p>
         </p:txBody>
       </p:sp>
-      <mc:AlternateContent xmlns:mc="http://schemas.openxmlformats.org/markup-compatibility/2006">
-        <mc:Choice xmlns:a14="http://schemas.microsoft.com/office/drawing/2010/main" Requires="a14">
+      <mc:AlternateContent xmlns:mc="http://schemas.openxmlformats.org/markup-compatibility/2006" xmlns:a14="http://schemas.microsoft.com/office/drawing/2010/main">
+        <mc:Choice Requires="a14">
           <p:graphicFrame>
             <p:nvGraphicFramePr>
               <p:cNvPr id="6" name="Content Placeholder 5"/>
@@ -8948,7 +9106,7 @@
             </a:graphic>
           </p:graphicFrame>
         </mc:Choice>
-        <mc:Fallback>
+        <mc:Fallback xmlns="">
           <p:graphicFrame>
             <p:nvGraphicFramePr>
               <p:cNvPr id="6" name="Content Placeholder 5"/>

--- a/Project2/Reports/Project 2 interim.pptx
+++ b/Project2/Reports/Project 2 interim.pptx
@@ -2,7 +2,7 @@
 <file path=ppt/presentation.xml><?xml version="1.0" encoding="utf-8"?>
 <p:presentation xmlns:a="http://schemas.openxmlformats.org/drawingml/2006/main" xmlns:r="http://schemas.openxmlformats.org/officeDocument/2006/relationships" xmlns:p="http://schemas.openxmlformats.org/presentationml/2006/main" saveSubsetFonts="1" autoCompressPictures="0">
   <p:sldMasterIdLst>
-    <p:sldMasterId id="2147483648" r:id="rId1"/>
+    <p:sldMasterId id="2147483660" r:id="rId1"/>
   </p:sldMasterIdLst>
   <p:notesMasterIdLst>
     <p:notesMasterId r:id="rId5"/>
@@ -511,7 +511,7 @@
           <a:bodyPr/>
           <a:lstStyle/>
           <a:p>
-            <a:endParaRPr lang="en-US" dirty="0"/>
+            <a:endParaRPr lang="en-US"/>
           </a:p>
         </p:txBody>
       </p:sp>
@@ -532,6 +532,90 @@
           <a:p>
             <a:fld id="{B3ED544E-CDB0-4D43-95A8-50404D91114C}" type="slidenum">
               <a:rPr lang="en-US" smtClean="0"/>
+              <a:t>1</a:t>
+            </a:fld>
+            <a:endParaRPr lang="en-US"/>
+          </a:p>
+        </p:txBody>
+      </p:sp>
+    </p:spTree>
+    <p:extLst>
+      <p:ext uri="{BB962C8B-B14F-4D97-AF65-F5344CB8AC3E}">
+        <p14:creationId xmlns:p14="http://schemas.microsoft.com/office/powerpoint/2010/main" val="1143143398"/>
+      </p:ext>
+    </p:extLst>
+  </p:cSld>
+  <p:clrMapOvr>
+    <a:masterClrMapping/>
+  </p:clrMapOvr>
+</p:notes>
+</file>
+
+<file path=ppt/notesSlides/notesSlide2.xml><?xml version="1.0" encoding="utf-8"?>
+<p:notes xmlns:a="http://schemas.openxmlformats.org/drawingml/2006/main" xmlns:r="http://schemas.openxmlformats.org/officeDocument/2006/relationships" xmlns:p="http://schemas.openxmlformats.org/presentationml/2006/main">
+  <p:cSld>
+    <p:spTree>
+      <p:nvGrpSpPr>
+        <p:cNvPr id="1" name=""/>
+        <p:cNvGrpSpPr/>
+        <p:nvPr/>
+      </p:nvGrpSpPr>
+      <p:grpSpPr>
+        <a:xfrm>
+          <a:off x="0" y="0"/>
+          <a:ext cx="0" cy="0"/>
+          <a:chOff x="0" y="0"/>
+          <a:chExt cx="0" cy="0"/>
+        </a:xfrm>
+      </p:grpSpPr>
+      <p:sp>
+        <p:nvSpPr>
+          <p:cNvPr id="2" name="Slide Image Placeholder 1"/>
+          <p:cNvSpPr>
+            <a:spLocks noGrp="1" noRot="1" noChangeAspect="1"/>
+          </p:cNvSpPr>
+          <p:nvPr>
+            <p:ph type="sldImg"/>
+          </p:nvPr>
+        </p:nvSpPr>
+        <p:spPr/>
+      </p:sp>
+      <p:sp>
+        <p:nvSpPr>
+          <p:cNvPr id="3" name="Notes Placeholder 2"/>
+          <p:cNvSpPr>
+            <a:spLocks noGrp="1"/>
+          </p:cNvSpPr>
+          <p:nvPr>
+            <p:ph type="body" idx="1"/>
+          </p:nvPr>
+        </p:nvSpPr>
+        <p:spPr/>
+        <p:txBody>
+          <a:bodyPr/>
+          <a:lstStyle/>
+          <a:p>
+            <a:endParaRPr lang="en-US" dirty="0"/>
+          </a:p>
+        </p:txBody>
+      </p:sp>
+      <p:sp>
+        <p:nvSpPr>
+          <p:cNvPr id="4" name="Slide Number Placeholder 3"/>
+          <p:cNvSpPr>
+            <a:spLocks noGrp="1"/>
+          </p:cNvSpPr>
+          <p:nvPr>
+            <p:ph type="sldNum" sz="quarter" idx="10"/>
+          </p:nvPr>
+        </p:nvSpPr>
+        <p:spPr/>
+        <p:txBody>
+          <a:bodyPr/>
+          <a:lstStyle/>
+          <a:p>
+            <a:fld id="{B3ED544E-CDB0-4D43-95A8-50404D91114C}" type="slidenum">
+              <a:rPr lang="en-US" smtClean="0"/>
               <a:t>3</a:t>
             </a:fld>
             <a:endParaRPr lang="en-US"/>
@@ -552,8 +636,791 @@
 </file>
 
 <file path=ppt/slideLayouts/slideLayout1.xml><?xml version="1.0" encoding="utf-8"?>
-<p:sldLayout xmlns:a="http://schemas.openxmlformats.org/drawingml/2006/main" xmlns:r="http://schemas.openxmlformats.org/officeDocument/2006/relationships" xmlns:p="http://schemas.openxmlformats.org/presentationml/2006/main" type="title" preserve="1">
+<p:sldLayout xmlns:a="http://schemas.openxmlformats.org/drawingml/2006/main" xmlns:r="http://schemas.openxmlformats.org/officeDocument/2006/relationships" xmlns:p="http://schemas.openxmlformats.org/presentationml/2006/main" showMasterSp="0" type="title" preserve="1">
   <p:cSld name="Title Slide">
+    <p:spTree>
+      <p:nvGrpSpPr>
+        <p:cNvPr id="1" name=""/>
+        <p:cNvGrpSpPr/>
+        <p:nvPr/>
+      </p:nvGrpSpPr>
+      <p:grpSpPr>
+        <a:xfrm>
+          <a:off x="0" y="0"/>
+          <a:ext cx="0" cy="0"/>
+          <a:chOff x="0" y="0"/>
+          <a:chExt cx="0" cy="0"/>
+        </a:xfrm>
+      </p:grpSpPr>
+      <p:grpSp>
+        <p:nvGrpSpPr>
+          <p:cNvPr id="7" name="Group 6"/>
+          <p:cNvGrpSpPr/>
+          <p:nvPr/>
+        </p:nvGrpSpPr>
+        <p:grpSpPr>
+          <a:xfrm>
+            <a:off x="0" y="-8467"/>
+            <a:ext cx="12192000" cy="6866467"/>
+            <a:chOff x="0" y="-8467"/>
+            <a:chExt cx="12192000" cy="6866467"/>
+          </a:xfrm>
+        </p:grpSpPr>
+        <p:cxnSp>
+          <p:nvCxnSpPr>
+            <p:cNvPr id="32" name="Straight Connector 31"/>
+            <p:cNvCxnSpPr/>
+            <p:nvPr/>
+          </p:nvCxnSpPr>
+          <p:spPr>
+            <a:xfrm>
+              <a:off x="9371012" y="0"/>
+              <a:ext cx="1219200" cy="6858000"/>
+            </a:xfrm>
+            <a:prstGeom prst="line">
+              <a:avLst/>
+            </a:prstGeom>
+            <a:ln w="9525">
+              <a:solidFill>
+                <a:schemeClr val="bg1">
+                  <a:lumMod val="75000"/>
+                </a:schemeClr>
+              </a:solidFill>
+            </a:ln>
+          </p:spPr>
+          <p:style>
+            <a:lnRef idx="2">
+              <a:schemeClr val="accent1"/>
+            </a:lnRef>
+            <a:fillRef idx="0">
+              <a:schemeClr val="accent1"/>
+            </a:fillRef>
+            <a:effectRef idx="1">
+              <a:schemeClr val="accent1"/>
+            </a:effectRef>
+            <a:fontRef idx="minor">
+              <a:schemeClr val="tx1"/>
+            </a:fontRef>
+          </p:style>
+        </p:cxnSp>
+        <p:cxnSp>
+          <p:nvCxnSpPr>
+            <p:cNvPr id="21" name="Straight Connector 20"/>
+            <p:cNvCxnSpPr/>
+            <p:nvPr/>
+          </p:nvCxnSpPr>
+          <p:spPr>
+            <a:xfrm flipH="1">
+              <a:off x="7425267" y="3681413"/>
+              <a:ext cx="4763558" cy="3176587"/>
+            </a:xfrm>
+            <a:prstGeom prst="line">
+              <a:avLst/>
+            </a:prstGeom>
+            <a:ln w="9525">
+              <a:solidFill>
+                <a:schemeClr val="bg1">
+                  <a:lumMod val="85000"/>
+                </a:schemeClr>
+              </a:solidFill>
+            </a:ln>
+          </p:spPr>
+          <p:style>
+            <a:lnRef idx="2">
+              <a:schemeClr val="accent1"/>
+            </a:lnRef>
+            <a:fillRef idx="0">
+              <a:schemeClr val="accent1"/>
+            </a:fillRef>
+            <a:effectRef idx="1">
+              <a:schemeClr val="accent1"/>
+            </a:effectRef>
+            <a:fontRef idx="minor">
+              <a:schemeClr val="tx1"/>
+            </a:fontRef>
+          </p:style>
+        </p:cxnSp>
+        <p:sp>
+          <p:nvSpPr>
+            <p:cNvPr id="24" name="Rectangle 23"/>
+            <p:cNvSpPr/>
+            <p:nvPr/>
+          </p:nvSpPr>
+          <p:spPr>
+            <a:xfrm>
+              <a:off x="9181476" y="-8467"/>
+              <a:ext cx="3007349" cy="6866467"/>
+            </a:xfrm>
+            <a:custGeom>
+              <a:avLst/>
+              <a:gdLst/>
+              <a:ahLst/>
+              <a:cxnLst/>
+              <a:rect l="l" t="t" r="r" b="b"/>
+              <a:pathLst>
+                <a:path w="3007349" h="6866467">
+                  <a:moveTo>
+                    <a:pt x="2045532" y="0"/>
+                  </a:moveTo>
+                  <a:lnTo>
+                    <a:pt x="3007349" y="0"/>
+                  </a:lnTo>
+                  <a:lnTo>
+                    <a:pt x="3007349" y="6866467"/>
+                  </a:lnTo>
+                  <a:lnTo>
+                    <a:pt x="0" y="6866467"/>
+                  </a:lnTo>
+                  <a:lnTo>
+                    <a:pt x="2045532" y="0"/>
+                  </a:lnTo>
+                  <a:close/>
+                </a:path>
+              </a:pathLst>
+            </a:custGeom>
+            <a:solidFill>
+              <a:schemeClr val="accent1">
+                <a:alpha val="30000"/>
+              </a:schemeClr>
+            </a:solidFill>
+            <a:ln>
+              <a:noFill/>
+            </a:ln>
+            <a:effectLst/>
+          </p:spPr>
+          <p:style>
+            <a:lnRef idx="1">
+              <a:schemeClr val="accent1"/>
+            </a:lnRef>
+            <a:fillRef idx="3">
+              <a:schemeClr val="accent1"/>
+            </a:fillRef>
+            <a:effectRef idx="2">
+              <a:schemeClr val="accent1"/>
+            </a:effectRef>
+            <a:fontRef idx="minor">
+              <a:schemeClr val="lt1"/>
+            </a:fontRef>
+          </p:style>
+        </p:sp>
+        <p:sp>
+          <p:nvSpPr>
+            <p:cNvPr id="26" name="Rectangle 25"/>
+            <p:cNvSpPr/>
+            <p:nvPr/>
+          </p:nvSpPr>
+          <p:spPr>
+            <a:xfrm>
+              <a:off x="9603442" y="-8467"/>
+              <a:ext cx="2588558" cy="6866467"/>
+            </a:xfrm>
+            <a:custGeom>
+              <a:avLst/>
+              <a:gdLst/>
+              <a:ahLst/>
+              <a:cxnLst/>
+              <a:rect l="l" t="t" r="r" b="b"/>
+              <a:pathLst>
+                <a:path w="2573311" h="6866467">
+                  <a:moveTo>
+                    <a:pt x="0" y="0"/>
+                  </a:moveTo>
+                  <a:lnTo>
+                    <a:pt x="2573311" y="0"/>
+                  </a:lnTo>
+                  <a:lnTo>
+                    <a:pt x="2573311" y="6866467"/>
+                  </a:lnTo>
+                  <a:lnTo>
+                    <a:pt x="1202336" y="6866467"/>
+                  </a:lnTo>
+                  <a:lnTo>
+                    <a:pt x="0" y="0"/>
+                  </a:lnTo>
+                  <a:close/>
+                </a:path>
+              </a:pathLst>
+            </a:custGeom>
+            <a:solidFill>
+              <a:schemeClr val="accent1">
+                <a:alpha val="20000"/>
+              </a:schemeClr>
+            </a:solidFill>
+            <a:ln>
+              <a:noFill/>
+            </a:ln>
+            <a:effectLst/>
+          </p:spPr>
+          <p:style>
+            <a:lnRef idx="1">
+              <a:schemeClr val="accent1"/>
+            </a:lnRef>
+            <a:fillRef idx="3">
+              <a:schemeClr val="accent1"/>
+            </a:fillRef>
+            <a:effectRef idx="2">
+              <a:schemeClr val="accent1"/>
+            </a:effectRef>
+            <a:fontRef idx="minor">
+              <a:schemeClr val="lt1"/>
+            </a:fontRef>
+          </p:style>
+        </p:sp>
+        <p:sp>
+          <p:nvSpPr>
+            <p:cNvPr id="27" name="Isosceles Triangle 26"/>
+            <p:cNvSpPr/>
+            <p:nvPr/>
+          </p:nvSpPr>
+          <p:spPr>
+            <a:xfrm>
+              <a:off x="8932333" y="3048000"/>
+              <a:ext cx="3259667" cy="3810000"/>
+            </a:xfrm>
+            <a:prstGeom prst="triangle">
+              <a:avLst>
+                <a:gd name="adj" fmla="val 100000"/>
+              </a:avLst>
+            </a:prstGeom>
+            <a:solidFill>
+              <a:schemeClr val="accent2">
+                <a:alpha val="72000"/>
+              </a:schemeClr>
+            </a:solidFill>
+            <a:ln>
+              <a:noFill/>
+            </a:ln>
+            <a:effectLst/>
+          </p:spPr>
+          <p:style>
+            <a:lnRef idx="1">
+              <a:schemeClr val="accent1"/>
+            </a:lnRef>
+            <a:fillRef idx="3">
+              <a:schemeClr val="accent1"/>
+            </a:fillRef>
+            <a:effectRef idx="2">
+              <a:schemeClr val="accent1"/>
+            </a:effectRef>
+            <a:fontRef idx="minor">
+              <a:schemeClr val="lt1"/>
+            </a:fontRef>
+          </p:style>
+        </p:sp>
+        <p:sp>
+          <p:nvSpPr>
+            <p:cNvPr id="28" name="Rectangle 27"/>
+            <p:cNvSpPr/>
+            <p:nvPr/>
+          </p:nvSpPr>
+          <p:spPr>
+            <a:xfrm>
+              <a:off x="9334500" y="-8467"/>
+              <a:ext cx="2854326" cy="6866467"/>
+            </a:xfrm>
+            <a:custGeom>
+              <a:avLst/>
+              <a:gdLst/>
+              <a:ahLst/>
+              <a:cxnLst/>
+              <a:rect l="l" t="t" r="r" b="b"/>
+              <a:pathLst>
+                <a:path w="2858013" h="6866467">
+                  <a:moveTo>
+                    <a:pt x="0" y="0"/>
+                  </a:moveTo>
+                  <a:lnTo>
+                    <a:pt x="2858013" y="0"/>
+                  </a:lnTo>
+                  <a:lnTo>
+                    <a:pt x="2858013" y="6866467"/>
+                  </a:lnTo>
+                  <a:lnTo>
+                    <a:pt x="2473942" y="6866467"/>
+                  </a:lnTo>
+                  <a:lnTo>
+                    <a:pt x="0" y="0"/>
+                  </a:lnTo>
+                  <a:close/>
+                </a:path>
+              </a:pathLst>
+            </a:custGeom>
+            <a:solidFill>
+              <a:schemeClr val="accent2">
+                <a:lumMod val="75000"/>
+                <a:alpha val="70000"/>
+              </a:schemeClr>
+            </a:solidFill>
+            <a:ln>
+              <a:noFill/>
+            </a:ln>
+            <a:effectLst/>
+          </p:spPr>
+          <p:style>
+            <a:lnRef idx="1">
+              <a:schemeClr val="accent1"/>
+            </a:lnRef>
+            <a:fillRef idx="3">
+              <a:schemeClr val="accent1"/>
+            </a:fillRef>
+            <a:effectRef idx="2">
+              <a:schemeClr val="accent1"/>
+            </a:effectRef>
+            <a:fontRef idx="minor">
+              <a:schemeClr val="lt1"/>
+            </a:fontRef>
+          </p:style>
+        </p:sp>
+        <p:sp>
+          <p:nvSpPr>
+            <p:cNvPr id="29" name="Rectangle 28"/>
+            <p:cNvSpPr/>
+            <p:nvPr/>
+          </p:nvSpPr>
+          <p:spPr>
+            <a:xfrm>
+              <a:off x="10898730" y="-8467"/>
+              <a:ext cx="1290094" cy="6866467"/>
+            </a:xfrm>
+            <a:custGeom>
+              <a:avLst/>
+              <a:gdLst/>
+              <a:ahLst/>
+              <a:cxnLst/>
+              <a:rect l="l" t="t" r="r" b="b"/>
+              <a:pathLst>
+                <a:path w="1290094" h="6858000">
+                  <a:moveTo>
+                    <a:pt x="1019735" y="0"/>
+                  </a:moveTo>
+                  <a:lnTo>
+                    <a:pt x="1290094" y="0"/>
+                  </a:lnTo>
+                  <a:lnTo>
+                    <a:pt x="1290094" y="6858000"/>
+                  </a:lnTo>
+                  <a:lnTo>
+                    <a:pt x="0" y="6858000"/>
+                  </a:lnTo>
+                  <a:lnTo>
+                    <a:pt x="1019735" y="0"/>
+                  </a:lnTo>
+                  <a:close/>
+                </a:path>
+              </a:pathLst>
+            </a:custGeom>
+            <a:solidFill>
+              <a:schemeClr val="accent1">
+                <a:lumMod val="60000"/>
+                <a:lumOff val="40000"/>
+                <a:alpha val="70000"/>
+              </a:schemeClr>
+            </a:solidFill>
+            <a:ln>
+              <a:noFill/>
+            </a:ln>
+            <a:effectLst/>
+          </p:spPr>
+          <p:style>
+            <a:lnRef idx="1">
+              <a:schemeClr val="accent1"/>
+            </a:lnRef>
+            <a:fillRef idx="3">
+              <a:schemeClr val="accent1"/>
+            </a:fillRef>
+            <a:effectRef idx="2">
+              <a:schemeClr val="accent1"/>
+            </a:effectRef>
+            <a:fontRef idx="minor">
+              <a:schemeClr val="lt1"/>
+            </a:fontRef>
+          </p:style>
+        </p:sp>
+        <p:sp>
+          <p:nvSpPr>
+            <p:cNvPr id="30" name="Rectangle 29"/>
+            <p:cNvSpPr/>
+            <p:nvPr/>
+          </p:nvSpPr>
+          <p:spPr>
+            <a:xfrm>
+              <a:off x="10938999" y="-8467"/>
+              <a:ext cx="1249825" cy="6866467"/>
+            </a:xfrm>
+            <a:custGeom>
+              <a:avLst/>
+              <a:gdLst/>
+              <a:ahLst/>
+              <a:cxnLst/>
+              <a:rect l="l" t="t" r="r" b="b"/>
+              <a:pathLst>
+                <a:path w="1249825" h="6858000">
+                  <a:moveTo>
+                    <a:pt x="0" y="0"/>
+                  </a:moveTo>
+                  <a:lnTo>
+                    <a:pt x="1249825" y="0"/>
+                  </a:lnTo>
+                  <a:lnTo>
+                    <a:pt x="1249825" y="6858000"/>
+                  </a:lnTo>
+                  <a:lnTo>
+                    <a:pt x="1109382" y="6858000"/>
+                  </a:lnTo>
+                  <a:lnTo>
+                    <a:pt x="0" y="0"/>
+                  </a:lnTo>
+                  <a:close/>
+                </a:path>
+              </a:pathLst>
+            </a:custGeom>
+            <a:solidFill>
+              <a:schemeClr val="accent1">
+                <a:alpha val="65000"/>
+              </a:schemeClr>
+            </a:solidFill>
+            <a:ln>
+              <a:noFill/>
+            </a:ln>
+            <a:effectLst/>
+          </p:spPr>
+          <p:style>
+            <a:lnRef idx="1">
+              <a:schemeClr val="accent1"/>
+            </a:lnRef>
+            <a:fillRef idx="3">
+              <a:schemeClr val="accent1"/>
+            </a:fillRef>
+            <a:effectRef idx="2">
+              <a:schemeClr val="accent1"/>
+            </a:effectRef>
+            <a:fontRef idx="minor">
+              <a:schemeClr val="lt1"/>
+            </a:fontRef>
+          </p:style>
+        </p:sp>
+        <p:sp>
+          <p:nvSpPr>
+            <p:cNvPr id="31" name="Isosceles Triangle 30"/>
+            <p:cNvSpPr/>
+            <p:nvPr/>
+          </p:nvSpPr>
+          <p:spPr>
+            <a:xfrm>
+              <a:off x="10371666" y="3589867"/>
+              <a:ext cx="1817159" cy="3268133"/>
+            </a:xfrm>
+            <a:prstGeom prst="triangle">
+              <a:avLst>
+                <a:gd name="adj" fmla="val 100000"/>
+              </a:avLst>
+            </a:prstGeom>
+            <a:solidFill>
+              <a:schemeClr val="accent1">
+                <a:alpha val="80000"/>
+              </a:schemeClr>
+            </a:solidFill>
+            <a:ln>
+              <a:noFill/>
+            </a:ln>
+            <a:effectLst/>
+          </p:spPr>
+          <p:style>
+            <a:lnRef idx="1">
+              <a:schemeClr val="accent1"/>
+            </a:lnRef>
+            <a:fillRef idx="3">
+              <a:schemeClr val="accent1"/>
+            </a:fillRef>
+            <a:effectRef idx="2">
+              <a:schemeClr val="accent1"/>
+            </a:effectRef>
+            <a:fontRef idx="minor">
+              <a:schemeClr val="lt1"/>
+            </a:fontRef>
+          </p:style>
+        </p:sp>
+        <p:sp>
+          <p:nvSpPr>
+            <p:cNvPr id="19" name="Isosceles Triangle 18"/>
+            <p:cNvSpPr/>
+            <p:nvPr/>
+          </p:nvSpPr>
+          <p:spPr>
+            <a:xfrm rot="10800000">
+              <a:off x="0" y="0"/>
+              <a:ext cx="842596" cy="5666154"/>
+            </a:xfrm>
+            <a:prstGeom prst="triangle">
+              <a:avLst>
+                <a:gd name="adj" fmla="val 100000"/>
+              </a:avLst>
+            </a:prstGeom>
+            <a:solidFill>
+              <a:schemeClr val="accent1">
+                <a:alpha val="85000"/>
+              </a:schemeClr>
+            </a:solidFill>
+            <a:ln>
+              <a:noFill/>
+            </a:ln>
+            <a:effectLst/>
+          </p:spPr>
+          <p:style>
+            <a:lnRef idx="1">
+              <a:schemeClr val="accent1"/>
+            </a:lnRef>
+            <a:fillRef idx="3">
+              <a:schemeClr val="accent1"/>
+            </a:fillRef>
+            <a:effectRef idx="2">
+              <a:schemeClr val="accent1"/>
+            </a:effectRef>
+            <a:fontRef idx="minor">
+              <a:schemeClr val="lt1"/>
+            </a:fontRef>
+          </p:style>
+        </p:sp>
+      </p:grpSp>
+      <p:sp>
+        <p:nvSpPr>
+          <p:cNvPr id="2" name="Title 1"/>
+          <p:cNvSpPr>
+            <a:spLocks noGrp="1"/>
+          </p:cNvSpPr>
+          <p:nvPr>
+            <p:ph type="ctrTitle"/>
+          </p:nvPr>
+        </p:nvSpPr>
+        <p:spPr>
+          <a:xfrm>
+            <a:off x="1507067" y="2404534"/>
+            <a:ext cx="7766936" cy="1646302"/>
+          </a:xfrm>
+        </p:spPr>
+        <p:txBody>
+          <a:bodyPr anchor="b">
+            <a:noAutofit/>
+          </a:bodyPr>
+          <a:lstStyle>
+            <a:lvl1pPr algn="r">
+              <a:defRPr sz="5400">
+                <a:solidFill>
+                  <a:schemeClr val="accent1"/>
+                </a:solidFill>
+              </a:defRPr>
+            </a:lvl1pPr>
+          </a:lstStyle>
+          <a:p>
+            <a:r>
+              <a:rPr lang="en-US" smtClean="0"/>
+              <a:t>Click to edit Master title style</a:t>
+            </a:r>
+            <a:endParaRPr lang="en-US" dirty="0"/>
+          </a:p>
+        </p:txBody>
+      </p:sp>
+      <p:sp>
+        <p:nvSpPr>
+          <p:cNvPr id="3" name="Subtitle 2"/>
+          <p:cNvSpPr>
+            <a:spLocks noGrp="1"/>
+          </p:cNvSpPr>
+          <p:nvPr>
+            <p:ph type="subTitle" idx="1"/>
+          </p:nvPr>
+        </p:nvSpPr>
+        <p:spPr>
+          <a:xfrm>
+            <a:off x="1507067" y="4050833"/>
+            <a:ext cx="7766936" cy="1096899"/>
+          </a:xfrm>
+        </p:spPr>
+        <p:txBody>
+          <a:bodyPr anchor="t"/>
+          <a:lstStyle>
+            <a:lvl1pPr marL="0" indent="0" algn="r">
+              <a:buNone/>
+              <a:defRPr>
+                <a:solidFill>
+                  <a:schemeClr val="tx1">
+                    <a:lumMod val="50000"/>
+                    <a:lumOff val="50000"/>
+                  </a:schemeClr>
+                </a:solidFill>
+              </a:defRPr>
+            </a:lvl1pPr>
+            <a:lvl2pPr marL="457200" indent="0" algn="ctr">
+              <a:buNone/>
+              <a:defRPr>
+                <a:solidFill>
+                  <a:schemeClr val="tx1">
+                    <a:tint val="75000"/>
+                  </a:schemeClr>
+                </a:solidFill>
+              </a:defRPr>
+            </a:lvl2pPr>
+            <a:lvl3pPr marL="914400" indent="0" algn="ctr">
+              <a:buNone/>
+              <a:defRPr>
+                <a:solidFill>
+                  <a:schemeClr val="tx1">
+                    <a:tint val="75000"/>
+                  </a:schemeClr>
+                </a:solidFill>
+              </a:defRPr>
+            </a:lvl3pPr>
+            <a:lvl4pPr marL="1371600" indent="0" algn="ctr">
+              <a:buNone/>
+              <a:defRPr>
+                <a:solidFill>
+                  <a:schemeClr val="tx1">
+                    <a:tint val="75000"/>
+                  </a:schemeClr>
+                </a:solidFill>
+              </a:defRPr>
+            </a:lvl4pPr>
+            <a:lvl5pPr marL="1828800" indent="0" algn="ctr">
+              <a:buNone/>
+              <a:defRPr>
+                <a:solidFill>
+                  <a:schemeClr val="tx1">
+                    <a:tint val="75000"/>
+                  </a:schemeClr>
+                </a:solidFill>
+              </a:defRPr>
+            </a:lvl5pPr>
+            <a:lvl6pPr marL="2286000" indent="0" algn="ctr">
+              <a:buNone/>
+              <a:defRPr>
+                <a:solidFill>
+                  <a:schemeClr val="tx1">
+                    <a:tint val="75000"/>
+                  </a:schemeClr>
+                </a:solidFill>
+              </a:defRPr>
+            </a:lvl6pPr>
+            <a:lvl7pPr marL="2743200" indent="0" algn="ctr">
+              <a:buNone/>
+              <a:defRPr>
+                <a:solidFill>
+                  <a:schemeClr val="tx1">
+                    <a:tint val="75000"/>
+                  </a:schemeClr>
+                </a:solidFill>
+              </a:defRPr>
+            </a:lvl7pPr>
+            <a:lvl8pPr marL="3200400" indent="0" algn="ctr">
+              <a:buNone/>
+              <a:defRPr>
+                <a:solidFill>
+                  <a:schemeClr val="tx1">
+                    <a:tint val="75000"/>
+                  </a:schemeClr>
+                </a:solidFill>
+              </a:defRPr>
+            </a:lvl8pPr>
+            <a:lvl9pPr marL="3657600" indent="0" algn="ctr">
+              <a:buNone/>
+              <a:defRPr>
+                <a:solidFill>
+                  <a:schemeClr val="tx1">
+                    <a:tint val="75000"/>
+                  </a:schemeClr>
+                </a:solidFill>
+              </a:defRPr>
+            </a:lvl9pPr>
+          </a:lstStyle>
+          <a:p>
+            <a:r>
+              <a:rPr lang="en-US" smtClean="0"/>
+              <a:t>Click to edit Master subtitle style</a:t>
+            </a:r>
+            <a:endParaRPr lang="en-US" dirty="0"/>
+          </a:p>
+        </p:txBody>
+      </p:sp>
+      <p:sp>
+        <p:nvSpPr>
+          <p:cNvPr id="4" name="Date Placeholder 3"/>
+          <p:cNvSpPr>
+            <a:spLocks noGrp="1"/>
+          </p:cNvSpPr>
+          <p:nvPr>
+            <p:ph type="dt" sz="half" idx="10"/>
+          </p:nvPr>
+        </p:nvSpPr>
+        <p:spPr/>
+        <p:txBody>
+          <a:bodyPr/>
+          <a:lstStyle/>
+          <a:p>
+            <a:fld id="{3F33BB83-A487-48C3-A8A6-226753098D78}" type="datetime1">
+              <a:rPr lang="en-US" smtClean="0"/>
+              <a:t>10/16/2018</a:t>
+            </a:fld>
+            <a:endParaRPr lang="en-US"/>
+          </a:p>
+        </p:txBody>
+      </p:sp>
+      <p:sp>
+        <p:nvSpPr>
+          <p:cNvPr id="5" name="Footer Placeholder 4"/>
+          <p:cNvSpPr>
+            <a:spLocks noGrp="1"/>
+          </p:cNvSpPr>
+          <p:nvPr>
+            <p:ph type="ftr" sz="quarter" idx="11"/>
+          </p:nvPr>
+        </p:nvSpPr>
+        <p:spPr/>
+        <p:txBody>
+          <a:bodyPr/>
+          <a:lstStyle/>
+          <a:p>
+            <a:endParaRPr lang="en-US"/>
+          </a:p>
+        </p:txBody>
+      </p:sp>
+      <p:sp>
+        <p:nvSpPr>
+          <p:cNvPr id="6" name="Slide Number Placeholder 5"/>
+          <p:cNvSpPr>
+            <a:spLocks noGrp="1"/>
+          </p:cNvSpPr>
+          <p:nvPr>
+            <p:ph type="sldNum" sz="quarter" idx="12"/>
+          </p:nvPr>
+        </p:nvSpPr>
+        <p:spPr/>
+        <p:txBody>
+          <a:bodyPr/>
+          <a:lstStyle/>
+          <a:p>
+            <a:fld id="{29594D6E-6C01-6F46-B809-5BF366DCAAA3}" type="slidenum">
+              <a:rPr lang="en-US" smtClean="0"/>
+              <a:t>‹#›</a:t>
+            </a:fld>
+            <a:endParaRPr lang="en-US"/>
+          </a:p>
+        </p:txBody>
+      </p:sp>
+    </p:spTree>
+    <p:extLst>
+      <p:ext uri="{BB962C8B-B14F-4D97-AF65-F5344CB8AC3E}">
+        <p14:creationId xmlns:p14="http://schemas.microsoft.com/office/powerpoint/2010/main" val="298896399"/>
+      </p:ext>
+    </p:extLst>
+  </p:cSld>
+  <p:clrMapOvr>
+    <a:masterClrMapping/>
+  </p:clrMapOvr>
+</p:sldLayout>
+</file>
+
+<file path=ppt/slideLayouts/slideLayout10.xml><?xml version="1.0" encoding="utf-8"?>
+<p:sldLayout xmlns:a="http://schemas.openxmlformats.org/drawingml/2006/main" xmlns:r="http://schemas.openxmlformats.org/officeDocument/2006/relationships" xmlns:p="http://schemas.openxmlformats.org/presentationml/2006/main" preserve="1">
+  <p:cSld name="Title and Caption">
     <p:spTree>
       <p:nvGrpSpPr>
         <p:cNvPr id="1" name=""/>
@@ -570,120 +1437,163 @@
       </p:grpSpPr>
       <p:sp>
         <p:nvSpPr>
-          <p:cNvPr id="2" name="Title 1">
-            <a:extLst>
-              <a:ext uri="{FF2B5EF4-FFF2-40B4-BE49-F238E27FC236}">
-                <a16:creationId xmlns:a16="http://schemas.microsoft.com/office/drawing/2014/main" xmlns="" id="{8261E5CC-0E9A-BC41-AC38-A28E2C3FC2E7}"/>
-              </a:ext>
-            </a:extLst>
-          </p:cNvPr>
+          <p:cNvPr id="2" name="Title 1"/>
           <p:cNvSpPr>
             <a:spLocks noGrp="1"/>
           </p:cNvSpPr>
           <p:nvPr>
-            <p:ph type="ctrTitle"/>
+            <p:ph type="title"/>
           </p:nvPr>
         </p:nvSpPr>
         <p:spPr>
           <a:xfrm>
-            <a:off x="1524000" y="1122363"/>
-            <a:ext cx="9144000" cy="2387600"/>
+            <a:off x="677335" y="609600"/>
+            <a:ext cx="8596668" cy="3403600"/>
           </a:xfrm>
         </p:spPr>
         <p:txBody>
-          <a:bodyPr anchor="b"/>
+          <a:bodyPr anchor="ctr">
+            <a:normAutofit/>
+          </a:bodyPr>
           <a:lstStyle>
-            <a:lvl1pPr algn="ctr">
-              <a:defRPr sz="6000"/>
+            <a:lvl1pPr algn="l">
+              <a:defRPr sz="4400" b="0" cap="none"/>
             </a:lvl1pPr>
           </a:lstStyle>
           <a:p>
             <a:r>
-              <a:rPr lang="en-US"/>
+              <a:rPr lang="en-US" smtClean="0"/>
               <a:t>Click to edit Master title style</a:t>
             </a:r>
+            <a:endParaRPr lang="en-US" dirty="0"/>
           </a:p>
         </p:txBody>
       </p:sp>
       <p:sp>
         <p:nvSpPr>
-          <p:cNvPr id="3" name="Subtitle 2">
-            <a:extLst>
-              <a:ext uri="{FF2B5EF4-FFF2-40B4-BE49-F238E27FC236}">
-                <a16:creationId xmlns:a16="http://schemas.microsoft.com/office/drawing/2014/main" xmlns="" id="{2D8637E8-F6AF-1B40-97EA-CD78ACD98472}"/>
-              </a:ext>
-            </a:extLst>
-          </p:cNvPr>
+          <p:cNvPr id="3" name="Text Placeholder 2"/>
           <p:cNvSpPr>
             <a:spLocks noGrp="1"/>
           </p:cNvSpPr>
           <p:nvPr>
-            <p:ph type="subTitle" idx="1"/>
+            <p:ph type="body" idx="1"/>
           </p:nvPr>
         </p:nvSpPr>
         <p:spPr>
           <a:xfrm>
-            <a:off x="1524000" y="3602038"/>
-            <a:ext cx="9144000" cy="1655762"/>
+            <a:off x="677335" y="4470400"/>
+            <a:ext cx="8596668" cy="1570962"/>
           </a:xfrm>
         </p:spPr>
         <p:txBody>
-          <a:bodyPr/>
+          <a:bodyPr anchor="ctr">
+            <a:normAutofit/>
+          </a:bodyPr>
           <a:lstStyle>
-            <a:lvl1pPr marL="0" indent="0" algn="ctr">
+            <a:lvl1pPr marL="0" indent="0" algn="l">
               <a:buNone/>
-              <a:defRPr sz="2400"/>
+              <a:defRPr sz="1800">
+                <a:solidFill>
+                  <a:schemeClr val="tx1">
+                    <a:lumMod val="75000"/>
+                    <a:lumOff val="25000"/>
+                  </a:schemeClr>
+                </a:solidFill>
+              </a:defRPr>
             </a:lvl1pPr>
-            <a:lvl2pPr marL="457200" indent="0" algn="ctr">
+            <a:lvl2pPr marL="457200" indent="0">
               <a:buNone/>
-              <a:defRPr sz="2000"/>
+              <a:defRPr sz="1800">
+                <a:solidFill>
+                  <a:schemeClr val="tx1">
+                    <a:tint val="75000"/>
+                  </a:schemeClr>
+                </a:solidFill>
+              </a:defRPr>
             </a:lvl2pPr>
-            <a:lvl3pPr marL="914400" indent="0" algn="ctr">
+            <a:lvl3pPr marL="914400" indent="0">
               <a:buNone/>
-              <a:defRPr sz="1800"/>
+              <a:defRPr sz="1600">
+                <a:solidFill>
+                  <a:schemeClr val="tx1">
+                    <a:tint val="75000"/>
+                  </a:schemeClr>
+                </a:solidFill>
+              </a:defRPr>
             </a:lvl3pPr>
-            <a:lvl4pPr marL="1371600" indent="0" algn="ctr">
+            <a:lvl4pPr marL="1371600" indent="0">
               <a:buNone/>
-              <a:defRPr sz="1600"/>
+              <a:defRPr sz="1400">
+                <a:solidFill>
+                  <a:schemeClr val="tx1">
+                    <a:tint val="75000"/>
+                  </a:schemeClr>
+                </a:solidFill>
+              </a:defRPr>
             </a:lvl4pPr>
-            <a:lvl5pPr marL="1828800" indent="0" algn="ctr">
+            <a:lvl5pPr marL="1828800" indent="0">
               <a:buNone/>
-              <a:defRPr sz="1600"/>
+              <a:defRPr sz="1400">
+                <a:solidFill>
+                  <a:schemeClr val="tx1">
+                    <a:tint val="75000"/>
+                  </a:schemeClr>
+                </a:solidFill>
+              </a:defRPr>
             </a:lvl5pPr>
-            <a:lvl6pPr marL="2286000" indent="0" algn="ctr">
+            <a:lvl6pPr marL="2286000" indent="0">
               <a:buNone/>
-              <a:defRPr sz="1600"/>
+              <a:defRPr sz="1400">
+                <a:solidFill>
+                  <a:schemeClr val="tx1">
+                    <a:tint val="75000"/>
+                  </a:schemeClr>
+                </a:solidFill>
+              </a:defRPr>
             </a:lvl6pPr>
-            <a:lvl7pPr marL="2743200" indent="0" algn="ctr">
+            <a:lvl7pPr marL="2743200" indent="0">
               <a:buNone/>
-              <a:defRPr sz="1600"/>
+              <a:defRPr sz="1400">
+                <a:solidFill>
+                  <a:schemeClr val="tx1">
+                    <a:tint val="75000"/>
+                  </a:schemeClr>
+                </a:solidFill>
+              </a:defRPr>
             </a:lvl7pPr>
-            <a:lvl8pPr marL="3200400" indent="0" algn="ctr">
+            <a:lvl8pPr marL="3200400" indent="0">
               <a:buNone/>
-              <a:defRPr sz="1600"/>
+              <a:defRPr sz="1400">
+                <a:solidFill>
+                  <a:schemeClr val="tx1">
+                    <a:tint val="75000"/>
+                  </a:schemeClr>
+                </a:solidFill>
+              </a:defRPr>
             </a:lvl8pPr>
-            <a:lvl9pPr marL="3657600" indent="0" algn="ctr">
+            <a:lvl9pPr marL="3657600" indent="0">
               <a:buNone/>
-              <a:defRPr sz="1600"/>
+              <a:defRPr sz="1400">
+                <a:solidFill>
+                  <a:schemeClr val="tx1">
+                    <a:tint val="75000"/>
+                  </a:schemeClr>
+                </a:solidFill>
+              </a:defRPr>
             </a:lvl9pPr>
           </a:lstStyle>
           <a:p>
+            <a:pPr lvl="0"/>
             <a:r>
-              <a:rPr lang="en-US"/>
-              <a:t>Click to edit Master subtitle style</a:t>
+              <a:rPr lang="en-US" smtClean="0"/>
+              <a:t>Click to edit Master text styles</a:t>
             </a:r>
           </a:p>
         </p:txBody>
       </p:sp>
       <p:sp>
         <p:nvSpPr>
-          <p:cNvPr id="4" name="Date Placeholder 3">
-            <a:extLst>
-              <a:ext uri="{FF2B5EF4-FFF2-40B4-BE49-F238E27FC236}">
-                <a16:creationId xmlns:a16="http://schemas.microsoft.com/office/drawing/2014/main" xmlns="" id="{F6F16E05-4F17-6645-93B7-BB4FC38CAECF}"/>
-              </a:ext>
-            </a:extLst>
-          </p:cNvPr>
+          <p:cNvPr id="4" name="Date Placeholder 3"/>
           <p:cNvSpPr>
             <a:spLocks noGrp="1"/>
           </p:cNvSpPr>
@@ -696,7 +1606,7 @@
           <a:bodyPr/>
           <a:lstStyle/>
           <a:p>
-            <a:fld id="{033D20D7-566B-694A-BCA6-1784D2350082}" type="datetimeFigureOut">
+            <a:fld id="{2687072F-DD8E-4FD6-89FE-1D57606A443E}" type="datetime1">
               <a:rPr lang="en-US" smtClean="0"/>
               <a:t>10/16/2018</a:t>
             </a:fld>
@@ -706,13 +1616,7 @@
       </p:sp>
       <p:sp>
         <p:nvSpPr>
-          <p:cNvPr id="5" name="Footer Placeholder 4">
-            <a:extLst>
-              <a:ext uri="{FF2B5EF4-FFF2-40B4-BE49-F238E27FC236}">
-                <a16:creationId xmlns:a16="http://schemas.microsoft.com/office/drawing/2014/main" xmlns="" id="{ECB4114E-9D2D-0D41-A41E-DB7A85CB7B9E}"/>
-              </a:ext>
-            </a:extLst>
-          </p:cNvPr>
+          <p:cNvPr id="5" name="Footer Placeholder 4"/>
           <p:cNvSpPr>
             <a:spLocks noGrp="1"/>
           </p:cNvSpPr>
@@ -731,13 +1635,7 @@
       </p:sp>
       <p:sp>
         <p:nvSpPr>
-          <p:cNvPr id="6" name="Slide Number Placeholder 5">
-            <a:extLst>
-              <a:ext uri="{FF2B5EF4-FFF2-40B4-BE49-F238E27FC236}">
-                <a16:creationId xmlns:a16="http://schemas.microsoft.com/office/drawing/2014/main" xmlns="" id="{07B540AD-E6A3-5F41-9BBC-19E0E62AFE38}"/>
-              </a:ext>
-            </a:extLst>
-          </p:cNvPr>
+          <p:cNvPr id="6" name="Slide Number Placeholder 5"/>
           <p:cNvSpPr>
             <a:spLocks noGrp="1"/>
           </p:cNvSpPr>
@@ -761,7 +1659,7 @@
     </p:spTree>
     <p:extLst>
       <p:ext uri="{BB962C8B-B14F-4D97-AF65-F5344CB8AC3E}">
-        <p14:creationId xmlns:p14="http://schemas.microsoft.com/office/powerpoint/2010/main" val="4094273587"/>
+        <p14:creationId xmlns:p14="http://schemas.microsoft.com/office/powerpoint/2010/main" val="183418785"/>
       </p:ext>
     </p:extLst>
   </p:cSld>
@@ -771,7 +1669,1369 @@
 </p:sldLayout>
 </file>
 
-<file path=ppt/slideLayouts/slideLayout10.xml><?xml version="1.0" encoding="utf-8"?>
+<file path=ppt/slideLayouts/slideLayout11.xml><?xml version="1.0" encoding="utf-8"?>
+<p:sldLayout xmlns:a="http://schemas.openxmlformats.org/drawingml/2006/main" xmlns:r="http://schemas.openxmlformats.org/officeDocument/2006/relationships" xmlns:p="http://schemas.openxmlformats.org/presentationml/2006/main" preserve="1">
+  <p:cSld name="Quote with Caption">
+    <p:spTree>
+      <p:nvGrpSpPr>
+        <p:cNvPr id="1" name=""/>
+        <p:cNvGrpSpPr/>
+        <p:nvPr/>
+      </p:nvGrpSpPr>
+      <p:grpSpPr>
+        <a:xfrm>
+          <a:off x="0" y="0"/>
+          <a:ext cx="0" cy="0"/>
+          <a:chOff x="0" y="0"/>
+          <a:chExt cx="0" cy="0"/>
+        </a:xfrm>
+      </p:grpSpPr>
+      <p:sp>
+        <p:nvSpPr>
+          <p:cNvPr id="2" name="Title 1"/>
+          <p:cNvSpPr>
+            <a:spLocks noGrp="1"/>
+          </p:cNvSpPr>
+          <p:nvPr>
+            <p:ph type="title"/>
+          </p:nvPr>
+        </p:nvSpPr>
+        <p:spPr>
+          <a:xfrm>
+            <a:off x="931334" y="609600"/>
+            <a:ext cx="8094134" cy="3022600"/>
+          </a:xfrm>
+        </p:spPr>
+        <p:txBody>
+          <a:bodyPr anchor="ctr">
+            <a:normAutofit/>
+          </a:bodyPr>
+          <a:lstStyle>
+            <a:lvl1pPr algn="l">
+              <a:defRPr sz="4400" b="0" cap="none"/>
+            </a:lvl1pPr>
+          </a:lstStyle>
+          <a:p>
+            <a:r>
+              <a:rPr lang="en-US" smtClean="0"/>
+              <a:t>Click to edit Master title style</a:t>
+            </a:r>
+            <a:endParaRPr lang="en-US" dirty="0"/>
+          </a:p>
+        </p:txBody>
+      </p:sp>
+      <p:sp>
+        <p:nvSpPr>
+          <p:cNvPr id="23" name="Text Placeholder 9"/>
+          <p:cNvSpPr>
+            <a:spLocks noGrp="1"/>
+          </p:cNvSpPr>
+          <p:nvPr>
+            <p:ph type="body" sz="quarter" idx="13"/>
+          </p:nvPr>
+        </p:nvSpPr>
+        <p:spPr>
+          <a:xfrm>
+            <a:off x="1366139" y="3632200"/>
+            <a:ext cx="7224524" cy="381000"/>
+          </a:xfrm>
+        </p:spPr>
+        <p:txBody>
+          <a:bodyPr anchor="ctr">
+            <a:noAutofit/>
+          </a:bodyPr>
+          <a:lstStyle>
+            <a:lvl1pPr marL="0" indent="0">
+              <a:buFontTx/>
+              <a:buNone/>
+              <a:defRPr sz="1600">
+                <a:solidFill>
+                  <a:schemeClr val="tx1">
+                    <a:lumMod val="50000"/>
+                    <a:lumOff val="50000"/>
+                  </a:schemeClr>
+                </a:solidFill>
+              </a:defRPr>
+            </a:lvl1pPr>
+            <a:lvl2pPr marL="457200" indent="0">
+              <a:buFontTx/>
+              <a:buNone/>
+              <a:defRPr/>
+            </a:lvl2pPr>
+            <a:lvl3pPr marL="914400" indent="0">
+              <a:buFontTx/>
+              <a:buNone/>
+              <a:defRPr/>
+            </a:lvl3pPr>
+            <a:lvl4pPr marL="1371600" indent="0">
+              <a:buFontTx/>
+              <a:buNone/>
+              <a:defRPr/>
+            </a:lvl4pPr>
+            <a:lvl5pPr marL="1828800" indent="0">
+              <a:buFontTx/>
+              <a:buNone/>
+              <a:defRPr/>
+            </a:lvl5pPr>
+          </a:lstStyle>
+          <a:p>
+            <a:pPr lvl="0"/>
+            <a:r>
+              <a:rPr lang="en-US" smtClean="0"/>
+              <a:t>Click to edit Master text styles</a:t>
+            </a:r>
+          </a:p>
+        </p:txBody>
+      </p:sp>
+      <p:sp>
+        <p:nvSpPr>
+          <p:cNvPr id="3" name="Text Placeholder 2"/>
+          <p:cNvSpPr>
+            <a:spLocks noGrp="1"/>
+          </p:cNvSpPr>
+          <p:nvPr>
+            <p:ph type="body" idx="1"/>
+          </p:nvPr>
+        </p:nvSpPr>
+        <p:spPr>
+          <a:xfrm>
+            <a:off x="677335" y="4470400"/>
+            <a:ext cx="8596668" cy="1570962"/>
+          </a:xfrm>
+        </p:spPr>
+        <p:txBody>
+          <a:bodyPr anchor="ctr">
+            <a:normAutofit/>
+          </a:bodyPr>
+          <a:lstStyle>
+            <a:lvl1pPr marL="0" indent="0" algn="l">
+              <a:buNone/>
+              <a:defRPr sz="1800">
+                <a:solidFill>
+                  <a:schemeClr val="tx1">
+                    <a:lumMod val="75000"/>
+                    <a:lumOff val="25000"/>
+                  </a:schemeClr>
+                </a:solidFill>
+              </a:defRPr>
+            </a:lvl1pPr>
+            <a:lvl2pPr marL="457200" indent="0">
+              <a:buNone/>
+              <a:defRPr sz="1800">
+                <a:solidFill>
+                  <a:schemeClr val="tx1">
+                    <a:tint val="75000"/>
+                  </a:schemeClr>
+                </a:solidFill>
+              </a:defRPr>
+            </a:lvl2pPr>
+            <a:lvl3pPr marL="914400" indent="0">
+              <a:buNone/>
+              <a:defRPr sz="1600">
+                <a:solidFill>
+                  <a:schemeClr val="tx1">
+                    <a:tint val="75000"/>
+                  </a:schemeClr>
+                </a:solidFill>
+              </a:defRPr>
+            </a:lvl3pPr>
+            <a:lvl4pPr marL="1371600" indent="0">
+              <a:buNone/>
+              <a:defRPr sz="1400">
+                <a:solidFill>
+                  <a:schemeClr val="tx1">
+                    <a:tint val="75000"/>
+                  </a:schemeClr>
+                </a:solidFill>
+              </a:defRPr>
+            </a:lvl4pPr>
+            <a:lvl5pPr marL="1828800" indent="0">
+              <a:buNone/>
+              <a:defRPr sz="1400">
+                <a:solidFill>
+                  <a:schemeClr val="tx1">
+                    <a:tint val="75000"/>
+                  </a:schemeClr>
+                </a:solidFill>
+              </a:defRPr>
+            </a:lvl5pPr>
+            <a:lvl6pPr marL="2286000" indent="0">
+              <a:buNone/>
+              <a:defRPr sz="1400">
+                <a:solidFill>
+                  <a:schemeClr val="tx1">
+                    <a:tint val="75000"/>
+                  </a:schemeClr>
+                </a:solidFill>
+              </a:defRPr>
+            </a:lvl6pPr>
+            <a:lvl7pPr marL="2743200" indent="0">
+              <a:buNone/>
+              <a:defRPr sz="1400">
+                <a:solidFill>
+                  <a:schemeClr val="tx1">
+                    <a:tint val="75000"/>
+                  </a:schemeClr>
+                </a:solidFill>
+              </a:defRPr>
+            </a:lvl7pPr>
+            <a:lvl8pPr marL="3200400" indent="0">
+              <a:buNone/>
+              <a:defRPr sz="1400">
+                <a:solidFill>
+                  <a:schemeClr val="tx1">
+                    <a:tint val="75000"/>
+                  </a:schemeClr>
+                </a:solidFill>
+              </a:defRPr>
+            </a:lvl8pPr>
+            <a:lvl9pPr marL="3657600" indent="0">
+              <a:buNone/>
+              <a:defRPr sz="1400">
+                <a:solidFill>
+                  <a:schemeClr val="tx1">
+                    <a:tint val="75000"/>
+                  </a:schemeClr>
+                </a:solidFill>
+              </a:defRPr>
+            </a:lvl9pPr>
+          </a:lstStyle>
+          <a:p>
+            <a:pPr lvl="0"/>
+            <a:r>
+              <a:rPr lang="en-US" smtClean="0"/>
+              <a:t>Click to edit Master text styles</a:t>
+            </a:r>
+          </a:p>
+        </p:txBody>
+      </p:sp>
+      <p:sp>
+        <p:nvSpPr>
+          <p:cNvPr id="4" name="Date Placeholder 3"/>
+          <p:cNvSpPr>
+            <a:spLocks noGrp="1"/>
+          </p:cNvSpPr>
+          <p:nvPr>
+            <p:ph type="dt" sz="half" idx="10"/>
+          </p:nvPr>
+        </p:nvSpPr>
+        <p:spPr/>
+        <p:txBody>
+          <a:bodyPr/>
+          <a:lstStyle/>
+          <a:p>
+            <a:fld id="{4FE249FD-199A-434B-B459-6B67BCFAFC5D}" type="datetime1">
+              <a:rPr lang="en-US" smtClean="0"/>
+              <a:t>10/16/2018</a:t>
+            </a:fld>
+            <a:endParaRPr lang="en-US"/>
+          </a:p>
+        </p:txBody>
+      </p:sp>
+      <p:sp>
+        <p:nvSpPr>
+          <p:cNvPr id="5" name="Footer Placeholder 4"/>
+          <p:cNvSpPr>
+            <a:spLocks noGrp="1"/>
+          </p:cNvSpPr>
+          <p:nvPr>
+            <p:ph type="ftr" sz="quarter" idx="11"/>
+          </p:nvPr>
+        </p:nvSpPr>
+        <p:spPr/>
+        <p:txBody>
+          <a:bodyPr/>
+          <a:lstStyle/>
+          <a:p>
+            <a:endParaRPr lang="en-US"/>
+          </a:p>
+        </p:txBody>
+      </p:sp>
+      <p:sp>
+        <p:nvSpPr>
+          <p:cNvPr id="6" name="Slide Number Placeholder 5"/>
+          <p:cNvSpPr>
+            <a:spLocks noGrp="1"/>
+          </p:cNvSpPr>
+          <p:nvPr>
+            <p:ph type="sldNum" sz="quarter" idx="12"/>
+          </p:nvPr>
+        </p:nvSpPr>
+        <p:spPr/>
+        <p:txBody>
+          <a:bodyPr/>
+          <a:lstStyle/>
+          <a:p>
+            <a:fld id="{29594D6E-6C01-6F46-B809-5BF366DCAAA3}" type="slidenum">
+              <a:rPr lang="en-US" smtClean="0"/>
+              <a:t>‹#›</a:t>
+            </a:fld>
+            <a:endParaRPr lang="en-US"/>
+          </a:p>
+        </p:txBody>
+      </p:sp>
+      <p:sp>
+        <p:nvSpPr>
+          <p:cNvPr id="20" name="TextBox 19"/>
+          <p:cNvSpPr txBox="1"/>
+          <p:nvPr/>
+        </p:nvSpPr>
+        <p:spPr>
+          <a:xfrm>
+            <a:off x="541870" y="790378"/>
+            <a:ext cx="609600" cy="584776"/>
+          </a:xfrm>
+          <a:prstGeom prst="rect">
+            <a:avLst/>
+          </a:prstGeom>
+        </p:spPr>
+        <p:txBody>
+          <a:bodyPr vert="horz" lIns="91440" tIns="45720" rIns="91440" bIns="45720" rtlCol="0" anchor="ctr">
+            <a:noAutofit/>
+          </a:bodyPr>
+          <a:lstStyle/>
+          <a:p>
+            <a:pPr lvl="0"/>
+            <a:r>
+              <a:rPr lang="en-US" sz="8000" baseline="0" dirty="0">
+                <a:ln w="3175" cmpd="sng">
+                  <a:noFill/>
+                </a:ln>
+                <a:solidFill>
+                  <a:schemeClr val="accent1">
+                    <a:lumMod val="60000"/>
+                    <a:lumOff val="40000"/>
+                  </a:schemeClr>
+                </a:solidFill>
+                <a:effectLst/>
+                <a:latin typeface="Arial"/>
+              </a:rPr>
+              <a:t>“</a:t>
+            </a:r>
+          </a:p>
+        </p:txBody>
+      </p:sp>
+      <p:sp>
+        <p:nvSpPr>
+          <p:cNvPr id="22" name="TextBox 21"/>
+          <p:cNvSpPr txBox="1"/>
+          <p:nvPr/>
+        </p:nvSpPr>
+        <p:spPr>
+          <a:xfrm>
+            <a:off x="8893011" y="2886556"/>
+            <a:ext cx="609600" cy="584776"/>
+          </a:xfrm>
+          <a:prstGeom prst="rect">
+            <a:avLst/>
+          </a:prstGeom>
+        </p:spPr>
+        <p:txBody>
+          <a:bodyPr vert="horz" lIns="91440" tIns="45720" rIns="91440" bIns="45720" rtlCol="0" anchor="ctr">
+            <a:noAutofit/>
+          </a:bodyPr>
+          <a:lstStyle/>
+          <a:p>
+            <a:pPr lvl="0"/>
+            <a:r>
+              <a:rPr lang="en-US" sz="8000" baseline="0" dirty="0">
+                <a:ln w="3175" cmpd="sng">
+                  <a:noFill/>
+                </a:ln>
+                <a:solidFill>
+                  <a:schemeClr val="accent1">
+                    <a:lumMod val="60000"/>
+                    <a:lumOff val="40000"/>
+                  </a:schemeClr>
+                </a:solidFill>
+                <a:latin typeface="Arial"/>
+              </a:rPr>
+              <a:t>”</a:t>
+            </a:r>
+            <a:endParaRPr lang="en-US" dirty="0">
+              <a:solidFill>
+                <a:schemeClr val="accent1">
+                  <a:lumMod val="60000"/>
+                  <a:lumOff val="40000"/>
+                </a:schemeClr>
+              </a:solidFill>
+              <a:latin typeface="Arial"/>
+            </a:endParaRPr>
+          </a:p>
+        </p:txBody>
+      </p:sp>
+    </p:spTree>
+    <p:extLst>
+      <p:ext uri="{BB962C8B-B14F-4D97-AF65-F5344CB8AC3E}">
+        <p14:creationId xmlns:p14="http://schemas.microsoft.com/office/powerpoint/2010/main" val="3469423005"/>
+      </p:ext>
+    </p:extLst>
+  </p:cSld>
+  <p:clrMapOvr>
+    <a:masterClrMapping/>
+  </p:clrMapOvr>
+</p:sldLayout>
+</file>
+
+<file path=ppt/slideLayouts/slideLayout12.xml><?xml version="1.0" encoding="utf-8"?>
+<p:sldLayout xmlns:a="http://schemas.openxmlformats.org/drawingml/2006/main" xmlns:r="http://schemas.openxmlformats.org/officeDocument/2006/relationships" xmlns:p="http://schemas.openxmlformats.org/presentationml/2006/main" preserve="1">
+  <p:cSld name="Name Card">
+    <p:spTree>
+      <p:nvGrpSpPr>
+        <p:cNvPr id="1" name=""/>
+        <p:cNvGrpSpPr/>
+        <p:nvPr/>
+      </p:nvGrpSpPr>
+      <p:grpSpPr>
+        <a:xfrm>
+          <a:off x="0" y="0"/>
+          <a:ext cx="0" cy="0"/>
+          <a:chOff x="0" y="0"/>
+          <a:chExt cx="0" cy="0"/>
+        </a:xfrm>
+      </p:grpSpPr>
+      <p:sp>
+        <p:nvSpPr>
+          <p:cNvPr id="2" name="Title 1"/>
+          <p:cNvSpPr>
+            <a:spLocks noGrp="1"/>
+          </p:cNvSpPr>
+          <p:nvPr>
+            <p:ph type="title"/>
+          </p:nvPr>
+        </p:nvSpPr>
+        <p:spPr>
+          <a:xfrm>
+            <a:off x="677335" y="1931988"/>
+            <a:ext cx="8596668" cy="2595460"/>
+          </a:xfrm>
+        </p:spPr>
+        <p:txBody>
+          <a:bodyPr anchor="b">
+            <a:normAutofit/>
+          </a:bodyPr>
+          <a:lstStyle>
+            <a:lvl1pPr algn="l">
+              <a:defRPr sz="4400" b="0" cap="none"/>
+            </a:lvl1pPr>
+          </a:lstStyle>
+          <a:p>
+            <a:r>
+              <a:rPr lang="en-US" smtClean="0"/>
+              <a:t>Click to edit Master title style</a:t>
+            </a:r>
+            <a:endParaRPr lang="en-US" dirty="0"/>
+          </a:p>
+        </p:txBody>
+      </p:sp>
+      <p:sp>
+        <p:nvSpPr>
+          <p:cNvPr id="3" name="Text Placeholder 2"/>
+          <p:cNvSpPr>
+            <a:spLocks noGrp="1"/>
+          </p:cNvSpPr>
+          <p:nvPr>
+            <p:ph type="body" idx="1"/>
+          </p:nvPr>
+        </p:nvSpPr>
+        <p:spPr>
+          <a:xfrm>
+            <a:off x="677335" y="4527448"/>
+            <a:ext cx="8596668" cy="1513914"/>
+          </a:xfrm>
+        </p:spPr>
+        <p:txBody>
+          <a:bodyPr anchor="t">
+            <a:normAutofit/>
+          </a:bodyPr>
+          <a:lstStyle>
+            <a:lvl1pPr marL="0" indent="0" algn="l">
+              <a:buNone/>
+              <a:defRPr sz="1800">
+                <a:solidFill>
+                  <a:schemeClr val="tx1">
+                    <a:lumMod val="75000"/>
+                    <a:lumOff val="25000"/>
+                  </a:schemeClr>
+                </a:solidFill>
+              </a:defRPr>
+            </a:lvl1pPr>
+            <a:lvl2pPr marL="457200" indent="0">
+              <a:buNone/>
+              <a:defRPr sz="1800">
+                <a:solidFill>
+                  <a:schemeClr val="tx1">
+                    <a:tint val="75000"/>
+                  </a:schemeClr>
+                </a:solidFill>
+              </a:defRPr>
+            </a:lvl2pPr>
+            <a:lvl3pPr marL="914400" indent="0">
+              <a:buNone/>
+              <a:defRPr sz="1600">
+                <a:solidFill>
+                  <a:schemeClr val="tx1">
+                    <a:tint val="75000"/>
+                  </a:schemeClr>
+                </a:solidFill>
+              </a:defRPr>
+            </a:lvl3pPr>
+            <a:lvl4pPr marL="1371600" indent="0">
+              <a:buNone/>
+              <a:defRPr sz="1400">
+                <a:solidFill>
+                  <a:schemeClr val="tx1">
+                    <a:tint val="75000"/>
+                  </a:schemeClr>
+                </a:solidFill>
+              </a:defRPr>
+            </a:lvl4pPr>
+            <a:lvl5pPr marL="1828800" indent="0">
+              <a:buNone/>
+              <a:defRPr sz="1400">
+                <a:solidFill>
+                  <a:schemeClr val="tx1">
+                    <a:tint val="75000"/>
+                  </a:schemeClr>
+                </a:solidFill>
+              </a:defRPr>
+            </a:lvl5pPr>
+            <a:lvl6pPr marL="2286000" indent="0">
+              <a:buNone/>
+              <a:defRPr sz="1400">
+                <a:solidFill>
+                  <a:schemeClr val="tx1">
+                    <a:tint val="75000"/>
+                  </a:schemeClr>
+                </a:solidFill>
+              </a:defRPr>
+            </a:lvl6pPr>
+            <a:lvl7pPr marL="2743200" indent="0">
+              <a:buNone/>
+              <a:defRPr sz="1400">
+                <a:solidFill>
+                  <a:schemeClr val="tx1">
+                    <a:tint val="75000"/>
+                  </a:schemeClr>
+                </a:solidFill>
+              </a:defRPr>
+            </a:lvl7pPr>
+            <a:lvl8pPr marL="3200400" indent="0">
+              <a:buNone/>
+              <a:defRPr sz="1400">
+                <a:solidFill>
+                  <a:schemeClr val="tx1">
+                    <a:tint val="75000"/>
+                  </a:schemeClr>
+                </a:solidFill>
+              </a:defRPr>
+            </a:lvl8pPr>
+            <a:lvl9pPr marL="3657600" indent="0">
+              <a:buNone/>
+              <a:defRPr sz="1400">
+                <a:solidFill>
+                  <a:schemeClr val="tx1">
+                    <a:tint val="75000"/>
+                  </a:schemeClr>
+                </a:solidFill>
+              </a:defRPr>
+            </a:lvl9pPr>
+          </a:lstStyle>
+          <a:p>
+            <a:pPr lvl="0"/>
+            <a:r>
+              <a:rPr lang="en-US" smtClean="0"/>
+              <a:t>Click to edit Master text styles</a:t>
+            </a:r>
+          </a:p>
+        </p:txBody>
+      </p:sp>
+      <p:sp>
+        <p:nvSpPr>
+          <p:cNvPr id="4" name="Date Placeholder 3"/>
+          <p:cNvSpPr>
+            <a:spLocks noGrp="1"/>
+          </p:cNvSpPr>
+          <p:nvPr>
+            <p:ph type="dt" sz="half" idx="10"/>
+          </p:nvPr>
+        </p:nvSpPr>
+        <p:spPr/>
+        <p:txBody>
+          <a:bodyPr/>
+          <a:lstStyle/>
+          <a:p>
+            <a:fld id="{B9E8CF79-071E-4772-9771-D4E67DB67836}" type="datetime1">
+              <a:rPr lang="en-US" smtClean="0"/>
+              <a:t>10/16/2018</a:t>
+            </a:fld>
+            <a:endParaRPr lang="en-US"/>
+          </a:p>
+        </p:txBody>
+      </p:sp>
+      <p:sp>
+        <p:nvSpPr>
+          <p:cNvPr id="5" name="Footer Placeholder 4"/>
+          <p:cNvSpPr>
+            <a:spLocks noGrp="1"/>
+          </p:cNvSpPr>
+          <p:nvPr>
+            <p:ph type="ftr" sz="quarter" idx="11"/>
+          </p:nvPr>
+        </p:nvSpPr>
+        <p:spPr/>
+        <p:txBody>
+          <a:bodyPr/>
+          <a:lstStyle/>
+          <a:p>
+            <a:endParaRPr lang="en-US"/>
+          </a:p>
+        </p:txBody>
+      </p:sp>
+      <p:sp>
+        <p:nvSpPr>
+          <p:cNvPr id="6" name="Slide Number Placeholder 5"/>
+          <p:cNvSpPr>
+            <a:spLocks noGrp="1"/>
+          </p:cNvSpPr>
+          <p:nvPr>
+            <p:ph type="sldNum" sz="quarter" idx="12"/>
+          </p:nvPr>
+        </p:nvSpPr>
+        <p:spPr/>
+        <p:txBody>
+          <a:bodyPr/>
+          <a:lstStyle/>
+          <a:p>
+            <a:fld id="{29594D6E-6C01-6F46-B809-5BF366DCAAA3}" type="slidenum">
+              <a:rPr lang="en-US" smtClean="0"/>
+              <a:t>‹#›</a:t>
+            </a:fld>
+            <a:endParaRPr lang="en-US"/>
+          </a:p>
+        </p:txBody>
+      </p:sp>
+    </p:spTree>
+    <p:extLst>
+      <p:ext uri="{BB962C8B-B14F-4D97-AF65-F5344CB8AC3E}">
+        <p14:creationId xmlns:p14="http://schemas.microsoft.com/office/powerpoint/2010/main" val="3781465099"/>
+      </p:ext>
+    </p:extLst>
+  </p:cSld>
+  <p:clrMapOvr>
+    <a:masterClrMapping/>
+  </p:clrMapOvr>
+</p:sldLayout>
+</file>
+
+<file path=ppt/slideLayouts/slideLayout13.xml><?xml version="1.0" encoding="utf-8"?>
+<p:sldLayout xmlns:a="http://schemas.openxmlformats.org/drawingml/2006/main" xmlns:r="http://schemas.openxmlformats.org/officeDocument/2006/relationships" xmlns:p="http://schemas.openxmlformats.org/presentationml/2006/main" preserve="1">
+  <p:cSld name="Quote Name Card">
+    <p:spTree>
+      <p:nvGrpSpPr>
+        <p:cNvPr id="1" name=""/>
+        <p:cNvGrpSpPr/>
+        <p:nvPr/>
+      </p:nvGrpSpPr>
+      <p:grpSpPr>
+        <a:xfrm>
+          <a:off x="0" y="0"/>
+          <a:ext cx="0" cy="0"/>
+          <a:chOff x="0" y="0"/>
+          <a:chExt cx="0" cy="0"/>
+        </a:xfrm>
+      </p:grpSpPr>
+      <p:sp>
+        <p:nvSpPr>
+          <p:cNvPr id="2" name="Title 1"/>
+          <p:cNvSpPr>
+            <a:spLocks noGrp="1"/>
+          </p:cNvSpPr>
+          <p:nvPr>
+            <p:ph type="title"/>
+          </p:nvPr>
+        </p:nvSpPr>
+        <p:spPr>
+          <a:xfrm>
+            <a:off x="931334" y="609600"/>
+            <a:ext cx="8094134" cy="3022600"/>
+          </a:xfrm>
+        </p:spPr>
+        <p:txBody>
+          <a:bodyPr anchor="ctr">
+            <a:normAutofit/>
+          </a:bodyPr>
+          <a:lstStyle>
+            <a:lvl1pPr algn="l">
+              <a:defRPr sz="4400" b="0" cap="none"/>
+            </a:lvl1pPr>
+          </a:lstStyle>
+          <a:p>
+            <a:r>
+              <a:rPr lang="en-US" smtClean="0"/>
+              <a:t>Click to edit Master title style</a:t>
+            </a:r>
+            <a:endParaRPr lang="en-US" dirty="0"/>
+          </a:p>
+        </p:txBody>
+      </p:sp>
+      <p:sp>
+        <p:nvSpPr>
+          <p:cNvPr id="23" name="Text Placeholder 9"/>
+          <p:cNvSpPr>
+            <a:spLocks noGrp="1"/>
+          </p:cNvSpPr>
+          <p:nvPr>
+            <p:ph type="body" sz="quarter" idx="13"/>
+          </p:nvPr>
+        </p:nvSpPr>
+        <p:spPr>
+          <a:xfrm>
+            <a:off x="677332" y="4013200"/>
+            <a:ext cx="8596669" cy="514248"/>
+          </a:xfrm>
+        </p:spPr>
+        <p:txBody>
+          <a:bodyPr anchor="b">
+            <a:noAutofit/>
+          </a:bodyPr>
+          <a:lstStyle>
+            <a:lvl1pPr marL="0" indent="0">
+              <a:buFontTx/>
+              <a:buNone/>
+              <a:defRPr sz="2400">
+                <a:solidFill>
+                  <a:schemeClr val="tx1">
+                    <a:lumMod val="75000"/>
+                    <a:lumOff val="25000"/>
+                  </a:schemeClr>
+                </a:solidFill>
+              </a:defRPr>
+            </a:lvl1pPr>
+            <a:lvl2pPr marL="457200" indent="0">
+              <a:buFontTx/>
+              <a:buNone/>
+              <a:defRPr/>
+            </a:lvl2pPr>
+            <a:lvl3pPr marL="914400" indent="0">
+              <a:buFontTx/>
+              <a:buNone/>
+              <a:defRPr/>
+            </a:lvl3pPr>
+            <a:lvl4pPr marL="1371600" indent="0">
+              <a:buFontTx/>
+              <a:buNone/>
+              <a:defRPr/>
+            </a:lvl4pPr>
+            <a:lvl5pPr marL="1828800" indent="0">
+              <a:buFontTx/>
+              <a:buNone/>
+              <a:defRPr/>
+            </a:lvl5pPr>
+          </a:lstStyle>
+          <a:p>
+            <a:pPr lvl="0"/>
+            <a:r>
+              <a:rPr lang="en-US" smtClean="0"/>
+              <a:t>Click to edit Master text styles</a:t>
+            </a:r>
+          </a:p>
+        </p:txBody>
+      </p:sp>
+      <p:sp>
+        <p:nvSpPr>
+          <p:cNvPr id="3" name="Text Placeholder 2"/>
+          <p:cNvSpPr>
+            <a:spLocks noGrp="1"/>
+          </p:cNvSpPr>
+          <p:nvPr>
+            <p:ph type="body" idx="1"/>
+          </p:nvPr>
+        </p:nvSpPr>
+        <p:spPr>
+          <a:xfrm>
+            <a:off x="677335" y="4527448"/>
+            <a:ext cx="8596668" cy="1513914"/>
+          </a:xfrm>
+        </p:spPr>
+        <p:txBody>
+          <a:bodyPr anchor="t">
+            <a:normAutofit/>
+          </a:bodyPr>
+          <a:lstStyle>
+            <a:lvl1pPr marL="0" indent="0" algn="l">
+              <a:buNone/>
+              <a:defRPr sz="1800">
+                <a:solidFill>
+                  <a:schemeClr val="tx1">
+                    <a:lumMod val="50000"/>
+                    <a:lumOff val="50000"/>
+                  </a:schemeClr>
+                </a:solidFill>
+              </a:defRPr>
+            </a:lvl1pPr>
+            <a:lvl2pPr marL="457200" indent="0">
+              <a:buNone/>
+              <a:defRPr sz="1800">
+                <a:solidFill>
+                  <a:schemeClr val="tx1">
+                    <a:tint val="75000"/>
+                  </a:schemeClr>
+                </a:solidFill>
+              </a:defRPr>
+            </a:lvl2pPr>
+            <a:lvl3pPr marL="914400" indent="0">
+              <a:buNone/>
+              <a:defRPr sz="1600">
+                <a:solidFill>
+                  <a:schemeClr val="tx1">
+                    <a:tint val="75000"/>
+                  </a:schemeClr>
+                </a:solidFill>
+              </a:defRPr>
+            </a:lvl3pPr>
+            <a:lvl4pPr marL="1371600" indent="0">
+              <a:buNone/>
+              <a:defRPr sz="1400">
+                <a:solidFill>
+                  <a:schemeClr val="tx1">
+                    <a:tint val="75000"/>
+                  </a:schemeClr>
+                </a:solidFill>
+              </a:defRPr>
+            </a:lvl4pPr>
+            <a:lvl5pPr marL="1828800" indent="0">
+              <a:buNone/>
+              <a:defRPr sz="1400">
+                <a:solidFill>
+                  <a:schemeClr val="tx1">
+                    <a:tint val="75000"/>
+                  </a:schemeClr>
+                </a:solidFill>
+              </a:defRPr>
+            </a:lvl5pPr>
+            <a:lvl6pPr marL="2286000" indent="0">
+              <a:buNone/>
+              <a:defRPr sz="1400">
+                <a:solidFill>
+                  <a:schemeClr val="tx1">
+                    <a:tint val="75000"/>
+                  </a:schemeClr>
+                </a:solidFill>
+              </a:defRPr>
+            </a:lvl6pPr>
+            <a:lvl7pPr marL="2743200" indent="0">
+              <a:buNone/>
+              <a:defRPr sz="1400">
+                <a:solidFill>
+                  <a:schemeClr val="tx1">
+                    <a:tint val="75000"/>
+                  </a:schemeClr>
+                </a:solidFill>
+              </a:defRPr>
+            </a:lvl7pPr>
+            <a:lvl8pPr marL="3200400" indent="0">
+              <a:buNone/>
+              <a:defRPr sz="1400">
+                <a:solidFill>
+                  <a:schemeClr val="tx1">
+                    <a:tint val="75000"/>
+                  </a:schemeClr>
+                </a:solidFill>
+              </a:defRPr>
+            </a:lvl8pPr>
+            <a:lvl9pPr marL="3657600" indent="0">
+              <a:buNone/>
+              <a:defRPr sz="1400">
+                <a:solidFill>
+                  <a:schemeClr val="tx1">
+                    <a:tint val="75000"/>
+                  </a:schemeClr>
+                </a:solidFill>
+              </a:defRPr>
+            </a:lvl9pPr>
+          </a:lstStyle>
+          <a:p>
+            <a:pPr lvl="0"/>
+            <a:r>
+              <a:rPr lang="en-US" smtClean="0"/>
+              <a:t>Click to edit Master text styles</a:t>
+            </a:r>
+          </a:p>
+        </p:txBody>
+      </p:sp>
+      <p:sp>
+        <p:nvSpPr>
+          <p:cNvPr id="4" name="Date Placeholder 3"/>
+          <p:cNvSpPr>
+            <a:spLocks noGrp="1"/>
+          </p:cNvSpPr>
+          <p:nvPr>
+            <p:ph type="dt" sz="half" idx="10"/>
+          </p:nvPr>
+        </p:nvSpPr>
+        <p:spPr/>
+        <p:txBody>
+          <a:bodyPr/>
+          <a:lstStyle/>
+          <a:p>
+            <a:fld id="{02204585-C7DA-4069-8491-F680173C2740}" type="datetime1">
+              <a:rPr lang="en-US" smtClean="0"/>
+              <a:t>10/16/2018</a:t>
+            </a:fld>
+            <a:endParaRPr lang="en-US"/>
+          </a:p>
+        </p:txBody>
+      </p:sp>
+      <p:sp>
+        <p:nvSpPr>
+          <p:cNvPr id="5" name="Footer Placeholder 4"/>
+          <p:cNvSpPr>
+            <a:spLocks noGrp="1"/>
+          </p:cNvSpPr>
+          <p:nvPr>
+            <p:ph type="ftr" sz="quarter" idx="11"/>
+          </p:nvPr>
+        </p:nvSpPr>
+        <p:spPr/>
+        <p:txBody>
+          <a:bodyPr/>
+          <a:lstStyle/>
+          <a:p>
+            <a:endParaRPr lang="en-US"/>
+          </a:p>
+        </p:txBody>
+      </p:sp>
+      <p:sp>
+        <p:nvSpPr>
+          <p:cNvPr id="6" name="Slide Number Placeholder 5"/>
+          <p:cNvSpPr>
+            <a:spLocks noGrp="1"/>
+          </p:cNvSpPr>
+          <p:nvPr>
+            <p:ph type="sldNum" sz="quarter" idx="12"/>
+          </p:nvPr>
+        </p:nvSpPr>
+        <p:spPr/>
+        <p:txBody>
+          <a:bodyPr/>
+          <a:lstStyle/>
+          <a:p>
+            <a:fld id="{29594D6E-6C01-6F46-B809-5BF366DCAAA3}" type="slidenum">
+              <a:rPr lang="en-US" smtClean="0"/>
+              <a:t>‹#›</a:t>
+            </a:fld>
+            <a:endParaRPr lang="en-US"/>
+          </a:p>
+        </p:txBody>
+      </p:sp>
+      <p:sp>
+        <p:nvSpPr>
+          <p:cNvPr id="24" name="TextBox 23"/>
+          <p:cNvSpPr txBox="1"/>
+          <p:nvPr/>
+        </p:nvSpPr>
+        <p:spPr>
+          <a:xfrm>
+            <a:off x="541870" y="790378"/>
+            <a:ext cx="609600" cy="584776"/>
+          </a:xfrm>
+          <a:prstGeom prst="rect">
+            <a:avLst/>
+          </a:prstGeom>
+        </p:spPr>
+        <p:txBody>
+          <a:bodyPr vert="horz" lIns="91440" tIns="45720" rIns="91440" bIns="45720" rtlCol="0" anchor="ctr">
+            <a:noAutofit/>
+          </a:bodyPr>
+          <a:lstStyle/>
+          <a:p>
+            <a:pPr lvl="0"/>
+            <a:r>
+              <a:rPr lang="en-US" sz="8000" baseline="0" dirty="0">
+                <a:ln w="3175" cmpd="sng">
+                  <a:noFill/>
+                </a:ln>
+                <a:solidFill>
+                  <a:schemeClr val="accent1">
+                    <a:lumMod val="60000"/>
+                    <a:lumOff val="40000"/>
+                  </a:schemeClr>
+                </a:solidFill>
+                <a:effectLst/>
+                <a:latin typeface="Arial"/>
+              </a:rPr>
+              <a:t>“</a:t>
+            </a:r>
+          </a:p>
+        </p:txBody>
+      </p:sp>
+      <p:sp>
+        <p:nvSpPr>
+          <p:cNvPr id="25" name="TextBox 24"/>
+          <p:cNvSpPr txBox="1"/>
+          <p:nvPr/>
+        </p:nvSpPr>
+        <p:spPr>
+          <a:xfrm>
+            <a:off x="8893011" y="2886556"/>
+            <a:ext cx="609600" cy="584776"/>
+          </a:xfrm>
+          <a:prstGeom prst="rect">
+            <a:avLst/>
+          </a:prstGeom>
+        </p:spPr>
+        <p:txBody>
+          <a:bodyPr vert="horz" lIns="91440" tIns="45720" rIns="91440" bIns="45720" rtlCol="0" anchor="ctr">
+            <a:noAutofit/>
+          </a:bodyPr>
+          <a:lstStyle/>
+          <a:p>
+            <a:pPr lvl="0"/>
+            <a:r>
+              <a:rPr lang="en-US" sz="8000" baseline="0" dirty="0">
+                <a:ln w="3175" cmpd="sng">
+                  <a:noFill/>
+                </a:ln>
+                <a:solidFill>
+                  <a:schemeClr val="accent1">
+                    <a:lumMod val="60000"/>
+                    <a:lumOff val="40000"/>
+                  </a:schemeClr>
+                </a:solidFill>
+                <a:effectLst/>
+                <a:latin typeface="Arial"/>
+              </a:rPr>
+              <a:t>”</a:t>
+            </a:r>
+          </a:p>
+        </p:txBody>
+      </p:sp>
+    </p:spTree>
+    <p:extLst>
+      <p:ext uri="{BB962C8B-B14F-4D97-AF65-F5344CB8AC3E}">
+        <p14:creationId xmlns:p14="http://schemas.microsoft.com/office/powerpoint/2010/main" val="3612010870"/>
+      </p:ext>
+    </p:extLst>
+  </p:cSld>
+  <p:clrMapOvr>
+    <a:masterClrMapping/>
+  </p:clrMapOvr>
+</p:sldLayout>
+</file>
+
+<file path=ppt/slideLayouts/slideLayout14.xml><?xml version="1.0" encoding="utf-8"?>
+<p:sldLayout xmlns:a="http://schemas.openxmlformats.org/drawingml/2006/main" xmlns:r="http://schemas.openxmlformats.org/officeDocument/2006/relationships" xmlns:p="http://schemas.openxmlformats.org/presentationml/2006/main" preserve="1">
+  <p:cSld name="True or False">
+    <p:spTree>
+      <p:nvGrpSpPr>
+        <p:cNvPr id="1" name=""/>
+        <p:cNvGrpSpPr/>
+        <p:nvPr/>
+      </p:nvGrpSpPr>
+      <p:grpSpPr>
+        <a:xfrm>
+          <a:off x="0" y="0"/>
+          <a:ext cx="0" cy="0"/>
+          <a:chOff x="0" y="0"/>
+          <a:chExt cx="0" cy="0"/>
+        </a:xfrm>
+      </p:grpSpPr>
+      <p:sp>
+        <p:nvSpPr>
+          <p:cNvPr id="2" name="Title 1"/>
+          <p:cNvSpPr>
+            <a:spLocks noGrp="1"/>
+          </p:cNvSpPr>
+          <p:nvPr>
+            <p:ph type="title"/>
+          </p:nvPr>
+        </p:nvSpPr>
+        <p:spPr>
+          <a:xfrm>
+            <a:off x="685799" y="609600"/>
+            <a:ext cx="8588203" cy="3022600"/>
+          </a:xfrm>
+        </p:spPr>
+        <p:txBody>
+          <a:bodyPr anchor="ctr">
+            <a:normAutofit/>
+          </a:bodyPr>
+          <a:lstStyle>
+            <a:lvl1pPr algn="l">
+              <a:defRPr sz="4400" b="0" cap="none"/>
+            </a:lvl1pPr>
+          </a:lstStyle>
+          <a:p>
+            <a:r>
+              <a:rPr lang="en-US" smtClean="0"/>
+              <a:t>Click to edit Master title style</a:t>
+            </a:r>
+            <a:endParaRPr lang="en-US" dirty="0"/>
+          </a:p>
+        </p:txBody>
+      </p:sp>
+      <p:sp>
+        <p:nvSpPr>
+          <p:cNvPr id="23" name="Text Placeholder 9"/>
+          <p:cNvSpPr>
+            <a:spLocks noGrp="1"/>
+          </p:cNvSpPr>
+          <p:nvPr>
+            <p:ph type="body" sz="quarter" idx="13"/>
+          </p:nvPr>
+        </p:nvSpPr>
+        <p:spPr>
+          <a:xfrm>
+            <a:off x="677332" y="4013200"/>
+            <a:ext cx="8596669" cy="514248"/>
+          </a:xfrm>
+        </p:spPr>
+        <p:txBody>
+          <a:bodyPr anchor="b">
+            <a:noAutofit/>
+          </a:bodyPr>
+          <a:lstStyle>
+            <a:lvl1pPr marL="0" indent="0">
+              <a:buFontTx/>
+              <a:buNone/>
+              <a:defRPr sz="2400">
+                <a:solidFill>
+                  <a:schemeClr val="accent1"/>
+                </a:solidFill>
+              </a:defRPr>
+            </a:lvl1pPr>
+            <a:lvl2pPr marL="457200" indent="0">
+              <a:buFontTx/>
+              <a:buNone/>
+              <a:defRPr/>
+            </a:lvl2pPr>
+            <a:lvl3pPr marL="914400" indent="0">
+              <a:buFontTx/>
+              <a:buNone/>
+              <a:defRPr/>
+            </a:lvl3pPr>
+            <a:lvl4pPr marL="1371600" indent="0">
+              <a:buFontTx/>
+              <a:buNone/>
+              <a:defRPr/>
+            </a:lvl4pPr>
+            <a:lvl5pPr marL="1828800" indent="0">
+              <a:buFontTx/>
+              <a:buNone/>
+              <a:defRPr/>
+            </a:lvl5pPr>
+          </a:lstStyle>
+          <a:p>
+            <a:pPr lvl="0"/>
+            <a:r>
+              <a:rPr lang="en-US" smtClean="0"/>
+              <a:t>Click to edit Master text styles</a:t>
+            </a:r>
+          </a:p>
+        </p:txBody>
+      </p:sp>
+      <p:sp>
+        <p:nvSpPr>
+          <p:cNvPr id="3" name="Text Placeholder 2"/>
+          <p:cNvSpPr>
+            <a:spLocks noGrp="1"/>
+          </p:cNvSpPr>
+          <p:nvPr>
+            <p:ph type="body" idx="1"/>
+          </p:nvPr>
+        </p:nvSpPr>
+        <p:spPr>
+          <a:xfrm>
+            <a:off x="677335" y="4527448"/>
+            <a:ext cx="8596668" cy="1513914"/>
+          </a:xfrm>
+        </p:spPr>
+        <p:txBody>
+          <a:bodyPr anchor="t">
+            <a:normAutofit/>
+          </a:bodyPr>
+          <a:lstStyle>
+            <a:lvl1pPr marL="0" indent="0" algn="l">
+              <a:buNone/>
+              <a:defRPr sz="1800">
+                <a:solidFill>
+                  <a:schemeClr val="tx1">
+                    <a:lumMod val="50000"/>
+                    <a:lumOff val="50000"/>
+                  </a:schemeClr>
+                </a:solidFill>
+              </a:defRPr>
+            </a:lvl1pPr>
+            <a:lvl2pPr marL="457200" indent="0">
+              <a:buNone/>
+              <a:defRPr sz="1800">
+                <a:solidFill>
+                  <a:schemeClr val="tx1">
+                    <a:tint val="75000"/>
+                  </a:schemeClr>
+                </a:solidFill>
+              </a:defRPr>
+            </a:lvl2pPr>
+            <a:lvl3pPr marL="914400" indent="0">
+              <a:buNone/>
+              <a:defRPr sz="1600">
+                <a:solidFill>
+                  <a:schemeClr val="tx1">
+                    <a:tint val="75000"/>
+                  </a:schemeClr>
+                </a:solidFill>
+              </a:defRPr>
+            </a:lvl3pPr>
+            <a:lvl4pPr marL="1371600" indent="0">
+              <a:buNone/>
+              <a:defRPr sz="1400">
+                <a:solidFill>
+                  <a:schemeClr val="tx1">
+                    <a:tint val="75000"/>
+                  </a:schemeClr>
+                </a:solidFill>
+              </a:defRPr>
+            </a:lvl4pPr>
+            <a:lvl5pPr marL="1828800" indent="0">
+              <a:buNone/>
+              <a:defRPr sz="1400">
+                <a:solidFill>
+                  <a:schemeClr val="tx1">
+                    <a:tint val="75000"/>
+                  </a:schemeClr>
+                </a:solidFill>
+              </a:defRPr>
+            </a:lvl5pPr>
+            <a:lvl6pPr marL="2286000" indent="0">
+              <a:buNone/>
+              <a:defRPr sz="1400">
+                <a:solidFill>
+                  <a:schemeClr val="tx1">
+                    <a:tint val="75000"/>
+                  </a:schemeClr>
+                </a:solidFill>
+              </a:defRPr>
+            </a:lvl6pPr>
+            <a:lvl7pPr marL="2743200" indent="0">
+              <a:buNone/>
+              <a:defRPr sz="1400">
+                <a:solidFill>
+                  <a:schemeClr val="tx1">
+                    <a:tint val="75000"/>
+                  </a:schemeClr>
+                </a:solidFill>
+              </a:defRPr>
+            </a:lvl7pPr>
+            <a:lvl8pPr marL="3200400" indent="0">
+              <a:buNone/>
+              <a:defRPr sz="1400">
+                <a:solidFill>
+                  <a:schemeClr val="tx1">
+                    <a:tint val="75000"/>
+                  </a:schemeClr>
+                </a:solidFill>
+              </a:defRPr>
+            </a:lvl8pPr>
+            <a:lvl9pPr marL="3657600" indent="0">
+              <a:buNone/>
+              <a:defRPr sz="1400">
+                <a:solidFill>
+                  <a:schemeClr val="tx1">
+                    <a:tint val="75000"/>
+                  </a:schemeClr>
+                </a:solidFill>
+              </a:defRPr>
+            </a:lvl9pPr>
+          </a:lstStyle>
+          <a:p>
+            <a:pPr lvl="0"/>
+            <a:r>
+              <a:rPr lang="en-US" smtClean="0"/>
+              <a:t>Click to edit Master text styles</a:t>
+            </a:r>
+          </a:p>
+        </p:txBody>
+      </p:sp>
+      <p:sp>
+        <p:nvSpPr>
+          <p:cNvPr id="4" name="Date Placeholder 3"/>
+          <p:cNvSpPr>
+            <a:spLocks noGrp="1"/>
+          </p:cNvSpPr>
+          <p:nvPr>
+            <p:ph type="dt" sz="half" idx="10"/>
+          </p:nvPr>
+        </p:nvSpPr>
+        <p:spPr/>
+        <p:txBody>
+          <a:bodyPr/>
+          <a:lstStyle/>
+          <a:p>
+            <a:fld id="{B4D34411-12FE-4475-AAB7-D77BAE07C3A0}" type="datetime1">
+              <a:rPr lang="en-US" smtClean="0"/>
+              <a:t>10/16/2018</a:t>
+            </a:fld>
+            <a:endParaRPr lang="en-US"/>
+          </a:p>
+        </p:txBody>
+      </p:sp>
+      <p:sp>
+        <p:nvSpPr>
+          <p:cNvPr id="5" name="Footer Placeholder 4"/>
+          <p:cNvSpPr>
+            <a:spLocks noGrp="1"/>
+          </p:cNvSpPr>
+          <p:nvPr>
+            <p:ph type="ftr" sz="quarter" idx="11"/>
+          </p:nvPr>
+        </p:nvSpPr>
+        <p:spPr/>
+        <p:txBody>
+          <a:bodyPr/>
+          <a:lstStyle/>
+          <a:p>
+            <a:endParaRPr lang="en-US"/>
+          </a:p>
+        </p:txBody>
+      </p:sp>
+      <p:sp>
+        <p:nvSpPr>
+          <p:cNvPr id="6" name="Slide Number Placeholder 5"/>
+          <p:cNvSpPr>
+            <a:spLocks noGrp="1"/>
+          </p:cNvSpPr>
+          <p:nvPr>
+            <p:ph type="sldNum" sz="quarter" idx="12"/>
+          </p:nvPr>
+        </p:nvSpPr>
+        <p:spPr/>
+        <p:txBody>
+          <a:bodyPr/>
+          <a:lstStyle/>
+          <a:p>
+            <a:fld id="{29594D6E-6C01-6F46-B809-5BF366DCAAA3}" type="slidenum">
+              <a:rPr lang="en-US" smtClean="0"/>
+              <a:t>‹#›</a:t>
+            </a:fld>
+            <a:endParaRPr lang="en-US"/>
+          </a:p>
+        </p:txBody>
+      </p:sp>
+    </p:spTree>
+    <p:extLst>
+      <p:ext uri="{BB962C8B-B14F-4D97-AF65-F5344CB8AC3E}">
+        <p14:creationId xmlns:p14="http://schemas.microsoft.com/office/powerpoint/2010/main" val="3014812085"/>
+      </p:ext>
+    </p:extLst>
+  </p:cSld>
+  <p:clrMapOvr>
+    <a:masterClrMapping/>
+  </p:clrMapOvr>
+</p:sldLayout>
+</file>
+
+<file path=ppt/slideLayouts/slideLayout15.xml><?xml version="1.0" encoding="utf-8"?>
 <p:sldLayout xmlns:a="http://schemas.openxmlformats.org/drawingml/2006/main" xmlns:r="http://schemas.openxmlformats.org/officeDocument/2006/relationships" xmlns:p="http://schemas.openxmlformats.org/presentationml/2006/main" type="vertTx" preserve="1">
   <p:cSld name="Title and Vertical Text">
     <p:spTree>
@@ -790,13 +3050,7 @@
       </p:grpSpPr>
       <p:sp>
         <p:nvSpPr>
-          <p:cNvPr id="2" name="Title 1">
-            <a:extLst>
-              <a:ext uri="{FF2B5EF4-FFF2-40B4-BE49-F238E27FC236}">
-                <a16:creationId xmlns:a16="http://schemas.microsoft.com/office/drawing/2014/main" xmlns="" id="{4C50086C-2E01-7845-8DE1-52396B1B8F52}"/>
-              </a:ext>
-            </a:extLst>
-          </p:cNvPr>
+          <p:cNvPr id="2" name="Title 1"/>
           <p:cNvSpPr>
             <a:spLocks noGrp="1"/>
           </p:cNvSpPr>
@@ -810,21 +3064,16 @@
           <a:lstStyle/>
           <a:p>
             <a:r>
-              <a:rPr lang="en-US"/>
+              <a:rPr lang="en-US" smtClean="0"/>
               <a:t>Click to edit Master title style</a:t>
             </a:r>
+            <a:endParaRPr lang="en-US" dirty="0"/>
           </a:p>
         </p:txBody>
       </p:sp>
       <p:sp>
         <p:nvSpPr>
-          <p:cNvPr id="3" name="Vertical Text Placeholder 2">
-            <a:extLst>
-              <a:ext uri="{FF2B5EF4-FFF2-40B4-BE49-F238E27FC236}">
-                <a16:creationId xmlns:a16="http://schemas.microsoft.com/office/drawing/2014/main" xmlns="" id="{D16FB8D2-7CA5-F649-AC6D-4CD109D4B8EB}"/>
-              </a:ext>
-            </a:extLst>
-          </p:cNvPr>
+          <p:cNvPr id="3" name="Vertical Text Placeholder 2"/>
           <p:cNvSpPr>
             <a:spLocks noGrp="1"/>
           </p:cNvSpPr>
@@ -839,49 +3088,44 @@
           <a:p>
             <a:pPr lvl="0"/>
             <a:r>
-              <a:rPr lang="en-US"/>
-              <a:t>Edit Master text styles</a:t>
+              <a:rPr lang="en-US" smtClean="0"/>
+              <a:t>Click to edit Master text styles</a:t>
             </a:r>
           </a:p>
           <a:p>
             <a:pPr lvl="1"/>
             <a:r>
-              <a:rPr lang="en-US"/>
+              <a:rPr lang="en-US" smtClean="0"/>
               <a:t>Second level</a:t>
             </a:r>
           </a:p>
           <a:p>
             <a:pPr lvl="2"/>
             <a:r>
-              <a:rPr lang="en-US"/>
+              <a:rPr lang="en-US" smtClean="0"/>
               <a:t>Third level</a:t>
             </a:r>
           </a:p>
           <a:p>
             <a:pPr lvl="3"/>
             <a:r>
-              <a:rPr lang="en-US"/>
+              <a:rPr lang="en-US" smtClean="0"/>
               <a:t>Fourth level</a:t>
             </a:r>
           </a:p>
           <a:p>
             <a:pPr lvl="4"/>
             <a:r>
-              <a:rPr lang="en-US"/>
+              <a:rPr lang="en-US" smtClean="0"/>
               <a:t>Fifth level</a:t>
             </a:r>
+            <a:endParaRPr lang="en-US" dirty="0"/>
           </a:p>
         </p:txBody>
       </p:sp>
       <p:sp>
         <p:nvSpPr>
-          <p:cNvPr id="4" name="Date Placeholder 3">
-            <a:extLst>
-              <a:ext uri="{FF2B5EF4-FFF2-40B4-BE49-F238E27FC236}">
-                <a16:creationId xmlns:a16="http://schemas.microsoft.com/office/drawing/2014/main" xmlns="" id="{671A69BE-6437-D749-918C-310952A07C17}"/>
-              </a:ext>
-            </a:extLst>
-          </p:cNvPr>
+          <p:cNvPr id="4" name="Date Placeholder 3"/>
           <p:cNvSpPr>
             <a:spLocks noGrp="1"/>
           </p:cNvSpPr>
@@ -894,7 +3138,7 @@
           <a:bodyPr/>
           <a:lstStyle/>
           <a:p>
-            <a:fld id="{033D20D7-566B-694A-BCA6-1784D2350082}" type="datetimeFigureOut">
+            <a:fld id="{FEB75CF3-11CF-4536-A0A3-3167712DA8ED}" type="datetime1">
               <a:rPr lang="en-US" smtClean="0"/>
               <a:t>10/16/2018</a:t>
             </a:fld>
@@ -904,13 +3148,7 @@
       </p:sp>
       <p:sp>
         <p:nvSpPr>
-          <p:cNvPr id="5" name="Footer Placeholder 4">
-            <a:extLst>
-              <a:ext uri="{FF2B5EF4-FFF2-40B4-BE49-F238E27FC236}">
-                <a16:creationId xmlns:a16="http://schemas.microsoft.com/office/drawing/2014/main" xmlns="" id="{F475ADD5-B33D-7F40-BCFD-8FF622718B3A}"/>
-              </a:ext>
-            </a:extLst>
-          </p:cNvPr>
+          <p:cNvPr id="5" name="Footer Placeholder 4"/>
           <p:cNvSpPr>
             <a:spLocks noGrp="1"/>
           </p:cNvSpPr>
@@ -929,13 +3167,7 @@
       </p:sp>
       <p:sp>
         <p:nvSpPr>
-          <p:cNvPr id="6" name="Slide Number Placeholder 5">
-            <a:extLst>
-              <a:ext uri="{FF2B5EF4-FFF2-40B4-BE49-F238E27FC236}">
-                <a16:creationId xmlns:a16="http://schemas.microsoft.com/office/drawing/2014/main" xmlns="" id="{E0D54E36-203D-E347-A5A8-6C73207C227A}"/>
-              </a:ext>
-            </a:extLst>
-          </p:cNvPr>
+          <p:cNvPr id="6" name="Slide Number Placeholder 5"/>
           <p:cNvSpPr>
             <a:spLocks noGrp="1"/>
           </p:cNvSpPr>
@@ -959,7 +3191,7 @@
     </p:spTree>
     <p:extLst>
       <p:ext uri="{BB962C8B-B14F-4D97-AF65-F5344CB8AC3E}">
-        <p14:creationId xmlns:p14="http://schemas.microsoft.com/office/powerpoint/2010/main" val="1172923976"/>
+        <p14:creationId xmlns:p14="http://schemas.microsoft.com/office/powerpoint/2010/main" val="3405829448"/>
       </p:ext>
     </p:extLst>
   </p:cSld>
@@ -969,7 +3201,7 @@
 </p:sldLayout>
 </file>
 
-<file path=ppt/slideLayouts/slideLayout11.xml><?xml version="1.0" encoding="utf-8"?>
+<file path=ppt/slideLayouts/slideLayout16.xml><?xml version="1.0" encoding="utf-8"?>
 <p:sldLayout xmlns:a="http://schemas.openxmlformats.org/drawingml/2006/main" xmlns:r="http://schemas.openxmlformats.org/officeDocument/2006/relationships" xmlns:p="http://schemas.openxmlformats.org/presentationml/2006/main" type="vertTitleAndTx" preserve="1">
   <p:cSld name="Vertical Title and Text">
     <p:spTree>
@@ -988,13 +3220,7 @@
       </p:grpSpPr>
       <p:sp>
         <p:nvSpPr>
-          <p:cNvPr id="2" name="Vertical Title 1">
-            <a:extLst>
-              <a:ext uri="{FF2B5EF4-FFF2-40B4-BE49-F238E27FC236}">
-                <a16:creationId xmlns:a16="http://schemas.microsoft.com/office/drawing/2014/main" xmlns="" id="{EA84F8B8-D481-B849-A448-3655E4C57651}"/>
-              </a:ext>
-            </a:extLst>
-          </p:cNvPr>
+          <p:cNvPr id="2" name="Vertical Title 1"/>
           <p:cNvSpPr>
             <a:spLocks noGrp="1"/>
           </p:cNvSpPr>
@@ -1004,30 +3230,25 @@
         </p:nvSpPr>
         <p:spPr>
           <a:xfrm>
-            <a:off x="8724900" y="365125"/>
-            <a:ext cx="2628900" cy="5811838"/>
+            <a:off x="7967673" y="609599"/>
+            <a:ext cx="1304743" cy="5251451"/>
           </a:xfrm>
         </p:spPr>
         <p:txBody>
-          <a:bodyPr vert="eaVert"/>
+          <a:bodyPr vert="eaVert" anchor="ctr"/>
           <a:lstStyle/>
           <a:p>
             <a:r>
-              <a:rPr lang="en-US"/>
+              <a:rPr lang="en-US" smtClean="0"/>
               <a:t>Click to edit Master title style</a:t>
             </a:r>
+            <a:endParaRPr lang="en-US" dirty="0"/>
           </a:p>
         </p:txBody>
       </p:sp>
       <p:sp>
         <p:nvSpPr>
-          <p:cNvPr id="3" name="Vertical Text Placeholder 2">
-            <a:extLst>
-              <a:ext uri="{FF2B5EF4-FFF2-40B4-BE49-F238E27FC236}">
-                <a16:creationId xmlns:a16="http://schemas.microsoft.com/office/drawing/2014/main" xmlns="" id="{01C81AFF-38D4-484B-BF35-AF1D30B2F686}"/>
-              </a:ext>
-            </a:extLst>
-          </p:cNvPr>
+          <p:cNvPr id="3" name="Vertical Text Placeholder 2"/>
           <p:cNvSpPr>
             <a:spLocks noGrp="1"/>
           </p:cNvSpPr>
@@ -1037,8 +3258,8 @@
         </p:nvSpPr>
         <p:spPr>
           <a:xfrm>
-            <a:off x="838200" y="365125"/>
-            <a:ext cx="7734300" cy="5811838"/>
+            <a:off x="677335" y="609600"/>
+            <a:ext cx="7060150" cy="5251450"/>
           </a:xfrm>
         </p:spPr>
         <p:txBody>
@@ -1047,49 +3268,44 @@
           <a:p>
             <a:pPr lvl="0"/>
             <a:r>
-              <a:rPr lang="en-US"/>
-              <a:t>Edit Master text styles</a:t>
+              <a:rPr lang="en-US" smtClean="0"/>
+              <a:t>Click to edit Master text styles</a:t>
             </a:r>
           </a:p>
           <a:p>
             <a:pPr lvl="1"/>
             <a:r>
-              <a:rPr lang="en-US"/>
+              <a:rPr lang="en-US" smtClean="0"/>
               <a:t>Second level</a:t>
             </a:r>
           </a:p>
           <a:p>
             <a:pPr lvl="2"/>
             <a:r>
-              <a:rPr lang="en-US"/>
+              <a:rPr lang="en-US" smtClean="0"/>
               <a:t>Third level</a:t>
             </a:r>
           </a:p>
           <a:p>
             <a:pPr lvl="3"/>
             <a:r>
-              <a:rPr lang="en-US"/>
+              <a:rPr lang="en-US" smtClean="0"/>
               <a:t>Fourth level</a:t>
             </a:r>
           </a:p>
           <a:p>
             <a:pPr lvl="4"/>
             <a:r>
-              <a:rPr lang="en-US"/>
+              <a:rPr lang="en-US" smtClean="0"/>
               <a:t>Fifth level</a:t>
             </a:r>
+            <a:endParaRPr lang="en-US" dirty="0"/>
           </a:p>
         </p:txBody>
       </p:sp>
       <p:sp>
         <p:nvSpPr>
-          <p:cNvPr id="4" name="Date Placeholder 3">
-            <a:extLst>
-              <a:ext uri="{FF2B5EF4-FFF2-40B4-BE49-F238E27FC236}">
-                <a16:creationId xmlns:a16="http://schemas.microsoft.com/office/drawing/2014/main" xmlns="" id="{DB1F81C1-60E0-684C-9CE9-C260D51EB273}"/>
-              </a:ext>
-            </a:extLst>
-          </p:cNvPr>
+          <p:cNvPr id="4" name="Date Placeholder 3"/>
           <p:cNvSpPr>
             <a:spLocks noGrp="1"/>
           </p:cNvSpPr>
@@ -1102,7 +3318,7 @@
           <a:bodyPr/>
           <a:lstStyle/>
           <a:p>
-            <a:fld id="{033D20D7-566B-694A-BCA6-1784D2350082}" type="datetimeFigureOut">
+            <a:fld id="{5A8BAC96-B083-4653-885C-32FC5E40780A}" type="datetime1">
               <a:rPr lang="en-US" smtClean="0"/>
               <a:t>10/16/2018</a:t>
             </a:fld>
@@ -1112,13 +3328,7 @@
       </p:sp>
       <p:sp>
         <p:nvSpPr>
-          <p:cNvPr id="5" name="Footer Placeholder 4">
-            <a:extLst>
-              <a:ext uri="{FF2B5EF4-FFF2-40B4-BE49-F238E27FC236}">
-                <a16:creationId xmlns:a16="http://schemas.microsoft.com/office/drawing/2014/main" xmlns="" id="{3F5299E7-AF38-664C-8E53-89B1277B7E0A}"/>
-              </a:ext>
-            </a:extLst>
-          </p:cNvPr>
+          <p:cNvPr id="5" name="Footer Placeholder 4"/>
           <p:cNvSpPr>
             <a:spLocks noGrp="1"/>
           </p:cNvSpPr>
@@ -1137,13 +3347,7 @@
       </p:sp>
       <p:sp>
         <p:nvSpPr>
-          <p:cNvPr id="6" name="Slide Number Placeholder 5">
-            <a:extLst>
-              <a:ext uri="{FF2B5EF4-FFF2-40B4-BE49-F238E27FC236}">
-                <a16:creationId xmlns:a16="http://schemas.microsoft.com/office/drawing/2014/main" xmlns="" id="{7ED94C23-F71B-044F-B694-25DE8ED2766C}"/>
-              </a:ext>
-            </a:extLst>
-          </p:cNvPr>
+          <p:cNvPr id="6" name="Slide Number Placeholder 5"/>
           <p:cNvSpPr>
             <a:spLocks noGrp="1"/>
           </p:cNvSpPr>
@@ -1167,7 +3371,7 @@
     </p:spTree>
     <p:extLst>
       <p:ext uri="{BB962C8B-B14F-4D97-AF65-F5344CB8AC3E}">
-        <p14:creationId xmlns:p14="http://schemas.microsoft.com/office/powerpoint/2010/main" val="642670448"/>
+        <p14:creationId xmlns:p14="http://schemas.microsoft.com/office/powerpoint/2010/main" val="782244249"/>
       </p:ext>
     </p:extLst>
   </p:cSld>
@@ -1196,13 +3400,7 @@
       </p:grpSpPr>
       <p:sp>
         <p:nvSpPr>
-          <p:cNvPr id="2" name="Title 1">
-            <a:extLst>
-              <a:ext uri="{FF2B5EF4-FFF2-40B4-BE49-F238E27FC236}">
-                <a16:creationId xmlns:a16="http://schemas.microsoft.com/office/drawing/2014/main" xmlns="" id="{D8D2F5D2-EE27-3548-B240-120254AB49E7}"/>
-              </a:ext>
-            </a:extLst>
-          </p:cNvPr>
+          <p:cNvPr id="2" name="Title 1"/>
           <p:cNvSpPr>
             <a:spLocks noGrp="1"/>
           </p:cNvSpPr>
@@ -1212,25 +3410,26 @@
         </p:nvSpPr>
         <p:spPr/>
         <p:txBody>
-          <a:bodyPr/>
-          <a:lstStyle/>
+          <a:bodyPr>
+            <a:normAutofit/>
+          </a:bodyPr>
+          <a:lstStyle>
+            <a:lvl1pPr>
+              <a:defRPr sz="3600"/>
+            </a:lvl1pPr>
+          </a:lstStyle>
           <a:p>
             <a:r>
-              <a:rPr lang="en-US"/>
+              <a:rPr lang="en-US" smtClean="0"/>
               <a:t>Click to edit Master title style</a:t>
             </a:r>
+            <a:endParaRPr lang="en-US" dirty="0"/>
           </a:p>
         </p:txBody>
       </p:sp>
       <p:sp>
         <p:nvSpPr>
-          <p:cNvPr id="3" name="Content Placeholder 2">
-            <a:extLst>
-              <a:ext uri="{FF2B5EF4-FFF2-40B4-BE49-F238E27FC236}">
-                <a16:creationId xmlns:a16="http://schemas.microsoft.com/office/drawing/2014/main" xmlns="" id="{8E10ABAB-75B1-9E42-B5C0-93480F139269}"/>
-              </a:ext>
-            </a:extLst>
-          </p:cNvPr>
+          <p:cNvPr id="3" name="Content Placeholder 2"/>
           <p:cNvSpPr>
             <a:spLocks noGrp="1"/>
           </p:cNvSpPr>
@@ -1245,49 +3444,44 @@
           <a:p>
             <a:pPr lvl="0"/>
             <a:r>
-              <a:rPr lang="en-US"/>
-              <a:t>Edit Master text styles</a:t>
+              <a:rPr lang="en-US" smtClean="0"/>
+              <a:t>Click to edit Master text styles</a:t>
             </a:r>
           </a:p>
           <a:p>
             <a:pPr lvl="1"/>
             <a:r>
-              <a:rPr lang="en-US"/>
+              <a:rPr lang="en-US" smtClean="0"/>
               <a:t>Second level</a:t>
             </a:r>
           </a:p>
           <a:p>
             <a:pPr lvl="2"/>
             <a:r>
-              <a:rPr lang="en-US"/>
+              <a:rPr lang="en-US" smtClean="0"/>
               <a:t>Third level</a:t>
             </a:r>
           </a:p>
           <a:p>
             <a:pPr lvl="3"/>
             <a:r>
-              <a:rPr lang="en-US"/>
+              <a:rPr lang="en-US" smtClean="0"/>
               <a:t>Fourth level</a:t>
             </a:r>
           </a:p>
           <a:p>
             <a:pPr lvl="4"/>
             <a:r>
-              <a:rPr lang="en-US"/>
+              <a:rPr lang="en-US" smtClean="0"/>
               <a:t>Fifth level</a:t>
             </a:r>
+            <a:endParaRPr lang="en-US" dirty="0"/>
           </a:p>
         </p:txBody>
       </p:sp>
       <p:sp>
         <p:nvSpPr>
-          <p:cNvPr id="4" name="Date Placeholder 3">
-            <a:extLst>
-              <a:ext uri="{FF2B5EF4-FFF2-40B4-BE49-F238E27FC236}">
-                <a16:creationId xmlns:a16="http://schemas.microsoft.com/office/drawing/2014/main" xmlns="" id="{6EF5BBFB-7570-6940-8D73-2B1473673D84}"/>
-              </a:ext>
-            </a:extLst>
-          </p:cNvPr>
+          <p:cNvPr id="4" name="Date Placeholder 3"/>
           <p:cNvSpPr>
             <a:spLocks noGrp="1"/>
           </p:cNvSpPr>
@@ -1300,7 +3494,7 @@
           <a:bodyPr/>
           <a:lstStyle/>
           <a:p>
-            <a:fld id="{033D20D7-566B-694A-BCA6-1784D2350082}" type="datetimeFigureOut">
+            <a:fld id="{517679D5-0161-480B-9D32-DE10925F7845}" type="datetime1">
               <a:rPr lang="en-US" smtClean="0"/>
               <a:t>10/16/2018</a:t>
             </a:fld>
@@ -1310,13 +3504,7 @@
       </p:sp>
       <p:sp>
         <p:nvSpPr>
-          <p:cNvPr id="5" name="Footer Placeholder 4">
-            <a:extLst>
-              <a:ext uri="{FF2B5EF4-FFF2-40B4-BE49-F238E27FC236}">
-                <a16:creationId xmlns:a16="http://schemas.microsoft.com/office/drawing/2014/main" xmlns="" id="{04C1C668-2DB2-CD41-887D-DFE3C9412408}"/>
-              </a:ext>
-            </a:extLst>
-          </p:cNvPr>
+          <p:cNvPr id="5" name="Footer Placeholder 4"/>
           <p:cNvSpPr>
             <a:spLocks noGrp="1"/>
           </p:cNvSpPr>
@@ -1335,13 +3523,7 @@
       </p:sp>
       <p:sp>
         <p:nvSpPr>
-          <p:cNvPr id="6" name="Slide Number Placeholder 5">
-            <a:extLst>
-              <a:ext uri="{FF2B5EF4-FFF2-40B4-BE49-F238E27FC236}">
-                <a16:creationId xmlns:a16="http://schemas.microsoft.com/office/drawing/2014/main" xmlns="" id="{4F992ACE-FA09-F145-9F66-D1D5C835E14B}"/>
-              </a:ext>
-            </a:extLst>
-          </p:cNvPr>
+          <p:cNvPr id="6" name="Slide Number Placeholder 5"/>
           <p:cNvSpPr>
             <a:spLocks noGrp="1"/>
           </p:cNvSpPr>
@@ -1365,7 +3547,7 @@
     </p:spTree>
     <p:extLst>
       <p:ext uri="{BB962C8B-B14F-4D97-AF65-F5344CB8AC3E}">
-        <p14:creationId xmlns:p14="http://schemas.microsoft.com/office/powerpoint/2010/main" val="3901602287"/>
+        <p14:creationId xmlns:p14="http://schemas.microsoft.com/office/powerpoint/2010/main" val="1534221015"/>
       </p:ext>
     </p:extLst>
   </p:cSld>
@@ -1394,13 +3576,7 @@
       </p:grpSpPr>
       <p:sp>
         <p:nvSpPr>
-          <p:cNvPr id="2" name="Title 1">
-            <a:extLst>
-              <a:ext uri="{FF2B5EF4-FFF2-40B4-BE49-F238E27FC236}">
-                <a16:creationId xmlns:a16="http://schemas.microsoft.com/office/drawing/2014/main" xmlns="" id="{5923B807-CE68-9C4C-AD5D-E1E7D129C9D4}"/>
-              </a:ext>
-            </a:extLst>
-          </p:cNvPr>
+          <p:cNvPr id="2" name="Title 1"/>
           <p:cNvSpPr>
             <a:spLocks noGrp="1"/>
           </p:cNvSpPr>
@@ -1410,34 +3586,29 @@
         </p:nvSpPr>
         <p:spPr>
           <a:xfrm>
-            <a:off x="831850" y="1709738"/>
-            <a:ext cx="10515600" cy="2852737"/>
+            <a:off x="677335" y="2700867"/>
+            <a:ext cx="8596668" cy="1826581"/>
           </a:xfrm>
         </p:spPr>
         <p:txBody>
           <a:bodyPr anchor="b"/>
           <a:lstStyle>
-            <a:lvl1pPr>
-              <a:defRPr sz="6000"/>
+            <a:lvl1pPr algn="l">
+              <a:defRPr sz="4000" b="0" cap="none"/>
             </a:lvl1pPr>
           </a:lstStyle>
           <a:p>
             <a:r>
-              <a:rPr lang="en-US"/>
+              <a:rPr lang="en-US" smtClean="0"/>
               <a:t>Click to edit Master title style</a:t>
             </a:r>
+            <a:endParaRPr lang="en-US" dirty="0"/>
           </a:p>
         </p:txBody>
       </p:sp>
       <p:sp>
         <p:nvSpPr>
-          <p:cNvPr id="3" name="Text Placeholder 2">
-            <a:extLst>
-              <a:ext uri="{FF2B5EF4-FFF2-40B4-BE49-F238E27FC236}">
-                <a16:creationId xmlns:a16="http://schemas.microsoft.com/office/drawing/2014/main" xmlns="" id="{D1F757C6-43C6-B242-9B1C-50A30FBBCB4C}"/>
-              </a:ext>
-            </a:extLst>
-          </p:cNvPr>
+          <p:cNvPr id="3" name="Text Placeholder 2"/>
           <p:cNvSpPr>
             <a:spLocks noGrp="1"/>
           </p:cNvSpPr>
@@ -1447,26 +3618,27 @@
         </p:nvSpPr>
         <p:spPr>
           <a:xfrm>
-            <a:off x="831850" y="4589463"/>
-            <a:ext cx="10515600" cy="1500187"/>
+            <a:off x="677335" y="4527448"/>
+            <a:ext cx="8596668" cy="860400"/>
           </a:xfrm>
         </p:spPr>
         <p:txBody>
-          <a:bodyPr/>
+          <a:bodyPr anchor="t"/>
           <a:lstStyle>
-            <a:lvl1pPr marL="0" indent="0">
+            <a:lvl1pPr marL="0" indent="0" algn="l">
               <a:buNone/>
-              <a:defRPr sz="2400">
+              <a:defRPr sz="2000">
                 <a:solidFill>
                   <a:schemeClr val="tx1">
-                    <a:tint val="75000"/>
+                    <a:lumMod val="50000"/>
+                    <a:lumOff val="50000"/>
                   </a:schemeClr>
                 </a:solidFill>
               </a:defRPr>
             </a:lvl1pPr>
             <a:lvl2pPr marL="457200" indent="0">
               <a:buNone/>
-              <a:defRPr sz="2000">
+              <a:defRPr sz="1800">
                 <a:solidFill>
                   <a:schemeClr val="tx1">
                     <a:tint val="75000"/>
@@ -1476,7 +3648,7 @@
             </a:lvl2pPr>
             <a:lvl3pPr marL="914400" indent="0">
               <a:buNone/>
-              <a:defRPr sz="1800">
+              <a:defRPr sz="1600">
                 <a:solidFill>
                   <a:schemeClr val="tx1">
                     <a:tint val="75000"/>
@@ -1486,7 +3658,7 @@
             </a:lvl3pPr>
             <a:lvl4pPr marL="1371600" indent="0">
               <a:buNone/>
-              <a:defRPr sz="1600">
+              <a:defRPr sz="1400">
                 <a:solidFill>
                   <a:schemeClr val="tx1">
                     <a:tint val="75000"/>
@@ -1496,7 +3668,7 @@
             </a:lvl4pPr>
             <a:lvl5pPr marL="1828800" indent="0">
               <a:buNone/>
-              <a:defRPr sz="1600">
+              <a:defRPr sz="1400">
                 <a:solidFill>
                   <a:schemeClr val="tx1">
                     <a:tint val="75000"/>
@@ -1506,7 +3678,7 @@
             </a:lvl5pPr>
             <a:lvl6pPr marL="2286000" indent="0">
               <a:buNone/>
-              <a:defRPr sz="1600">
+              <a:defRPr sz="1400">
                 <a:solidFill>
                   <a:schemeClr val="tx1">
                     <a:tint val="75000"/>
@@ -1516,7 +3688,7 @@
             </a:lvl6pPr>
             <a:lvl7pPr marL="2743200" indent="0">
               <a:buNone/>
-              <a:defRPr sz="1600">
+              <a:defRPr sz="1400">
                 <a:solidFill>
                   <a:schemeClr val="tx1">
                     <a:tint val="75000"/>
@@ -1526,7 +3698,7 @@
             </a:lvl7pPr>
             <a:lvl8pPr marL="3200400" indent="0">
               <a:buNone/>
-              <a:defRPr sz="1600">
+              <a:defRPr sz="1400">
                 <a:solidFill>
                   <a:schemeClr val="tx1">
                     <a:tint val="75000"/>
@@ -1536,7 +3708,7 @@
             </a:lvl8pPr>
             <a:lvl9pPr marL="3657600" indent="0">
               <a:buNone/>
-              <a:defRPr sz="1600">
+              <a:defRPr sz="1400">
                 <a:solidFill>
                   <a:schemeClr val="tx1">
                     <a:tint val="75000"/>
@@ -1548,21 +3720,15 @@
           <a:p>
             <a:pPr lvl="0"/>
             <a:r>
-              <a:rPr lang="en-US"/>
-              <a:t>Edit Master text styles</a:t>
+              <a:rPr lang="en-US" smtClean="0"/>
+              <a:t>Click to edit Master text styles</a:t>
             </a:r>
           </a:p>
         </p:txBody>
       </p:sp>
       <p:sp>
         <p:nvSpPr>
-          <p:cNvPr id="4" name="Date Placeholder 3">
-            <a:extLst>
-              <a:ext uri="{FF2B5EF4-FFF2-40B4-BE49-F238E27FC236}">
-                <a16:creationId xmlns:a16="http://schemas.microsoft.com/office/drawing/2014/main" xmlns="" id="{55FA4973-79B8-ED47-8A51-ED3A854CF41E}"/>
-              </a:ext>
-            </a:extLst>
-          </p:cNvPr>
+          <p:cNvPr id="4" name="Date Placeholder 3"/>
           <p:cNvSpPr>
             <a:spLocks noGrp="1"/>
           </p:cNvSpPr>
@@ -1575,7 +3741,7 @@
           <a:bodyPr/>
           <a:lstStyle/>
           <a:p>
-            <a:fld id="{033D20D7-566B-694A-BCA6-1784D2350082}" type="datetimeFigureOut">
+            <a:fld id="{838BEB12-96C2-4D93-A133-4C2173370B6B}" type="datetime1">
               <a:rPr lang="en-US" smtClean="0"/>
               <a:t>10/16/2018</a:t>
             </a:fld>
@@ -1585,13 +3751,7 @@
       </p:sp>
       <p:sp>
         <p:nvSpPr>
-          <p:cNvPr id="5" name="Footer Placeholder 4">
-            <a:extLst>
-              <a:ext uri="{FF2B5EF4-FFF2-40B4-BE49-F238E27FC236}">
-                <a16:creationId xmlns:a16="http://schemas.microsoft.com/office/drawing/2014/main" xmlns="" id="{A3395830-DD5D-3845-9460-BD7AF9F73D76}"/>
-              </a:ext>
-            </a:extLst>
-          </p:cNvPr>
+          <p:cNvPr id="5" name="Footer Placeholder 4"/>
           <p:cNvSpPr>
             <a:spLocks noGrp="1"/>
           </p:cNvSpPr>
@@ -1610,13 +3770,7 @@
       </p:sp>
       <p:sp>
         <p:nvSpPr>
-          <p:cNvPr id="6" name="Slide Number Placeholder 5">
-            <a:extLst>
-              <a:ext uri="{FF2B5EF4-FFF2-40B4-BE49-F238E27FC236}">
-                <a16:creationId xmlns:a16="http://schemas.microsoft.com/office/drawing/2014/main" xmlns="" id="{84AA004D-D813-D546-A587-45E9075EEB4D}"/>
-              </a:ext>
-            </a:extLst>
-          </p:cNvPr>
+          <p:cNvPr id="6" name="Slide Number Placeholder 5"/>
           <p:cNvSpPr>
             <a:spLocks noGrp="1"/>
           </p:cNvSpPr>
@@ -1640,7 +3794,7 @@
     </p:spTree>
     <p:extLst>
       <p:ext uri="{BB962C8B-B14F-4D97-AF65-F5344CB8AC3E}">
-        <p14:creationId xmlns:p14="http://schemas.microsoft.com/office/powerpoint/2010/main" val="1662046869"/>
+        <p14:creationId xmlns:p14="http://schemas.microsoft.com/office/powerpoint/2010/main" val="597196979"/>
       </p:ext>
     </p:extLst>
   </p:cSld>
@@ -1669,13 +3823,7 @@
       </p:grpSpPr>
       <p:sp>
         <p:nvSpPr>
-          <p:cNvPr id="2" name="Title 1">
-            <a:extLst>
-              <a:ext uri="{FF2B5EF4-FFF2-40B4-BE49-F238E27FC236}">
-                <a16:creationId xmlns:a16="http://schemas.microsoft.com/office/drawing/2014/main" xmlns="" id="{42C63B00-2D0E-AD47-B060-298BB7E5FC02}"/>
-              </a:ext>
-            </a:extLst>
-          </p:cNvPr>
+          <p:cNvPr id="2" name="Title 1"/>
           <p:cNvSpPr>
             <a:spLocks noGrp="1"/>
           </p:cNvSpPr>
@@ -1689,21 +3837,16 @@
           <a:lstStyle/>
           <a:p>
             <a:r>
-              <a:rPr lang="en-US"/>
+              <a:rPr lang="en-US" smtClean="0"/>
               <a:t>Click to edit Master title style</a:t>
             </a:r>
+            <a:endParaRPr lang="en-US" dirty="0"/>
           </a:p>
         </p:txBody>
       </p:sp>
       <p:sp>
         <p:nvSpPr>
-          <p:cNvPr id="3" name="Content Placeholder 2">
-            <a:extLst>
-              <a:ext uri="{FF2B5EF4-FFF2-40B4-BE49-F238E27FC236}">
-                <a16:creationId xmlns:a16="http://schemas.microsoft.com/office/drawing/2014/main" xmlns="" id="{A3741ED2-DEBE-9E43-BFD6-89AF35F67E3C}"/>
-              </a:ext>
-            </a:extLst>
-          </p:cNvPr>
+          <p:cNvPr id="3" name="Content Placeholder 2"/>
           <p:cNvSpPr>
             <a:spLocks noGrp="1"/>
           </p:cNvSpPr>
@@ -1713,8 +3856,8 @@
         </p:nvSpPr>
         <p:spPr>
           <a:xfrm>
-            <a:off x="838200" y="1825625"/>
-            <a:ext cx="5181600" cy="4351338"/>
+            <a:off x="677334" y="2160589"/>
+            <a:ext cx="4184035" cy="3880772"/>
           </a:xfrm>
         </p:spPr>
         <p:txBody>
@@ -1723,49 +3866,44 @@
           <a:p>
             <a:pPr lvl="0"/>
             <a:r>
-              <a:rPr lang="en-US"/>
-              <a:t>Edit Master text styles</a:t>
+              <a:rPr lang="en-US" smtClean="0"/>
+              <a:t>Click to edit Master text styles</a:t>
             </a:r>
           </a:p>
           <a:p>
             <a:pPr lvl="1"/>
             <a:r>
-              <a:rPr lang="en-US"/>
+              <a:rPr lang="en-US" smtClean="0"/>
               <a:t>Second level</a:t>
             </a:r>
           </a:p>
           <a:p>
             <a:pPr lvl="2"/>
             <a:r>
-              <a:rPr lang="en-US"/>
+              <a:rPr lang="en-US" smtClean="0"/>
               <a:t>Third level</a:t>
             </a:r>
           </a:p>
           <a:p>
             <a:pPr lvl="3"/>
             <a:r>
-              <a:rPr lang="en-US"/>
+              <a:rPr lang="en-US" smtClean="0"/>
               <a:t>Fourth level</a:t>
             </a:r>
           </a:p>
           <a:p>
             <a:pPr lvl="4"/>
             <a:r>
-              <a:rPr lang="en-US"/>
+              <a:rPr lang="en-US" smtClean="0"/>
               <a:t>Fifth level</a:t>
             </a:r>
+            <a:endParaRPr lang="en-US" dirty="0"/>
           </a:p>
         </p:txBody>
       </p:sp>
       <p:sp>
         <p:nvSpPr>
-          <p:cNvPr id="4" name="Content Placeholder 3">
-            <a:extLst>
-              <a:ext uri="{FF2B5EF4-FFF2-40B4-BE49-F238E27FC236}">
-                <a16:creationId xmlns:a16="http://schemas.microsoft.com/office/drawing/2014/main" xmlns="" id="{AF7282ED-8F3C-6547-B6AA-D9D98BBFE584}"/>
-              </a:ext>
-            </a:extLst>
-          </p:cNvPr>
+          <p:cNvPr id="4" name="Content Placeholder 3"/>
           <p:cNvSpPr>
             <a:spLocks noGrp="1"/>
           </p:cNvSpPr>
@@ -1775,8 +3913,8 @@
         </p:nvSpPr>
         <p:spPr>
           <a:xfrm>
-            <a:off x="6172200" y="1825625"/>
-            <a:ext cx="5181600" cy="4351338"/>
+            <a:off x="5089970" y="2160589"/>
+            <a:ext cx="4184034" cy="3880773"/>
           </a:xfrm>
         </p:spPr>
         <p:txBody>
@@ -1785,49 +3923,44 @@
           <a:p>
             <a:pPr lvl="0"/>
             <a:r>
-              <a:rPr lang="en-US"/>
-              <a:t>Edit Master text styles</a:t>
+              <a:rPr lang="en-US" smtClean="0"/>
+              <a:t>Click to edit Master text styles</a:t>
             </a:r>
           </a:p>
           <a:p>
             <a:pPr lvl="1"/>
             <a:r>
-              <a:rPr lang="en-US"/>
+              <a:rPr lang="en-US" smtClean="0"/>
               <a:t>Second level</a:t>
             </a:r>
           </a:p>
           <a:p>
             <a:pPr lvl="2"/>
             <a:r>
-              <a:rPr lang="en-US"/>
+              <a:rPr lang="en-US" smtClean="0"/>
               <a:t>Third level</a:t>
             </a:r>
           </a:p>
           <a:p>
             <a:pPr lvl="3"/>
             <a:r>
-              <a:rPr lang="en-US"/>
+              <a:rPr lang="en-US" smtClean="0"/>
               <a:t>Fourth level</a:t>
             </a:r>
           </a:p>
           <a:p>
             <a:pPr lvl="4"/>
             <a:r>
-              <a:rPr lang="en-US"/>
+              <a:rPr lang="en-US" smtClean="0"/>
               <a:t>Fifth level</a:t>
             </a:r>
+            <a:endParaRPr lang="en-US" dirty="0"/>
           </a:p>
         </p:txBody>
       </p:sp>
       <p:sp>
         <p:nvSpPr>
-          <p:cNvPr id="5" name="Date Placeholder 4">
-            <a:extLst>
-              <a:ext uri="{FF2B5EF4-FFF2-40B4-BE49-F238E27FC236}">
-                <a16:creationId xmlns:a16="http://schemas.microsoft.com/office/drawing/2014/main" xmlns="" id="{A5A43D20-17D0-B44E-9D00-E94D1E9D012F}"/>
-              </a:ext>
-            </a:extLst>
-          </p:cNvPr>
+          <p:cNvPr id="5" name="Date Placeholder 4"/>
           <p:cNvSpPr>
             <a:spLocks noGrp="1"/>
           </p:cNvSpPr>
@@ -1840,7 +3973,7 @@
           <a:bodyPr/>
           <a:lstStyle/>
           <a:p>
-            <a:fld id="{033D20D7-566B-694A-BCA6-1784D2350082}" type="datetimeFigureOut">
+            <a:fld id="{01D29CDF-2574-42C4-BB5F-5BE408FCC76D}" type="datetime1">
               <a:rPr lang="en-US" smtClean="0"/>
               <a:t>10/16/2018</a:t>
             </a:fld>
@@ -1850,13 +3983,7 @@
       </p:sp>
       <p:sp>
         <p:nvSpPr>
-          <p:cNvPr id="6" name="Footer Placeholder 5">
-            <a:extLst>
-              <a:ext uri="{FF2B5EF4-FFF2-40B4-BE49-F238E27FC236}">
-                <a16:creationId xmlns:a16="http://schemas.microsoft.com/office/drawing/2014/main" xmlns="" id="{6C5BE584-C962-3546-A532-4D3FBDED36BF}"/>
-              </a:ext>
-            </a:extLst>
-          </p:cNvPr>
+          <p:cNvPr id="6" name="Footer Placeholder 5"/>
           <p:cNvSpPr>
             <a:spLocks noGrp="1"/>
           </p:cNvSpPr>
@@ -1875,13 +4002,7 @@
       </p:sp>
       <p:sp>
         <p:nvSpPr>
-          <p:cNvPr id="7" name="Slide Number Placeholder 6">
-            <a:extLst>
-              <a:ext uri="{FF2B5EF4-FFF2-40B4-BE49-F238E27FC236}">
-                <a16:creationId xmlns:a16="http://schemas.microsoft.com/office/drawing/2014/main" xmlns="" id="{C006DF7C-E72C-154B-A944-3FC39A2C5427}"/>
-              </a:ext>
-            </a:extLst>
-          </p:cNvPr>
+          <p:cNvPr id="7" name="Slide Number Placeholder 6"/>
           <p:cNvSpPr>
             <a:spLocks noGrp="1"/>
           </p:cNvSpPr>
@@ -1905,7 +4026,7 @@
     </p:spTree>
     <p:extLst>
       <p:ext uri="{BB962C8B-B14F-4D97-AF65-F5344CB8AC3E}">
-        <p14:creationId xmlns:p14="http://schemas.microsoft.com/office/powerpoint/2010/main" val="2979039500"/>
+        <p14:creationId xmlns:p14="http://schemas.microsoft.com/office/powerpoint/2010/main" val="3918941457"/>
       </p:ext>
     </p:extLst>
   </p:cSld>
@@ -1934,13 +4055,7 @@
       </p:grpSpPr>
       <p:sp>
         <p:nvSpPr>
-          <p:cNvPr id="2" name="Title 1">
-            <a:extLst>
-              <a:ext uri="{FF2B5EF4-FFF2-40B4-BE49-F238E27FC236}">
-                <a16:creationId xmlns:a16="http://schemas.microsoft.com/office/drawing/2014/main" xmlns="" id="{41475361-ECF4-814B-96CF-E20E1AEA7007}"/>
-              </a:ext>
-            </a:extLst>
-          </p:cNvPr>
+          <p:cNvPr id="2" name="Title 1"/>
           <p:cNvSpPr>
             <a:spLocks noGrp="1"/>
           </p:cNvSpPr>
@@ -1948,32 +4063,26 @@
             <p:ph type="title"/>
           </p:nvPr>
         </p:nvSpPr>
-        <p:spPr>
-          <a:xfrm>
-            <a:off x="839788" y="365125"/>
-            <a:ext cx="10515600" cy="1325563"/>
-          </a:xfrm>
-        </p:spPr>
+        <p:spPr/>
         <p:txBody>
           <a:bodyPr/>
-          <a:lstStyle/>
+          <a:lstStyle>
+            <a:lvl1pPr>
+              <a:defRPr/>
+            </a:lvl1pPr>
+          </a:lstStyle>
           <a:p>
             <a:r>
-              <a:rPr lang="en-US"/>
+              <a:rPr lang="en-US" smtClean="0"/>
               <a:t>Click to edit Master title style</a:t>
             </a:r>
+            <a:endParaRPr lang="en-US" dirty="0"/>
           </a:p>
         </p:txBody>
       </p:sp>
       <p:sp>
         <p:nvSpPr>
-          <p:cNvPr id="3" name="Text Placeholder 2">
-            <a:extLst>
-              <a:ext uri="{FF2B5EF4-FFF2-40B4-BE49-F238E27FC236}">
-                <a16:creationId xmlns:a16="http://schemas.microsoft.com/office/drawing/2014/main" xmlns="" id="{0AC37B5F-C045-B449-928F-C91003FADF7B}"/>
-              </a:ext>
-            </a:extLst>
-          </p:cNvPr>
+          <p:cNvPr id="3" name="Text Placeholder 2"/>
           <p:cNvSpPr>
             <a:spLocks noGrp="1"/>
           </p:cNvSpPr>
@@ -1983,16 +4092,18 @@
         </p:nvSpPr>
         <p:spPr>
           <a:xfrm>
-            <a:off x="839788" y="1681163"/>
-            <a:ext cx="5157787" cy="823912"/>
+            <a:off x="675745" y="2160983"/>
+            <a:ext cx="4185623" cy="576262"/>
           </a:xfrm>
         </p:spPr>
         <p:txBody>
-          <a:bodyPr anchor="b"/>
+          <a:bodyPr anchor="b">
+            <a:noAutofit/>
+          </a:bodyPr>
           <a:lstStyle>
             <a:lvl1pPr marL="0" indent="0">
               <a:buNone/>
-              <a:defRPr sz="2400" b="1"/>
+              <a:defRPr sz="2400" b="0"/>
             </a:lvl1pPr>
             <a:lvl2pPr marL="457200" indent="0">
               <a:buNone/>
@@ -2030,21 +4141,15 @@
           <a:p>
             <a:pPr lvl="0"/>
             <a:r>
-              <a:rPr lang="en-US"/>
-              <a:t>Edit Master text styles</a:t>
+              <a:rPr lang="en-US" smtClean="0"/>
+              <a:t>Click to edit Master text styles</a:t>
             </a:r>
           </a:p>
         </p:txBody>
       </p:sp>
       <p:sp>
         <p:nvSpPr>
-          <p:cNvPr id="4" name="Content Placeholder 3">
-            <a:extLst>
-              <a:ext uri="{FF2B5EF4-FFF2-40B4-BE49-F238E27FC236}">
-                <a16:creationId xmlns:a16="http://schemas.microsoft.com/office/drawing/2014/main" xmlns="" id="{2B94B475-1B2E-9E45-99B0-BEBDA1F42DAD}"/>
-              </a:ext>
-            </a:extLst>
-          </p:cNvPr>
+          <p:cNvPr id="4" name="Content Placeholder 3"/>
           <p:cNvSpPr>
             <a:spLocks noGrp="1"/>
           </p:cNvSpPr>
@@ -2054,59 +4159,56 @@
         </p:nvSpPr>
         <p:spPr>
           <a:xfrm>
-            <a:off x="839788" y="2505075"/>
-            <a:ext cx="5157787" cy="3684588"/>
+            <a:off x="675745" y="2737245"/>
+            <a:ext cx="4185623" cy="3304117"/>
           </a:xfrm>
         </p:spPr>
         <p:txBody>
-          <a:bodyPr/>
+          <a:bodyPr>
+            <a:normAutofit/>
+          </a:bodyPr>
           <a:lstStyle/>
           <a:p>
             <a:pPr lvl="0"/>
             <a:r>
-              <a:rPr lang="en-US"/>
-              <a:t>Edit Master text styles</a:t>
+              <a:rPr lang="en-US" smtClean="0"/>
+              <a:t>Click to edit Master text styles</a:t>
             </a:r>
           </a:p>
           <a:p>
             <a:pPr lvl="1"/>
             <a:r>
-              <a:rPr lang="en-US"/>
+              <a:rPr lang="en-US" smtClean="0"/>
               <a:t>Second level</a:t>
             </a:r>
           </a:p>
           <a:p>
             <a:pPr lvl="2"/>
             <a:r>
-              <a:rPr lang="en-US"/>
+              <a:rPr lang="en-US" smtClean="0"/>
               <a:t>Third level</a:t>
             </a:r>
           </a:p>
           <a:p>
             <a:pPr lvl="3"/>
             <a:r>
-              <a:rPr lang="en-US"/>
+              <a:rPr lang="en-US" smtClean="0"/>
               <a:t>Fourth level</a:t>
             </a:r>
           </a:p>
           <a:p>
             <a:pPr lvl="4"/>
             <a:r>
-              <a:rPr lang="en-US"/>
+              <a:rPr lang="en-US" smtClean="0"/>
               <a:t>Fifth level</a:t>
             </a:r>
+            <a:endParaRPr lang="en-US" dirty="0"/>
           </a:p>
         </p:txBody>
       </p:sp>
       <p:sp>
         <p:nvSpPr>
-          <p:cNvPr id="5" name="Text Placeholder 4">
-            <a:extLst>
-              <a:ext uri="{FF2B5EF4-FFF2-40B4-BE49-F238E27FC236}">
-                <a16:creationId xmlns:a16="http://schemas.microsoft.com/office/drawing/2014/main" xmlns="" id="{0B14AA75-47FA-B54B-9226-4EDBBD96279F}"/>
-              </a:ext>
-            </a:extLst>
-          </p:cNvPr>
+          <p:cNvPr id="5" name="Text Placeholder 4"/>
           <p:cNvSpPr>
             <a:spLocks noGrp="1"/>
           </p:cNvSpPr>
@@ -2116,16 +4218,18 @@
         </p:nvSpPr>
         <p:spPr>
           <a:xfrm>
-            <a:off x="6172200" y="1681163"/>
-            <a:ext cx="5183188" cy="823912"/>
+            <a:off x="5088383" y="2160983"/>
+            <a:ext cx="4185618" cy="576262"/>
           </a:xfrm>
         </p:spPr>
         <p:txBody>
-          <a:bodyPr anchor="b"/>
+          <a:bodyPr anchor="b">
+            <a:noAutofit/>
+          </a:bodyPr>
           <a:lstStyle>
             <a:lvl1pPr marL="0" indent="0">
               <a:buNone/>
-              <a:defRPr sz="2400" b="1"/>
+              <a:defRPr sz="2400" b="0"/>
             </a:lvl1pPr>
             <a:lvl2pPr marL="457200" indent="0">
               <a:buNone/>
@@ -2163,21 +4267,15 @@
           <a:p>
             <a:pPr lvl="0"/>
             <a:r>
-              <a:rPr lang="en-US"/>
-              <a:t>Edit Master text styles</a:t>
+              <a:rPr lang="en-US" smtClean="0"/>
+              <a:t>Click to edit Master text styles</a:t>
             </a:r>
           </a:p>
         </p:txBody>
       </p:sp>
       <p:sp>
         <p:nvSpPr>
-          <p:cNvPr id="6" name="Content Placeholder 5">
-            <a:extLst>
-              <a:ext uri="{FF2B5EF4-FFF2-40B4-BE49-F238E27FC236}">
-                <a16:creationId xmlns:a16="http://schemas.microsoft.com/office/drawing/2014/main" xmlns="" id="{40FA81D0-5E4E-1644-A21C-E2322BC6066C}"/>
-              </a:ext>
-            </a:extLst>
-          </p:cNvPr>
+          <p:cNvPr id="6" name="Content Placeholder 5"/>
           <p:cNvSpPr>
             <a:spLocks noGrp="1"/>
           </p:cNvSpPr>
@@ -2187,59 +4285,56 @@
         </p:nvSpPr>
         <p:spPr>
           <a:xfrm>
-            <a:off x="6172200" y="2505075"/>
-            <a:ext cx="5183188" cy="3684588"/>
+            <a:off x="5088384" y="2737245"/>
+            <a:ext cx="4185617" cy="3304117"/>
           </a:xfrm>
         </p:spPr>
         <p:txBody>
-          <a:bodyPr/>
+          <a:bodyPr>
+            <a:normAutofit/>
+          </a:bodyPr>
           <a:lstStyle/>
           <a:p>
             <a:pPr lvl="0"/>
             <a:r>
-              <a:rPr lang="en-US"/>
-              <a:t>Edit Master text styles</a:t>
+              <a:rPr lang="en-US" smtClean="0"/>
+              <a:t>Click to edit Master text styles</a:t>
             </a:r>
           </a:p>
           <a:p>
             <a:pPr lvl="1"/>
             <a:r>
-              <a:rPr lang="en-US"/>
+              <a:rPr lang="en-US" smtClean="0"/>
               <a:t>Second level</a:t>
             </a:r>
           </a:p>
           <a:p>
             <a:pPr lvl="2"/>
             <a:r>
-              <a:rPr lang="en-US"/>
+              <a:rPr lang="en-US" smtClean="0"/>
               <a:t>Third level</a:t>
             </a:r>
           </a:p>
           <a:p>
             <a:pPr lvl="3"/>
             <a:r>
-              <a:rPr lang="en-US"/>
+              <a:rPr lang="en-US" smtClean="0"/>
               <a:t>Fourth level</a:t>
             </a:r>
           </a:p>
           <a:p>
             <a:pPr lvl="4"/>
             <a:r>
-              <a:rPr lang="en-US"/>
+              <a:rPr lang="en-US" smtClean="0"/>
               <a:t>Fifth level</a:t>
             </a:r>
+            <a:endParaRPr lang="en-US" dirty="0"/>
           </a:p>
         </p:txBody>
       </p:sp>
       <p:sp>
         <p:nvSpPr>
-          <p:cNvPr id="7" name="Date Placeholder 6">
-            <a:extLst>
-              <a:ext uri="{FF2B5EF4-FFF2-40B4-BE49-F238E27FC236}">
-                <a16:creationId xmlns:a16="http://schemas.microsoft.com/office/drawing/2014/main" xmlns="" id="{37BFF0E9-B807-F34C-94F1-7A6C74A5CD1B}"/>
-              </a:ext>
-            </a:extLst>
-          </p:cNvPr>
+          <p:cNvPr id="7" name="Date Placeholder 6"/>
           <p:cNvSpPr>
             <a:spLocks noGrp="1"/>
           </p:cNvSpPr>
@@ -2252,7 +4347,7 @@
           <a:bodyPr/>
           <a:lstStyle/>
           <a:p>
-            <a:fld id="{033D20D7-566B-694A-BCA6-1784D2350082}" type="datetimeFigureOut">
+            <a:fld id="{89492412-DDD0-4F18-85EB-00A7E986871B}" type="datetime1">
               <a:rPr lang="en-US" smtClean="0"/>
               <a:t>10/16/2018</a:t>
             </a:fld>
@@ -2262,13 +4357,7 @@
       </p:sp>
       <p:sp>
         <p:nvSpPr>
-          <p:cNvPr id="8" name="Footer Placeholder 7">
-            <a:extLst>
-              <a:ext uri="{FF2B5EF4-FFF2-40B4-BE49-F238E27FC236}">
-                <a16:creationId xmlns:a16="http://schemas.microsoft.com/office/drawing/2014/main" xmlns="" id="{895BDC8A-F5A7-C145-8F1B-B55EF038106E}"/>
-              </a:ext>
-            </a:extLst>
-          </p:cNvPr>
+          <p:cNvPr id="8" name="Footer Placeholder 7"/>
           <p:cNvSpPr>
             <a:spLocks noGrp="1"/>
           </p:cNvSpPr>
@@ -2287,13 +4376,7 @@
       </p:sp>
       <p:sp>
         <p:nvSpPr>
-          <p:cNvPr id="9" name="Slide Number Placeholder 8">
-            <a:extLst>
-              <a:ext uri="{FF2B5EF4-FFF2-40B4-BE49-F238E27FC236}">
-                <a16:creationId xmlns:a16="http://schemas.microsoft.com/office/drawing/2014/main" xmlns="" id="{B1BCAF86-91A6-1240-8BDA-22A16018C876}"/>
-              </a:ext>
-            </a:extLst>
-          </p:cNvPr>
+          <p:cNvPr id="9" name="Slide Number Placeholder 8"/>
           <p:cNvSpPr>
             <a:spLocks noGrp="1"/>
           </p:cNvSpPr>
@@ -2317,7 +4400,7 @@
     </p:spTree>
     <p:extLst>
       <p:ext uri="{BB962C8B-B14F-4D97-AF65-F5344CB8AC3E}">
-        <p14:creationId xmlns:p14="http://schemas.microsoft.com/office/powerpoint/2010/main" val="3503148159"/>
+        <p14:creationId xmlns:p14="http://schemas.microsoft.com/office/powerpoint/2010/main" val="1429676824"/>
       </p:ext>
     </p:extLst>
   </p:cSld>
@@ -2346,13 +4429,7 @@
       </p:grpSpPr>
       <p:sp>
         <p:nvSpPr>
-          <p:cNvPr id="2" name="Title 1">
-            <a:extLst>
-              <a:ext uri="{FF2B5EF4-FFF2-40B4-BE49-F238E27FC236}">
-                <a16:creationId xmlns:a16="http://schemas.microsoft.com/office/drawing/2014/main" xmlns="" id="{49918E1B-78E7-814F-96D0-C5C541039C33}"/>
-              </a:ext>
-            </a:extLst>
-          </p:cNvPr>
+          <p:cNvPr id="2" name="Title 1"/>
           <p:cNvSpPr>
             <a:spLocks noGrp="1"/>
           </p:cNvSpPr>
@@ -2360,27 +4437,27 @@
             <p:ph type="title"/>
           </p:nvPr>
         </p:nvSpPr>
-        <p:spPr/>
+        <p:spPr>
+          <a:xfrm>
+            <a:off x="677334" y="609600"/>
+            <a:ext cx="8596668" cy="1320800"/>
+          </a:xfrm>
+        </p:spPr>
         <p:txBody>
           <a:bodyPr/>
           <a:lstStyle/>
           <a:p>
             <a:r>
-              <a:rPr lang="en-US"/>
+              <a:rPr lang="en-US" smtClean="0"/>
               <a:t>Click to edit Master title style</a:t>
             </a:r>
+            <a:endParaRPr lang="en-US" dirty="0"/>
           </a:p>
         </p:txBody>
       </p:sp>
       <p:sp>
         <p:nvSpPr>
-          <p:cNvPr id="3" name="Date Placeholder 2">
-            <a:extLst>
-              <a:ext uri="{FF2B5EF4-FFF2-40B4-BE49-F238E27FC236}">
-                <a16:creationId xmlns:a16="http://schemas.microsoft.com/office/drawing/2014/main" xmlns="" id="{327FEA7C-7546-964B-A5B7-73202EB416A2}"/>
-              </a:ext>
-            </a:extLst>
-          </p:cNvPr>
+          <p:cNvPr id="3" name="Date Placeholder 2"/>
           <p:cNvSpPr>
             <a:spLocks noGrp="1"/>
           </p:cNvSpPr>
@@ -2393,7 +4470,7 @@
           <a:bodyPr/>
           <a:lstStyle/>
           <a:p>
-            <a:fld id="{033D20D7-566B-694A-BCA6-1784D2350082}" type="datetimeFigureOut">
+            <a:fld id="{EC07C8FB-AE57-4FBB-BBC5-321685B54174}" type="datetime1">
               <a:rPr lang="en-US" smtClean="0"/>
               <a:t>10/16/2018</a:t>
             </a:fld>
@@ -2403,13 +4480,7 @@
       </p:sp>
       <p:sp>
         <p:nvSpPr>
-          <p:cNvPr id="4" name="Footer Placeholder 3">
-            <a:extLst>
-              <a:ext uri="{FF2B5EF4-FFF2-40B4-BE49-F238E27FC236}">
-                <a16:creationId xmlns:a16="http://schemas.microsoft.com/office/drawing/2014/main" xmlns="" id="{F8FA2CFB-CBF5-F74E-A2B0-78A36CBA0BB6}"/>
-              </a:ext>
-            </a:extLst>
-          </p:cNvPr>
+          <p:cNvPr id="4" name="Footer Placeholder 3"/>
           <p:cNvSpPr>
             <a:spLocks noGrp="1"/>
           </p:cNvSpPr>
@@ -2428,13 +4499,7 @@
       </p:sp>
       <p:sp>
         <p:nvSpPr>
-          <p:cNvPr id="5" name="Slide Number Placeholder 4">
-            <a:extLst>
-              <a:ext uri="{FF2B5EF4-FFF2-40B4-BE49-F238E27FC236}">
-                <a16:creationId xmlns:a16="http://schemas.microsoft.com/office/drawing/2014/main" xmlns="" id="{62001BC7-4821-1D4A-9E7B-5828A2ABED03}"/>
-              </a:ext>
-            </a:extLst>
-          </p:cNvPr>
+          <p:cNvPr id="5" name="Slide Number Placeholder 4"/>
           <p:cNvSpPr>
             <a:spLocks noGrp="1"/>
           </p:cNvSpPr>
@@ -2458,7 +4523,7 @@
     </p:spTree>
     <p:extLst>
       <p:ext uri="{BB962C8B-B14F-4D97-AF65-F5344CB8AC3E}">
-        <p14:creationId xmlns:p14="http://schemas.microsoft.com/office/powerpoint/2010/main" val="2824648222"/>
+        <p14:creationId xmlns:p14="http://schemas.microsoft.com/office/powerpoint/2010/main" val="1419015896"/>
       </p:ext>
     </p:extLst>
   </p:cSld>
@@ -2487,13 +4552,7 @@
       </p:grpSpPr>
       <p:sp>
         <p:nvSpPr>
-          <p:cNvPr id="2" name="Date Placeholder 1">
-            <a:extLst>
-              <a:ext uri="{FF2B5EF4-FFF2-40B4-BE49-F238E27FC236}">
-                <a16:creationId xmlns:a16="http://schemas.microsoft.com/office/drawing/2014/main" xmlns="" id="{26F9902A-F8D3-F047-BE04-F6A1CEA02BB6}"/>
-              </a:ext>
-            </a:extLst>
-          </p:cNvPr>
+          <p:cNvPr id="2" name="Date Placeholder 1"/>
           <p:cNvSpPr>
             <a:spLocks noGrp="1"/>
           </p:cNvSpPr>
@@ -2506,7 +4565,7 @@
           <a:bodyPr/>
           <a:lstStyle/>
           <a:p>
-            <a:fld id="{033D20D7-566B-694A-BCA6-1784D2350082}" type="datetimeFigureOut">
+            <a:fld id="{EC02B74C-DBA8-4581-A0DE-7A83ADA1A88E}" type="datetime1">
               <a:rPr lang="en-US" smtClean="0"/>
               <a:t>10/16/2018</a:t>
             </a:fld>
@@ -2516,13 +4575,7 @@
       </p:sp>
       <p:sp>
         <p:nvSpPr>
-          <p:cNvPr id="3" name="Footer Placeholder 2">
-            <a:extLst>
-              <a:ext uri="{FF2B5EF4-FFF2-40B4-BE49-F238E27FC236}">
-                <a16:creationId xmlns:a16="http://schemas.microsoft.com/office/drawing/2014/main" xmlns="" id="{ECA4DA2C-4C69-8C44-ACD0-0DDE2567CF1D}"/>
-              </a:ext>
-            </a:extLst>
-          </p:cNvPr>
+          <p:cNvPr id="3" name="Footer Placeholder 2"/>
           <p:cNvSpPr>
             <a:spLocks noGrp="1"/>
           </p:cNvSpPr>
@@ -2541,13 +4594,7 @@
       </p:sp>
       <p:sp>
         <p:nvSpPr>
-          <p:cNvPr id="4" name="Slide Number Placeholder 3">
-            <a:extLst>
-              <a:ext uri="{FF2B5EF4-FFF2-40B4-BE49-F238E27FC236}">
-                <a16:creationId xmlns:a16="http://schemas.microsoft.com/office/drawing/2014/main" xmlns="" id="{C1740E63-75C5-9848-910D-7F7449D8D81B}"/>
-              </a:ext>
-            </a:extLst>
-          </p:cNvPr>
+          <p:cNvPr id="4" name="Slide Number Placeholder 3"/>
           <p:cNvSpPr>
             <a:spLocks noGrp="1"/>
           </p:cNvSpPr>
@@ -2571,7 +4618,7 @@
     </p:spTree>
     <p:extLst>
       <p:ext uri="{BB962C8B-B14F-4D97-AF65-F5344CB8AC3E}">
-        <p14:creationId xmlns:p14="http://schemas.microsoft.com/office/powerpoint/2010/main" val="696217289"/>
+        <p14:creationId xmlns:p14="http://schemas.microsoft.com/office/powerpoint/2010/main" val="3373517786"/>
       </p:ext>
     </p:extLst>
   </p:cSld>
@@ -2600,13 +4647,7 @@
       </p:grpSpPr>
       <p:sp>
         <p:nvSpPr>
-          <p:cNvPr id="2" name="Title 1">
-            <a:extLst>
-              <a:ext uri="{FF2B5EF4-FFF2-40B4-BE49-F238E27FC236}">
-                <a16:creationId xmlns:a16="http://schemas.microsoft.com/office/drawing/2014/main" xmlns="" id="{E6B93C26-878C-094E-9628-F46CF0379CB2}"/>
-              </a:ext>
-            </a:extLst>
-          </p:cNvPr>
+          <p:cNvPr id="2" name="Title 1"/>
           <p:cNvSpPr>
             <a:spLocks noGrp="1"/>
           </p:cNvSpPr>
@@ -2616,34 +4657,31 @@
         </p:nvSpPr>
         <p:spPr>
           <a:xfrm>
-            <a:off x="839788" y="457200"/>
-            <a:ext cx="3932237" cy="1600200"/>
+            <a:off x="677334" y="1498604"/>
+            <a:ext cx="3854528" cy="1278466"/>
           </a:xfrm>
         </p:spPr>
         <p:txBody>
-          <a:bodyPr anchor="b"/>
+          <a:bodyPr anchor="b">
+            <a:normAutofit/>
+          </a:bodyPr>
           <a:lstStyle>
             <a:lvl1pPr>
-              <a:defRPr sz="3200"/>
+              <a:defRPr sz="2000"/>
             </a:lvl1pPr>
           </a:lstStyle>
           <a:p>
             <a:r>
-              <a:rPr lang="en-US"/>
+              <a:rPr lang="en-US" smtClean="0"/>
               <a:t>Click to edit Master title style</a:t>
             </a:r>
+            <a:endParaRPr lang="en-US" dirty="0"/>
           </a:p>
         </p:txBody>
       </p:sp>
       <p:sp>
         <p:nvSpPr>
-          <p:cNvPr id="3" name="Content Placeholder 2">
-            <a:extLst>
-              <a:ext uri="{FF2B5EF4-FFF2-40B4-BE49-F238E27FC236}">
-                <a16:creationId xmlns:a16="http://schemas.microsoft.com/office/drawing/2014/main" xmlns="" id="{9311CB3C-5CAF-6143-8693-4211FD61DAA6}"/>
-              </a:ext>
-            </a:extLst>
-          </p:cNvPr>
+          <p:cNvPr id="3" name="Content Placeholder 2"/>
           <p:cNvSpPr>
             <a:spLocks noGrp="1"/>
           </p:cNvSpPr>
@@ -2653,87 +4691,56 @@
         </p:nvSpPr>
         <p:spPr>
           <a:xfrm>
-            <a:off x="5183188" y="987425"/>
-            <a:ext cx="6172200" cy="4873625"/>
+            <a:off x="4760461" y="514924"/>
+            <a:ext cx="4513541" cy="5526437"/>
           </a:xfrm>
         </p:spPr>
         <p:txBody>
-          <a:bodyPr/>
-          <a:lstStyle>
-            <a:lvl1pPr>
-              <a:defRPr sz="3200"/>
-            </a:lvl1pPr>
-            <a:lvl2pPr>
-              <a:defRPr sz="2800"/>
-            </a:lvl2pPr>
-            <a:lvl3pPr>
-              <a:defRPr sz="2400"/>
-            </a:lvl3pPr>
-            <a:lvl4pPr>
-              <a:defRPr sz="2000"/>
-            </a:lvl4pPr>
-            <a:lvl5pPr>
-              <a:defRPr sz="2000"/>
-            </a:lvl5pPr>
-            <a:lvl6pPr>
-              <a:defRPr sz="2000"/>
-            </a:lvl6pPr>
-            <a:lvl7pPr>
-              <a:defRPr sz="2000"/>
-            </a:lvl7pPr>
-            <a:lvl8pPr>
-              <a:defRPr sz="2000"/>
-            </a:lvl8pPr>
-            <a:lvl9pPr>
-              <a:defRPr sz="2000"/>
-            </a:lvl9pPr>
-          </a:lstStyle>
+          <a:bodyPr>
+            <a:normAutofit/>
+          </a:bodyPr>
+          <a:lstStyle/>
           <a:p>
             <a:pPr lvl="0"/>
             <a:r>
-              <a:rPr lang="en-US"/>
-              <a:t>Edit Master text styles</a:t>
+              <a:rPr lang="en-US" smtClean="0"/>
+              <a:t>Click to edit Master text styles</a:t>
             </a:r>
           </a:p>
           <a:p>
             <a:pPr lvl="1"/>
             <a:r>
-              <a:rPr lang="en-US"/>
+              <a:rPr lang="en-US" smtClean="0"/>
               <a:t>Second level</a:t>
             </a:r>
           </a:p>
           <a:p>
             <a:pPr lvl="2"/>
             <a:r>
-              <a:rPr lang="en-US"/>
+              <a:rPr lang="en-US" smtClean="0"/>
               <a:t>Third level</a:t>
             </a:r>
           </a:p>
           <a:p>
             <a:pPr lvl="3"/>
             <a:r>
-              <a:rPr lang="en-US"/>
+              <a:rPr lang="en-US" smtClean="0"/>
               <a:t>Fourth level</a:t>
             </a:r>
           </a:p>
           <a:p>
             <a:pPr lvl="4"/>
             <a:r>
-              <a:rPr lang="en-US"/>
+              <a:rPr lang="en-US" smtClean="0"/>
               <a:t>Fifth level</a:t>
             </a:r>
+            <a:endParaRPr lang="en-US" dirty="0"/>
           </a:p>
         </p:txBody>
       </p:sp>
       <p:sp>
         <p:nvSpPr>
-          <p:cNvPr id="4" name="Text Placeholder 3">
-            <a:extLst>
-              <a:ext uri="{FF2B5EF4-FFF2-40B4-BE49-F238E27FC236}">
-                <a16:creationId xmlns:a16="http://schemas.microsoft.com/office/drawing/2014/main" xmlns="" id="{8FF2D588-7825-0D45-877B-4E35B060F548}"/>
-              </a:ext>
-            </a:extLst>
-          </p:cNvPr>
+          <p:cNvPr id="4" name="Text Placeholder 3"/>
           <p:cNvSpPr>
             <a:spLocks noGrp="1"/>
           </p:cNvSpPr>
@@ -2743,46 +4750,48 @@
         </p:nvSpPr>
         <p:spPr>
           <a:xfrm>
-            <a:off x="839788" y="2057400"/>
-            <a:ext cx="3932237" cy="3811588"/>
+            <a:off x="677334" y="2777069"/>
+            <a:ext cx="3854528" cy="2584449"/>
           </a:xfrm>
         </p:spPr>
         <p:txBody>
-          <a:bodyPr/>
+          <a:bodyPr>
+            <a:normAutofit/>
+          </a:bodyPr>
           <a:lstStyle>
             <a:lvl1pPr marL="0" indent="0">
               <a:buNone/>
-              <a:defRPr sz="1600"/>
+              <a:defRPr sz="1400"/>
             </a:lvl1pPr>
-            <a:lvl2pPr marL="457200" indent="0">
+            <a:lvl2pPr marL="457063" indent="0">
               <a:buNone/>
               <a:defRPr sz="1400"/>
             </a:lvl2pPr>
-            <a:lvl3pPr marL="914400" indent="0">
+            <a:lvl3pPr marL="914126" indent="0">
               <a:buNone/>
               <a:defRPr sz="1200"/>
             </a:lvl3pPr>
-            <a:lvl4pPr marL="1371600" indent="0">
+            <a:lvl4pPr marL="1371189" indent="0">
               <a:buNone/>
               <a:defRPr sz="1000"/>
             </a:lvl4pPr>
-            <a:lvl5pPr marL="1828800" indent="0">
+            <a:lvl5pPr marL="1828251" indent="0">
               <a:buNone/>
               <a:defRPr sz="1000"/>
             </a:lvl5pPr>
-            <a:lvl6pPr marL="2286000" indent="0">
+            <a:lvl6pPr marL="2285314" indent="0">
               <a:buNone/>
               <a:defRPr sz="1000"/>
             </a:lvl6pPr>
-            <a:lvl7pPr marL="2743200" indent="0">
+            <a:lvl7pPr marL="2742377" indent="0">
               <a:buNone/>
               <a:defRPr sz="1000"/>
             </a:lvl7pPr>
-            <a:lvl8pPr marL="3200400" indent="0">
+            <a:lvl8pPr marL="3199440" indent="0">
               <a:buNone/>
               <a:defRPr sz="1000"/>
             </a:lvl8pPr>
-            <a:lvl9pPr marL="3657600" indent="0">
+            <a:lvl9pPr marL="3656503" indent="0">
               <a:buNone/>
               <a:defRPr sz="1000"/>
             </a:lvl9pPr>
@@ -2790,21 +4799,15 @@
           <a:p>
             <a:pPr lvl="0"/>
             <a:r>
-              <a:rPr lang="en-US"/>
-              <a:t>Edit Master text styles</a:t>
+              <a:rPr lang="en-US" smtClean="0"/>
+              <a:t>Click to edit Master text styles</a:t>
             </a:r>
           </a:p>
         </p:txBody>
       </p:sp>
       <p:sp>
         <p:nvSpPr>
-          <p:cNvPr id="5" name="Date Placeholder 4">
-            <a:extLst>
-              <a:ext uri="{FF2B5EF4-FFF2-40B4-BE49-F238E27FC236}">
-                <a16:creationId xmlns:a16="http://schemas.microsoft.com/office/drawing/2014/main" xmlns="" id="{32650E3D-302E-E647-9B80-BAC2ABAA72A2}"/>
-              </a:ext>
-            </a:extLst>
-          </p:cNvPr>
+          <p:cNvPr id="5" name="Date Placeholder 4"/>
           <p:cNvSpPr>
             <a:spLocks noGrp="1"/>
           </p:cNvSpPr>
@@ -2817,7 +4820,7 @@
           <a:bodyPr/>
           <a:lstStyle/>
           <a:p>
-            <a:fld id="{033D20D7-566B-694A-BCA6-1784D2350082}" type="datetimeFigureOut">
+            <a:fld id="{D623BBAE-C3D0-4035-9A40-CFC45D081C55}" type="datetime1">
               <a:rPr lang="en-US" smtClean="0"/>
               <a:t>10/16/2018</a:t>
             </a:fld>
@@ -2827,13 +4830,7 @@
       </p:sp>
       <p:sp>
         <p:nvSpPr>
-          <p:cNvPr id="6" name="Footer Placeholder 5">
-            <a:extLst>
-              <a:ext uri="{FF2B5EF4-FFF2-40B4-BE49-F238E27FC236}">
-                <a16:creationId xmlns:a16="http://schemas.microsoft.com/office/drawing/2014/main" xmlns="" id="{1DE1111F-A8C7-0B4E-BB5A-9336C453C42E}"/>
-              </a:ext>
-            </a:extLst>
-          </p:cNvPr>
+          <p:cNvPr id="6" name="Footer Placeholder 5"/>
           <p:cNvSpPr>
             <a:spLocks noGrp="1"/>
           </p:cNvSpPr>
@@ -2852,13 +4849,7 @@
       </p:sp>
       <p:sp>
         <p:nvSpPr>
-          <p:cNvPr id="7" name="Slide Number Placeholder 6">
-            <a:extLst>
-              <a:ext uri="{FF2B5EF4-FFF2-40B4-BE49-F238E27FC236}">
-                <a16:creationId xmlns:a16="http://schemas.microsoft.com/office/drawing/2014/main" xmlns="" id="{6D706197-D20D-2943-AB95-1028D352DD56}"/>
-              </a:ext>
-            </a:extLst>
-          </p:cNvPr>
+          <p:cNvPr id="7" name="Slide Number Placeholder 6"/>
           <p:cNvSpPr>
             <a:spLocks noGrp="1"/>
           </p:cNvSpPr>
@@ -2882,7 +4873,7 @@
     </p:spTree>
     <p:extLst>
       <p:ext uri="{BB962C8B-B14F-4D97-AF65-F5344CB8AC3E}">
-        <p14:creationId xmlns:p14="http://schemas.microsoft.com/office/powerpoint/2010/main" val="1937786151"/>
+        <p14:creationId xmlns:p14="http://schemas.microsoft.com/office/powerpoint/2010/main" val="2754882226"/>
       </p:ext>
     </p:extLst>
   </p:cSld>
@@ -2911,13 +4902,7 @@
       </p:grpSpPr>
       <p:sp>
         <p:nvSpPr>
-          <p:cNvPr id="2" name="Title 1">
-            <a:extLst>
-              <a:ext uri="{FF2B5EF4-FFF2-40B4-BE49-F238E27FC236}">
-                <a16:creationId xmlns:a16="http://schemas.microsoft.com/office/drawing/2014/main" xmlns="" id="{E66CA690-A271-114B-8704-4146A4F662F3}"/>
-              </a:ext>
-            </a:extLst>
-          </p:cNvPr>
+          <p:cNvPr id="2" name="Title 1"/>
           <p:cNvSpPr>
             <a:spLocks noGrp="1"/>
           </p:cNvSpPr>
@@ -2927,36 +4912,33 @@
         </p:nvSpPr>
         <p:spPr>
           <a:xfrm>
-            <a:off x="839788" y="457200"/>
-            <a:ext cx="3932237" cy="1600200"/>
+            <a:off x="677334" y="4800600"/>
+            <a:ext cx="8596667" cy="566738"/>
           </a:xfrm>
         </p:spPr>
         <p:txBody>
-          <a:bodyPr anchor="b"/>
+          <a:bodyPr anchor="b">
+            <a:normAutofit/>
+          </a:bodyPr>
           <a:lstStyle>
-            <a:lvl1pPr>
-              <a:defRPr sz="3200"/>
+            <a:lvl1pPr algn="l">
+              <a:defRPr sz="2400" b="0"/>
             </a:lvl1pPr>
           </a:lstStyle>
           <a:p>
             <a:r>
-              <a:rPr lang="en-US"/>
+              <a:rPr lang="en-US" smtClean="0"/>
               <a:t>Click to edit Master title style</a:t>
             </a:r>
+            <a:endParaRPr lang="en-US" dirty="0"/>
           </a:p>
         </p:txBody>
       </p:sp>
       <p:sp>
         <p:nvSpPr>
-          <p:cNvPr id="3" name="Picture Placeholder 2">
-            <a:extLst>
-              <a:ext uri="{FF2B5EF4-FFF2-40B4-BE49-F238E27FC236}">
-                <a16:creationId xmlns:a16="http://schemas.microsoft.com/office/drawing/2014/main" xmlns="" id="{254B9456-1BA5-0C47-81E6-13518642D000}"/>
-              </a:ext>
-            </a:extLst>
-          </p:cNvPr>
+          <p:cNvPr id="3" name="Picture Placeholder 2"/>
           <p:cNvSpPr>
-            <a:spLocks noGrp="1"/>
+            <a:spLocks noGrp="1" noChangeAspect="1"/>
           </p:cNvSpPr>
           <p:nvPr>
             <p:ph type="pic" idx="1"/>
@@ -2964,64 +4946,64 @@
         </p:nvSpPr>
         <p:spPr>
           <a:xfrm>
-            <a:off x="5183188" y="987425"/>
-            <a:ext cx="6172200" cy="4873625"/>
+            <a:off x="677334" y="609600"/>
+            <a:ext cx="8596668" cy="3845718"/>
           </a:xfrm>
         </p:spPr>
         <p:txBody>
-          <a:bodyPr/>
+          <a:bodyPr anchor="t">
+            <a:normAutofit/>
+          </a:bodyPr>
           <a:lstStyle>
-            <a:lvl1pPr marL="0" indent="0">
+            <a:lvl1pPr marL="0" indent="0" algn="ctr">
               <a:buNone/>
-              <a:defRPr sz="3200"/>
+              <a:defRPr sz="1600"/>
             </a:lvl1pPr>
             <a:lvl2pPr marL="457200" indent="0">
               <a:buNone/>
-              <a:defRPr sz="2800"/>
+              <a:defRPr sz="1600"/>
             </a:lvl2pPr>
             <a:lvl3pPr marL="914400" indent="0">
               <a:buNone/>
-              <a:defRPr sz="2400"/>
+              <a:defRPr sz="1600"/>
             </a:lvl3pPr>
             <a:lvl4pPr marL="1371600" indent="0">
               <a:buNone/>
-              <a:defRPr sz="2000"/>
+              <a:defRPr sz="1600"/>
             </a:lvl4pPr>
             <a:lvl5pPr marL="1828800" indent="0">
               <a:buNone/>
-              <a:defRPr sz="2000"/>
+              <a:defRPr sz="1600"/>
             </a:lvl5pPr>
             <a:lvl6pPr marL="2286000" indent="0">
               <a:buNone/>
-              <a:defRPr sz="2000"/>
+              <a:defRPr sz="1600"/>
             </a:lvl6pPr>
             <a:lvl7pPr marL="2743200" indent="0">
               <a:buNone/>
-              <a:defRPr sz="2000"/>
+              <a:defRPr sz="1600"/>
             </a:lvl7pPr>
             <a:lvl8pPr marL="3200400" indent="0">
               <a:buNone/>
-              <a:defRPr sz="2000"/>
+              <a:defRPr sz="1600"/>
             </a:lvl8pPr>
             <a:lvl9pPr marL="3657600" indent="0">
               <a:buNone/>
-              <a:defRPr sz="2000"/>
+              <a:defRPr sz="1600"/>
             </a:lvl9pPr>
           </a:lstStyle>
           <a:p>
-            <a:endParaRPr lang="en-US"/>
+            <a:r>
+              <a:rPr lang="en-US" smtClean="0"/>
+              <a:t>Click icon to add picture</a:t>
+            </a:r>
+            <a:endParaRPr lang="en-US" dirty="0"/>
           </a:p>
         </p:txBody>
       </p:sp>
       <p:sp>
         <p:nvSpPr>
-          <p:cNvPr id="4" name="Text Placeholder 3">
-            <a:extLst>
-              <a:ext uri="{FF2B5EF4-FFF2-40B4-BE49-F238E27FC236}">
-                <a16:creationId xmlns:a16="http://schemas.microsoft.com/office/drawing/2014/main" xmlns="" id="{4B792BFC-62EE-4249-A162-030343D7BBA3}"/>
-              </a:ext>
-            </a:extLst>
-          </p:cNvPr>
+          <p:cNvPr id="4" name="Text Placeholder 3"/>
           <p:cNvSpPr>
             <a:spLocks noGrp="1"/>
           </p:cNvSpPr>
@@ -3031,68 +5013,64 @@
         </p:nvSpPr>
         <p:spPr>
           <a:xfrm>
-            <a:off x="839788" y="2057400"/>
-            <a:ext cx="3932237" cy="3811588"/>
+            <a:off x="677334" y="5367338"/>
+            <a:ext cx="8596667" cy="674024"/>
           </a:xfrm>
         </p:spPr>
         <p:txBody>
-          <a:bodyPr/>
+          <a:bodyPr>
+            <a:normAutofit/>
+          </a:bodyPr>
           <a:lstStyle>
             <a:lvl1pPr marL="0" indent="0">
               <a:buNone/>
-              <a:defRPr sz="1600"/>
+              <a:defRPr sz="1200"/>
             </a:lvl1pPr>
             <a:lvl2pPr marL="457200" indent="0">
               <a:buNone/>
-              <a:defRPr sz="1400"/>
+              <a:defRPr sz="1200"/>
             </a:lvl2pPr>
             <a:lvl3pPr marL="914400" indent="0">
               <a:buNone/>
-              <a:defRPr sz="1200"/>
+              <a:defRPr sz="1000"/>
             </a:lvl3pPr>
             <a:lvl4pPr marL="1371600" indent="0">
               <a:buNone/>
-              <a:defRPr sz="1000"/>
+              <a:defRPr sz="900"/>
             </a:lvl4pPr>
             <a:lvl5pPr marL="1828800" indent="0">
               <a:buNone/>
-              <a:defRPr sz="1000"/>
+              <a:defRPr sz="900"/>
             </a:lvl5pPr>
             <a:lvl6pPr marL="2286000" indent="0">
               <a:buNone/>
-              <a:defRPr sz="1000"/>
+              <a:defRPr sz="900"/>
             </a:lvl6pPr>
             <a:lvl7pPr marL="2743200" indent="0">
               <a:buNone/>
-              <a:defRPr sz="1000"/>
+              <a:defRPr sz="900"/>
             </a:lvl7pPr>
             <a:lvl8pPr marL="3200400" indent="0">
               <a:buNone/>
-              <a:defRPr sz="1000"/>
+              <a:defRPr sz="900"/>
             </a:lvl8pPr>
             <a:lvl9pPr marL="3657600" indent="0">
               <a:buNone/>
-              <a:defRPr sz="1000"/>
+              <a:defRPr sz="900"/>
             </a:lvl9pPr>
           </a:lstStyle>
           <a:p>
             <a:pPr lvl="0"/>
             <a:r>
-              <a:rPr lang="en-US"/>
-              <a:t>Edit Master text styles</a:t>
+              <a:rPr lang="en-US" smtClean="0"/>
+              <a:t>Click to edit Master text styles</a:t>
             </a:r>
           </a:p>
         </p:txBody>
       </p:sp>
       <p:sp>
         <p:nvSpPr>
-          <p:cNvPr id="5" name="Date Placeholder 4">
-            <a:extLst>
-              <a:ext uri="{FF2B5EF4-FFF2-40B4-BE49-F238E27FC236}">
-                <a16:creationId xmlns:a16="http://schemas.microsoft.com/office/drawing/2014/main" xmlns="" id="{76990BB0-02BA-5447-AC21-191CBAC68948}"/>
-              </a:ext>
-            </a:extLst>
-          </p:cNvPr>
+          <p:cNvPr id="5" name="Date Placeholder 4"/>
           <p:cNvSpPr>
             <a:spLocks noGrp="1"/>
           </p:cNvSpPr>
@@ -3105,7 +5083,7 @@
           <a:bodyPr/>
           <a:lstStyle/>
           <a:p>
-            <a:fld id="{033D20D7-566B-694A-BCA6-1784D2350082}" type="datetimeFigureOut">
+            <a:fld id="{728124C0-8DD5-407D-9A50-070FCFECC0B9}" type="datetime1">
               <a:rPr lang="en-US" smtClean="0"/>
               <a:t>10/16/2018</a:t>
             </a:fld>
@@ -3115,13 +5093,7 @@
       </p:sp>
       <p:sp>
         <p:nvSpPr>
-          <p:cNvPr id="6" name="Footer Placeholder 5">
-            <a:extLst>
-              <a:ext uri="{FF2B5EF4-FFF2-40B4-BE49-F238E27FC236}">
-                <a16:creationId xmlns:a16="http://schemas.microsoft.com/office/drawing/2014/main" xmlns="" id="{44C5A254-5526-934E-86B7-97E10A307919}"/>
-              </a:ext>
-            </a:extLst>
-          </p:cNvPr>
+          <p:cNvPr id="6" name="Footer Placeholder 5"/>
           <p:cNvSpPr>
             <a:spLocks noGrp="1"/>
           </p:cNvSpPr>
@@ -3140,13 +5112,7 @@
       </p:sp>
       <p:sp>
         <p:nvSpPr>
-          <p:cNvPr id="7" name="Slide Number Placeholder 6">
-            <a:extLst>
-              <a:ext uri="{FF2B5EF4-FFF2-40B4-BE49-F238E27FC236}">
-                <a16:creationId xmlns:a16="http://schemas.microsoft.com/office/drawing/2014/main" xmlns="" id="{E5A2164C-8100-474C-9342-360D8BA27D9E}"/>
-              </a:ext>
-            </a:extLst>
-          </p:cNvPr>
+          <p:cNvPr id="7" name="Slide Number Placeholder 6"/>
           <p:cNvSpPr>
             <a:spLocks noGrp="1"/>
           </p:cNvSpPr>
@@ -3170,7 +5136,7 @@
     </p:spTree>
     <p:extLst>
       <p:ext uri="{BB962C8B-B14F-4D97-AF65-F5344CB8AC3E}">
-        <p14:creationId xmlns:p14="http://schemas.microsoft.com/office/powerpoint/2010/main" val="3227548705"/>
+        <p14:creationId xmlns:p14="http://schemas.microsoft.com/office/powerpoint/2010/main" val="2464511757"/>
       </p:ext>
     </p:extLst>
   </p:cSld>
@@ -3202,15 +5168,539 @@
           <a:chExt cx="0" cy="0"/>
         </a:xfrm>
       </p:grpSpPr>
+      <p:grpSp>
+        <p:nvGrpSpPr>
+          <p:cNvPr id="7" name="Group 6"/>
+          <p:cNvGrpSpPr/>
+          <p:nvPr/>
+        </p:nvGrpSpPr>
+        <p:grpSpPr>
+          <a:xfrm>
+            <a:off x="0" y="-8467"/>
+            <a:ext cx="12192000" cy="6866467"/>
+            <a:chOff x="0" y="-8467"/>
+            <a:chExt cx="12192000" cy="6866467"/>
+          </a:xfrm>
+        </p:grpSpPr>
+        <p:cxnSp>
+          <p:nvCxnSpPr>
+            <p:cNvPr id="20" name="Straight Connector 19"/>
+            <p:cNvCxnSpPr/>
+            <p:nvPr/>
+          </p:nvCxnSpPr>
+          <p:spPr>
+            <a:xfrm>
+              <a:off x="9371012" y="0"/>
+              <a:ext cx="1219200" cy="6858000"/>
+            </a:xfrm>
+            <a:prstGeom prst="line">
+              <a:avLst/>
+            </a:prstGeom>
+            <a:ln w="9525">
+              <a:solidFill>
+                <a:schemeClr val="bg1">
+                  <a:lumMod val="75000"/>
+                </a:schemeClr>
+              </a:solidFill>
+            </a:ln>
+          </p:spPr>
+          <p:style>
+            <a:lnRef idx="2">
+              <a:schemeClr val="accent1"/>
+            </a:lnRef>
+            <a:fillRef idx="0">
+              <a:schemeClr val="accent1"/>
+            </a:fillRef>
+            <a:effectRef idx="1">
+              <a:schemeClr val="accent1"/>
+            </a:effectRef>
+            <a:fontRef idx="minor">
+              <a:schemeClr val="tx1"/>
+            </a:fontRef>
+          </p:style>
+        </p:cxnSp>
+        <p:cxnSp>
+          <p:nvCxnSpPr>
+            <p:cNvPr id="21" name="Straight Connector 20"/>
+            <p:cNvCxnSpPr/>
+            <p:nvPr/>
+          </p:nvCxnSpPr>
+          <p:spPr>
+            <a:xfrm flipH="1">
+              <a:off x="7425267" y="3681413"/>
+              <a:ext cx="4763558" cy="3176587"/>
+            </a:xfrm>
+            <a:prstGeom prst="line">
+              <a:avLst/>
+            </a:prstGeom>
+            <a:ln w="9525">
+              <a:solidFill>
+                <a:schemeClr val="bg1">
+                  <a:lumMod val="85000"/>
+                </a:schemeClr>
+              </a:solidFill>
+            </a:ln>
+          </p:spPr>
+          <p:style>
+            <a:lnRef idx="2">
+              <a:schemeClr val="accent1"/>
+            </a:lnRef>
+            <a:fillRef idx="0">
+              <a:schemeClr val="accent1"/>
+            </a:fillRef>
+            <a:effectRef idx="1">
+              <a:schemeClr val="accent1"/>
+            </a:effectRef>
+            <a:fontRef idx="minor">
+              <a:schemeClr val="tx1"/>
+            </a:fontRef>
+          </p:style>
+        </p:cxnSp>
+        <p:sp>
+          <p:nvSpPr>
+            <p:cNvPr id="22" name="Rectangle 23"/>
+            <p:cNvSpPr/>
+            <p:nvPr/>
+          </p:nvSpPr>
+          <p:spPr>
+            <a:xfrm>
+              <a:off x="9181476" y="-8467"/>
+              <a:ext cx="3007349" cy="6866467"/>
+            </a:xfrm>
+            <a:custGeom>
+              <a:avLst/>
+              <a:gdLst/>
+              <a:ahLst/>
+              <a:cxnLst/>
+              <a:rect l="l" t="t" r="r" b="b"/>
+              <a:pathLst>
+                <a:path w="3007349" h="6866467">
+                  <a:moveTo>
+                    <a:pt x="2045532" y="0"/>
+                  </a:moveTo>
+                  <a:lnTo>
+                    <a:pt x="3007349" y="0"/>
+                  </a:lnTo>
+                  <a:lnTo>
+                    <a:pt x="3007349" y="6866467"/>
+                  </a:lnTo>
+                  <a:lnTo>
+                    <a:pt x="0" y="6866467"/>
+                  </a:lnTo>
+                  <a:lnTo>
+                    <a:pt x="2045532" y="0"/>
+                  </a:lnTo>
+                  <a:close/>
+                </a:path>
+              </a:pathLst>
+            </a:custGeom>
+            <a:solidFill>
+              <a:schemeClr val="accent1">
+                <a:alpha val="30000"/>
+              </a:schemeClr>
+            </a:solidFill>
+            <a:ln>
+              <a:noFill/>
+            </a:ln>
+            <a:effectLst/>
+          </p:spPr>
+          <p:style>
+            <a:lnRef idx="1">
+              <a:schemeClr val="accent1"/>
+            </a:lnRef>
+            <a:fillRef idx="3">
+              <a:schemeClr val="accent1"/>
+            </a:fillRef>
+            <a:effectRef idx="2">
+              <a:schemeClr val="accent1"/>
+            </a:effectRef>
+            <a:fontRef idx="minor">
+              <a:schemeClr val="lt1"/>
+            </a:fontRef>
+          </p:style>
+        </p:sp>
+        <p:sp>
+          <p:nvSpPr>
+            <p:cNvPr id="23" name="Rectangle 25"/>
+            <p:cNvSpPr/>
+            <p:nvPr/>
+          </p:nvSpPr>
+          <p:spPr>
+            <a:xfrm>
+              <a:off x="9603442" y="-8467"/>
+              <a:ext cx="2588558" cy="6866467"/>
+            </a:xfrm>
+            <a:custGeom>
+              <a:avLst/>
+              <a:gdLst/>
+              <a:ahLst/>
+              <a:cxnLst/>
+              <a:rect l="l" t="t" r="r" b="b"/>
+              <a:pathLst>
+                <a:path w="2573311" h="6866467">
+                  <a:moveTo>
+                    <a:pt x="0" y="0"/>
+                  </a:moveTo>
+                  <a:lnTo>
+                    <a:pt x="2573311" y="0"/>
+                  </a:lnTo>
+                  <a:lnTo>
+                    <a:pt x="2573311" y="6866467"/>
+                  </a:lnTo>
+                  <a:lnTo>
+                    <a:pt x="1202336" y="6866467"/>
+                  </a:lnTo>
+                  <a:lnTo>
+                    <a:pt x="0" y="0"/>
+                  </a:lnTo>
+                  <a:close/>
+                </a:path>
+              </a:pathLst>
+            </a:custGeom>
+            <a:solidFill>
+              <a:schemeClr val="accent1">
+                <a:alpha val="20000"/>
+              </a:schemeClr>
+            </a:solidFill>
+            <a:ln>
+              <a:noFill/>
+            </a:ln>
+            <a:effectLst/>
+          </p:spPr>
+          <p:style>
+            <a:lnRef idx="1">
+              <a:schemeClr val="accent1"/>
+            </a:lnRef>
+            <a:fillRef idx="3">
+              <a:schemeClr val="accent1"/>
+            </a:fillRef>
+            <a:effectRef idx="2">
+              <a:schemeClr val="accent1"/>
+            </a:effectRef>
+            <a:fontRef idx="minor">
+              <a:schemeClr val="lt1"/>
+            </a:fontRef>
+          </p:style>
+        </p:sp>
+        <p:sp>
+          <p:nvSpPr>
+            <p:cNvPr id="24" name="Isosceles Triangle 23"/>
+            <p:cNvSpPr/>
+            <p:nvPr/>
+          </p:nvSpPr>
+          <p:spPr>
+            <a:xfrm>
+              <a:off x="8932333" y="3048000"/>
+              <a:ext cx="3259667" cy="3810000"/>
+            </a:xfrm>
+            <a:prstGeom prst="triangle">
+              <a:avLst>
+                <a:gd name="adj" fmla="val 100000"/>
+              </a:avLst>
+            </a:prstGeom>
+            <a:solidFill>
+              <a:schemeClr val="accent2">
+                <a:alpha val="72000"/>
+              </a:schemeClr>
+            </a:solidFill>
+            <a:ln>
+              <a:noFill/>
+            </a:ln>
+            <a:effectLst/>
+          </p:spPr>
+          <p:style>
+            <a:lnRef idx="1">
+              <a:schemeClr val="accent1"/>
+            </a:lnRef>
+            <a:fillRef idx="3">
+              <a:schemeClr val="accent1"/>
+            </a:fillRef>
+            <a:effectRef idx="2">
+              <a:schemeClr val="accent1"/>
+            </a:effectRef>
+            <a:fontRef idx="minor">
+              <a:schemeClr val="lt1"/>
+            </a:fontRef>
+          </p:style>
+        </p:sp>
+        <p:sp>
+          <p:nvSpPr>
+            <p:cNvPr id="25" name="Rectangle 27"/>
+            <p:cNvSpPr/>
+            <p:nvPr/>
+          </p:nvSpPr>
+          <p:spPr>
+            <a:xfrm>
+              <a:off x="9334500" y="-8467"/>
+              <a:ext cx="2854326" cy="6866467"/>
+            </a:xfrm>
+            <a:custGeom>
+              <a:avLst/>
+              <a:gdLst/>
+              <a:ahLst/>
+              <a:cxnLst/>
+              <a:rect l="l" t="t" r="r" b="b"/>
+              <a:pathLst>
+                <a:path w="2858013" h="6866467">
+                  <a:moveTo>
+                    <a:pt x="0" y="0"/>
+                  </a:moveTo>
+                  <a:lnTo>
+                    <a:pt x="2858013" y="0"/>
+                  </a:lnTo>
+                  <a:lnTo>
+                    <a:pt x="2858013" y="6866467"/>
+                  </a:lnTo>
+                  <a:lnTo>
+                    <a:pt x="2473942" y="6866467"/>
+                  </a:lnTo>
+                  <a:lnTo>
+                    <a:pt x="0" y="0"/>
+                  </a:lnTo>
+                  <a:close/>
+                </a:path>
+              </a:pathLst>
+            </a:custGeom>
+            <a:solidFill>
+              <a:schemeClr val="accent2">
+                <a:lumMod val="75000"/>
+                <a:alpha val="70000"/>
+              </a:schemeClr>
+            </a:solidFill>
+            <a:ln>
+              <a:noFill/>
+            </a:ln>
+            <a:effectLst/>
+          </p:spPr>
+          <p:style>
+            <a:lnRef idx="1">
+              <a:schemeClr val="accent1"/>
+            </a:lnRef>
+            <a:fillRef idx="3">
+              <a:schemeClr val="accent1"/>
+            </a:fillRef>
+            <a:effectRef idx="2">
+              <a:schemeClr val="accent1"/>
+            </a:effectRef>
+            <a:fontRef idx="minor">
+              <a:schemeClr val="lt1"/>
+            </a:fontRef>
+          </p:style>
+        </p:sp>
+        <p:sp>
+          <p:nvSpPr>
+            <p:cNvPr id="26" name="Rectangle 28"/>
+            <p:cNvSpPr/>
+            <p:nvPr/>
+          </p:nvSpPr>
+          <p:spPr>
+            <a:xfrm>
+              <a:off x="10898730" y="-8467"/>
+              <a:ext cx="1290094" cy="6866467"/>
+            </a:xfrm>
+            <a:custGeom>
+              <a:avLst/>
+              <a:gdLst/>
+              <a:ahLst/>
+              <a:cxnLst/>
+              <a:rect l="l" t="t" r="r" b="b"/>
+              <a:pathLst>
+                <a:path w="1290094" h="6858000">
+                  <a:moveTo>
+                    <a:pt x="1019735" y="0"/>
+                  </a:moveTo>
+                  <a:lnTo>
+                    <a:pt x="1290094" y="0"/>
+                  </a:lnTo>
+                  <a:lnTo>
+                    <a:pt x="1290094" y="6858000"/>
+                  </a:lnTo>
+                  <a:lnTo>
+                    <a:pt x="0" y="6858000"/>
+                  </a:lnTo>
+                  <a:lnTo>
+                    <a:pt x="1019735" y="0"/>
+                  </a:lnTo>
+                  <a:close/>
+                </a:path>
+              </a:pathLst>
+            </a:custGeom>
+            <a:solidFill>
+              <a:schemeClr val="accent1">
+                <a:lumMod val="60000"/>
+                <a:lumOff val="40000"/>
+                <a:alpha val="70000"/>
+              </a:schemeClr>
+            </a:solidFill>
+            <a:ln>
+              <a:noFill/>
+            </a:ln>
+            <a:effectLst/>
+          </p:spPr>
+          <p:style>
+            <a:lnRef idx="1">
+              <a:schemeClr val="accent1"/>
+            </a:lnRef>
+            <a:fillRef idx="3">
+              <a:schemeClr val="accent1"/>
+            </a:fillRef>
+            <a:effectRef idx="2">
+              <a:schemeClr val="accent1"/>
+            </a:effectRef>
+            <a:fontRef idx="minor">
+              <a:schemeClr val="lt1"/>
+            </a:fontRef>
+          </p:style>
+        </p:sp>
+        <p:sp>
+          <p:nvSpPr>
+            <p:cNvPr id="27" name="Rectangle 29"/>
+            <p:cNvSpPr/>
+            <p:nvPr/>
+          </p:nvSpPr>
+          <p:spPr>
+            <a:xfrm>
+              <a:off x="10938999" y="-8467"/>
+              <a:ext cx="1249825" cy="6866467"/>
+            </a:xfrm>
+            <a:custGeom>
+              <a:avLst/>
+              <a:gdLst/>
+              <a:ahLst/>
+              <a:cxnLst/>
+              <a:rect l="l" t="t" r="r" b="b"/>
+              <a:pathLst>
+                <a:path w="1249825" h="6858000">
+                  <a:moveTo>
+                    <a:pt x="0" y="0"/>
+                  </a:moveTo>
+                  <a:lnTo>
+                    <a:pt x="1249825" y="0"/>
+                  </a:lnTo>
+                  <a:lnTo>
+                    <a:pt x="1249825" y="6858000"/>
+                  </a:lnTo>
+                  <a:lnTo>
+                    <a:pt x="1109382" y="6858000"/>
+                  </a:lnTo>
+                  <a:lnTo>
+                    <a:pt x="0" y="0"/>
+                  </a:lnTo>
+                  <a:close/>
+                </a:path>
+              </a:pathLst>
+            </a:custGeom>
+            <a:solidFill>
+              <a:schemeClr val="accent1">
+                <a:alpha val="65000"/>
+              </a:schemeClr>
+            </a:solidFill>
+            <a:ln>
+              <a:noFill/>
+            </a:ln>
+            <a:effectLst/>
+          </p:spPr>
+          <p:style>
+            <a:lnRef idx="1">
+              <a:schemeClr val="accent1"/>
+            </a:lnRef>
+            <a:fillRef idx="3">
+              <a:schemeClr val="accent1"/>
+            </a:fillRef>
+            <a:effectRef idx="2">
+              <a:schemeClr val="accent1"/>
+            </a:effectRef>
+            <a:fontRef idx="minor">
+              <a:schemeClr val="lt1"/>
+            </a:fontRef>
+          </p:style>
+        </p:sp>
+        <p:sp>
+          <p:nvSpPr>
+            <p:cNvPr id="28" name="Isosceles Triangle 27"/>
+            <p:cNvSpPr/>
+            <p:nvPr/>
+          </p:nvSpPr>
+          <p:spPr>
+            <a:xfrm>
+              <a:off x="10371666" y="3589867"/>
+              <a:ext cx="1817159" cy="3268133"/>
+            </a:xfrm>
+            <a:prstGeom prst="triangle">
+              <a:avLst>
+                <a:gd name="adj" fmla="val 100000"/>
+              </a:avLst>
+            </a:prstGeom>
+            <a:solidFill>
+              <a:schemeClr val="accent1">
+                <a:alpha val="80000"/>
+              </a:schemeClr>
+            </a:solidFill>
+            <a:ln>
+              <a:noFill/>
+            </a:ln>
+            <a:effectLst/>
+          </p:spPr>
+          <p:style>
+            <a:lnRef idx="1">
+              <a:schemeClr val="accent1"/>
+            </a:lnRef>
+            <a:fillRef idx="3">
+              <a:schemeClr val="accent1"/>
+            </a:fillRef>
+            <a:effectRef idx="2">
+              <a:schemeClr val="accent1"/>
+            </a:effectRef>
+            <a:fontRef idx="minor">
+              <a:schemeClr val="lt1"/>
+            </a:fontRef>
+          </p:style>
+        </p:sp>
+        <p:sp>
+          <p:nvSpPr>
+            <p:cNvPr id="29" name="Isosceles Triangle 28"/>
+            <p:cNvSpPr/>
+            <p:nvPr/>
+          </p:nvSpPr>
+          <p:spPr>
+            <a:xfrm>
+              <a:off x="0" y="4013200"/>
+              <a:ext cx="448733" cy="2844800"/>
+            </a:xfrm>
+            <a:prstGeom prst="triangle">
+              <a:avLst>
+                <a:gd name="adj" fmla="val 0"/>
+              </a:avLst>
+            </a:prstGeom>
+            <a:solidFill>
+              <a:schemeClr val="accent1">
+                <a:alpha val="85000"/>
+              </a:schemeClr>
+            </a:solidFill>
+            <a:ln>
+              <a:noFill/>
+            </a:ln>
+            <a:effectLst/>
+          </p:spPr>
+          <p:style>
+            <a:lnRef idx="1">
+              <a:schemeClr val="accent1"/>
+            </a:lnRef>
+            <a:fillRef idx="3">
+              <a:schemeClr val="accent1"/>
+            </a:fillRef>
+            <a:effectRef idx="2">
+              <a:schemeClr val="accent1"/>
+            </a:effectRef>
+            <a:fontRef idx="minor">
+              <a:schemeClr val="lt1"/>
+            </a:fontRef>
+          </p:style>
+        </p:sp>
+      </p:grpSp>
       <p:sp>
         <p:nvSpPr>
-          <p:cNvPr id="2" name="Title Placeholder 1">
-            <a:extLst>
-              <a:ext uri="{FF2B5EF4-FFF2-40B4-BE49-F238E27FC236}">
-                <a16:creationId xmlns:a16="http://schemas.microsoft.com/office/drawing/2014/main" xmlns="" id="{1286D7CA-62E8-B84C-B371-F75A911FC9F6}"/>
-              </a:ext>
-            </a:extLst>
-          </p:cNvPr>
+          <p:cNvPr id="2" name="Title Placeholder 1"/>
           <p:cNvSpPr>
             <a:spLocks noGrp="1"/>
           </p:cNvSpPr>
@@ -3220,35 +5710,30 @@
         </p:nvSpPr>
         <p:spPr>
           <a:xfrm>
-            <a:off x="838200" y="365125"/>
-            <a:ext cx="10515600" cy="1325563"/>
+            <a:off x="677334" y="609600"/>
+            <a:ext cx="8596668" cy="1320800"/>
           </a:xfrm>
           <a:prstGeom prst="rect">
             <a:avLst/>
           </a:prstGeom>
         </p:spPr>
         <p:txBody>
-          <a:bodyPr vert="horz" lIns="91440" tIns="45720" rIns="91440" bIns="45720" rtlCol="0" anchor="ctr">
+          <a:bodyPr vert="horz" lIns="91440" tIns="45720" rIns="91440" bIns="45720" rtlCol="0" anchor="t">
             <a:normAutofit/>
           </a:bodyPr>
           <a:lstStyle/>
           <a:p>
             <a:r>
-              <a:rPr lang="en-US"/>
+              <a:rPr lang="en-US" smtClean="0"/>
               <a:t>Click to edit Master title style</a:t>
             </a:r>
+            <a:endParaRPr lang="en-US" dirty="0"/>
           </a:p>
         </p:txBody>
       </p:sp>
       <p:sp>
         <p:nvSpPr>
-          <p:cNvPr id="3" name="Text Placeholder 2">
-            <a:extLst>
-              <a:ext uri="{FF2B5EF4-FFF2-40B4-BE49-F238E27FC236}">
-                <a16:creationId xmlns:a16="http://schemas.microsoft.com/office/drawing/2014/main" xmlns="" id="{58AA0451-C5A6-8E4C-B9A3-E78BF9E5A7AB}"/>
-              </a:ext>
-            </a:extLst>
-          </p:cNvPr>
+          <p:cNvPr id="3" name="Text Placeholder 2"/>
           <p:cNvSpPr>
             <a:spLocks noGrp="1"/>
           </p:cNvSpPr>
@@ -3258,8 +5743,8 @@
         </p:nvSpPr>
         <p:spPr>
           <a:xfrm>
-            <a:off x="838200" y="1825625"/>
-            <a:ext cx="10515600" cy="4351338"/>
+            <a:off x="677334" y="2160589"/>
+            <a:ext cx="8596668" cy="3880773"/>
           </a:xfrm>
           <a:prstGeom prst="rect">
             <a:avLst/>
@@ -3273,49 +5758,44 @@
           <a:p>
             <a:pPr lvl="0"/>
             <a:r>
-              <a:rPr lang="en-US"/>
-              <a:t>Edit Master text styles</a:t>
+              <a:rPr lang="en-US" smtClean="0"/>
+              <a:t>Click to edit Master text styles</a:t>
             </a:r>
           </a:p>
           <a:p>
             <a:pPr lvl="1"/>
             <a:r>
-              <a:rPr lang="en-US"/>
+              <a:rPr lang="en-US" smtClean="0"/>
               <a:t>Second level</a:t>
             </a:r>
           </a:p>
           <a:p>
             <a:pPr lvl="2"/>
             <a:r>
-              <a:rPr lang="en-US"/>
+              <a:rPr lang="en-US" smtClean="0"/>
               <a:t>Third level</a:t>
             </a:r>
           </a:p>
           <a:p>
             <a:pPr lvl="3"/>
             <a:r>
-              <a:rPr lang="en-US"/>
+              <a:rPr lang="en-US" smtClean="0"/>
               <a:t>Fourth level</a:t>
             </a:r>
           </a:p>
           <a:p>
             <a:pPr lvl="4"/>
             <a:r>
-              <a:rPr lang="en-US"/>
+              <a:rPr lang="en-US" smtClean="0"/>
               <a:t>Fifth level</a:t>
             </a:r>
+            <a:endParaRPr lang="en-US" dirty="0"/>
           </a:p>
         </p:txBody>
       </p:sp>
       <p:sp>
         <p:nvSpPr>
-          <p:cNvPr id="4" name="Date Placeholder 3">
-            <a:extLst>
-              <a:ext uri="{FF2B5EF4-FFF2-40B4-BE49-F238E27FC236}">
-                <a16:creationId xmlns:a16="http://schemas.microsoft.com/office/drawing/2014/main" xmlns="" id="{08769CCC-DE4D-8C46-B693-C68C2215F7CC}"/>
-              </a:ext>
-            </a:extLst>
-          </p:cNvPr>
+          <p:cNvPr id="4" name="Date Placeholder 3"/>
           <p:cNvSpPr>
             <a:spLocks noGrp="1"/>
           </p:cNvSpPr>
@@ -3325,8 +5805,49 @@
         </p:nvSpPr>
         <p:spPr>
           <a:xfrm>
-            <a:off x="838200" y="6356350"/>
-            <a:ext cx="2743200" cy="365125"/>
+            <a:off x="7205133" y="6041362"/>
+            <a:ext cx="911939" cy="365125"/>
+          </a:xfrm>
+          <a:prstGeom prst="rect">
+            <a:avLst/>
+          </a:prstGeom>
+        </p:spPr>
+        <p:txBody>
+          <a:bodyPr vert="horz" lIns="91440" tIns="45720" rIns="91440" bIns="45720" rtlCol="0" anchor="ctr"/>
+          <a:lstStyle>
+            <a:lvl1pPr algn="r">
+              <a:defRPr sz="900">
+                <a:solidFill>
+                  <a:schemeClr val="tx1">
+                    <a:tint val="75000"/>
+                  </a:schemeClr>
+                </a:solidFill>
+              </a:defRPr>
+            </a:lvl1pPr>
+          </a:lstStyle>
+          <a:p>
+            <a:fld id="{6185F77B-8A5C-48C7-BB35-2284747014FB}" type="datetime1">
+              <a:rPr lang="en-US" smtClean="0"/>
+              <a:t>10/16/2018</a:t>
+            </a:fld>
+            <a:endParaRPr lang="en-US"/>
+          </a:p>
+        </p:txBody>
+      </p:sp>
+      <p:sp>
+        <p:nvSpPr>
+          <p:cNvPr id="5" name="Footer Placeholder 4"/>
+          <p:cNvSpPr>
+            <a:spLocks noGrp="1"/>
+          </p:cNvSpPr>
+          <p:nvPr>
+            <p:ph type="ftr" sz="quarter" idx="3"/>
+          </p:nvPr>
+        </p:nvSpPr>
+        <p:spPr>
+          <a:xfrm>
+            <a:off x="677334" y="6041362"/>
+            <a:ext cx="6297612" cy="365125"/>
           </a:xfrm>
           <a:prstGeom prst="rect">
             <a:avLst/>
@@ -3336,7 +5857,7 @@
           <a:bodyPr vert="horz" lIns="91440" tIns="45720" rIns="91440" bIns="45720" rtlCol="0" anchor="ctr"/>
           <a:lstStyle>
             <a:lvl1pPr algn="l">
-              <a:defRPr sz="1200">
+              <a:defRPr sz="900">
                 <a:solidFill>
                   <a:schemeClr val="tx1">
                     <a:tint val="75000"/>
@@ -3346,66 +5867,13 @@
             </a:lvl1pPr>
           </a:lstStyle>
           <a:p>
-            <a:fld id="{033D20D7-566B-694A-BCA6-1784D2350082}" type="datetimeFigureOut">
-              <a:rPr lang="en-US" smtClean="0"/>
-              <a:t>10/16/2018</a:t>
-            </a:fld>
             <a:endParaRPr lang="en-US"/>
           </a:p>
         </p:txBody>
       </p:sp>
       <p:sp>
         <p:nvSpPr>
-          <p:cNvPr id="5" name="Footer Placeholder 4">
-            <a:extLst>
-              <a:ext uri="{FF2B5EF4-FFF2-40B4-BE49-F238E27FC236}">
-                <a16:creationId xmlns:a16="http://schemas.microsoft.com/office/drawing/2014/main" xmlns="" id="{F8B3DB0B-E7AF-D94B-9935-3A7445785B74}"/>
-              </a:ext>
-            </a:extLst>
-          </p:cNvPr>
-          <p:cNvSpPr>
-            <a:spLocks noGrp="1"/>
-          </p:cNvSpPr>
-          <p:nvPr>
-            <p:ph type="ftr" sz="quarter" idx="3"/>
-          </p:nvPr>
-        </p:nvSpPr>
-        <p:spPr>
-          <a:xfrm>
-            <a:off x="4038600" y="6356350"/>
-            <a:ext cx="4114800" cy="365125"/>
-          </a:xfrm>
-          <a:prstGeom prst="rect">
-            <a:avLst/>
-          </a:prstGeom>
-        </p:spPr>
-        <p:txBody>
-          <a:bodyPr vert="horz" lIns="91440" tIns="45720" rIns="91440" bIns="45720" rtlCol="0" anchor="ctr"/>
-          <a:lstStyle>
-            <a:lvl1pPr algn="ctr">
-              <a:defRPr sz="1200">
-                <a:solidFill>
-                  <a:schemeClr val="tx1">
-                    <a:tint val="75000"/>
-                  </a:schemeClr>
-                </a:solidFill>
-              </a:defRPr>
-            </a:lvl1pPr>
-          </a:lstStyle>
-          <a:p>
-            <a:endParaRPr lang="en-US"/>
-          </a:p>
-        </p:txBody>
-      </p:sp>
-      <p:sp>
-        <p:nvSpPr>
-          <p:cNvPr id="6" name="Slide Number Placeholder 5">
-            <a:extLst>
-              <a:ext uri="{FF2B5EF4-FFF2-40B4-BE49-F238E27FC236}">
-                <a16:creationId xmlns:a16="http://schemas.microsoft.com/office/drawing/2014/main" xmlns="" id="{646EB73A-E6FC-F144-ACCA-6A709311E103}"/>
-              </a:ext>
-            </a:extLst>
-          </p:cNvPr>
+          <p:cNvPr id="6" name="Slide Number Placeholder 5"/>
           <p:cNvSpPr>
             <a:spLocks noGrp="1"/>
           </p:cNvSpPr>
@@ -3415,8 +5883,8 @@
         </p:nvSpPr>
         <p:spPr>
           <a:xfrm>
-            <a:off x="8610600" y="6356350"/>
-            <a:ext cx="2743200" cy="365125"/>
+            <a:off x="8590663" y="6041362"/>
+            <a:ext cx="683339" cy="365125"/>
           </a:xfrm>
           <a:prstGeom prst="rect">
             <a:avLst/>
@@ -3426,11 +5894,9 @@
           <a:bodyPr vert="horz" lIns="91440" tIns="45720" rIns="91440" bIns="45720" rtlCol="0" anchor="ctr"/>
           <a:lstStyle>
             <a:lvl1pPr algn="r">
-              <a:defRPr sz="1200">
+              <a:defRPr sz="900">
                 <a:solidFill>
-                  <a:schemeClr val="tx1">
-                    <a:tint val="75000"/>
-                  </a:schemeClr>
+                  <a:schemeClr val="accent1"/>
                 </a:solidFill>
               </a:defRPr>
             </a:lvl1pPr>
@@ -3447,201 +5913,323 @@
     </p:spTree>
     <p:extLst>
       <p:ext uri="{BB962C8B-B14F-4D97-AF65-F5344CB8AC3E}">
-        <p14:creationId xmlns:p14="http://schemas.microsoft.com/office/powerpoint/2010/main" val="3842586773"/>
+        <p14:creationId xmlns:p14="http://schemas.microsoft.com/office/powerpoint/2010/main" val="295878905"/>
       </p:ext>
     </p:extLst>
   </p:cSld>
   <p:clrMap bg1="lt1" tx1="dk1" bg2="lt2" tx2="dk2" accent1="accent1" accent2="accent2" accent3="accent3" accent4="accent4" accent5="accent5" accent6="accent6" hlink="hlink" folHlink="folHlink"/>
   <p:sldLayoutIdLst>
-    <p:sldLayoutId id="2147483649" r:id="rId1"/>
-    <p:sldLayoutId id="2147483650" r:id="rId2"/>
-    <p:sldLayoutId id="2147483651" r:id="rId3"/>
-    <p:sldLayoutId id="2147483652" r:id="rId4"/>
-    <p:sldLayoutId id="2147483653" r:id="rId5"/>
-    <p:sldLayoutId id="2147483654" r:id="rId6"/>
-    <p:sldLayoutId id="2147483655" r:id="rId7"/>
-    <p:sldLayoutId id="2147483656" r:id="rId8"/>
-    <p:sldLayoutId id="2147483657" r:id="rId9"/>
-    <p:sldLayoutId id="2147483658" r:id="rId10"/>
-    <p:sldLayoutId id="2147483659" r:id="rId11"/>
+    <p:sldLayoutId id="2147483661" r:id="rId1"/>
+    <p:sldLayoutId id="2147483662" r:id="rId2"/>
+    <p:sldLayoutId id="2147483663" r:id="rId3"/>
+    <p:sldLayoutId id="2147483664" r:id="rId4"/>
+    <p:sldLayoutId id="2147483665" r:id="rId5"/>
+    <p:sldLayoutId id="2147483666" r:id="rId6"/>
+    <p:sldLayoutId id="2147483667" r:id="rId7"/>
+    <p:sldLayoutId id="2147483668" r:id="rId8"/>
+    <p:sldLayoutId id="2147483669" r:id="rId9"/>
+    <p:sldLayoutId id="2147483670" r:id="rId10"/>
+    <p:sldLayoutId id="2147483671" r:id="rId11"/>
+    <p:sldLayoutId id="2147483672" r:id="rId12"/>
+    <p:sldLayoutId id="2147483673" r:id="rId13"/>
+    <p:sldLayoutId id="2147483674" r:id="rId14"/>
+    <p:sldLayoutId id="2147483675" r:id="rId15"/>
+    <p:sldLayoutId id="2147483676" r:id="rId16"/>
   </p:sldLayoutIdLst>
+  <p:hf hdr="0" ftr="0" dt="0"/>
   <p:txStyles>
     <p:titleStyle>
-      <a:lvl1pPr algn="l" defTabSz="914400" rtl="0" eaLnBrk="1" latinLnBrk="0" hangingPunct="1">
-        <a:lnSpc>
-          <a:spcPct val="90000"/>
-        </a:lnSpc>
+      <a:lvl1pPr algn="l" defTabSz="457200" rtl="0" eaLnBrk="1" latinLnBrk="0" hangingPunct="1">
         <a:spcBef>
           <a:spcPct val="0"/>
         </a:spcBef>
         <a:buNone/>
-        <a:defRPr sz="4400" kern="1200">
+        <a:defRPr sz="3600" kern="1200">
           <a:solidFill>
-            <a:schemeClr val="tx1"/>
+            <a:schemeClr val="accent1"/>
           </a:solidFill>
           <a:latin typeface="+mj-lt"/>
           <a:ea typeface="+mj-ea"/>
           <a:cs typeface="+mj-cs"/>
         </a:defRPr>
       </a:lvl1pPr>
+      <a:lvl2pPr eaLnBrk="1" hangingPunct="1">
+        <a:defRPr>
+          <a:solidFill>
+            <a:schemeClr val="tx2"/>
+          </a:solidFill>
+        </a:defRPr>
+      </a:lvl2pPr>
+      <a:lvl3pPr eaLnBrk="1" hangingPunct="1">
+        <a:defRPr>
+          <a:solidFill>
+            <a:schemeClr val="tx2"/>
+          </a:solidFill>
+        </a:defRPr>
+      </a:lvl3pPr>
+      <a:lvl4pPr eaLnBrk="1" hangingPunct="1">
+        <a:defRPr>
+          <a:solidFill>
+            <a:schemeClr val="tx2"/>
+          </a:solidFill>
+        </a:defRPr>
+      </a:lvl4pPr>
+      <a:lvl5pPr eaLnBrk="1" hangingPunct="1">
+        <a:defRPr>
+          <a:solidFill>
+            <a:schemeClr val="tx2"/>
+          </a:solidFill>
+        </a:defRPr>
+      </a:lvl5pPr>
+      <a:lvl6pPr eaLnBrk="1" hangingPunct="1">
+        <a:defRPr>
+          <a:solidFill>
+            <a:schemeClr val="tx2"/>
+          </a:solidFill>
+        </a:defRPr>
+      </a:lvl6pPr>
+      <a:lvl7pPr eaLnBrk="1" hangingPunct="1">
+        <a:defRPr>
+          <a:solidFill>
+            <a:schemeClr val="tx2"/>
+          </a:solidFill>
+        </a:defRPr>
+      </a:lvl7pPr>
+      <a:lvl8pPr eaLnBrk="1" hangingPunct="1">
+        <a:defRPr>
+          <a:solidFill>
+            <a:schemeClr val="tx2"/>
+          </a:solidFill>
+        </a:defRPr>
+      </a:lvl8pPr>
+      <a:lvl9pPr eaLnBrk="1" hangingPunct="1">
+        <a:defRPr>
+          <a:solidFill>
+            <a:schemeClr val="tx2"/>
+          </a:solidFill>
+        </a:defRPr>
+      </a:lvl9pPr>
     </p:titleStyle>
     <p:bodyStyle>
-      <a:lvl1pPr marL="228600" indent="-228600" algn="l" defTabSz="914400" rtl="0" eaLnBrk="1" latinLnBrk="0" hangingPunct="1">
-        <a:lnSpc>
-          <a:spcPct val="90000"/>
-        </a:lnSpc>
+      <a:lvl1pPr marL="342900" indent="-342900" algn="l" defTabSz="457200" rtl="0" eaLnBrk="1" latinLnBrk="0" hangingPunct="1">
         <a:spcBef>
           <a:spcPts val="1000"/>
         </a:spcBef>
-        <a:buFont typeface="Arial" panose="020B0604020202020204" pitchFamily="34" charset="0"/>
-        <a:buChar char="•"/>
-        <a:defRPr sz="2800" kern="1200">
+        <a:spcAft>
+          <a:spcPts val="0"/>
+        </a:spcAft>
+        <a:buClr>
+          <a:schemeClr val="accent1"/>
+        </a:buClr>
+        <a:buSzPct val="80000"/>
+        <a:buFont typeface="Wingdings 3" charset="2"/>
+        <a:buChar char=""/>
+        <a:defRPr sz="1800" kern="1200">
           <a:solidFill>
-            <a:schemeClr val="tx1"/>
+            <a:schemeClr val="tx1">
+              <a:lumMod val="75000"/>
+              <a:lumOff val="25000"/>
+            </a:schemeClr>
           </a:solidFill>
           <a:latin typeface="+mn-lt"/>
           <a:ea typeface="+mn-ea"/>
           <a:cs typeface="+mn-cs"/>
         </a:defRPr>
       </a:lvl1pPr>
-      <a:lvl2pPr marL="685800" indent="-228600" algn="l" defTabSz="914400" rtl="0" eaLnBrk="1" latinLnBrk="0" hangingPunct="1">
-        <a:lnSpc>
-          <a:spcPct val="90000"/>
-        </a:lnSpc>
+      <a:lvl2pPr marL="742950" indent="-285750" algn="l" defTabSz="457200" rtl="0" eaLnBrk="1" latinLnBrk="0" hangingPunct="1">
         <a:spcBef>
-          <a:spcPts val="500"/>
+          <a:spcPts val="1000"/>
         </a:spcBef>
-        <a:buFont typeface="Arial" panose="020B0604020202020204" pitchFamily="34" charset="0"/>
-        <a:buChar char="•"/>
-        <a:defRPr sz="2400" kern="1200">
+        <a:spcAft>
+          <a:spcPts val="0"/>
+        </a:spcAft>
+        <a:buClr>
+          <a:schemeClr val="accent1"/>
+        </a:buClr>
+        <a:buSzPct val="80000"/>
+        <a:buFont typeface="Wingdings 3" charset="2"/>
+        <a:buChar char=""/>
+        <a:defRPr sz="1600" kern="1200">
           <a:solidFill>
-            <a:schemeClr val="tx1"/>
+            <a:schemeClr val="tx1">
+              <a:lumMod val="75000"/>
+              <a:lumOff val="25000"/>
+            </a:schemeClr>
           </a:solidFill>
           <a:latin typeface="+mn-lt"/>
           <a:ea typeface="+mn-ea"/>
           <a:cs typeface="+mn-cs"/>
         </a:defRPr>
       </a:lvl2pPr>
-      <a:lvl3pPr marL="1143000" indent="-228600" algn="l" defTabSz="914400" rtl="0" eaLnBrk="1" latinLnBrk="0" hangingPunct="1">
-        <a:lnSpc>
-          <a:spcPct val="90000"/>
-        </a:lnSpc>
+      <a:lvl3pPr marL="1143000" indent="-228600" algn="l" defTabSz="457200" rtl="0" eaLnBrk="1" latinLnBrk="0" hangingPunct="1">
         <a:spcBef>
-          <a:spcPts val="500"/>
+          <a:spcPts val="1000"/>
         </a:spcBef>
-        <a:buFont typeface="Arial" panose="020B0604020202020204" pitchFamily="34" charset="0"/>
-        <a:buChar char="•"/>
-        <a:defRPr sz="2000" kern="1200">
+        <a:spcAft>
+          <a:spcPts val="0"/>
+        </a:spcAft>
+        <a:buClr>
+          <a:schemeClr val="accent1"/>
+        </a:buClr>
+        <a:buSzPct val="80000"/>
+        <a:buFont typeface="Wingdings 3" charset="2"/>
+        <a:buChar char=""/>
+        <a:defRPr sz="1400" kern="1200">
           <a:solidFill>
-            <a:schemeClr val="tx1"/>
+            <a:schemeClr val="tx1">
+              <a:lumMod val="75000"/>
+              <a:lumOff val="25000"/>
+            </a:schemeClr>
           </a:solidFill>
           <a:latin typeface="+mn-lt"/>
           <a:ea typeface="+mn-ea"/>
           <a:cs typeface="+mn-cs"/>
         </a:defRPr>
       </a:lvl3pPr>
-      <a:lvl4pPr marL="1600200" indent="-228600" algn="l" defTabSz="914400" rtl="0" eaLnBrk="1" latinLnBrk="0" hangingPunct="1">
-        <a:lnSpc>
-          <a:spcPct val="90000"/>
-        </a:lnSpc>
+      <a:lvl4pPr marL="1600200" indent="-228600" algn="l" defTabSz="457200" rtl="0" eaLnBrk="1" latinLnBrk="0" hangingPunct="1">
         <a:spcBef>
-          <a:spcPts val="500"/>
+          <a:spcPts val="1000"/>
         </a:spcBef>
-        <a:buFont typeface="Arial" panose="020B0604020202020204" pitchFamily="34" charset="0"/>
-        <a:buChar char="•"/>
-        <a:defRPr sz="1800" kern="1200">
+        <a:spcAft>
+          <a:spcPts val="0"/>
+        </a:spcAft>
+        <a:buClr>
+          <a:schemeClr val="accent1"/>
+        </a:buClr>
+        <a:buSzPct val="80000"/>
+        <a:buFont typeface="Wingdings 3" charset="2"/>
+        <a:buChar char=""/>
+        <a:defRPr sz="1200" kern="1200">
           <a:solidFill>
-            <a:schemeClr val="tx1"/>
+            <a:schemeClr val="tx1">
+              <a:lumMod val="75000"/>
+              <a:lumOff val="25000"/>
+            </a:schemeClr>
           </a:solidFill>
           <a:latin typeface="+mn-lt"/>
           <a:ea typeface="+mn-ea"/>
           <a:cs typeface="+mn-cs"/>
         </a:defRPr>
       </a:lvl4pPr>
-      <a:lvl5pPr marL="2057400" indent="-228600" algn="l" defTabSz="914400" rtl="0" eaLnBrk="1" latinLnBrk="0" hangingPunct="1">
-        <a:lnSpc>
-          <a:spcPct val="90000"/>
-        </a:lnSpc>
+      <a:lvl5pPr marL="2057400" indent="-228600" algn="l" defTabSz="457200" rtl="0" eaLnBrk="1" latinLnBrk="0" hangingPunct="1">
         <a:spcBef>
-          <a:spcPts val="500"/>
+          <a:spcPts val="1000"/>
         </a:spcBef>
-        <a:buFont typeface="Arial" panose="020B0604020202020204" pitchFamily="34" charset="0"/>
-        <a:buChar char="•"/>
-        <a:defRPr sz="1800" kern="1200">
+        <a:spcAft>
+          <a:spcPts val="0"/>
+        </a:spcAft>
+        <a:buClr>
+          <a:schemeClr val="accent1"/>
+        </a:buClr>
+        <a:buSzPct val="80000"/>
+        <a:buFont typeface="Wingdings 3" charset="2"/>
+        <a:buChar char=""/>
+        <a:defRPr sz="1200" kern="1200">
           <a:solidFill>
-            <a:schemeClr val="tx1"/>
+            <a:schemeClr val="tx1">
+              <a:lumMod val="75000"/>
+              <a:lumOff val="25000"/>
+            </a:schemeClr>
           </a:solidFill>
           <a:latin typeface="+mn-lt"/>
           <a:ea typeface="+mn-ea"/>
           <a:cs typeface="+mn-cs"/>
         </a:defRPr>
       </a:lvl5pPr>
-      <a:lvl6pPr marL="2514600" indent="-228600" algn="l" defTabSz="914400" rtl="0" eaLnBrk="1" latinLnBrk="0" hangingPunct="1">
-        <a:lnSpc>
-          <a:spcPct val="90000"/>
-        </a:lnSpc>
+      <a:lvl6pPr marL="2514600" indent="-228600" algn="l" defTabSz="457200" rtl="0" eaLnBrk="1" latinLnBrk="0" hangingPunct="1">
         <a:spcBef>
-          <a:spcPts val="500"/>
+          <a:spcPts val="1000"/>
         </a:spcBef>
-        <a:buFont typeface="Arial" panose="020B0604020202020204" pitchFamily="34" charset="0"/>
-        <a:buChar char="•"/>
-        <a:defRPr sz="1800" kern="1200">
+        <a:spcAft>
+          <a:spcPts val="0"/>
+        </a:spcAft>
+        <a:buClr>
+          <a:schemeClr val="accent1"/>
+        </a:buClr>
+        <a:buSzPct val="80000"/>
+        <a:buFont typeface="Wingdings 3" charset="2"/>
+        <a:buChar char=""/>
+        <a:defRPr sz="1200" kern="1200">
           <a:solidFill>
-            <a:schemeClr val="tx1"/>
+            <a:schemeClr val="tx1">
+              <a:lumMod val="75000"/>
+              <a:lumOff val="25000"/>
+            </a:schemeClr>
           </a:solidFill>
           <a:latin typeface="+mn-lt"/>
           <a:ea typeface="+mn-ea"/>
           <a:cs typeface="+mn-cs"/>
         </a:defRPr>
       </a:lvl6pPr>
-      <a:lvl7pPr marL="2971800" indent="-228600" algn="l" defTabSz="914400" rtl="0" eaLnBrk="1" latinLnBrk="0" hangingPunct="1">
-        <a:lnSpc>
-          <a:spcPct val="90000"/>
-        </a:lnSpc>
+      <a:lvl7pPr marL="2971800" indent="-228600" algn="l" defTabSz="457200" rtl="0" eaLnBrk="1" latinLnBrk="0" hangingPunct="1">
         <a:spcBef>
-          <a:spcPts val="500"/>
+          <a:spcPts val="1000"/>
         </a:spcBef>
-        <a:buFont typeface="Arial" panose="020B0604020202020204" pitchFamily="34" charset="0"/>
-        <a:buChar char="•"/>
-        <a:defRPr sz="1800" kern="1200">
+        <a:spcAft>
+          <a:spcPts val="0"/>
+        </a:spcAft>
+        <a:buClr>
+          <a:schemeClr val="accent1"/>
+        </a:buClr>
+        <a:buSzPct val="80000"/>
+        <a:buFont typeface="Wingdings 3" charset="2"/>
+        <a:buChar char=""/>
+        <a:defRPr sz="1200" kern="1200">
           <a:solidFill>
-            <a:schemeClr val="tx1"/>
+            <a:schemeClr val="tx1">
+              <a:lumMod val="75000"/>
+              <a:lumOff val="25000"/>
+            </a:schemeClr>
           </a:solidFill>
           <a:latin typeface="+mn-lt"/>
           <a:ea typeface="+mn-ea"/>
           <a:cs typeface="+mn-cs"/>
         </a:defRPr>
       </a:lvl7pPr>
-      <a:lvl8pPr marL="3429000" indent="-228600" algn="l" defTabSz="914400" rtl="0" eaLnBrk="1" latinLnBrk="0" hangingPunct="1">
-        <a:lnSpc>
-          <a:spcPct val="90000"/>
-        </a:lnSpc>
+      <a:lvl8pPr marL="3429000" indent="-228600" algn="l" defTabSz="457200" rtl="0" eaLnBrk="1" latinLnBrk="0" hangingPunct="1">
         <a:spcBef>
-          <a:spcPts val="500"/>
+          <a:spcPts val="1000"/>
         </a:spcBef>
-        <a:buFont typeface="Arial" panose="020B0604020202020204" pitchFamily="34" charset="0"/>
-        <a:buChar char="•"/>
-        <a:defRPr sz="1800" kern="1200">
+        <a:spcAft>
+          <a:spcPts val="0"/>
+        </a:spcAft>
+        <a:buClr>
+          <a:schemeClr val="accent1"/>
+        </a:buClr>
+        <a:buSzPct val="80000"/>
+        <a:buFont typeface="Wingdings 3" charset="2"/>
+        <a:buChar char=""/>
+        <a:defRPr sz="1200" kern="1200">
           <a:solidFill>
-            <a:schemeClr val="tx1"/>
+            <a:schemeClr val="tx1">
+              <a:lumMod val="75000"/>
+              <a:lumOff val="25000"/>
+            </a:schemeClr>
           </a:solidFill>
           <a:latin typeface="+mn-lt"/>
           <a:ea typeface="+mn-ea"/>
           <a:cs typeface="+mn-cs"/>
         </a:defRPr>
       </a:lvl8pPr>
-      <a:lvl9pPr marL="3886200" indent="-228600" algn="l" defTabSz="914400" rtl="0" eaLnBrk="1" latinLnBrk="0" hangingPunct="1">
-        <a:lnSpc>
-          <a:spcPct val="90000"/>
-        </a:lnSpc>
+      <a:lvl9pPr marL="3886200" indent="-228600" algn="l" defTabSz="457200" rtl="0" eaLnBrk="1" latinLnBrk="0" hangingPunct="1">
         <a:spcBef>
-          <a:spcPts val="500"/>
+          <a:spcPts val="1000"/>
         </a:spcBef>
-        <a:buFont typeface="Arial" panose="020B0604020202020204" pitchFamily="34" charset="0"/>
-        <a:buChar char="•"/>
-        <a:defRPr sz="1800" kern="1200">
+        <a:spcAft>
+          <a:spcPts val="0"/>
+        </a:spcAft>
+        <a:buClr>
+          <a:schemeClr val="accent1"/>
+        </a:buClr>
+        <a:buSzPct val="80000"/>
+        <a:buFont typeface="Wingdings 3" charset="2"/>
+        <a:buChar char=""/>
+        <a:defRPr sz="1200" kern="1200">
           <a:solidFill>
-            <a:schemeClr val="tx1"/>
+            <a:schemeClr val="tx1">
+              <a:lumMod val="75000"/>
+              <a:lumOff val="25000"/>
+            </a:schemeClr>
           </a:solidFill>
           <a:latin typeface="+mn-lt"/>
           <a:ea typeface="+mn-ea"/>
@@ -3653,7 +6241,7 @@
       <a:defPPr>
         <a:defRPr lang="en-US"/>
       </a:defPPr>
-      <a:lvl1pPr marL="0" algn="l" defTabSz="914400" rtl="0" eaLnBrk="1" latinLnBrk="0" hangingPunct="1">
+      <a:lvl1pPr marL="0" algn="l" defTabSz="457200" rtl="0" eaLnBrk="1" latinLnBrk="0" hangingPunct="1">
         <a:defRPr sz="1800" kern="1200">
           <a:solidFill>
             <a:schemeClr val="tx1"/>
@@ -3663,7 +6251,7 @@
           <a:cs typeface="+mn-cs"/>
         </a:defRPr>
       </a:lvl1pPr>
-      <a:lvl2pPr marL="457200" algn="l" defTabSz="914400" rtl="0" eaLnBrk="1" latinLnBrk="0" hangingPunct="1">
+      <a:lvl2pPr marL="457200" algn="l" defTabSz="457200" rtl="0" eaLnBrk="1" latinLnBrk="0" hangingPunct="1">
         <a:defRPr sz="1800" kern="1200">
           <a:solidFill>
             <a:schemeClr val="tx1"/>
@@ -3673,7 +6261,7 @@
           <a:cs typeface="+mn-cs"/>
         </a:defRPr>
       </a:lvl2pPr>
-      <a:lvl3pPr marL="914400" algn="l" defTabSz="914400" rtl="0" eaLnBrk="1" latinLnBrk="0" hangingPunct="1">
+      <a:lvl3pPr marL="914400" algn="l" defTabSz="457200" rtl="0" eaLnBrk="1" latinLnBrk="0" hangingPunct="1">
         <a:defRPr sz="1800" kern="1200">
           <a:solidFill>
             <a:schemeClr val="tx1"/>
@@ -3683,7 +6271,7 @@
           <a:cs typeface="+mn-cs"/>
         </a:defRPr>
       </a:lvl3pPr>
-      <a:lvl4pPr marL="1371600" algn="l" defTabSz="914400" rtl="0" eaLnBrk="1" latinLnBrk="0" hangingPunct="1">
+      <a:lvl4pPr marL="1371600" algn="l" defTabSz="457200" rtl="0" eaLnBrk="1" latinLnBrk="0" hangingPunct="1">
         <a:defRPr sz="1800" kern="1200">
           <a:solidFill>
             <a:schemeClr val="tx1"/>
@@ -3693,7 +6281,7 @@
           <a:cs typeface="+mn-cs"/>
         </a:defRPr>
       </a:lvl4pPr>
-      <a:lvl5pPr marL="1828800" algn="l" defTabSz="914400" rtl="0" eaLnBrk="1" latinLnBrk="0" hangingPunct="1">
+      <a:lvl5pPr marL="1828800" algn="l" defTabSz="457200" rtl="0" eaLnBrk="1" latinLnBrk="0" hangingPunct="1">
         <a:defRPr sz="1800" kern="1200">
           <a:solidFill>
             <a:schemeClr val="tx1"/>
@@ -3703,7 +6291,7 @@
           <a:cs typeface="+mn-cs"/>
         </a:defRPr>
       </a:lvl5pPr>
-      <a:lvl6pPr marL="2286000" algn="l" defTabSz="914400" rtl="0" eaLnBrk="1" latinLnBrk="0" hangingPunct="1">
+      <a:lvl6pPr marL="2286000" algn="l" defTabSz="457200" rtl="0" eaLnBrk="1" latinLnBrk="0" hangingPunct="1">
         <a:defRPr sz="1800" kern="1200">
           <a:solidFill>
             <a:schemeClr val="tx1"/>
@@ -3713,7 +6301,7 @@
           <a:cs typeface="+mn-cs"/>
         </a:defRPr>
       </a:lvl6pPr>
-      <a:lvl7pPr marL="2743200" algn="l" defTabSz="914400" rtl="0" eaLnBrk="1" latinLnBrk="0" hangingPunct="1">
+      <a:lvl7pPr marL="2743200" algn="l" defTabSz="457200" rtl="0" eaLnBrk="1" latinLnBrk="0" hangingPunct="1">
         <a:defRPr sz="1800" kern="1200">
           <a:solidFill>
             <a:schemeClr val="tx1"/>
@@ -3723,7 +6311,7 @@
           <a:cs typeface="+mn-cs"/>
         </a:defRPr>
       </a:lvl7pPr>
-      <a:lvl8pPr marL="3200400" algn="l" defTabSz="914400" rtl="0" eaLnBrk="1" latinLnBrk="0" hangingPunct="1">
+      <a:lvl8pPr marL="3200400" algn="l" defTabSz="457200" rtl="0" eaLnBrk="1" latinLnBrk="0" hangingPunct="1">
         <a:defRPr sz="1800" kern="1200">
           <a:solidFill>
             <a:schemeClr val="tx1"/>
@@ -3733,7 +6321,7 @@
           <a:cs typeface="+mn-cs"/>
         </a:defRPr>
       </a:lvl8pPr>
-      <a:lvl9pPr marL="3657600" algn="l" defTabSz="914400" rtl="0" eaLnBrk="1" latinLnBrk="0" hangingPunct="1">
+      <a:lvl9pPr marL="3657600" algn="l" defTabSz="457200" rtl="0" eaLnBrk="1" latinLnBrk="0" hangingPunct="1">
         <a:defRPr sz="1800" kern="1200">
           <a:solidFill>
             <a:schemeClr val="tx1"/>
@@ -3781,7 +6369,12 @@
             <p:ph type="title"/>
           </p:nvPr>
         </p:nvSpPr>
-        <p:spPr/>
+        <p:spPr>
+          <a:xfrm>
+            <a:off x="591971" y="348113"/>
+            <a:ext cx="11008057" cy="1325563"/>
+          </a:xfrm>
+        </p:spPr>
         <p:txBody>
           <a:bodyPr>
             <a:normAutofit fontScale="90000"/>
@@ -3790,18 +6383,26 @@
           <a:p>
             <a:pPr algn="ctr"/>
             <a:r>
-              <a:rPr lang="en-US" dirty="0" smtClean="0"/>
-              <a:t>Project2: Overview of </a:t>
+              <a:rPr lang="en-US" sz="4000" dirty="0" smtClean="0"/>
+              <a:t>Project2: </a:t>
+            </a:r>
+            <a:r>
+              <a:rPr lang="en-US" sz="4000" dirty="0" smtClean="0"/>
+              <a:t>Linear mixed model with non-normal distribution of random components</a:t>
             </a:r>
             <a:r>
               <a:rPr lang="en-US" dirty="0" smtClean="0"/>
-              <a:t>goal</a:t>
+              <a:t/>
             </a:r>
             <a:br>
               <a:rPr lang="en-US" dirty="0" smtClean="0"/>
             </a:br>
             <a:r>
-              <a:rPr lang="en-US" sz="2400" dirty="0" err="1" smtClean="0"/>
+              <a:rPr lang="en-US" sz="2400" dirty="0"/>
+              <a:t>Speaker: </a:t>
+            </a:r>
+            <a:r>
+              <a:rPr lang="en-US" sz="2400" dirty="0" err="1"/>
               <a:t>Zhou,Wenru</a:t>
             </a:r>
             <a:r>
@@ -3854,7 +6455,7 @@
               <a:p>
                 <a:r>
                   <a:rPr lang="en-US" dirty="0" smtClean="0"/>
-                  <a:t>For a mixed model Y=X</a:t>
+                  <a:t>For a linear mixed model Y=X</a:t>
                 </a:r>
                 <a:r>
                   <a:rPr lang="el-GR" dirty="0" smtClean="0"/>
@@ -4070,9 +6671,9 @@
             </p:nvSpPr>
             <p:spPr>
               <a:blipFill rotWithShape="0">
-                <a:blip r:embed="rId2"/>
+                <a:blip r:embed="rId3"/>
                 <a:stretch>
-                  <a:fillRect l="-1043" t="-2241"/>
+                  <a:fillRect l="-142" t="-942"/>
                 </a:stretch>
               </a:blipFill>
             </p:spPr>
@@ -4091,6 +6692,42 @@
           </p:sp>
         </mc:Fallback>
       </mc:AlternateContent>
+      <p:sp>
+        <p:nvSpPr>
+          <p:cNvPr id="4" name="Slide Number Placeholder 3"/>
+          <p:cNvSpPr>
+            <a:spLocks noGrp="1"/>
+          </p:cNvSpPr>
+          <p:nvPr>
+            <p:ph type="sldNum" sz="quarter" idx="12"/>
+          </p:nvPr>
+        </p:nvSpPr>
+        <p:spPr>
+          <a:xfrm>
+            <a:off x="4975668" y="6345712"/>
+            <a:ext cx="683339" cy="365125"/>
+          </a:xfrm>
+        </p:spPr>
+        <p:txBody>
+          <a:bodyPr/>
+          <a:lstStyle/>
+          <a:p>
+            <a:fld id="{29594D6E-6C01-6F46-B809-5BF366DCAAA3}" type="slidenum">
+              <a:rPr lang="en-US" sz="1000" smtClean="0">
+                <a:solidFill>
+                  <a:schemeClr val="tx1"/>
+                </a:solidFill>
+              </a:rPr>
+              <a:t>1</a:t>
+            </a:fld>
+            <a:endParaRPr lang="en-US" sz="1000" dirty="0">
+              <a:solidFill>
+                <a:schemeClr val="tx1"/>
+              </a:solidFill>
+            </a:endParaRPr>
+          </a:p>
+        </p:txBody>
+      </p:sp>
     </p:spTree>
     <p:extLst>
       <p:ext uri="{BB962C8B-B14F-4D97-AF65-F5344CB8AC3E}">
@@ -4181,8 +6818,8 @@
         </p:nvSpPr>
         <p:spPr>
           <a:xfrm>
-            <a:off x="838200" y="1533017"/>
-            <a:ext cx="10515600" cy="4351338"/>
+            <a:off x="354843" y="1533016"/>
+            <a:ext cx="11273050" cy="5031557"/>
           </a:xfrm>
         </p:spPr>
         <p:txBody>
@@ -4193,7 +6830,22 @@
           <a:p>
             <a:r>
               <a:rPr lang="en-US" dirty="0" smtClean="0"/>
-              <a:t>Dataset: </a:t>
+              <a:t>We take a longitudinal clinical trial dataset for example. Suppose </a:t>
+            </a:r>
+            <a:r>
+              <a:rPr lang="en-US" dirty="0" smtClean="0"/>
+              <a:t>subjects are equally and randomly assigned to a treatment group and a control group. Then they are followed up for several time points. Measurements are collected from each time points.</a:t>
+            </a:r>
+            <a:endParaRPr lang="en-US" dirty="0" smtClean="0"/>
+          </a:p>
+          <a:p>
+            <a:r>
+              <a:rPr lang="en-US" dirty="0" smtClean="0"/>
+              <a:t>Dataset</a:t>
+            </a:r>
+            <a:r>
+              <a:rPr lang="en-US" dirty="0" smtClean="0"/>
+              <a:t>: </a:t>
             </a:r>
           </a:p>
           <a:p>
@@ -4212,7 +6864,15 @@
             </a:r>
             <a:r>
               <a:rPr lang="en-US" dirty="0"/>
-              <a:t>20 with 5 and 10 observations per subject. </a:t>
+              <a:t>20 with 5 and 10 </a:t>
+            </a:r>
+            <a:r>
+              <a:rPr lang="en-US" dirty="0" smtClean="0"/>
+              <a:t>time points </a:t>
+            </a:r>
+            <a:r>
+              <a:rPr lang="en-US" dirty="0"/>
+              <a:t>per subject. </a:t>
             </a:r>
             <a:endParaRPr lang="en-US" dirty="0" smtClean="0"/>
           </a:p>
@@ -4228,7 +6888,15 @@
             </a:r>
             <a:r>
               <a:rPr lang="en-US" dirty="0"/>
-              <a:t>with 5 and 10 observations per subject. </a:t>
+              <a:t>with 5 and 10 </a:t>
+            </a:r>
+            <a:r>
+              <a:rPr lang="en-US" dirty="0"/>
+              <a:t>time points </a:t>
+            </a:r>
+            <a:r>
+              <a:rPr lang="en-US" dirty="0"/>
+              <a:t>per subject. </a:t>
             </a:r>
             <a:endParaRPr lang="en-US" dirty="0" smtClean="0"/>
           </a:p>
@@ -4244,7 +6912,19 @@
             </a:r>
             <a:r>
               <a:rPr lang="en-US" dirty="0"/>
-              <a:t>with 5 and 10 observations per subject. </a:t>
+              <a:t>with 5 and 10 </a:t>
+            </a:r>
+            <a:r>
+              <a:rPr lang="en-US" dirty="0"/>
+              <a:t>time </a:t>
+            </a:r>
+            <a:r>
+              <a:rPr lang="en-US" dirty="0" smtClean="0"/>
+              <a:t>points </a:t>
+            </a:r>
+            <a:r>
+              <a:rPr lang="en-US" dirty="0"/>
+              <a:t>per subject. </a:t>
             </a:r>
             <a:endParaRPr lang="en-US" dirty="0" smtClean="0"/>
           </a:p>
@@ -4339,28 +7019,24 @@
             </a:r>
             <a:r>
               <a:rPr lang="en-US" dirty="0" smtClean="0"/>
-              <a:t>treatment </a:t>
+              <a:t>treatment</a:t>
+            </a:r>
+          </a:p>
+          <a:p>
+            <a:r>
+              <a:rPr lang="en-US" dirty="0" smtClean="0"/>
+              <a:t>Random components and error distribution:</a:t>
+            </a:r>
+          </a:p>
+          <a:p>
+            <a:pPr lvl="1"/>
+            <a:r>
+              <a:rPr lang="en-US" dirty="0" smtClean="0"/>
+              <a:t>Error</a:t>
             </a:r>
             <a:r>
               <a:rPr lang="en-US" dirty="0"/>
-              <a:t>should be put into the simulation </a:t>
-            </a:r>
-            <a:r>
-              <a:rPr lang="en-US" dirty="0" smtClean="0"/>
-              <a:t>model</a:t>
-            </a:r>
-          </a:p>
-          <a:p>
-            <a:r>
-              <a:rPr lang="en-US" dirty="0"/>
-              <a:t>Random components and error distribution:</a:t>
-            </a:r>
-          </a:p>
-          <a:p>
-            <a:pPr lvl="1"/>
-            <a:r>
-              <a:rPr lang="en-US" dirty="0"/>
-              <a:t>Error: </a:t>
+              <a:t>: </a:t>
             </a:r>
             <a:r>
               <a:rPr lang="en-US" dirty="0" smtClean="0"/>
@@ -4381,6 +7057,42 @@
           <a:p>
             <a:pPr lvl="1"/>
             <a:endParaRPr lang="en-US" dirty="0"/>
+          </a:p>
+        </p:txBody>
+      </p:sp>
+      <p:sp>
+        <p:nvSpPr>
+          <p:cNvPr id="11" name="Slide Number Placeholder 3"/>
+          <p:cNvSpPr>
+            <a:spLocks noGrp="1"/>
+          </p:cNvSpPr>
+          <p:nvPr>
+            <p:ph type="sldNum" sz="quarter" idx="12"/>
+          </p:nvPr>
+        </p:nvSpPr>
+        <p:spPr>
+          <a:xfrm>
+            <a:off x="4975668" y="6345712"/>
+            <a:ext cx="683339" cy="365125"/>
+          </a:xfrm>
+        </p:spPr>
+        <p:txBody>
+          <a:bodyPr/>
+          <a:lstStyle/>
+          <a:p>
+            <a:r>
+              <a:rPr lang="en-US" sz="1000" dirty="0">
+                <a:solidFill>
+                  <a:schemeClr val="tx1"/>
+                </a:solidFill>
+              </a:rPr>
+              <a:t>2</a:t>
+            </a:r>
+            <a:endParaRPr lang="en-US" sz="1000" dirty="0">
+              <a:solidFill>
+                <a:schemeClr val="tx1"/>
+              </a:solidFill>
+            </a:endParaRPr>
           </a:p>
         </p:txBody>
       </p:sp>
@@ -12722,7 +15434,7 @@
         </p:nvSpPr>
         <p:spPr>
           <a:xfrm>
-            <a:off x="597159" y="6045041"/>
+            <a:off x="0" y="6071419"/>
             <a:ext cx="11079059" cy="369332"/>
           </a:xfrm>
           <a:prstGeom prst="rect">
@@ -12756,6 +15468,42 @@
               <a:t>values and the estimated values, SD and SE from mixed modeling</a:t>
             </a:r>
             <a:endParaRPr lang="en-US" dirty="0"/>
+          </a:p>
+        </p:txBody>
+      </p:sp>
+      <p:sp>
+        <p:nvSpPr>
+          <p:cNvPr id="7" name="Slide Number Placeholder 3"/>
+          <p:cNvSpPr>
+            <a:spLocks noGrp="1"/>
+          </p:cNvSpPr>
+          <p:nvPr>
+            <p:ph type="sldNum" sz="quarter" idx="12"/>
+          </p:nvPr>
+        </p:nvSpPr>
+        <p:spPr>
+          <a:xfrm>
+            <a:off x="4975668" y="6345712"/>
+            <a:ext cx="683339" cy="365125"/>
+          </a:xfrm>
+        </p:spPr>
+        <p:txBody>
+          <a:bodyPr/>
+          <a:lstStyle/>
+          <a:p>
+            <a:r>
+              <a:rPr lang="en-US" sz="1000" dirty="0">
+                <a:solidFill>
+                  <a:schemeClr val="tx1"/>
+                </a:solidFill>
+              </a:rPr>
+              <a:t>3</a:t>
+            </a:r>
+            <a:endParaRPr lang="en-US" sz="1000" dirty="0">
+              <a:solidFill>
+                <a:schemeClr val="tx1"/>
+              </a:solidFill>
+            </a:endParaRPr>
           </a:p>
         </p:txBody>
       </p:sp>
@@ -12780,9 +15528,9 @@
 </file>
 
 <file path=ppt/theme/theme1.xml><?xml version="1.0" encoding="utf-8"?>
-<a:theme xmlns:a="http://schemas.openxmlformats.org/drawingml/2006/main" name="Office Theme">
+<a:theme xmlns:a="http://schemas.openxmlformats.org/drawingml/2006/main" name="Facet">
   <a:themeElements>
-    <a:clrScheme name="Office">
+    <a:clrScheme name="Facet">
       <a:dk1>
         <a:sysClr val="windowText" lastClr="000000"/>
       </a:dk1>
@@ -12790,52 +15538,52 @@
         <a:sysClr val="window" lastClr="FFFFFF"/>
       </a:lt1>
       <a:dk2>
-        <a:srgbClr val="44546A"/>
+        <a:srgbClr val="2C3C43"/>
       </a:dk2>
       <a:lt2>
-        <a:srgbClr val="E7E6E6"/>
+        <a:srgbClr val="EBEBEB"/>
       </a:lt2>
       <a:accent1>
-        <a:srgbClr val="4472C4"/>
+        <a:srgbClr val="90C226"/>
       </a:accent1>
       <a:accent2>
-        <a:srgbClr val="ED7D31"/>
+        <a:srgbClr val="54A021"/>
       </a:accent2>
       <a:accent3>
-        <a:srgbClr val="A5A5A5"/>
+        <a:srgbClr val="E6B91E"/>
       </a:accent3>
       <a:accent4>
-        <a:srgbClr val="FFC000"/>
+        <a:srgbClr val="E76618"/>
       </a:accent4>
       <a:accent5>
-        <a:srgbClr val="5B9BD5"/>
+        <a:srgbClr val="C42F1A"/>
       </a:accent5>
       <a:accent6>
-        <a:srgbClr val="70AD47"/>
+        <a:srgbClr val="918655"/>
       </a:accent6>
       <a:hlink>
-        <a:srgbClr val="0563C1"/>
+        <a:srgbClr val="99CA3C"/>
       </a:hlink>
       <a:folHlink>
-        <a:srgbClr val="954F72"/>
+        <a:srgbClr val="B9D181"/>
       </a:folHlink>
     </a:clrScheme>
-    <a:fontScheme name="Office">
+    <a:fontScheme name="Facet">
       <a:majorFont>
-        <a:latin typeface="Calibri Light" panose="020F0302020204030204"/>
+        <a:latin typeface="Trebuchet MS" panose="020B0603020202020204"/>
         <a:ea typeface=""/>
         <a:cs typeface=""/>
-        <a:font script="Jpan" typeface="游ゴシック Light"/>
+        <a:font script="Jpan" typeface="メイリオ"/>
         <a:font script="Hang" typeface="맑은 고딕"/>
-        <a:font script="Hans" typeface="等线 Light"/>
-        <a:font script="Hant" typeface="新細明體"/>
-        <a:font script="Arab" typeface="Times New Roman"/>
-        <a:font script="Hebr" typeface="Times New Roman"/>
-        <a:font script="Thai" typeface="Angsana New"/>
+        <a:font script="Hans" typeface="方正姚体"/>
+        <a:font script="Hant" typeface="微軟正黑體"/>
+        <a:font script="Arab" typeface="Tahoma"/>
+        <a:font script="Hebr" typeface="Arial"/>
+        <a:font script="Thai" typeface="Cordia New"/>
         <a:font script="Ethi" typeface="Nyala"/>
         <a:font script="Beng" typeface="Vrinda"/>
         <a:font script="Gujr" typeface="Shruti"/>
-        <a:font script="Khmr" typeface="MoolBoran"/>
+        <a:font script="Khmr" typeface="DaunPenh"/>
         <a:font script="Knda" typeface="Tunga"/>
         <a:font script="Guru" typeface="Raavi"/>
         <a:font script="Cans" typeface="Euphemia"/>
@@ -12852,38 +15600,21 @@
         <a:font script="Laoo" typeface="DokChampa"/>
         <a:font script="Sinh" typeface="Iskoola Pota"/>
         <a:font script="Mong" typeface="Mongolian Baiti"/>
-        <a:font script="Viet" typeface="Times New Roman"/>
+        <a:font script="Viet" typeface="Tahoma"/>
         <a:font script="Uigh" typeface="Microsoft Uighur"/>
         <a:font script="Geor" typeface="Sylfaen"/>
-        <a:font script="Armn" typeface="Arial"/>
-        <a:font script="Bugi" typeface="Leelawadee UI"/>
-        <a:font script="Bopo" typeface="Microsoft JhengHei"/>
-        <a:font script="Java" typeface="Javanese Text"/>
-        <a:font script="Lisu" typeface="Segoe UI"/>
-        <a:font script="Mymr" typeface="Myanmar Text"/>
-        <a:font script="Nkoo" typeface="Ebrima"/>
-        <a:font script="Olck" typeface="Nirmala UI"/>
-        <a:font script="Osma" typeface="Ebrima"/>
-        <a:font script="Phag" typeface="Phagspa"/>
-        <a:font script="Syrn" typeface="Estrangelo Edessa"/>
-        <a:font script="Syrj" typeface="Estrangelo Edessa"/>
-        <a:font script="Syre" typeface="Estrangelo Edessa"/>
-        <a:font script="Sora" typeface="Nirmala UI"/>
-        <a:font script="Tale" typeface="Microsoft Tai Le"/>
-        <a:font script="Talu" typeface="Microsoft New Tai Lue"/>
-        <a:font script="Tfng" typeface="Ebrima"/>
       </a:majorFont>
       <a:minorFont>
-        <a:latin typeface="Calibri" panose="020F0502020204030204"/>
+        <a:latin typeface="Trebuchet MS" panose="020B0603020202020204"/>
         <a:ea typeface=""/>
         <a:cs typeface=""/>
-        <a:font script="Jpan" typeface="游ゴシック"/>
-        <a:font script="Hang" typeface="맑은 고딕"/>
-        <a:font script="Hans" typeface="等线"/>
-        <a:font script="Hant" typeface="新細明體"/>
-        <a:font script="Arab" typeface="Arial"/>
-        <a:font script="Hebr" typeface="Arial"/>
-        <a:font script="Thai" typeface="Cordia New"/>
+        <a:font script="Jpan" typeface="メイリオ"/>
+        <a:font script="Hang" typeface="HY그래픽M"/>
+        <a:font script="Hans" typeface="华文新魏"/>
+        <a:font script="Hant" typeface="微軟正黑體"/>
+        <a:font script="Arab" typeface="Tahoma"/>
+        <a:font script="Hebr" typeface="Gisha"/>
+        <a:font script="Thai" typeface="IrisUPC"/>
         <a:font script="Ethi" typeface="Nyala"/>
         <a:font script="Beng" typeface="Vrinda"/>
         <a:font script="Gujr" typeface="Shruti"/>
@@ -12907,26 +15638,9 @@
         <a:font script="Viet" typeface="Arial"/>
         <a:font script="Uigh" typeface="Microsoft Uighur"/>
         <a:font script="Geor" typeface="Sylfaen"/>
-        <a:font script="Armn" typeface="Arial"/>
-        <a:font script="Bugi" typeface="Leelawadee UI"/>
-        <a:font script="Bopo" typeface="Microsoft JhengHei"/>
-        <a:font script="Java" typeface="Javanese Text"/>
-        <a:font script="Lisu" typeface="Segoe UI"/>
-        <a:font script="Mymr" typeface="Myanmar Text"/>
-        <a:font script="Nkoo" typeface="Ebrima"/>
-        <a:font script="Olck" typeface="Nirmala UI"/>
-        <a:font script="Osma" typeface="Ebrima"/>
-        <a:font script="Phag" typeface="Phagspa"/>
-        <a:font script="Syrn" typeface="Estrangelo Edessa"/>
-        <a:font script="Syrj" typeface="Estrangelo Edessa"/>
-        <a:font script="Syre" typeface="Estrangelo Edessa"/>
-        <a:font script="Sora" typeface="Nirmala UI"/>
-        <a:font script="Tale" typeface="Microsoft Tai Le"/>
-        <a:font script="Talu" typeface="Microsoft New Tai Lue"/>
-        <a:font script="Tfng" typeface="Ebrima"/>
       </a:minorFont>
     </a:fontScheme>
-    <a:fmtScheme name="Office">
+    <a:fmtScheme name="Facet">
       <a:fillStyleLst>
         <a:solidFill>
           <a:schemeClr val="phClr"/>
@@ -12935,23 +15649,13 @@
           <a:gsLst>
             <a:gs pos="0">
               <a:schemeClr val="phClr">
+                <a:tint val="65000"/>
                 <a:lumMod val="110000"/>
-                <a:satMod val="105000"/>
-                <a:tint val="67000"/>
               </a:schemeClr>
             </a:gs>
-            <a:gs pos="50000">
+            <a:gs pos="88000">
               <a:schemeClr val="phClr">
-                <a:lumMod val="105000"/>
-                <a:satMod val="103000"/>
-                <a:tint val="73000"/>
-              </a:schemeClr>
-            </a:gs>
-            <a:gs pos="100000">
-              <a:schemeClr val="phClr">
-                <a:lumMod val="105000"/>
-                <a:satMod val="109000"/>
-                <a:tint val="81000"/>
+                <a:tint val="90000"/>
               </a:schemeClr>
             </a:gs>
           </a:gsLst>
@@ -12961,23 +15665,14 @@
           <a:gsLst>
             <a:gs pos="0">
               <a:schemeClr val="phClr">
-                <a:satMod val="103000"/>
-                <a:lumMod val="102000"/>
-                <a:tint val="94000"/>
+                <a:tint val="96000"/>
+                <a:lumMod val="100000"/>
               </a:schemeClr>
             </a:gs>
-            <a:gs pos="50000">
+            <a:gs pos="78000">
               <a:schemeClr val="phClr">
-                <a:satMod val="110000"/>
-                <a:lumMod val="100000"/>
-                <a:shade val="100000"/>
-              </a:schemeClr>
-            </a:gs>
-            <a:gs pos="100000">
-              <a:schemeClr val="phClr">
-                <a:lumMod val="99000"/>
-                <a:satMod val="120000"/>
-                <a:shade val="78000"/>
+                <a:shade val="94000"/>
+                <a:lumMod val="94000"/>
               </a:schemeClr>
             </a:gs>
           </a:gsLst>
@@ -12985,26 +15680,23 @@
         </a:gradFill>
       </a:fillStyleLst>
       <a:lnStyleLst>
-        <a:ln w="6350" cap="flat" cmpd="sng" algn="ctr">
+        <a:ln w="12700" cap="rnd" cmpd="sng" algn="ctr">
           <a:solidFill>
             <a:schemeClr val="phClr"/>
           </a:solidFill>
           <a:prstDash val="solid"/>
-          <a:miter lim="800000"/>
         </a:ln>
-        <a:ln w="12700" cap="flat" cmpd="sng" algn="ctr">
+        <a:ln w="19050" cap="rnd" cmpd="sng" algn="ctr">
           <a:solidFill>
             <a:schemeClr val="phClr"/>
           </a:solidFill>
           <a:prstDash val="solid"/>
-          <a:miter lim="800000"/>
         </a:ln>
-        <a:ln w="19050" cap="flat" cmpd="sng" algn="ctr">
+        <a:ln w="25400" cap="rnd" cmpd="sng" algn="ctr">
           <a:solidFill>
             <a:schemeClr val="phClr"/>
           </a:solidFill>
           <a:prstDash val="solid"/>
-          <a:miter lim="800000"/>
         </a:ln>
       </a:lnStyleLst>
       <a:effectStyleLst>
@@ -13012,54 +15704,72 @@
           <a:effectLst/>
         </a:effectStyle>
         <a:effectStyle>
-          <a:effectLst/>
+          <a:effectLst>
+            <a:outerShdw blurRad="38100" dist="25400" dir="5400000" rotWithShape="0">
+              <a:srgbClr val="000000">
+                <a:alpha val="35000"/>
+              </a:srgbClr>
+            </a:outerShdw>
+          </a:effectLst>
         </a:effectStyle>
         <a:effectStyle>
           <a:effectLst>
-            <a:outerShdw blurRad="57150" dist="19050" dir="5400000" algn="ctr" rotWithShape="0">
+            <a:outerShdw blurRad="50800" dist="38100" dir="5400000" rotWithShape="0">
               <a:srgbClr val="000000">
-                <a:alpha val="63000"/>
+                <a:alpha val="35000"/>
               </a:srgbClr>
             </a:outerShdw>
           </a:effectLst>
+          <a:scene3d>
+            <a:camera prst="orthographicFront">
+              <a:rot lat="0" lon="0" rev="0"/>
+            </a:camera>
+            <a:lightRig rig="threePt" dir="tl"/>
+          </a:scene3d>
+          <a:sp3d prstMaterial="plastic">
+            <a:bevelT w="0" h="0"/>
+          </a:sp3d>
         </a:effectStyle>
       </a:effectStyleLst>
       <a:bgFillStyleLst>
         <a:solidFill>
           <a:schemeClr val="phClr"/>
         </a:solidFill>
-        <a:solidFill>
-          <a:schemeClr val="phClr">
-            <a:tint val="95000"/>
-            <a:satMod val="170000"/>
-          </a:schemeClr>
-        </a:solidFill>
         <a:gradFill rotWithShape="1">
           <a:gsLst>
             <a:gs pos="0">
               <a:schemeClr val="phClr">
-                <a:tint val="93000"/>
-                <a:satMod val="150000"/>
-                <a:shade val="98000"/>
-                <a:lumMod val="102000"/>
+                <a:tint val="90000"/>
+                <a:lumMod val="104000"/>
               </a:schemeClr>
             </a:gs>
-            <a:gs pos="50000">
+            <a:gs pos="94000">
               <a:schemeClr val="phClr">
-                <a:tint val="98000"/>
-                <a:satMod val="130000"/>
-                <a:shade val="90000"/>
-                <a:lumMod val="103000"/>
+                <a:shade val="96000"/>
+                <a:lumMod val="82000"/>
+              </a:schemeClr>
+            </a:gs>
+          </a:gsLst>
+          <a:lin ang="5400000" scaled="0"/>
+        </a:gradFill>
+        <a:gradFill rotWithShape="1">
+          <a:gsLst>
+            <a:gs pos="0">
+              <a:schemeClr val="phClr">
+                <a:tint val="90000"/>
+                <a:lumMod val="110000"/>
               </a:schemeClr>
             </a:gs>
             <a:gs pos="100000">
               <a:schemeClr val="phClr">
-                <a:shade val="63000"/>
-                <a:satMod val="120000"/>
+                <a:shade val="94000"/>
+                <a:lumMod val="96000"/>
               </a:schemeClr>
             </a:gs>
           </a:gsLst>
-          <a:lin ang="5400000" scaled="0"/>
+          <a:path path="circle">
+            <a:fillToRect l="50000" t="50000" r="100000" b="100000"/>
+          </a:path>
         </a:gradFill>
       </a:bgFillStyleLst>
     </a:fmtScheme>
@@ -13068,7 +15778,7 @@
   <a:extraClrSchemeLst/>
   <a:extLst>
     <a:ext uri="{05A4C25C-085E-4340-85A3-A5531E510DB2}">
-      <thm15:themeFamily xmlns:thm15="http://schemas.microsoft.com/office/thememl/2012/main" name="Office Theme" id="{62F939B6-93AF-4DB8-9C6B-D6C7DFDC589F}" vid="{4A3C46E8-61CC-4603-A589-7422A47A8E4A}"/>
+      <thm15:themeFamily xmlns:thm15="http://schemas.microsoft.com/office/thememl/2012/main" name="Facet" id="{C0C680CD-088A-49FC-A102-D699147F32B2}" vid="{CFBC31BA-B70F-4F30-BCAA-4F3011E16C4D}"/>
     </a:ext>
   </a:extLst>
 </a:theme>

--- a/Project2/Reports/Project 2 interim.pptx
+++ b/Project2/Reports/Project 2 interim.pptx
@@ -6358,7 +6358,7 @@
           <p:cNvPr id="2" name="Title 1">
             <a:extLst>
               <a:ext uri="{FF2B5EF4-FFF2-40B4-BE49-F238E27FC236}">
-                <a16:creationId xmlns="" xmlns:a16="http://schemas.microsoft.com/office/drawing/2014/main" id="{A5BB4555-5C41-AB4E-AF47-7E61B4A9F554}"/>
+                <a16:creationId xmlns:a16="http://schemas.microsoft.com/office/drawing/2014/main" xmlns="" id="{A5BB4555-5C41-AB4E-AF47-7E61B4A9F554}"/>
               </a:ext>
             </a:extLst>
           </p:cNvPr>
@@ -6393,17 +6393,7 @@
                   </a:schemeClr>
                 </a:solidFill>
               </a:rPr>
-              <a:t>Project2 interim presentation: Linear </a:t>
-            </a:r>
-            <a:r>
-              <a:rPr lang="en-US" sz="4000" dirty="0" smtClean="0">
-                <a:solidFill>
-                  <a:schemeClr val="bg1">
-                    <a:lumMod val="50000"/>
-                  </a:schemeClr>
-                </a:solidFill>
-              </a:rPr>
-              <a:t>mixed model with non-normal distribution of random components</a:t>
+              <a:t>Project2 interim presentation: Linear mixed model with non-normal distribution of random components</a:t>
             </a:r>
             <a:r>
               <a:rPr lang="en-US" dirty="0" smtClean="0">
@@ -6455,14 +6445,14 @@
           </a:p>
         </p:txBody>
       </p:sp>
-      <mc:AlternateContent xmlns:mc="http://schemas.openxmlformats.org/markup-compatibility/2006">
-        <mc:Choice xmlns:a14="http://schemas.microsoft.com/office/drawing/2010/main" Requires="a14">
+      <mc:AlternateContent xmlns:mc="http://schemas.openxmlformats.org/markup-compatibility/2006" xmlns:a14="http://schemas.microsoft.com/office/drawing/2010/main">
+        <mc:Choice Requires="a14">
           <p:sp>
             <p:nvSpPr>
               <p:cNvPr id="3" name="Content Placeholder 2">
                 <a:extLst>
                   <a:ext uri="{FF2B5EF4-FFF2-40B4-BE49-F238E27FC236}">
-                    <a16:creationId xmlns="" xmlns:a16="http://schemas.microsoft.com/office/drawing/2014/main" id="{9B7DB3B7-AA04-EB40-9807-E1F03014FC26}"/>
+                    <a16:creationId xmlns:a16="http://schemas.microsoft.com/office/drawing/2014/main" xmlns="" id="{9B7DB3B7-AA04-EB40-9807-E1F03014FC26}"/>
                   </a:ext>
                 </a:extLst>
               </p:cNvPr>
@@ -6615,11 +6605,7 @@
                 </a:r>
                 <a:r>
                   <a:rPr lang="en-US" b="1" dirty="0" smtClean="0"/>
-                  <a:t>NOT</a:t>
-                </a:r>
-                <a:r>
-                  <a:rPr lang="en-US" b="1" dirty="0" smtClean="0"/>
-                  <a:t> NORMALLY</a:t>
+                  <a:t>NOT NORMALLY</a:t>
                 </a:r>
                 <a:r>
                   <a:rPr lang="en-US" dirty="0" smtClean="0"/>
@@ -6682,11 +6668,7 @@
                 </a:r>
                 <a:r>
                   <a:rPr lang="en-US" dirty="0" smtClean="0"/>
-                  <a:t>he </a:t>
-                </a:r>
-                <a:r>
-                  <a:rPr lang="en-US" dirty="0" smtClean="0"/>
-                  <a:t>Type I/II </a:t>
+                  <a:t>he Type I/II </a:t>
                 </a:r>
                 <a:r>
                   <a:rPr lang="en-US" dirty="0"/>
@@ -6696,7 +6678,7 @@
             </p:txBody>
           </p:sp>
         </mc:Choice>
-        <mc:Fallback>
+        <mc:Fallback xmlns="">
           <p:sp>
             <p:nvSpPr>
               <p:cNvPr id="3" name="Content Placeholder 2">
@@ -6818,7 +6800,7 @@
           <p:cNvPr id="2" name="Title 1">
             <a:extLst>
               <a:ext uri="{FF2B5EF4-FFF2-40B4-BE49-F238E27FC236}">
-                <a16:creationId xmlns="" xmlns:a16="http://schemas.microsoft.com/office/drawing/2014/main" id="{BA7FFAC6-5999-CE46-BA63-3F88FD4F16D5}"/>
+                <a16:creationId xmlns:a16="http://schemas.microsoft.com/office/drawing/2014/main" xmlns="" id="{BA7FFAC6-5999-CE46-BA63-3F88FD4F16D5}"/>
               </a:ext>
             </a:extLst>
           </p:cNvPr>
@@ -6858,7 +6840,7 @@
           <p:cNvPr id="3" name="Content Placeholder 2">
             <a:extLst>
               <a:ext uri="{FF2B5EF4-FFF2-40B4-BE49-F238E27FC236}">
-                <a16:creationId xmlns="" xmlns:a16="http://schemas.microsoft.com/office/drawing/2014/main" id="{B5ABBD12-F1F4-6143-A67D-2DCE70C17F44}"/>
+                <a16:creationId xmlns:a16="http://schemas.microsoft.com/office/drawing/2014/main" xmlns="" id="{B5ABBD12-F1F4-6143-A67D-2DCE70C17F44}"/>
               </a:ext>
             </a:extLst>
           </p:cNvPr>
@@ -6896,7 +6878,6 @@
               <a:rPr lang="en-US" dirty="0" smtClean="0"/>
               <a:t>3 settings of subjects: </a:t>
             </a:r>
-            <a:endParaRPr lang="en-US" dirty="0" smtClean="0"/>
           </a:p>
           <a:p>
             <a:pPr lvl="2"/>
@@ -6910,22 +6891,14 @@
             </a:r>
             <a:r>
               <a:rPr lang="en-US" sz="1600" dirty="0" smtClean="0"/>
-              <a:t>=</a:t>
-            </a:r>
-            <a:r>
-              <a:rPr lang="en-US" sz="1600" dirty="0" smtClean="0"/>
-              <a:t>20, 200, 1000</a:t>
+              <a:t>=20, 200, 1000</a:t>
             </a:r>
           </a:p>
           <a:p>
             <a:pPr lvl="1"/>
             <a:r>
               <a:rPr lang="en-US" dirty="0" smtClean="0"/>
-              <a:t>2</a:t>
-            </a:r>
-            <a:r>
-              <a:rPr lang="en-US" dirty="0" smtClean="0"/>
-              <a:t> settings fixed </a:t>
+              <a:t>2 settings fixed </a:t>
             </a:r>
             <a:r>
               <a:rPr lang="en-US" dirty="0"/>
@@ -6938,7 +6911,6 @@
               <a:rPr lang="en-US" sz="1600" dirty="0" smtClean="0"/>
               <a:t>Treatment</a:t>
             </a:r>
-            <a:endParaRPr lang="en-US" sz="1600" dirty="0" smtClean="0"/>
           </a:p>
           <a:p>
             <a:pPr lvl="2"/>
@@ -7024,7 +6996,6 @@
               <a:rPr lang="en-US" sz="1600" dirty="0" smtClean="0"/>
               <a:t>Mixture: mixed two normal distribution</a:t>
             </a:r>
-            <a:endParaRPr lang="en-US" sz="1600" dirty="0" smtClean="0"/>
           </a:p>
           <a:p>
             <a:pPr marL="742950" lvl="2" indent="-342900"/>
@@ -7040,7 +7011,6 @@
               <a:rPr lang="en-US" sz="1600" dirty="0" smtClean="0"/>
               <a:t>setting</a:t>
             </a:r>
-            <a:endParaRPr lang="en-US" sz="1600" dirty="0" smtClean="0"/>
           </a:p>
         </p:txBody>
       </p:sp>
@@ -7112,18 +7082,7 @@
                   </a:schemeClr>
                 </a:solidFill>
               </a:rPr>
-              <a:t>We take a longitudinal clinical trial dataset for </a:t>
-            </a:r>
-            <a:r>
-              <a:rPr lang="en-US" sz="1600" b="1" dirty="0">
-                <a:solidFill>
-                  <a:schemeClr val="tx1">
-                    <a:lumMod val="75000"/>
-                    <a:lumOff val="25000"/>
-                  </a:schemeClr>
-                </a:solidFill>
-              </a:rPr>
-              <a:t>example: </a:t>
+              <a:t>We take a longitudinal clinical trial dataset for example: </a:t>
             </a:r>
             <a:endParaRPr lang="en-US" sz="1600" b="1" dirty="0" smtClean="0">
               <a:solidFill>
@@ -7287,7 +7246,7 @@
           <p:cNvPr id="8" name="Content Placeholder 2">
             <a:extLst>
               <a:ext uri="{FF2B5EF4-FFF2-40B4-BE49-F238E27FC236}">
-                <a16:creationId xmlns="" xmlns:a16="http://schemas.microsoft.com/office/drawing/2014/main" id="{B5ABBD12-F1F4-6143-A67D-2DCE70C17F44}"/>
+                <a16:creationId xmlns:a16="http://schemas.microsoft.com/office/drawing/2014/main" xmlns="" id="{B5ABBD12-F1F4-6143-A67D-2DCE70C17F44}"/>
               </a:ext>
             </a:extLst>
           </p:cNvPr>
@@ -7584,7 +7543,6 @@
               <a:rPr lang="en-US" dirty="0" smtClean="0"/>
               <a:t>We assumed that the random components are normally distributed</a:t>
             </a:r>
-            <a:endParaRPr lang="en-US" dirty="0" smtClean="0"/>
           </a:p>
         </p:txBody>
       </p:sp>
@@ -7674,7 +7632,7 @@
                 <p:ph idx="1"/>
                 <p:extLst>
                   <p:ext uri="{D42A27DB-BD31-4B8C-83A1-F6EECF244321}">
-                    <p14:modId xmlns:p14="http://schemas.microsoft.com/office/powerpoint/2010/main" val="3941945525"/>
+                    <p14:modId xmlns:p14="http://schemas.microsoft.com/office/powerpoint/2010/main" val="4200599983"/>
                   </p:ext>
                 </p:extLst>
               </p:nvPr>
@@ -8174,11 +8132,7 @@
                           <a:pPr algn="ctr"/>
                           <a:r>
                             <a:rPr lang="en-US" sz="1400" kern="1200" dirty="0" smtClean="0"/>
-                            <a:t>(</a:t>
-                          </a:r>
-                          <a:r>
-                            <a:rPr lang="en-US" sz="1400" kern="1200" dirty="0" smtClean="0"/>
-                            <a:t>SE)</a:t>
+                            <a:t>(SE)</a:t>
                           </a:r>
                           <a:endParaRPr lang="en-US" sz="1400" kern="1200" dirty="0">
                             <a:solidFill>
@@ -9066,18 +9020,24 @@
                               <m:sSub>
                                 <m:sSubPr>
                                   <m:ctrlPr>
-                                    <a:rPr lang="en-US" sz="1400" kern="1200" smtClean="0"/>
+                                    <a:rPr lang="en-US" sz="1400" i="1" kern="1200" smtClean="0">
+                                      <a:latin typeface="Cambria Math" panose="02040503050406030204" pitchFamily="18" charset="0"/>
+                                    </a:rPr>
                                   </m:ctrlPr>
                                 </m:sSubPr>
                                 <m:e>
                                   <m:r>
-                                    <a:rPr lang="en-US" sz="1400" kern="1200" smtClean="0"/>
+                                    <a:rPr lang="en-US" sz="1400" kern="1200" smtClean="0">
+                                      <a:latin typeface="Cambria Math" panose="02040503050406030204" pitchFamily="18" charset="0"/>
+                                    </a:rPr>
                                     <m:t>𝛽</m:t>
                                   </m:r>
                                 </m:e>
                                 <m:sub>
                                   <m:r>
-                                    <a:rPr lang="en-US" sz="1400" kern="1200" smtClean="0"/>
+                                    <a:rPr lang="en-US" sz="1400" kern="1200" smtClean="0">
+                                      <a:latin typeface="Cambria Math" panose="02040503050406030204" pitchFamily="18" charset="0"/>
+                                    </a:rPr>
                                     <m:t>0</m:t>
                                   </m:r>
                                 </m:sub>
@@ -9108,44 +9068,44 @@
                           <a:pPr marL="0" algn="l" defTabSz="914400" rtl="0" eaLnBrk="1" fontAlgn="b" latinLnBrk="0" hangingPunct="1"/>
                           <a:r>
                             <a:rPr lang="en-US" sz="1400" b="1" kern="1200" dirty="0" smtClean="0"/>
-                            <a:t>1. Random </a:t>
-                          </a:r>
-                          <a:r>
-                            <a:rPr lang="en-US" sz="1400" b="1" kern="1200" dirty="0" smtClean="0"/>
-                            <a:t>variables follow skewed distribution:</a:t>
+                            <a:t>1. Random variables follow skewed distribution:</a:t>
                           </a:r>
                         </a:p>
                         <a:p>
                           <a:pPr marL="0" algn="l" defTabSz="914400" rtl="0" eaLnBrk="1" fontAlgn="b" latinLnBrk="0" hangingPunct="1"/>
                           <a:r>
                             <a:rPr lang="en-US" sz="1400" kern="1200" dirty="0" smtClean="0"/>
-                            <a:t>    </a:t>
-                          </a:r>
-                          <a:r>
-                            <a:rPr lang="en-US" sz="1400" kern="1200" dirty="0" smtClean="0"/>
-                            <a:t>1.1 </a:t>
+                            <a:t>    1.1 </a:t>
                           </a:r>
                           <a14:m>
                             <m:oMath xmlns:m="http://schemas.openxmlformats.org/officeDocument/2006/math">
                               <m:sSub>
                                 <m:sSubPr>
                                   <m:ctrlPr>
-                                    <a:rPr lang="en-US" sz="1400" kern="1200" smtClean="0"/>
+                                    <a:rPr lang="en-US" sz="1400" i="1" kern="1200" smtClean="0">
+                                      <a:latin typeface="Cambria Math" panose="02040503050406030204" pitchFamily="18" charset="0"/>
+                                    </a:rPr>
                                   </m:ctrlPr>
                                 </m:sSubPr>
                                 <m:e>
                                   <m:r>
-                                    <a:rPr lang="en-US" sz="1400" kern="1200" smtClean="0"/>
+                                    <a:rPr lang="en-US" sz="1400" kern="1200" smtClean="0">
+                                      <a:latin typeface="Cambria Math" panose="02040503050406030204" pitchFamily="18" charset="0"/>
+                                    </a:rPr>
                                     <m:t>𝑏</m:t>
                                   </m:r>
                                 </m:e>
                                 <m:sub>
                                   <m:r>
-                                    <a:rPr lang="en-US" sz="1400" kern="1200" smtClean="0"/>
+                                    <a:rPr lang="en-US" sz="1400" kern="1200" smtClean="0">
+                                      <a:latin typeface="Cambria Math" panose="02040503050406030204" pitchFamily="18" charset="0"/>
+                                    </a:rPr>
                                     <m:t>0</m:t>
                                   </m:r>
                                   <m:r>
-                                    <a:rPr lang="en-US" sz="1400" kern="1200" smtClean="0"/>
+                                    <a:rPr lang="en-US" sz="1400" kern="1200" smtClean="0">
+                                      <a:latin typeface="Cambria Math" panose="02040503050406030204" pitchFamily="18" charset="0"/>
+                                    </a:rPr>
                                     <m:t>𝑖</m:t>
                                   </m:r>
                                 </m:sub>
@@ -9161,7 +9121,9 @@
                               <m:func>
                                 <m:funcPr>
                                   <m:ctrlPr>
-                                    <a:rPr lang="en-US" sz="1400" kern="1200" dirty="0" smtClean="0"/>
+                                    <a:rPr lang="en-US" sz="1400" i="1" kern="1200" dirty="0" smtClean="0">
+                                      <a:latin typeface="Cambria Math" panose="02040503050406030204" pitchFamily="18" charset="0"/>
+                                    </a:rPr>
                                   </m:ctrlPr>
                                 </m:funcPr>
                                 <m:fName>
@@ -9169,19 +9131,25 @@
                                     <m:rPr>
                                       <m:sty m:val="p"/>
                                     </m:rPr>
-                                    <a:rPr lang="en-US" sz="1400" kern="1200" dirty="0" smtClean="0"/>
+                                    <a:rPr lang="en-US" sz="1400" kern="1200" dirty="0" smtClean="0">
+                                      <a:latin typeface="Cambria Math" panose="02040503050406030204" pitchFamily="18" charset="0"/>
+                                    </a:rPr>
                                     <m:t>log</m:t>
                                   </m:r>
                                 </m:fName>
                                 <m:e>
                                   <m:r>
-                                    <a:rPr lang="en-US" sz="1400" kern="1200" dirty="0" smtClean="0"/>
+                                    <a:rPr lang="en-US" sz="1400" kern="1200" dirty="0" smtClean="0">
+                                      <a:latin typeface="Cambria Math" panose="02040503050406030204" pitchFamily="18" charset="0"/>
+                                    </a:rPr>
                                     <m:t>𝑁</m:t>
                                   </m:r>
                                 </m:e>
                               </m:func>
                               <m:r>
-                                <a:rPr lang="en-US" sz="1400" kern="1200" dirty="0" smtClean="0"/>
+                                <a:rPr lang="en-US" sz="1400" kern="1200" dirty="0" smtClean="0">
+                                  <a:latin typeface="Cambria Math" panose="02040503050406030204" pitchFamily="18" charset="0"/>
+                                </a:rPr>
                                 <m:t>(5,3)</m:t>
                               </m:r>
                             </m:oMath>
@@ -9195,18 +9163,24 @@
                               <m:sSub>
                                 <m:sSubPr>
                                   <m:ctrlPr>
-                                    <a:rPr lang="en-US" sz="1400" kern="1200" smtClean="0"/>
+                                    <a:rPr lang="en-US" sz="1400" i="1" kern="1200" smtClean="0">
+                                      <a:latin typeface="Cambria Math" panose="02040503050406030204" pitchFamily="18" charset="0"/>
+                                    </a:rPr>
                                   </m:ctrlPr>
                                 </m:sSubPr>
                                 <m:e>
                                   <m:r>
-                                    <a:rPr lang="en-US" sz="1400" kern="1200"/>
+                                    <a:rPr lang="en-US" sz="1400" kern="1200">
+                                      <a:latin typeface="Cambria Math" panose="02040503050406030204" pitchFamily="18" charset="0"/>
+                                    </a:rPr>
                                     <m:t>𝜖</m:t>
                                   </m:r>
                                 </m:e>
                                 <m:sub>
                                   <m:r>
-                                    <a:rPr lang="en-US" sz="1400" kern="1200"/>
+                                    <a:rPr lang="en-US" sz="1400" kern="1200">
+                                      <a:latin typeface="Cambria Math" panose="02040503050406030204" pitchFamily="18" charset="0"/>
+                                    </a:rPr>
                                     <m:t>𝑖𝑗</m:t>
                                   </m:r>
                                 </m:sub>
@@ -9220,11 +9194,15 @@
                           <a14:m>
                             <m:oMath xmlns:m="http://schemas.openxmlformats.org/officeDocument/2006/math">
                               <m:r>
-                                <a:rPr lang="en-US" sz="1400" kern="1200" dirty="0" smtClean="0"/>
+                                <a:rPr lang="en-US" sz="1400" kern="1200" dirty="0" smtClean="0">
+                                  <a:latin typeface="Cambria Math" panose="02040503050406030204" pitchFamily="18" charset="0"/>
+                                </a:rPr>
                                 <m:t>𝑁</m:t>
                               </m:r>
                               <m:r>
-                                <a:rPr lang="en-US" sz="1400" kern="1200" dirty="0" smtClean="0"/>
+                                <a:rPr lang="en-US" sz="1400" kern="1200" dirty="0" smtClean="0">
+                                  <a:latin typeface="Cambria Math" panose="02040503050406030204" pitchFamily="18" charset="0"/>
+                                </a:rPr>
                                 <m:t>(0,3)</m:t>
                               </m:r>
                             </m:oMath>
@@ -9238,18 +9216,16 @@
                           <a:pPr marL="0" algn="l" defTabSz="914400" rtl="0" eaLnBrk="1" fontAlgn="b" latinLnBrk="0" hangingPunct="1"/>
                           <a:r>
                             <a:rPr lang="en-US" sz="1400" kern="1200" dirty="0" smtClean="0"/>
-                            <a:t>    </a:t>
-                          </a:r>
-                          <a:r>
-                            <a:rPr lang="en-US" sz="1400" kern="1200" dirty="0" smtClean="0"/>
-                            <a:t>1.2 </a:t>
+                            <a:t>    1.2 </a:t>
                           </a:r>
                           <a14:m>
                             <m:oMath xmlns:m="http://schemas.openxmlformats.org/officeDocument/2006/math">
                               <m:d>
                                 <m:dPr>
                                   <m:ctrlPr>
-                                    <a:rPr lang="en-US" sz="1400" kern="1200" smtClean="0"/>
+                                    <a:rPr lang="en-US" sz="1400" i="1" kern="1200" smtClean="0">
+                                      <a:latin typeface="Cambria Math" panose="02040503050406030204" pitchFamily="18" charset="0"/>
+                                    </a:rPr>
                                   </m:ctrlPr>
                                 </m:dPr>
                                 <m:e>
@@ -9257,29 +9233,39 @@
                                     <m:fPr>
                                       <m:type m:val="noBar"/>
                                       <m:ctrlPr>
-                                        <a:rPr lang="en-US" sz="1400" kern="1200" smtClean="0"/>
+                                        <a:rPr lang="en-US" sz="1400" i="1" kern="1200" smtClean="0">
+                                          <a:latin typeface="Cambria Math" panose="02040503050406030204" pitchFamily="18" charset="0"/>
+                                        </a:rPr>
                                       </m:ctrlPr>
                                     </m:fPr>
                                     <m:num>
                                       <m:sSub>
                                         <m:sSubPr>
                                           <m:ctrlPr>
-                                            <a:rPr lang="en-US" sz="1400" kern="1200" smtClean="0"/>
+                                            <a:rPr lang="en-US" sz="1400" i="1" kern="1200" smtClean="0">
+                                              <a:latin typeface="Cambria Math" panose="02040503050406030204" pitchFamily="18" charset="0"/>
+                                            </a:rPr>
                                           </m:ctrlPr>
                                         </m:sSubPr>
                                         <m:e>
                                           <m:r>
-                                            <a:rPr lang="en-US" sz="1400" kern="1200" smtClean="0"/>
+                                            <a:rPr lang="en-US" sz="1400" kern="1200" smtClean="0">
+                                              <a:latin typeface="Cambria Math" panose="02040503050406030204" pitchFamily="18" charset="0"/>
+                                            </a:rPr>
                                             <m:t>𝑏</m:t>
                                           </m:r>
                                         </m:e>
                                         <m:sub>
                                           <m:r>
-                                            <a:rPr lang="en-US" sz="1400" kern="1200" smtClean="0"/>
+                                            <a:rPr lang="en-US" sz="1400" kern="1200" smtClean="0">
+                                              <a:latin typeface="Cambria Math" panose="02040503050406030204" pitchFamily="18" charset="0"/>
+                                            </a:rPr>
                                             <m:t>0</m:t>
                                           </m:r>
                                           <m:r>
-                                            <a:rPr lang="en-US" sz="1400" kern="1200" smtClean="0"/>
+                                            <a:rPr lang="en-US" sz="1400" kern="1200" smtClean="0">
+                                              <a:latin typeface="Cambria Math" panose="02040503050406030204" pitchFamily="18" charset="0"/>
+                                            </a:rPr>
                                             <m:t>𝑖</m:t>
                                           </m:r>
                                         </m:sub>
@@ -9289,18 +9275,24 @@
                                       <m:sSub>
                                         <m:sSubPr>
                                           <m:ctrlPr>
-                                            <a:rPr lang="en-US" sz="1400" kern="1200" smtClean="0"/>
+                                            <a:rPr lang="en-US" sz="1400" i="1" kern="1200" smtClean="0">
+                                              <a:latin typeface="Cambria Math" panose="02040503050406030204" pitchFamily="18" charset="0"/>
+                                            </a:rPr>
                                           </m:ctrlPr>
                                         </m:sSubPr>
                                         <m:e>
                                           <m:r>
-                                            <a:rPr lang="en-US" sz="1400" kern="1200"/>
+                                            <a:rPr lang="en-US" sz="1400" kern="1200">
+                                              <a:latin typeface="Cambria Math" panose="02040503050406030204" pitchFamily="18" charset="0"/>
+                                            </a:rPr>
                                             <m:t>𝑏</m:t>
                                           </m:r>
                                         </m:e>
                                         <m:sub>
                                           <m:r>
-                                            <a:rPr lang="en-US" sz="1400" kern="1200" smtClean="0"/>
+                                            <a:rPr lang="en-US" sz="1400" kern="1200" smtClean="0">
+                                              <a:latin typeface="Cambria Math" panose="02040503050406030204" pitchFamily="18" charset="0"/>
+                                            </a:rPr>
                                             <m:t>1</m:t>
                                           </m:r>
                                         </m:sub>
@@ -9320,7 +9312,9 @@
                               <m:func>
                                 <m:funcPr>
                                   <m:ctrlPr>
-                                    <a:rPr lang="en-US" sz="1400" kern="1200" dirty="0" smtClean="0"/>
+                                    <a:rPr lang="en-US" sz="1400" i="1" kern="1200" dirty="0" smtClean="0">
+                                      <a:latin typeface="Cambria Math" panose="02040503050406030204" pitchFamily="18" charset="0"/>
+                                    </a:rPr>
                                   </m:ctrlPr>
                                 </m:funcPr>
                                 <m:fName>
@@ -9328,25 +9322,33 @@
                                     <m:rPr>
                                       <m:sty m:val="p"/>
                                     </m:rPr>
-                                    <a:rPr lang="en-US" sz="1400" kern="1200" dirty="0" smtClean="0"/>
+                                    <a:rPr lang="en-US" sz="1400" kern="1200" dirty="0" smtClean="0">
+                                      <a:latin typeface="Cambria Math" panose="02040503050406030204" pitchFamily="18" charset="0"/>
+                                    </a:rPr>
                                     <m:t>log</m:t>
                                   </m:r>
                                 </m:fName>
                                 <m:e>
                                   <m:r>
-                                    <a:rPr lang="en-US" sz="1400" kern="1200" dirty="0" smtClean="0"/>
+                                    <a:rPr lang="en-US" sz="1400" kern="1200" dirty="0" smtClean="0">
+                                      <a:latin typeface="Cambria Math" panose="02040503050406030204" pitchFamily="18" charset="0"/>
+                                    </a:rPr>
                                     <m:t>𝑁</m:t>
                                   </m:r>
                                 </m:e>
                               </m:func>
                               <m:r>
-                                <a:rPr lang="en-US" sz="1400" kern="1200" dirty="0" smtClean="0"/>
+                                <a:rPr lang="en-US" sz="1400" kern="1200" dirty="0" smtClean="0">
+                                  <a:latin typeface="Cambria Math" panose="02040503050406030204" pitchFamily="18" charset="0"/>
+                                </a:rPr>
                                 <m:t>(</m:t>
                               </m:r>
                               <m:d>
                                 <m:dPr>
                                   <m:ctrlPr>
-                                    <a:rPr lang="en-US" sz="1400" kern="1200" smtClean="0"/>
+                                    <a:rPr lang="en-US" sz="1400" i="1" kern="1200" smtClean="0">
+                                      <a:latin typeface="Cambria Math" panose="02040503050406030204" pitchFamily="18" charset="0"/>
+                                    </a:rPr>
                                   </m:ctrlPr>
                                 </m:dPr>
                                 <m:e>
@@ -9354,18 +9356,24 @@
                                     <m:fPr>
                                       <m:type m:val="noBar"/>
                                       <m:ctrlPr>
-                                        <a:rPr lang="en-US" sz="1400" kern="1200" smtClean="0"/>
+                                        <a:rPr lang="en-US" sz="1400" i="1" kern="1200" smtClean="0">
+                                          <a:latin typeface="Cambria Math" panose="02040503050406030204" pitchFamily="18" charset="0"/>
+                                        </a:rPr>
                                       </m:ctrlPr>
                                     </m:fPr>
                                     <m:num>
                                       <m:r>
-                                        <a:rPr lang="en-US" sz="1400" kern="1200" smtClean="0"/>
+                                        <a:rPr lang="en-US" sz="1400" kern="1200" smtClean="0">
+                                          <a:latin typeface="Cambria Math" panose="02040503050406030204" pitchFamily="18" charset="0"/>
+                                        </a:rPr>
                                         <m:t>5</m:t>
                                       </m:r>
                                     </m:num>
                                     <m:den>
                                       <m:r>
-                                        <a:rPr lang="en-US" sz="1400" kern="1200" smtClean="0"/>
+                                        <a:rPr lang="en-US" sz="1400" kern="1200" smtClean="0">
+                                          <a:latin typeface="Cambria Math" panose="02040503050406030204" pitchFamily="18" charset="0"/>
+                                        </a:rPr>
                                         <m:t>6</m:t>
                                       </m:r>
                                     </m:den>
@@ -9383,7 +9391,9 @@
                               <m:d>
                                 <m:dPr>
                                   <m:ctrlPr>
-                                    <a:rPr lang="en-US" sz="1400" kern="1200" dirty="0" smtClean="0"/>
+                                    <a:rPr lang="en-US" sz="1400" i="1" kern="1200" dirty="0" smtClean="0">
+                                      <a:latin typeface="Cambria Math" panose="02040503050406030204" pitchFamily="18" charset="0"/>
+                                    </a:rPr>
                                   </m:ctrlPr>
                                 </m:dPr>
                                 <m:e>
@@ -9391,42 +9401,56 @@
                                     <m:fPr>
                                       <m:type m:val="noBar"/>
                                       <m:ctrlPr>
-                                        <a:rPr lang="en-US" sz="1400" kern="1200" dirty="0" smtClean="0"/>
+                                        <a:rPr lang="en-US" sz="1400" i="1" kern="1200" dirty="0" smtClean="0">
+                                          <a:latin typeface="Cambria Math" panose="02040503050406030204" pitchFamily="18" charset="0"/>
+                                        </a:rPr>
                                       </m:ctrlPr>
                                     </m:fPr>
                                     <m:num>
                                       <m:r>
-                                        <a:rPr lang="en-US" sz="1400" kern="1200" dirty="0" smtClean="0"/>
+                                        <a:rPr lang="en-US" sz="1400" kern="1200" dirty="0" smtClean="0">
+                                          <a:latin typeface="Cambria Math" panose="02040503050406030204" pitchFamily="18" charset="0"/>
+                                        </a:rPr>
                                         <m:t>3</m:t>
                                       </m:r>
                                     </m:num>
                                     <m:den>
                                       <m:r>
-                                        <a:rPr lang="en-US" sz="1400" kern="1200" dirty="0" smtClean="0"/>
+                                        <a:rPr lang="en-US" sz="1400" kern="1200" dirty="0" smtClean="0">
+                                          <a:latin typeface="Cambria Math" panose="02040503050406030204" pitchFamily="18" charset="0"/>
+                                        </a:rPr>
                                         <m:t>1.5</m:t>
                                       </m:r>
                                     </m:den>
                                   </m:f>
                                   <m:r>
-                                    <a:rPr lang="en-US" sz="1400" kern="1200" dirty="0" smtClean="0"/>
+                                    <a:rPr lang="en-US" sz="1400" kern="1200" dirty="0" smtClean="0">
+                                      <a:latin typeface="Cambria Math" panose="02040503050406030204" pitchFamily="18" charset="0"/>
+                                    </a:rPr>
                                     <m:t> </m:t>
                                   </m:r>
                                   <m:f>
                                     <m:fPr>
                                       <m:type m:val="noBar"/>
                                       <m:ctrlPr>
-                                        <a:rPr lang="en-US" sz="1400" kern="1200" dirty="0" smtClean="0"/>
+                                        <a:rPr lang="en-US" sz="1400" i="1" kern="1200" dirty="0" smtClean="0">
+                                          <a:latin typeface="Cambria Math" panose="02040503050406030204" pitchFamily="18" charset="0"/>
+                                        </a:rPr>
                                       </m:ctrlPr>
                                     </m:fPr>
                                     <m:num>
                                       <m:r>
-                                        <a:rPr lang="en-US" sz="1400" kern="1200" dirty="0" smtClean="0"/>
+                                        <a:rPr lang="en-US" sz="1400" kern="1200" dirty="0" smtClean="0">
+                                          <a:latin typeface="Cambria Math" panose="02040503050406030204" pitchFamily="18" charset="0"/>
+                                        </a:rPr>
                                         <m:t>1.5</m:t>
                                       </m:r>
                                     </m:num>
                                     <m:den>
                                       <m:r>
-                                        <a:rPr lang="en-US" sz="1400" kern="1200" dirty="0" smtClean="0"/>
+                                        <a:rPr lang="en-US" sz="1400" kern="1200" dirty="0" smtClean="0">
+                                          <a:latin typeface="Cambria Math" panose="02040503050406030204" pitchFamily="18" charset="0"/>
+                                        </a:rPr>
                                         <m:t>2</m:t>
                                       </m:r>
                                     </m:den>
@@ -9434,7 +9458,9 @@
                                 </m:e>
                               </m:d>
                               <m:r>
-                                <a:rPr lang="en-US" sz="1400" kern="1200" dirty="0" smtClean="0"/>
+                                <a:rPr lang="en-US" sz="1400" kern="1200" dirty="0" smtClean="0">
+                                  <a:latin typeface="Cambria Math" panose="02040503050406030204" pitchFamily="18" charset="0"/>
+                                </a:rPr>
                                 <m:t>)</m:t>
                               </m:r>
                               <m:r>
@@ -9447,18 +9473,24 @@
                               <m:sSub>
                                 <m:sSubPr>
                                   <m:ctrlPr>
-                                    <a:rPr lang="en-US" sz="1400" kern="1200" smtClean="0"/>
+                                    <a:rPr lang="en-US" sz="1400" i="1" kern="1200" smtClean="0">
+                                      <a:latin typeface="Cambria Math" panose="02040503050406030204" pitchFamily="18" charset="0"/>
+                                    </a:rPr>
                                   </m:ctrlPr>
                                 </m:sSubPr>
                                 <m:e>
                                   <m:r>
-                                    <a:rPr lang="en-US" sz="1400" kern="1200"/>
+                                    <a:rPr lang="en-US" sz="1400" kern="1200">
+                                      <a:latin typeface="Cambria Math" panose="02040503050406030204" pitchFamily="18" charset="0"/>
+                                    </a:rPr>
                                     <m:t>𝜖</m:t>
                                   </m:r>
                                 </m:e>
                                 <m:sub>
                                   <m:r>
-                                    <a:rPr lang="en-US" sz="1400" kern="1200"/>
+                                    <a:rPr lang="en-US" sz="1400" kern="1200">
+                                      <a:latin typeface="Cambria Math" panose="02040503050406030204" pitchFamily="18" charset="0"/>
+                                    </a:rPr>
                                     <m:t>𝑖𝑗</m:t>
                                   </m:r>
                                 </m:sub>
@@ -9471,11 +9503,15 @@
                                 <m:t>~</m:t>
                               </m:r>
                               <m:r>
-                                <a:rPr lang="en-US" sz="1400" kern="1200" dirty="0" smtClean="0"/>
+                                <a:rPr lang="en-US" sz="1400" kern="1200" dirty="0" smtClean="0">
+                                  <a:latin typeface="Cambria Math" panose="02040503050406030204" pitchFamily="18" charset="0"/>
+                                </a:rPr>
                                 <m:t>𝑁</m:t>
                               </m:r>
                               <m:r>
-                                <a:rPr lang="en-US" sz="1400" kern="1200" dirty="0" smtClean="0"/>
+                                <a:rPr lang="en-US" sz="1400" kern="1200" dirty="0" smtClean="0">
+                                  <a:latin typeface="Cambria Math" panose="02040503050406030204" pitchFamily="18" charset="0"/>
+                                </a:rPr>
                                 <m:t>(0,3)</m:t>
                               </m:r>
                             </m:oMath>
@@ -9489,11 +9525,7 @@
                           <a:pPr marL="0" algn="l" defTabSz="914400" rtl="0" eaLnBrk="1" fontAlgn="b" latinLnBrk="0" hangingPunct="1"/>
                           <a:r>
                             <a:rPr lang="en-US" sz="1400" b="1" kern="1200" dirty="0" smtClean="0"/>
-                            <a:t>2. Random </a:t>
-                          </a:r>
-                          <a:r>
-                            <a:rPr lang="en-US" sz="1400" b="1" kern="1200" dirty="0" smtClean="0"/>
-                            <a:t>variables follow mixture distribution:</a:t>
+                            <a:t>2. Random variables follow mixture distribution:</a:t>
                           </a:r>
                           <a:r>
                             <a:rPr lang="en-US" sz="1400" kern="1200" dirty="0" smtClean="0"/>
@@ -9520,33 +9552,37 @@
                           </a:pPr>
                           <a:r>
                             <a:rPr lang="en-US" sz="1400" kern="1200" dirty="0" smtClean="0"/>
-                            <a:t>    </a:t>
-                          </a:r>
-                          <a:r>
-                            <a:rPr lang="en-US" sz="1400" kern="1200" dirty="0" smtClean="0"/>
-                            <a:t>2.1 </a:t>
+                            <a:t>    2.1 </a:t>
                           </a:r>
                           <a14:m>
                             <m:oMath xmlns:m="http://schemas.openxmlformats.org/officeDocument/2006/math">
                               <m:sSub>
                                 <m:sSubPr>
                                   <m:ctrlPr>
-                                    <a:rPr lang="en-US" sz="1400" kern="1200" smtClean="0"/>
+                                    <a:rPr lang="en-US" sz="1400" i="1" kern="1200" smtClean="0">
+                                      <a:latin typeface="Cambria Math" panose="02040503050406030204" pitchFamily="18" charset="0"/>
+                                    </a:rPr>
                                   </m:ctrlPr>
                                 </m:sSubPr>
                                 <m:e>
                                   <m:r>
-                                    <a:rPr lang="en-US" sz="1400" kern="1200" smtClean="0"/>
+                                    <a:rPr lang="en-US" sz="1400" kern="1200" smtClean="0">
+                                      <a:latin typeface="Cambria Math" panose="02040503050406030204" pitchFamily="18" charset="0"/>
+                                    </a:rPr>
                                     <m:t>𝑏</m:t>
                                   </m:r>
                                 </m:e>
                                 <m:sub>
                                   <m:r>
-                                    <a:rPr lang="en-US" sz="1400" kern="1200" smtClean="0"/>
+                                    <a:rPr lang="en-US" sz="1400" kern="1200" smtClean="0">
+                                      <a:latin typeface="Cambria Math" panose="02040503050406030204" pitchFamily="18" charset="0"/>
+                                    </a:rPr>
                                     <m:t>0</m:t>
                                   </m:r>
                                   <m:r>
-                                    <a:rPr lang="en-US" sz="1400" kern="1200" smtClean="0"/>
+                                    <a:rPr lang="en-US" sz="1400" kern="1200" smtClean="0">
+                                      <a:latin typeface="Cambria Math" panose="02040503050406030204" pitchFamily="18" charset="0"/>
+                                    </a:rPr>
                                     <m:t>𝑖</m:t>
                                   </m:r>
                                 </m:sub>
@@ -9562,76 +9598,104 @@
                               <m:f>
                                 <m:fPr>
                                   <m:ctrlPr>
-                                    <a:rPr lang="en-US" sz="1400" kern="1200" dirty="0" smtClean="0"/>
+                                    <a:rPr lang="en-US" sz="1400" i="1" kern="1200" dirty="0" smtClean="0">
+                                      <a:latin typeface="Cambria Math" panose="02040503050406030204" pitchFamily="18" charset="0"/>
+                                    </a:rPr>
                                   </m:ctrlPr>
                                 </m:fPr>
                                 <m:num>
                                   <m:r>
-                                    <a:rPr lang="en-US" sz="1400" kern="1200" dirty="0" smtClean="0"/>
+                                    <a:rPr lang="en-US" sz="1400" kern="1200" dirty="0" smtClean="0">
+                                      <a:latin typeface="Cambria Math" panose="02040503050406030204" pitchFamily="18" charset="0"/>
+                                    </a:rPr>
                                     <m:t>1</m:t>
                                   </m:r>
                                 </m:num>
                                 <m:den>
                                   <m:r>
-                                    <a:rPr lang="en-US" sz="1400" kern="1200" dirty="0" smtClean="0"/>
+                                    <a:rPr lang="en-US" sz="1400" kern="1200" dirty="0" smtClean="0">
+                                      <a:latin typeface="Cambria Math" panose="02040503050406030204" pitchFamily="18" charset="0"/>
+                                    </a:rPr>
                                     <m:t>3</m:t>
                                   </m:r>
                                 </m:den>
                               </m:f>
                               <m:r>
-                                <a:rPr lang="en-US" sz="1400" kern="1200" dirty="0" smtClean="0"/>
+                                <a:rPr lang="en-US" sz="1400" kern="1200" dirty="0" smtClean="0">
+                                  <a:latin typeface="Cambria Math" panose="02040503050406030204" pitchFamily="18" charset="0"/>
+                                </a:rPr>
                                 <m:t>×</m:t>
                               </m:r>
                               <m:r>
-                                <a:rPr lang="en-US" sz="1400" kern="1200" dirty="0" smtClean="0"/>
+                                <a:rPr lang="en-US" sz="1400" kern="1200" dirty="0" smtClean="0">
+                                  <a:latin typeface="Cambria Math" panose="02040503050406030204" pitchFamily="18" charset="0"/>
+                                </a:rPr>
                                 <m:t>𝑁</m:t>
                               </m:r>
                               <m:d>
                                 <m:dPr>
                                   <m:ctrlPr>
-                                    <a:rPr lang="en-US" sz="1400" kern="1200" dirty="0" smtClean="0"/>
+                                    <a:rPr lang="en-US" sz="1400" i="1" kern="1200" dirty="0" smtClean="0">
+                                      <a:latin typeface="Cambria Math" panose="02040503050406030204" pitchFamily="18" charset="0"/>
+                                    </a:rPr>
                                   </m:ctrlPr>
                                 </m:dPr>
                                 <m:e>
                                   <m:r>
-                                    <a:rPr lang="en-US" sz="1400" kern="1200" dirty="0" smtClean="0"/>
+                                    <a:rPr lang="en-US" sz="1400" kern="1200" dirty="0" smtClean="0">
+                                      <a:latin typeface="Cambria Math" panose="02040503050406030204" pitchFamily="18" charset="0"/>
+                                    </a:rPr>
                                     <m:t>0,3</m:t>
                                   </m:r>
                                 </m:e>
                               </m:d>
                               <m:r>
-                                <a:rPr lang="en-US" sz="1400" kern="1200" dirty="0" smtClean="0"/>
+                                <a:rPr lang="en-US" sz="1400" kern="1200" dirty="0" smtClean="0">
+                                  <a:latin typeface="Cambria Math" panose="02040503050406030204" pitchFamily="18" charset="0"/>
+                                </a:rPr>
                                 <m:t>+</m:t>
                               </m:r>
                               <m:f>
                                 <m:fPr>
                                   <m:ctrlPr>
-                                    <a:rPr lang="en-US" sz="1400" kern="1200" dirty="0" smtClean="0"/>
+                                    <a:rPr lang="en-US" sz="1400" i="1" kern="1200" dirty="0" smtClean="0">
+                                      <a:latin typeface="Cambria Math" panose="02040503050406030204" pitchFamily="18" charset="0"/>
+                                    </a:rPr>
                                   </m:ctrlPr>
                                 </m:fPr>
                                 <m:num>
                                   <m:r>
-                                    <a:rPr lang="en-US" sz="1400" kern="1200" dirty="0" smtClean="0"/>
+                                    <a:rPr lang="en-US" sz="1400" kern="1200" dirty="0" smtClean="0">
+                                      <a:latin typeface="Cambria Math" panose="02040503050406030204" pitchFamily="18" charset="0"/>
+                                    </a:rPr>
                                     <m:t>2</m:t>
                                   </m:r>
                                 </m:num>
                                 <m:den>
                                   <m:r>
-                                    <a:rPr lang="en-US" sz="1400" kern="1200" dirty="0" smtClean="0"/>
+                                    <a:rPr lang="en-US" sz="1400" kern="1200" dirty="0" smtClean="0">
+                                      <a:latin typeface="Cambria Math" panose="02040503050406030204" pitchFamily="18" charset="0"/>
+                                    </a:rPr>
                                     <m:t>3</m:t>
                                   </m:r>
                                 </m:den>
                               </m:f>
                               <m:r>
-                                <a:rPr lang="en-US" sz="1400" kern="1200" dirty="0" smtClean="0"/>
+                                <a:rPr lang="en-US" sz="1400" kern="1200" dirty="0" smtClean="0">
+                                  <a:latin typeface="Cambria Math" panose="02040503050406030204" pitchFamily="18" charset="0"/>
+                                </a:rPr>
                                 <m:t>×</m:t>
                               </m:r>
                               <m:r>
-                                <a:rPr lang="en-US" sz="1400" kern="1200" dirty="0" smtClean="0"/>
+                                <a:rPr lang="en-US" sz="1400" kern="1200" dirty="0" smtClean="0">
+                                  <a:latin typeface="Cambria Math" panose="02040503050406030204" pitchFamily="18" charset="0"/>
+                                </a:rPr>
                                 <m:t>𝑁</m:t>
                               </m:r>
                               <m:r>
-                                <a:rPr lang="en-US" sz="1400" kern="1200" dirty="0" smtClean="0"/>
+                                <a:rPr lang="en-US" sz="1400" kern="1200" dirty="0" smtClean="0">
+                                  <a:latin typeface="Cambria Math" panose="02040503050406030204" pitchFamily="18" charset="0"/>
+                                </a:rPr>
                                 <m:t>(0,6)</m:t>
                               </m:r>
                             </m:oMath>
@@ -9645,18 +9709,24 @@
                               <m:sSub>
                                 <m:sSubPr>
                                   <m:ctrlPr>
-                                    <a:rPr lang="en-US" sz="1400" kern="1200" smtClean="0"/>
+                                    <a:rPr lang="en-US" sz="1400" i="1" kern="1200" smtClean="0">
+                                      <a:latin typeface="Cambria Math" panose="02040503050406030204" pitchFamily="18" charset="0"/>
+                                    </a:rPr>
                                   </m:ctrlPr>
                                 </m:sSubPr>
                                 <m:e>
                                   <m:r>
-                                    <a:rPr lang="en-US" sz="1400" kern="1200"/>
+                                    <a:rPr lang="en-US" sz="1400" kern="1200">
+                                      <a:latin typeface="Cambria Math" panose="02040503050406030204" pitchFamily="18" charset="0"/>
+                                    </a:rPr>
                                     <m:t>𝜖</m:t>
                                   </m:r>
                                 </m:e>
                                 <m:sub>
                                   <m:r>
-                                    <a:rPr lang="en-US" sz="1400" kern="1200"/>
+                                    <a:rPr lang="en-US" sz="1400" kern="1200">
+                                      <a:latin typeface="Cambria Math" panose="02040503050406030204" pitchFamily="18" charset="0"/>
+                                    </a:rPr>
                                     <m:t>𝑖𝑗</m:t>
                                   </m:r>
                                 </m:sub>
@@ -9670,11 +9740,15 @@
                           <a14:m>
                             <m:oMath xmlns:m="http://schemas.openxmlformats.org/officeDocument/2006/math">
                               <m:r>
-                                <a:rPr lang="en-US" sz="1400" kern="1200" dirty="0" smtClean="0"/>
+                                <a:rPr lang="en-US" sz="1400" kern="1200" dirty="0" smtClean="0">
+                                  <a:latin typeface="Cambria Math" panose="02040503050406030204" pitchFamily="18" charset="0"/>
+                                </a:rPr>
                                 <m:t>𝑁</m:t>
                               </m:r>
                               <m:r>
-                                <a:rPr lang="en-US" sz="1400" kern="1200" dirty="0" smtClean="0"/>
+                                <a:rPr lang="en-US" sz="1400" kern="1200" dirty="0" smtClean="0">
+                                  <a:latin typeface="Cambria Math" panose="02040503050406030204" pitchFamily="18" charset="0"/>
+                                </a:rPr>
                                 <m:t>(0,3)</m:t>
                               </m:r>
                             </m:oMath>
@@ -9704,18 +9778,16 @@
                           </a:pPr>
                           <a:r>
                             <a:rPr lang="en-US" sz="1400" kern="1200" dirty="0" smtClean="0"/>
-                            <a:t>    </a:t>
-                          </a:r>
-                          <a:r>
-                            <a:rPr lang="en-US" sz="1400" kern="1200" dirty="0" smtClean="0"/>
-                            <a:t>2.2 </a:t>
+                            <a:t>    2.2 </a:t>
                           </a:r>
                           <a14:m>
                             <m:oMath xmlns:m="http://schemas.openxmlformats.org/officeDocument/2006/math">
                               <m:d>
                                 <m:dPr>
                                   <m:ctrlPr>
-                                    <a:rPr lang="en-US" sz="1400" kern="1200" smtClean="0"/>
+                                    <a:rPr lang="en-US" sz="1400" i="1" kern="1200" smtClean="0">
+                                      <a:latin typeface="Cambria Math" panose="02040503050406030204" pitchFamily="18" charset="0"/>
+                                    </a:rPr>
                                   </m:ctrlPr>
                                 </m:dPr>
                                 <m:e>
@@ -9723,29 +9795,39 @@
                                     <m:fPr>
                                       <m:type m:val="noBar"/>
                                       <m:ctrlPr>
-                                        <a:rPr lang="en-US" sz="1400" kern="1200" smtClean="0"/>
+                                        <a:rPr lang="en-US" sz="1400" i="1" kern="1200" smtClean="0">
+                                          <a:latin typeface="Cambria Math" panose="02040503050406030204" pitchFamily="18" charset="0"/>
+                                        </a:rPr>
                                       </m:ctrlPr>
                                     </m:fPr>
                                     <m:num>
                                       <m:sSub>
                                         <m:sSubPr>
                                           <m:ctrlPr>
-                                            <a:rPr lang="en-US" sz="1400" kern="1200" smtClean="0"/>
+                                            <a:rPr lang="en-US" sz="1400" i="1" kern="1200" smtClean="0">
+                                              <a:latin typeface="Cambria Math" panose="02040503050406030204" pitchFamily="18" charset="0"/>
+                                            </a:rPr>
                                           </m:ctrlPr>
                                         </m:sSubPr>
                                         <m:e>
                                           <m:r>
-                                            <a:rPr lang="en-US" sz="1400" kern="1200" smtClean="0"/>
+                                            <a:rPr lang="en-US" sz="1400" kern="1200" smtClean="0">
+                                              <a:latin typeface="Cambria Math" panose="02040503050406030204" pitchFamily="18" charset="0"/>
+                                            </a:rPr>
                                             <m:t>𝑏</m:t>
                                           </m:r>
                                         </m:e>
                                         <m:sub>
                                           <m:r>
-                                            <a:rPr lang="en-US" sz="1400" kern="1200" smtClean="0"/>
+                                            <a:rPr lang="en-US" sz="1400" kern="1200" smtClean="0">
+                                              <a:latin typeface="Cambria Math" panose="02040503050406030204" pitchFamily="18" charset="0"/>
+                                            </a:rPr>
                                             <m:t>0</m:t>
                                           </m:r>
                                           <m:r>
-                                            <a:rPr lang="en-US" sz="1400" kern="1200" smtClean="0"/>
+                                            <a:rPr lang="en-US" sz="1400" kern="1200" smtClean="0">
+                                              <a:latin typeface="Cambria Math" panose="02040503050406030204" pitchFamily="18" charset="0"/>
+                                            </a:rPr>
                                             <m:t>𝑖</m:t>
                                           </m:r>
                                         </m:sub>
@@ -9755,18 +9837,24 @@
                                       <m:sSub>
                                         <m:sSubPr>
                                           <m:ctrlPr>
-                                            <a:rPr lang="en-US" sz="1400" kern="1200" smtClean="0"/>
+                                            <a:rPr lang="en-US" sz="1400" i="1" kern="1200" smtClean="0">
+                                              <a:latin typeface="Cambria Math" panose="02040503050406030204" pitchFamily="18" charset="0"/>
+                                            </a:rPr>
                                           </m:ctrlPr>
                                         </m:sSubPr>
                                         <m:e>
                                           <m:r>
-                                            <a:rPr lang="en-US" sz="1400" kern="1200"/>
+                                            <a:rPr lang="en-US" sz="1400" kern="1200">
+                                              <a:latin typeface="Cambria Math" panose="02040503050406030204" pitchFamily="18" charset="0"/>
+                                            </a:rPr>
                                             <m:t>𝑏</m:t>
                                           </m:r>
                                         </m:e>
                                         <m:sub>
                                           <m:r>
-                                            <a:rPr lang="en-US" sz="1400" kern="1200" smtClean="0"/>
+                                            <a:rPr lang="en-US" sz="1400" kern="1200" smtClean="0">
+                                              <a:latin typeface="Cambria Math" panose="02040503050406030204" pitchFamily="18" charset="0"/>
+                                            </a:rPr>
                                             <m:t>1</m:t>
                                           </m:r>
                                         </m:sub>
@@ -9786,38 +9874,52 @@
                               <m:f>
                                 <m:fPr>
                                   <m:ctrlPr>
-                                    <a:rPr lang="en-US" sz="1400" kern="1200" dirty="0" smtClean="0"/>
+                                    <a:rPr lang="en-US" sz="1400" i="1" kern="1200" dirty="0" smtClean="0">
+                                      <a:latin typeface="Cambria Math" panose="02040503050406030204" pitchFamily="18" charset="0"/>
+                                    </a:rPr>
                                   </m:ctrlPr>
                                 </m:fPr>
                                 <m:num>
                                   <m:r>
-                                    <a:rPr lang="en-US" sz="1400" kern="1200" dirty="0" smtClean="0"/>
+                                    <a:rPr lang="en-US" sz="1400" kern="1200" dirty="0" smtClean="0">
+                                      <a:latin typeface="Cambria Math" panose="02040503050406030204" pitchFamily="18" charset="0"/>
+                                    </a:rPr>
                                     <m:t>1</m:t>
                                   </m:r>
                                 </m:num>
                                 <m:den>
                                   <m:r>
-                                    <a:rPr lang="en-US" sz="1400" kern="1200" dirty="0" smtClean="0"/>
+                                    <a:rPr lang="en-US" sz="1400" kern="1200" dirty="0" smtClean="0">
+                                      <a:latin typeface="Cambria Math" panose="02040503050406030204" pitchFamily="18" charset="0"/>
+                                    </a:rPr>
                                     <m:t>3</m:t>
                                   </m:r>
                                 </m:den>
                               </m:f>
                               <m:r>
-                                <a:rPr lang="en-US" sz="1400" kern="1200" dirty="0" smtClean="0"/>
+                                <a:rPr lang="en-US" sz="1400" kern="1200" dirty="0" smtClean="0">
+                                  <a:latin typeface="Cambria Math" panose="02040503050406030204" pitchFamily="18" charset="0"/>
+                                </a:rPr>
                                 <m:t>×</m:t>
                               </m:r>
                               <m:r>
-                                <a:rPr lang="en-US" sz="1400" kern="1200" dirty="0" smtClean="0"/>
+                                <a:rPr lang="en-US" sz="1400" kern="1200" dirty="0" smtClean="0">
+                                  <a:latin typeface="Cambria Math" panose="02040503050406030204" pitchFamily="18" charset="0"/>
+                                </a:rPr>
                                 <m:t>𝑁</m:t>
                               </m:r>
                               <m:r>
-                                <a:rPr lang="en-US" sz="1400" kern="1200" dirty="0" smtClean="0"/>
+                                <a:rPr lang="en-US" sz="1400" kern="1200" dirty="0" smtClean="0">
+                                  <a:latin typeface="Cambria Math" panose="02040503050406030204" pitchFamily="18" charset="0"/>
+                                </a:rPr>
                                 <m:t>(</m:t>
                               </m:r>
                               <m:d>
                                 <m:dPr>
                                   <m:ctrlPr>
-                                    <a:rPr lang="en-US" sz="1400" kern="1200" smtClean="0"/>
+                                    <a:rPr lang="en-US" sz="1400" i="1" kern="1200" smtClean="0">
+                                      <a:latin typeface="Cambria Math" panose="02040503050406030204" pitchFamily="18" charset="0"/>
+                                    </a:rPr>
                                   </m:ctrlPr>
                                 </m:dPr>
                                 <m:e>
@@ -9825,18 +9927,24 @@
                                     <m:fPr>
                                       <m:type m:val="noBar"/>
                                       <m:ctrlPr>
-                                        <a:rPr lang="en-US" sz="1400" kern="1200" smtClean="0"/>
+                                        <a:rPr lang="en-US" sz="1400" i="1" kern="1200" smtClean="0">
+                                          <a:latin typeface="Cambria Math" panose="02040503050406030204" pitchFamily="18" charset="0"/>
+                                        </a:rPr>
                                       </m:ctrlPr>
                                     </m:fPr>
                                     <m:num>
                                       <m:r>
-                                        <a:rPr lang="en-US" sz="1400" kern="1200" smtClean="0"/>
+                                        <a:rPr lang="en-US" sz="1400" kern="1200" smtClean="0">
+                                          <a:latin typeface="Cambria Math" panose="02040503050406030204" pitchFamily="18" charset="0"/>
+                                        </a:rPr>
                                         <m:t>0</m:t>
                                       </m:r>
                                     </m:num>
                                     <m:den>
                                       <m:r>
-                                        <a:rPr lang="en-US" sz="1400" kern="1200" smtClean="0"/>
+                                        <a:rPr lang="en-US" sz="1400" kern="1200" smtClean="0">
+                                          <a:latin typeface="Cambria Math" panose="02040503050406030204" pitchFamily="18" charset="0"/>
+                                        </a:rPr>
                                         <m:t>0</m:t>
                                       </m:r>
                                     </m:den>
@@ -9854,7 +9962,9 @@
                               <m:d>
                                 <m:dPr>
                                   <m:ctrlPr>
-                                    <a:rPr lang="en-US" sz="1400" kern="1200" dirty="0" smtClean="0"/>
+                                    <a:rPr lang="en-US" sz="1400" i="1" kern="1200" dirty="0" smtClean="0">
+                                      <a:latin typeface="Cambria Math" panose="02040503050406030204" pitchFamily="18" charset="0"/>
+                                    </a:rPr>
                                   </m:ctrlPr>
                                 </m:dPr>
                                 <m:e>
@@ -9862,42 +9972,56 @@
                                     <m:fPr>
                                       <m:type m:val="noBar"/>
                                       <m:ctrlPr>
-                                        <a:rPr lang="en-US" sz="1400" kern="1200" dirty="0" smtClean="0"/>
+                                        <a:rPr lang="en-US" sz="1400" i="1" kern="1200" dirty="0" smtClean="0">
+                                          <a:latin typeface="Cambria Math" panose="02040503050406030204" pitchFamily="18" charset="0"/>
+                                        </a:rPr>
                                       </m:ctrlPr>
                                     </m:fPr>
                                     <m:num>
                                       <m:r>
-                                        <a:rPr lang="en-US" sz="1400" kern="1200" dirty="0" smtClean="0"/>
+                                        <a:rPr lang="en-US" sz="1400" kern="1200" dirty="0" smtClean="0">
+                                          <a:latin typeface="Cambria Math" panose="02040503050406030204" pitchFamily="18" charset="0"/>
+                                        </a:rPr>
                                         <m:t>3</m:t>
                                       </m:r>
                                     </m:num>
                                     <m:den>
                                       <m:r>
-                                        <a:rPr lang="en-US" sz="1400" kern="1200" dirty="0" smtClean="0"/>
+                                        <a:rPr lang="en-US" sz="1400" kern="1200" dirty="0" smtClean="0">
+                                          <a:latin typeface="Cambria Math" panose="02040503050406030204" pitchFamily="18" charset="0"/>
+                                        </a:rPr>
                                         <m:t>1.5</m:t>
                                       </m:r>
                                     </m:den>
                                   </m:f>
                                   <m:r>
-                                    <a:rPr lang="en-US" sz="1400" kern="1200" dirty="0" smtClean="0"/>
+                                    <a:rPr lang="en-US" sz="1400" kern="1200" dirty="0" smtClean="0">
+                                      <a:latin typeface="Cambria Math" panose="02040503050406030204" pitchFamily="18" charset="0"/>
+                                    </a:rPr>
                                     <m:t> </m:t>
                                   </m:r>
                                   <m:f>
                                     <m:fPr>
                                       <m:type m:val="noBar"/>
                                       <m:ctrlPr>
-                                        <a:rPr lang="en-US" sz="1400" kern="1200" dirty="0" smtClean="0"/>
+                                        <a:rPr lang="en-US" sz="1400" i="1" kern="1200" dirty="0" smtClean="0">
+                                          <a:latin typeface="Cambria Math" panose="02040503050406030204" pitchFamily="18" charset="0"/>
+                                        </a:rPr>
                                       </m:ctrlPr>
                                     </m:fPr>
                                     <m:num>
                                       <m:r>
-                                        <a:rPr lang="en-US" sz="1400" kern="1200" dirty="0" smtClean="0"/>
+                                        <a:rPr lang="en-US" sz="1400" kern="1200" dirty="0" smtClean="0">
+                                          <a:latin typeface="Cambria Math" panose="02040503050406030204" pitchFamily="18" charset="0"/>
+                                        </a:rPr>
                                         <m:t>1.5</m:t>
                                       </m:r>
                                     </m:num>
                                     <m:den>
                                       <m:r>
-                                        <a:rPr lang="en-US" sz="1400" kern="1200" dirty="0" smtClean="0"/>
+                                        <a:rPr lang="en-US" sz="1400" kern="1200" dirty="0" smtClean="0">
+                                          <a:latin typeface="Cambria Math" panose="02040503050406030204" pitchFamily="18" charset="0"/>
+                                        </a:rPr>
                                         <m:t>2</m:t>
                                       </m:r>
                                     </m:den>
@@ -9905,44 +10029,60 @@
                                 </m:e>
                               </m:d>
                               <m:r>
-                                <a:rPr lang="en-US" sz="1400" kern="1200" dirty="0" smtClean="0"/>
+                                <a:rPr lang="en-US" sz="1400" kern="1200" dirty="0" smtClean="0">
+                                  <a:latin typeface="Cambria Math" panose="02040503050406030204" pitchFamily="18" charset="0"/>
+                                </a:rPr>
                                 <m:t>)+</m:t>
                               </m:r>
                               <m:f>
                                 <m:fPr>
                                   <m:ctrlPr>
-                                    <a:rPr lang="en-US" sz="1400" kern="1200" dirty="0" smtClean="0"/>
+                                    <a:rPr lang="en-US" sz="1400" i="1" kern="1200" dirty="0" smtClean="0">
+                                      <a:latin typeface="Cambria Math" panose="02040503050406030204" pitchFamily="18" charset="0"/>
+                                    </a:rPr>
                                   </m:ctrlPr>
                                 </m:fPr>
                                 <m:num>
                                   <m:r>
-                                    <a:rPr lang="en-US" sz="1400" kern="1200" dirty="0" smtClean="0"/>
+                                    <a:rPr lang="en-US" sz="1400" kern="1200" dirty="0" smtClean="0">
+                                      <a:latin typeface="Cambria Math" panose="02040503050406030204" pitchFamily="18" charset="0"/>
+                                    </a:rPr>
                                     <m:t>2</m:t>
                                   </m:r>
                                 </m:num>
                                 <m:den>
                                   <m:r>
-                                    <a:rPr lang="en-US" sz="1400" kern="1200" dirty="0" smtClean="0"/>
+                                    <a:rPr lang="en-US" sz="1400" kern="1200" dirty="0" smtClean="0">
+                                      <a:latin typeface="Cambria Math" panose="02040503050406030204" pitchFamily="18" charset="0"/>
+                                    </a:rPr>
                                     <m:t>3</m:t>
                                   </m:r>
                                 </m:den>
                               </m:f>
                               <m:r>
-                                <a:rPr lang="en-US" sz="1400" kern="1200" dirty="0" smtClean="0"/>
+                                <a:rPr lang="en-US" sz="1400" kern="1200" dirty="0" smtClean="0">
+                                  <a:latin typeface="Cambria Math" panose="02040503050406030204" pitchFamily="18" charset="0"/>
+                                </a:rPr>
                                 <m:t>×</m:t>
                               </m:r>
                               <m:r>
-                                <a:rPr lang="en-US" sz="1400" kern="1200" dirty="0" smtClean="0"/>
+                                <a:rPr lang="en-US" sz="1400" kern="1200" dirty="0" smtClean="0">
+                                  <a:latin typeface="Cambria Math" panose="02040503050406030204" pitchFamily="18" charset="0"/>
+                                </a:rPr>
                                 <m:t>𝑁</m:t>
                               </m:r>
                               <m:r>
-                                <a:rPr lang="en-US" sz="1400" kern="1200" dirty="0" smtClean="0"/>
+                                <a:rPr lang="en-US" sz="1400" kern="1200" dirty="0" smtClean="0">
+                                  <a:latin typeface="Cambria Math" panose="02040503050406030204" pitchFamily="18" charset="0"/>
+                                </a:rPr>
                                 <m:t>(</m:t>
                               </m:r>
                               <m:d>
                                 <m:dPr>
                                   <m:ctrlPr>
-                                    <a:rPr lang="en-US" sz="1400" kern="1200" smtClean="0"/>
+                                    <a:rPr lang="en-US" sz="1400" i="1" kern="1200" smtClean="0">
+                                      <a:latin typeface="Cambria Math" panose="02040503050406030204" pitchFamily="18" charset="0"/>
+                                    </a:rPr>
                                   </m:ctrlPr>
                                 </m:dPr>
                                 <m:e>
@@ -9950,18 +10090,24 @@
                                     <m:fPr>
                                       <m:type m:val="noBar"/>
                                       <m:ctrlPr>
-                                        <a:rPr lang="en-US" sz="1400" kern="1200" smtClean="0"/>
+                                        <a:rPr lang="en-US" sz="1400" i="1" kern="1200" smtClean="0">
+                                          <a:latin typeface="Cambria Math" panose="02040503050406030204" pitchFamily="18" charset="0"/>
+                                        </a:rPr>
                                       </m:ctrlPr>
                                     </m:fPr>
                                     <m:num>
                                       <m:r>
-                                        <a:rPr lang="en-US" sz="1400" kern="1200" smtClean="0"/>
+                                        <a:rPr lang="en-US" sz="1400" kern="1200" smtClean="0">
+                                          <a:latin typeface="Cambria Math" panose="02040503050406030204" pitchFamily="18" charset="0"/>
+                                        </a:rPr>
                                         <m:t>0</m:t>
                                       </m:r>
                                     </m:num>
                                     <m:den>
                                       <m:r>
-                                        <a:rPr lang="en-US" sz="1400" kern="1200" smtClean="0"/>
+                                        <a:rPr lang="en-US" sz="1400" kern="1200" smtClean="0">
+                                          <a:latin typeface="Cambria Math" panose="02040503050406030204" pitchFamily="18" charset="0"/>
+                                        </a:rPr>
                                         <m:t>0</m:t>
                                       </m:r>
                                     </m:den>
@@ -9979,7 +10125,9 @@
                               <m:d>
                                 <m:dPr>
                                   <m:ctrlPr>
-                                    <a:rPr lang="en-US" sz="1400" kern="1200" dirty="0" smtClean="0"/>
+                                    <a:rPr lang="en-US" sz="1400" i="1" kern="1200" dirty="0" smtClean="0">
+                                      <a:latin typeface="Cambria Math" panose="02040503050406030204" pitchFamily="18" charset="0"/>
+                                    </a:rPr>
                                   </m:ctrlPr>
                                 </m:dPr>
                                 <m:e>
@@ -9987,42 +10135,56 @@
                                     <m:fPr>
                                       <m:type m:val="noBar"/>
                                       <m:ctrlPr>
-                                        <a:rPr lang="en-US" sz="1400" kern="1200" dirty="0" smtClean="0"/>
+                                        <a:rPr lang="en-US" sz="1400" i="1" kern="1200" dirty="0" smtClean="0">
+                                          <a:latin typeface="Cambria Math" panose="02040503050406030204" pitchFamily="18" charset="0"/>
+                                        </a:rPr>
                                       </m:ctrlPr>
                                     </m:fPr>
                                     <m:num>
                                       <m:r>
-                                        <a:rPr lang="en-US" sz="1400" kern="1200" dirty="0" smtClean="0"/>
+                                        <a:rPr lang="en-US" sz="1400" kern="1200" dirty="0" smtClean="0">
+                                          <a:latin typeface="Cambria Math" panose="02040503050406030204" pitchFamily="18" charset="0"/>
+                                        </a:rPr>
                                         <m:t>2</m:t>
                                       </m:r>
                                     </m:num>
                                     <m:den>
                                       <m:r>
-                                        <a:rPr lang="en-US" sz="1400" kern="1200" dirty="0" smtClean="0"/>
+                                        <a:rPr lang="en-US" sz="1400" kern="1200" dirty="0" smtClean="0">
+                                          <a:latin typeface="Cambria Math" panose="02040503050406030204" pitchFamily="18" charset="0"/>
+                                        </a:rPr>
                                         <m:t>1</m:t>
                                       </m:r>
                                     </m:den>
                                   </m:f>
                                   <m:r>
-                                    <a:rPr lang="en-US" sz="1400" kern="1200" dirty="0" smtClean="0"/>
+                                    <a:rPr lang="en-US" sz="1400" kern="1200" dirty="0" smtClean="0">
+                                      <a:latin typeface="Cambria Math" panose="02040503050406030204" pitchFamily="18" charset="0"/>
+                                    </a:rPr>
                                     <m:t> </m:t>
                                   </m:r>
                                   <m:f>
                                     <m:fPr>
                                       <m:type m:val="noBar"/>
                                       <m:ctrlPr>
-                                        <a:rPr lang="en-US" sz="1400" kern="1200" dirty="0" smtClean="0"/>
+                                        <a:rPr lang="en-US" sz="1400" i="1" kern="1200" dirty="0" smtClean="0">
+                                          <a:latin typeface="Cambria Math" panose="02040503050406030204" pitchFamily="18" charset="0"/>
+                                        </a:rPr>
                                       </m:ctrlPr>
                                     </m:fPr>
                                     <m:num>
                                       <m:r>
-                                        <a:rPr lang="en-US" sz="1400" kern="1200" dirty="0" smtClean="0"/>
+                                        <a:rPr lang="en-US" sz="1400" kern="1200" dirty="0" smtClean="0">
+                                          <a:latin typeface="Cambria Math" panose="02040503050406030204" pitchFamily="18" charset="0"/>
+                                        </a:rPr>
                                         <m:t>1</m:t>
                                       </m:r>
                                     </m:num>
                                     <m:den>
                                       <m:r>
-                                        <a:rPr lang="en-US" sz="1400" kern="1200" dirty="0" smtClean="0"/>
+                                        <a:rPr lang="en-US" sz="1400" kern="1200" dirty="0" smtClean="0">
+                                          <a:latin typeface="Cambria Math" panose="02040503050406030204" pitchFamily="18" charset="0"/>
+                                        </a:rPr>
                                         <m:t>4</m:t>
                                       </m:r>
                                     </m:den>
@@ -10030,7 +10192,9 @@
                                 </m:e>
                               </m:d>
                               <m:r>
-                                <a:rPr lang="en-US" sz="1400" kern="1200" dirty="0" smtClean="0"/>
+                                <a:rPr lang="en-US" sz="1400" kern="1200" dirty="0" smtClean="0">
+                                  <a:latin typeface="Cambria Math" panose="02040503050406030204" pitchFamily="18" charset="0"/>
+                                </a:rPr>
                                 <m:t>)</m:t>
                               </m:r>
                             </m:oMath>
@@ -10044,18 +10208,24 @@
                               <m:sSub>
                                 <m:sSubPr>
                                   <m:ctrlPr>
-                                    <a:rPr lang="en-US" sz="1400" kern="1200" smtClean="0"/>
+                                    <a:rPr lang="en-US" sz="1400" i="1" kern="1200" smtClean="0">
+                                      <a:latin typeface="Cambria Math" panose="02040503050406030204" pitchFamily="18" charset="0"/>
+                                    </a:rPr>
                                   </m:ctrlPr>
                                 </m:sSubPr>
                                 <m:e>
                                   <m:r>
-                                    <a:rPr lang="en-US" sz="1400" kern="1200"/>
+                                    <a:rPr lang="en-US" sz="1400" kern="1200">
+                                      <a:latin typeface="Cambria Math" panose="02040503050406030204" pitchFamily="18" charset="0"/>
+                                    </a:rPr>
                                     <m:t>𝜖</m:t>
                                   </m:r>
                                 </m:e>
                                 <m:sub>
                                   <m:r>
-                                    <a:rPr lang="en-US" sz="1400" kern="1200"/>
+                                    <a:rPr lang="en-US" sz="1400" kern="1200">
+                                      <a:latin typeface="Cambria Math" panose="02040503050406030204" pitchFamily="18" charset="0"/>
+                                    </a:rPr>
                                     <m:t>𝑖𝑗</m:t>
                                   </m:r>
                                 </m:sub>
@@ -10069,11 +10239,15 @@
                           <a14:m>
                             <m:oMath xmlns:m="http://schemas.openxmlformats.org/officeDocument/2006/math">
                               <m:r>
-                                <a:rPr lang="en-US" sz="1400" kern="1200" dirty="0" smtClean="0"/>
+                                <a:rPr lang="en-US" sz="1400" kern="1200" dirty="0" smtClean="0">
+                                  <a:latin typeface="Cambria Math" panose="02040503050406030204" pitchFamily="18" charset="0"/>
+                                </a:rPr>
                                 <m:t>𝑁</m:t>
                               </m:r>
                               <m:r>
-                                <a:rPr lang="en-US" sz="1400" kern="1200" dirty="0" smtClean="0"/>
+                                <a:rPr lang="en-US" sz="1400" kern="1200" dirty="0" smtClean="0">
+                                  <a:latin typeface="Cambria Math" panose="02040503050406030204" pitchFamily="18" charset="0"/>
+                                </a:rPr>
                                 <m:t>(0,3)</m:t>
                               </m:r>
                             </m:oMath>
@@ -10358,18 +10532,24 @@
                               <m:sSub>
                                 <m:sSubPr>
                                   <m:ctrlPr>
-                                    <a:rPr lang="en-US" sz="1400" kern="1200" smtClean="0"/>
+                                    <a:rPr lang="en-US" sz="1400" i="1" kern="1200" smtClean="0">
+                                      <a:latin typeface="Cambria Math" panose="02040503050406030204" pitchFamily="18" charset="0"/>
+                                    </a:rPr>
                                   </m:ctrlPr>
                                 </m:sSubPr>
                                 <m:e>
                                   <m:r>
-                                    <a:rPr lang="en-US" sz="1400" kern="1200"/>
+                                    <a:rPr lang="en-US" sz="1400" kern="1200">
+                                      <a:latin typeface="Cambria Math" panose="02040503050406030204" pitchFamily="18" charset="0"/>
+                                    </a:rPr>
                                     <m:t>𝛽</m:t>
                                   </m:r>
                                 </m:e>
                                 <m:sub>
                                   <m:r>
-                                    <a:rPr lang="en-US" sz="1400" kern="1200" smtClean="0"/>
+                                    <a:rPr lang="en-US" sz="1400" kern="1200" smtClean="0">
+                                      <a:latin typeface="Cambria Math" panose="02040503050406030204" pitchFamily="18" charset="0"/>
+                                    </a:rPr>
                                     <m:t>1</m:t>
                                   </m:r>
                                 </m:sub>
@@ -10673,30 +10853,37 @@
                               <m:sSub>
                                 <m:sSubPr>
                                   <m:ctrlPr>
-                                    <a:rPr lang="en-US" sz="1400" kern="1200" smtClean="0"/>
+                                    <a:rPr lang="en-US" sz="1400" i="1" kern="1200" smtClean="0">
+                                      <a:latin typeface="Cambria Math" panose="02040503050406030204" pitchFamily="18" charset="0"/>
+                                    </a:rPr>
                                   </m:ctrlPr>
                                 </m:sSubPr>
                                 <m:e>
                                   <m:r>
-                                    <a:rPr lang="en-US" sz="1400" kern="1200" smtClean="0"/>
-                                    <m:t>𝛼</m:t>
+                                    <a:rPr lang="en-US" sz="1400" kern="1200">
+                                      <a:latin typeface="Cambria Math" panose="02040503050406030204" pitchFamily="18" charset="0"/>
+                                    </a:rPr>
+                                    <m:t>𝛽</m:t>
                                   </m:r>
                                 </m:e>
                                 <m:sub>
                                   <m:r>
-                                    <m:rPr>
-                                      <m:sty m:val="p"/>
-                                    </m:rPr>
-                                    <a:rPr lang="en-US" sz="1400" kern="1200" smtClean="0"/>
-                                    <m:t>i</m:t>
+                                    <a:rPr lang="en-US" sz="1400" b="0" i="0" kern="1200" smtClean="0">
+                                      <a:latin typeface="Cambria Math" panose="02040503050406030204" pitchFamily="18" charset="0"/>
+                                    </a:rPr>
+                                    <m:t>2</m:t>
                                   </m:r>
                                 </m:sub>
                               </m:sSub>
                             </m:oMath>
                           </a14:m>
                           <a:r>
+                            <a:rPr lang="en-US" sz="1400" kern="1200" dirty="0" smtClean="0"/>
+                            <a:t>(</a:t>
+                          </a:r>
+                          <a:r>
                             <a:rPr lang="en-US" sz="1400" kern="1200" dirty="0"/>
-                            <a:t>(1)</a:t>
+                            <a:t>1)</a:t>
                           </a:r>
                           <a:endParaRPr lang="en-US" sz="1400" kern="1200" dirty="0">
                             <a:solidFill>
@@ -10991,19 +11178,25 @@
                               <m:sSub>
                                 <m:sSubPr>
                                   <m:ctrlPr>
-                                    <a:rPr lang="en-US" sz="1400" kern="1200" smtClean="0"/>
+                                    <a:rPr lang="en-US" sz="1400" i="1" kern="1200" smtClean="0">
+                                      <a:latin typeface="Cambria Math" panose="02040503050406030204" pitchFamily="18" charset="0"/>
+                                    </a:rPr>
                                   </m:ctrlPr>
                                 </m:sSubPr>
                                 <m:e>
                                   <m:r>
-                                    <a:rPr lang="en-US" sz="1400" kern="1200"/>
+                                    <a:rPr lang="en-US" sz="1400" kern="1200">
+                                      <a:latin typeface="Cambria Math" panose="02040503050406030204" pitchFamily="18" charset="0"/>
+                                    </a:rPr>
                                     <m:t>𝛽</m:t>
                                   </m:r>
                                 </m:e>
                                 <m:sub>
                                   <m:r>
-                                    <a:rPr lang="en-US" sz="1400" kern="1200" smtClean="0"/>
-                                    <m:t>2</m:t>
+                                    <a:rPr lang="en-US" sz="1400" b="0" i="0" kern="1200" smtClean="0">
+                                      <a:latin typeface="Cambria Math" panose="02040503050406030204" pitchFamily="18" charset="0"/>
+                                    </a:rPr>
+                                    <m:t>3</m:t>
                                   </m:r>
                                 </m:sub>
                               </m:sSub>
@@ -11894,7 +12087,7 @@
                 <p:ph idx="1"/>
                 <p:extLst>
                   <p:ext uri="{D42A27DB-BD31-4B8C-83A1-F6EECF244321}">
-                    <p14:modId xmlns:p14="http://schemas.microsoft.com/office/powerpoint/2010/main" val="3941945525"/>
+                    <p14:modId xmlns:p14="http://schemas.microsoft.com/office/powerpoint/2010/main" val="4200599983"/>
                   </p:ext>
                 </p:extLst>
               </p:nvPr>
@@ -12394,11 +12587,7 @@
                           <a:pPr algn="ctr"/>
                           <a:r>
                             <a:rPr lang="en-US" sz="1400" kern="1200" dirty="0" smtClean="0"/>
-                            <a:t>(</a:t>
-                          </a:r>
-                          <a:r>
-                            <a:rPr lang="en-US" sz="1400" kern="1200" dirty="0" smtClean="0"/>
-                            <a:t>SE)</a:t>
+                            <a:t>(SE)</a:t>
                           </a:r>
                           <a:endParaRPr lang="en-US" sz="1400" kern="1200" dirty="0">
                             <a:solidFill>
@@ -15012,8 +15201,8 @@
           </p:graphicFrame>
         </mc:Fallback>
       </mc:AlternateContent>
-      <mc:AlternateContent xmlns:mc="http://schemas.openxmlformats.org/markup-compatibility/2006">
-        <mc:Choice xmlns:a14="http://schemas.microsoft.com/office/drawing/2010/main" Requires="a14">
+      <mc:AlternateContent xmlns:mc="http://schemas.openxmlformats.org/markup-compatibility/2006" xmlns:a14="http://schemas.microsoft.com/office/drawing/2010/main">
+        <mc:Choice Requires="a14">
           <p:sp>
             <p:nvSpPr>
               <p:cNvPr id="8" name="TextBox 7"/>
@@ -16079,7 +16268,7 @@
             </p:txBody>
           </p:sp>
         </mc:Choice>
-        <mc:Fallback>
+        <mc:Fallback xmlns="">
           <p:sp>
             <p:nvSpPr>
               <p:cNvPr id="8" name="TextBox 7"/>

--- a/Project2/Reports/Project 2 interim.pptx
+++ b/Project2/Reports/Project 2 interim.pptx
@@ -199,7 +199,7 @@
           <a:p>
             <a:fld id="{F3522DE7-FF97-48A4-8E7B-2EB615A0A2AD}" type="datetimeFigureOut">
               <a:rPr lang="en-US" smtClean="0"/>
-              <a:t>10/16/2018</a:t>
+              <a:t>10/17/2018</a:t>
             </a:fld>
             <a:endParaRPr lang="en-US"/>
           </a:p>
@@ -1357,7 +1357,7 @@
           <a:p>
             <a:fld id="{3F33BB83-A487-48C3-A8A6-226753098D78}" type="datetime1">
               <a:rPr lang="en-US" smtClean="0"/>
-              <a:t>10/16/2018</a:t>
+              <a:t>10/17/2018</a:t>
             </a:fld>
             <a:endParaRPr lang="en-US"/>
           </a:p>
@@ -1608,7 +1608,7 @@
           <a:p>
             <a:fld id="{2687072F-DD8E-4FD6-89FE-1D57606A443E}" type="datetime1">
               <a:rPr lang="en-US" smtClean="0"/>
-              <a:t>10/16/2018</a:t>
+              <a:t>10/17/2018</a:t>
             </a:fld>
             <a:endParaRPr lang="en-US"/>
           </a:p>
@@ -1922,7 +1922,7 @@
           <a:p>
             <a:fld id="{4FE249FD-199A-434B-B459-6B67BCFAFC5D}" type="datetime1">
               <a:rPr lang="en-US" smtClean="0"/>
-              <a:t>10/16/2018</a:t>
+              <a:t>10/17/2018</a:t>
             </a:fld>
             <a:endParaRPr lang="en-US"/>
           </a:p>
@@ -2263,7 +2263,7 @@
           <a:p>
             <a:fld id="{B9E8CF79-071E-4772-9771-D4E67DB67836}" type="datetime1">
               <a:rPr lang="en-US" smtClean="0"/>
-              <a:t>10/16/2018</a:t>
+              <a:t>10/17/2018</a:t>
             </a:fld>
             <a:endParaRPr lang="en-US"/>
           </a:p>
@@ -2577,7 +2577,7 @@
           <a:p>
             <a:fld id="{02204585-C7DA-4069-8491-F680173C2740}" type="datetime1">
               <a:rPr lang="en-US" smtClean="0"/>
-              <a:t>10/16/2018</a:t>
+              <a:t>10/17/2018</a:t>
             </a:fld>
             <a:endParaRPr lang="en-US"/>
           </a:p>
@@ -2970,7 +2970,7 @@
           <a:p>
             <a:fld id="{B4D34411-12FE-4475-AAB7-D77BAE07C3A0}" type="datetime1">
               <a:rPr lang="en-US" smtClean="0"/>
-              <a:t>10/16/2018</a:t>
+              <a:t>10/17/2018</a:t>
             </a:fld>
             <a:endParaRPr lang="en-US"/>
           </a:p>
@@ -3140,7 +3140,7 @@
           <a:p>
             <a:fld id="{FEB75CF3-11CF-4536-A0A3-3167712DA8ED}" type="datetime1">
               <a:rPr lang="en-US" smtClean="0"/>
-              <a:t>10/16/2018</a:t>
+              <a:t>10/17/2018</a:t>
             </a:fld>
             <a:endParaRPr lang="en-US"/>
           </a:p>
@@ -3320,7 +3320,7 @@
           <a:p>
             <a:fld id="{5A8BAC96-B083-4653-885C-32FC5E40780A}" type="datetime1">
               <a:rPr lang="en-US" smtClean="0"/>
-              <a:t>10/16/2018</a:t>
+              <a:t>10/17/2018</a:t>
             </a:fld>
             <a:endParaRPr lang="en-US"/>
           </a:p>
@@ -3496,7 +3496,7 @@
           <a:p>
             <a:fld id="{517679D5-0161-480B-9D32-DE10925F7845}" type="datetime1">
               <a:rPr lang="en-US" smtClean="0"/>
-              <a:t>10/16/2018</a:t>
+              <a:t>10/17/2018</a:t>
             </a:fld>
             <a:endParaRPr lang="en-US"/>
           </a:p>
@@ -3743,7 +3743,7 @@
           <a:p>
             <a:fld id="{838BEB12-96C2-4D93-A133-4C2173370B6B}" type="datetime1">
               <a:rPr lang="en-US" smtClean="0"/>
-              <a:t>10/16/2018</a:t>
+              <a:t>10/17/2018</a:t>
             </a:fld>
             <a:endParaRPr lang="en-US"/>
           </a:p>
@@ -3975,7 +3975,7 @@
           <a:p>
             <a:fld id="{01D29CDF-2574-42C4-BB5F-5BE408FCC76D}" type="datetime1">
               <a:rPr lang="en-US" smtClean="0"/>
-              <a:t>10/16/2018</a:t>
+              <a:t>10/17/2018</a:t>
             </a:fld>
             <a:endParaRPr lang="en-US"/>
           </a:p>
@@ -4349,7 +4349,7 @@
           <a:p>
             <a:fld id="{89492412-DDD0-4F18-85EB-00A7E986871B}" type="datetime1">
               <a:rPr lang="en-US" smtClean="0"/>
-              <a:t>10/16/2018</a:t>
+              <a:t>10/17/2018</a:t>
             </a:fld>
             <a:endParaRPr lang="en-US"/>
           </a:p>
@@ -4472,7 +4472,7 @@
           <a:p>
             <a:fld id="{EC07C8FB-AE57-4FBB-BBC5-321685B54174}" type="datetime1">
               <a:rPr lang="en-US" smtClean="0"/>
-              <a:t>10/16/2018</a:t>
+              <a:t>10/17/2018</a:t>
             </a:fld>
             <a:endParaRPr lang="en-US"/>
           </a:p>
@@ -4567,7 +4567,7 @@
           <a:p>
             <a:fld id="{EC02B74C-DBA8-4581-A0DE-7A83ADA1A88E}" type="datetime1">
               <a:rPr lang="en-US" smtClean="0"/>
-              <a:t>10/16/2018</a:t>
+              <a:t>10/17/2018</a:t>
             </a:fld>
             <a:endParaRPr lang="en-US"/>
           </a:p>
@@ -4822,7 +4822,7 @@
           <a:p>
             <a:fld id="{D623BBAE-C3D0-4035-9A40-CFC45D081C55}" type="datetime1">
               <a:rPr lang="en-US" smtClean="0"/>
-              <a:t>10/16/2018</a:t>
+              <a:t>10/17/2018</a:t>
             </a:fld>
             <a:endParaRPr lang="en-US"/>
           </a:p>
@@ -5085,7 +5085,7 @@
           <a:p>
             <a:fld id="{728124C0-8DD5-407D-9A50-070FCFECC0B9}" type="datetime1">
               <a:rPr lang="en-US" smtClean="0"/>
-              <a:t>10/16/2018</a:t>
+              <a:t>10/17/2018</a:t>
             </a:fld>
             <a:endParaRPr lang="en-US"/>
           </a:p>
@@ -5828,7 +5828,7 @@
           <a:p>
             <a:fld id="{6185F77B-8A5C-48C7-BB35-2284747014FB}" type="datetime1">
               <a:rPr lang="en-US" smtClean="0"/>
-              <a:t>10/16/2018</a:t>
+              <a:t>10/17/2018</a:t>
             </a:fld>
             <a:endParaRPr lang="en-US"/>
           </a:p>
@@ -6813,7 +6813,7 @@
         </p:nvSpPr>
         <p:spPr>
           <a:xfrm>
-            <a:off x="363434" y="359685"/>
+            <a:off x="859752" y="353610"/>
             <a:ext cx="8596668" cy="1320800"/>
           </a:xfrm>
         </p:spPr>
@@ -6853,8 +6853,8 @@
         </p:nvSpPr>
         <p:spPr>
           <a:xfrm>
-            <a:off x="212954" y="1218441"/>
-            <a:ext cx="5837440" cy="4756245"/>
+            <a:off x="0" y="900162"/>
+            <a:ext cx="6720840" cy="4756245"/>
           </a:xfrm>
         </p:spPr>
         <p:txBody>
@@ -6971,15 +6971,27 @@
           <a:p>
             <a:pPr lvl="2"/>
             <a:r>
+              <a:rPr lang="en-US" sz="1600" dirty="0" smtClean="0"/>
+              <a:t>Error: Independent </a:t>
+            </a:r>
+            <a:r>
               <a:rPr lang="en-US" sz="1600" dirty="0"/>
-              <a:t>Error: a independent model error structure. </a:t>
+              <a:t>and identically </a:t>
+            </a:r>
+            <a:r>
+              <a:rPr lang="en-US" sz="1600" dirty="0" smtClean="0"/>
+              <a:t>normal distribution</a:t>
             </a:r>
           </a:p>
           <a:p>
             <a:pPr lvl="2"/>
             <a:r>
+              <a:rPr lang="en-US" sz="1600" dirty="0" smtClean="0"/>
+              <a:t>Random </a:t>
+            </a:r>
+            <a:r>
               <a:rPr lang="en-US" sz="1600" dirty="0"/>
-              <a:t>Random components: </a:t>
+              <a:t>components: </a:t>
             </a:r>
           </a:p>
           <a:p>
@@ -7047,202 +7059,6 @@
       </p:sp>
       <p:sp>
         <p:nvSpPr>
-          <p:cNvPr id="6" name="Rectangle 5"/>
-          <p:cNvSpPr/>
-          <p:nvPr/>
-        </p:nvSpPr>
-        <p:spPr>
-          <a:xfrm>
-            <a:off x="5659007" y="1194327"/>
-            <a:ext cx="5837161" cy="2308324"/>
-          </a:xfrm>
-          <a:prstGeom prst="rect">
-            <a:avLst/>
-          </a:prstGeom>
-          <a:solidFill>
-            <a:schemeClr val="bg1"/>
-          </a:solidFill>
-        </p:spPr>
-        <p:txBody>
-          <a:bodyPr wrap="square">
-            <a:spAutoFit/>
-          </a:bodyPr>
-          <a:lstStyle/>
-          <a:p>
-            <a:pPr marL="285750" indent="-285750">
-              <a:buFont typeface="Wingdings" panose="05000000000000000000" pitchFamily="2" charset="2"/>
-              <a:buChar char="v"/>
-            </a:pPr>
-            <a:r>
-              <a:rPr lang="en-US" sz="1600" b="1" dirty="0">
-                <a:solidFill>
-                  <a:schemeClr val="tx1">
-                    <a:lumMod val="75000"/>
-                    <a:lumOff val="25000"/>
-                  </a:schemeClr>
-                </a:solidFill>
-              </a:rPr>
-              <a:t>We take a longitudinal clinical trial dataset for example: </a:t>
-            </a:r>
-            <a:endParaRPr lang="en-US" sz="1600" b="1" dirty="0" smtClean="0">
-              <a:solidFill>
-                <a:schemeClr val="tx1">
-                  <a:lumMod val="75000"/>
-                  <a:lumOff val="25000"/>
-                </a:schemeClr>
-              </a:solidFill>
-            </a:endParaRPr>
-          </a:p>
-          <a:p>
-            <a:endParaRPr lang="en-US" sz="1600" dirty="0">
-              <a:solidFill>
-                <a:schemeClr val="tx1">
-                  <a:lumMod val="75000"/>
-                  <a:lumOff val="25000"/>
-                </a:schemeClr>
-              </a:solidFill>
-            </a:endParaRPr>
-          </a:p>
-          <a:p>
-            <a:r>
-              <a:rPr lang="en-US" sz="1600" dirty="0" smtClean="0">
-                <a:solidFill>
-                  <a:schemeClr val="tx1">
-                    <a:lumMod val="75000"/>
-                    <a:lumOff val="25000"/>
-                  </a:schemeClr>
-                </a:solidFill>
-              </a:rPr>
-              <a:t>1. Subjects </a:t>
-            </a:r>
-            <a:r>
-              <a:rPr lang="en-US" sz="1600" dirty="0">
-                <a:solidFill>
-                  <a:schemeClr val="tx1">
-                    <a:lumMod val="75000"/>
-                    <a:lumOff val="25000"/>
-                  </a:schemeClr>
-                </a:solidFill>
-              </a:rPr>
-              <a:t>are equally and randomly assigned to a treatment group and a control group. </a:t>
-            </a:r>
-            <a:endParaRPr lang="en-US" sz="1600" dirty="0" smtClean="0">
-              <a:solidFill>
-                <a:schemeClr val="tx1">
-                  <a:lumMod val="75000"/>
-                  <a:lumOff val="25000"/>
-                </a:schemeClr>
-              </a:solidFill>
-            </a:endParaRPr>
-          </a:p>
-          <a:p>
-            <a:endParaRPr lang="en-US" sz="1600" dirty="0" smtClean="0">
-              <a:solidFill>
-                <a:schemeClr val="tx1">
-                  <a:lumMod val="75000"/>
-                  <a:lumOff val="25000"/>
-                </a:schemeClr>
-              </a:solidFill>
-            </a:endParaRPr>
-          </a:p>
-          <a:p>
-            <a:r>
-              <a:rPr lang="en-US" sz="1600" dirty="0" smtClean="0">
-                <a:solidFill>
-                  <a:schemeClr val="tx1">
-                    <a:lumMod val="75000"/>
-                    <a:lumOff val="25000"/>
-                  </a:schemeClr>
-                </a:solidFill>
-              </a:rPr>
-              <a:t>2. They </a:t>
-            </a:r>
-            <a:r>
-              <a:rPr lang="en-US" sz="1600" dirty="0">
-                <a:solidFill>
-                  <a:schemeClr val="tx1">
-                    <a:lumMod val="75000"/>
-                    <a:lumOff val="25000"/>
-                  </a:schemeClr>
-                </a:solidFill>
-              </a:rPr>
-              <a:t>are followed up for several time points</a:t>
-            </a:r>
-            <a:r>
-              <a:rPr lang="en-US" sz="1600" dirty="0" smtClean="0">
-                <a:solidFill>
-                  <a:schemeClr val="tx1">
-                    <a:lumMod val="75000"/>
-                    <a:lumOff val="25000"/>
-                  </a:schemeClr>
-                </a:solidFill>
-              </a:rPr>
-              <a:t>.</a:t>
-            </a:r>
-          </a:p>
-          <a:p>
-            <a:r>
-              <a:rPr lang="en-US" sz="1600" dirty="0" smtClean="0">
-                <a:solidFill>
-                  <a:schemeClr val="tx1">
-                    <a:lumMod val="75000"/>
-                    <a:lumOff val="25000"/>
-                  </a:schemeClr>
-                </a:solidFill>
-              </a:rPr>
-              <a:t> </a:t>
-            </a:r>
-          </a:p>
-          <a:p>
-            <a:r>
-              <a:rPr lang="en-US" sz="1600" dirty="0" smtClean="0">
-                <a:solidFill>
-                  <a:schemeClr val="tx1">
-                    <a:lumMod val="75000"/>
-                    <a:lumOff val="25000"/>
-                  </a:schemeClr>
-                </a:solidFill>
-              </a:rPr>
-              <a:t>3. Measurements </a:t>
-            </a:r>
-            <a:r>
-              <a:rPr lang="en-US" sz="1600" dirty="0">
-                <a:solidFill>
-                  <a:schemeClr val="tx1">
-                    <a:lumMod val="75000"/>
-                    <a:lumOff val="25000"/>
-                  </a:schemeClr>
-                </a:solidFill>
-              </a:rPr>
-              <a:t>are collected </a:t>
-            </a:r>
-            <a:r>
-              <a:rPr lang="en-US" sz="1600" dirty="0" smtClean="0">
-                <a:solidFill>
-                  <a:schemeClr val="tx1">
-                    <a:lumMod val="75000"/>
-                    <a:lumOff val="25000"/>
-                  </a:schemeClr>
-                </a:solidFill>
-              </a:rPr>
-              <a:t>at </a:t>
-            </a:r>
-            <a:r>
-              <a:rPr lang="en-US" sz="1600" dirty="0">
-                <a:solidFill>
-                  <a:schemeClr val="tx1">
-                    <a:lumMod val="75000"/>
-                    <a:lumOff val="25000"/>
-                  </a:schemeClr>
-                </a:solidFill>
-              </a:rPr>
-              <a:t>each time points.</a:t>
-            </a:r>
-          </a:p>
-        </p:txBody>
-      </p:sp>
-      <p:sp>
-        <p:nvSpPr>
           <p:cNvPr id="8" name="Content Placeholder 2">
             <a:extLst>
               <a:ext uri="{FF2B5EF4-FFF2-40B4-BE49-F238E27FC236}">
@@ -7257,8 +7073,8 @@
         </p:nvSpPr>
         <p:spPr>
           <a:xfrm>
-            <a:off x="5621804" y="3575707"/>
-            <a:ext cx="5837440" cy="2398979"/>
+            <a:off x="6354560" y="1218441"/>
+            <a:ext cx="5837440" cy="1113279"/>
           </a:xfrm>
           <a:prstGeom prst="rect">
             <a:avLst/>
@@ -7506,7 +7322,21 @@
             </a:r>
             <a:r>
               <a:rPr lang="en-US" sz="1600" b="1" dirty="0"/>
-              <a:t>: 2 kinds </a:t>
+              <a:t>: </a:t>
+            </a:r>
+          </a:p>
+          <a:p>
+            <a:pPr>
+              <a:buFont typeface="Wingdings" panose="05000000000000000000" pitchFamily="2" charset="2"/>
+              <a:buChar char="Ø"/>
+            </a:pPr>
+            <a:r>
+              <a:rPr lang="en-US" sz="1600" b="1" dirty="0" smtClean="0"/>
+              <a:t>2 </a:t>
+            </a:r>
+            <a:r>
+              <a:rPr lang="en-US" sz="1600" b="1" dirty="0"/>
+              <a:t>kinds </a:t>
             </a:r>
             <a:r>
               <a:rPr lang="en-US" sz="1600" b="1" dirty="0" smtClean="0"/>
@@ -7537,15 +7367,2854 @@
               <a:t>model</a:t>
             </a:r>
           </a:p>
-          <a:p>
-            <a:pPr lvl="1"/>
-            <a:r>
-              <a:rPr lang="en-US" dirty="0" smtClean="0"/>
-              <a:t>We assumed that the random components are normally distributed</a:t>
-            </a:r>
-          </a:p>
         </p:txBody>
       </p:sp>
+      <mc:AlternateContent xmlns:mc="http://schemas.openxmlformats.org/markup-compatibility/2006" xmlns:a14="http://schemas.microsoft.com/office/drawing/2010/main">
+        <mc:Choice Requires="a14">
+          <p:graphicFrame>
+            <p:nvGraphicFramePr>
+              <p:cNvPr id="4" name="Table 3"/>
+              <p:cNvGraphicFramePr>
+                <a:graphicFrameLocks noGrp="1"/>
+              </p:cNvGraphicFramePr>
+              <p:nvPr>
+                <p:extLst>
+                  <p:ext uri="{D42A27DB-BD31-4B8C-83A1-F6EECF244321}">
+                    <p14:modId xmlns:p14="http://schemas.microsoft.com/office/powerpoint/2010/main" val="946941913"/>
+                  </p:ext>
+                </p:extLst>
+              </p:nvPr>
+            </p:nvGraphicFramePr>
+            <p:xfrm>
+              <a:off x="6354560" y="2868960"/>
+              <a:ext cx="5505208" cy="3472117"/>
+            </p:xfrm>
+            <a:graphic>
+              <a:graphicData uri="http://schemas.openxmlformats.org/drawingml/2006/table">
+                <a:tbl>
+                  <a:tblPr>
+                    <a:tableStyleId>{5C22544A-7EE6-4342-B048-85BDC9FD1C3A}</a:tableStyleId>
+                  </a:tblPr>
+                  <a:tblGrid>
+                    <a:gridCol w="1711484"/>
+                    <a:gridCol w="1272964"/>
+                    <a:gridCol w="1348569"/>
+                    <a:gridCol w="1172191"/>
+                  </a:tblGrid>
+                  <a:tr h="95250">
+                    <a:tc gridSpan="4">
+                      <a:txBody>
+                        <a:bodyPr/>
+                        <a:lstStyle/>
+                        <a:p>
+                          <a:pPr marL="0" algn="ctr" defTabSz="457200" rtl="0" eaLnBrk="1" fontAlgn="b" latinLnBrk="0" hangingPunct="1"/>
+                          <a:r>
+                            <a:rPr lang="en-US" sz="1200" u="none" strike="noStrike" kern="1200" dirty="0" smtClean="0">
+                              <a:solidFill>
+                                <a:schemeClr val="dk1"/>
+                              </a:solidFill>
+                              <a:effectLst/>
+                              <a:latin typeface="+mn-lt"/>
+                              <a:ea typeface="+mn-ea"/>
+                              <a:cs typeface="+mn-cs"/>
+                            </a:rPr>
+                            <a:t>Simulation settings (simulation number =500)</a:t>
+                          </a:r>
+                          <a:endParaRPr lang="en-US" sz="1200" u="none" strike="noStrike" kern="1200" dirty="0">
+                            <a:solidFill>
+                              <a:schemeClr val="dk1"/>
+                            </a:solidFill>
+                            <a:effectLst/>
+                            <a:latin typeface="+mn-lt"/>
+                            <a:ea typeface="+mn-ea"/>
+                            <a:cs typeface="+mn-cs"/>
+                          </a:endParaRPr>
+                        </a:p>
+                      </a:txBody>
+                      <a:tcPr marL="9525" marR="9525" marT="9525" marB="0" anchor="b"/>
+                    </a:tc>
+                    <a:tc hMerge="1">
+                      <a:txBody>
+                        <a:bodyPr/>
+                        <a:lstStyle/>
+                        <a:p>
+                          <a:pPr algn="ctr" fontAlgn="b"/>
+                          <a:endParaRPr lang="en-US" sz="1100" b="1" i="0" u="none" strike="noStrike" dirty="0">
+                            <a:solidFill>
+                              <a:srgbClr val="000000"/>
+                            </a:solidFill>
+                            <a:effectLst/>
+                            <a:latin typeface="Times New Roman" panose="02020603050405020304" pitchFamily="18" charset="0"/>
+                            <a:cs typeface="Times New Roman" panose="02020603050405020304" pitchFamily="18" charset="0"/>
+                          </a:endParaRPr>
+                        </a:p>
+                      </a:txBody>
+                      <a:tcPr marL="9525" marR="9525" marT="9525" marB="0" anchor="b"/>
+                    </a:tc>
+                    <a:tc hMerge="1">
+                      <a:txBody>
+                        <a:bodyPr/>
+                        <a:lstStyle/>
+                        <a:p>
+                          <a:endParaRPr lang="en-US"/>
+                        </a:p>
+                      </a:txBody>
+                      <a:tcPr/>
+                    </a:tc>
+                    <a:tc hMerge="1">
+                      <a:txBody>
+                        <a:bodyPr/>
+                        <a:lstStyle/>
+                        <a:p>
+                          <a:endParaRPr lang="en-US"/>
+                        </a:p>
+                      </a:txBody>
+                      <a:tcPr/>
+                    </a:tc>
+                  </a:tr>
+                  <a:tr h="0">
+                    <a:tc>
+                      <a:txBody>
+                        <a:bodyPr/>
+                        <a:lstStyle/>
+                        <a:p>
+                          <a:pPr algn="l" fontAlgn="b"/>
+                          <a:r>
+                            <a:rPr lang="en-US" sz="1200" u="none" strike="noStrike" dirty="0">
+                              <a:effectLst/>
+                            </a:rPr>
+                            <a:t>Items</a:t>
+                          </a:r>
+                          <a:endParaRPr lang="en-US" sz="1200" b="1" i="0" u="none" strike="noStrike" dirty="0">
+                            <a:solidFill>
+                              <a:srgbClr val="000000"/>
+                            </a:solidFill>
+                            <a:effectLst/>
+                            <a:latin typeface="Times New Roman" panose="02020603050405020304" pitchFamily="18" charset="0"/>
+                            <a:cs typeface="Times New Roman" panose="02020603050405020304" pitchFamily="18" charset="0"/>
+                          </a:endParaRPr>
+                        </a:p>
+                      </a:txBody>
+                      <a:tcPr marL="9525" marR="9525" marT="9525" marB="0" anchor="b"/>
+                    </a:tc>
+                    <a:tc gridSpan="3">
+                      <a:txBody>
+                        <a:bodyPr/>
+                        <a:lstStyle/>
+                        <a:p>
+                          <a:pPr algn="ctr" fontAlgn="b"/>
+                          <a:r>
+                            <a:rPr lang="en-US" sz="1200" u="none" strike="noStrike" dirty="0">
+                              <a:effectLst/>
+                            </a:rPr>
+                            <a:t>Values</a:t>
+                          </a:r>
+                          <a:endParaRPr lang="en-US" sz="1200" b="1" i="0" u="none" strike="noStrike" dirty="0">
+                            <a:solidFill>
+                              <a:srgbClr val="000000"/>
+                            </a:solidFill>
+                            <a:effectLst/>
+                            <a:latin typeface="Times New Roman" panose="02020603050405020304" pitchFamily="18" charset="0"/>
+                            <a:cs typeface="Times New Roman" panose="02020603050405020304" pitchFamily="18" charset="0"/>
+                          </a:endParaRPr>
+                        </a:p>
+                      </a:txBody>
+                      <a:tcPr marL="9525" marR="9525" marT="9525" marB="0" anchor="b"/>
+                    </a:tc>
+                    <a:tc hMerge="1">
+                      <a:txBody>
+                        <a:bodyPr/>
+                        <a:lstStyle/>
+                        <a:p>
+                          <a:endParaRPr lang="en-US"/>
+                        </a:p>
+                      </a:txBody>
+                      <a:tcPr/>
+                    </a:tc>
+                    <a:tc hMerge="1">
+                      <a:txBody>
+                        <a:bodyPr/>
+                        <a:lstStyle/>
+                        <a:p>
+                          <a:endParaRPr lang="en-US"/>
+                        </a:p>
+                      </a:txBody>
+                      <a:tcPr/>
+                    </a:tc>
+                  </a:tr>
+                  <a:tr h="190500">
+                    <a:tc>
+                      <a:txBody>
+                        <a:bodyPr/>
+                        <a:lstStyle/>
+                        <a:p>
+                          <a:pPr algn="l" fontAlgn="b"/>
+                          <a:r>
+                            <a:rPr lang="en-US" sz="1200" u="none" strike="noStrike" dirty="0">
+                              <a:effectLst/>
+                            </a:rPr>
+                            <a:t>Subject size </a:t>
+                          </a:r>
+                          <a:endParaRPr lang="en-US" sz="1200" b="1" i="0" u="none" strike="noStrike" dirty="0">
+                            <a:solidFill>
+                              <a:srgbClr val="000000"/>
+                            </a:solidFill>
+                            <a:effectLst/>
+                            <a:latin typeface="Times New Roman" panose="02020603050405020304" pitchFamily="18" charset="0"/>
+                            <a:cs typeface="Times New Roman" panose="02020603050405020304" pitchFamily="18" charset="0"/>
+                          </a:endParaRPr>
+                        </a:p>
+                      </a:txBody>
+                      <a:tcPr marL="9525" marR="9525" marT="9525" marB="0" anchor="b"/>
+                    </a:tc>
+                    <a:tc>
+                      <a:txBody>
+                        <a:bodyPr/>
+                        <a:lstStyle/>
+                        <a:p>
+                          <a:pPr algn="ctr" fontAlgn="b"/>
+                          <a:r>
+                            <a:rPr lang="en-US" sz="1200" u="none" strike="noStrike">
+                              <a:effectLst/>
+                            </a:rPr>
+                            <a:t>20</a:t>
+                          </a:r>
+                          <a:endParaRPr lang="en-US" sz="1200" b="0" i="0" u="none" strike="noStrike">
+                            <a:solidFill>
+                              <a:srgbClr val="000000"/>
+                            </a:solidFill>
+                            <a:effectLst/>
+                            <a:latin typeface="Times New Roman" panose="02020603050405020304" pitchFamily="18" charset="0"/>
+                            <a:cs typeface="Times New Roman" panose="02020603050405020304" pitchFamily="18" charset="0"/>
+                          </a:endParaRPr>
+                        </a:p>
+                      </a:txBody>
+                      <a:tcPr marL="9525" marR="9525" marT="9525" marB="0" anchor="b"/>
+                    </a:tc>
+                    <a:tc>
+                      <a:txBody>
+                        <a:bodyPr/>
+                        <a:lstStyle/>
+                        <a:p>
+                          <a:pPr algn="ctr" fontAlgn="b"/>
+                          <a:r>
+                            <a:rPr lang="en-US" sz="1200" u="none" strike="noStrike">
+                              <a:effectLst/>
+                            </a:rPr>
+                            <a:t>200</a:t>
+                          </a:r>
+                          <a:endParaRPr lang="en-US" sz="1200" b="0" i="0" u="none" strike="noStrike">
+                            <a:solidFill>
+                              <a:srgbClr val="000000"/>
+                            </a:solidFill>
+                            <a:effectLst/>
+                            <a:latin typeface="Times New Roman" panose="02020603050405020304" pitchFamily="18" charset="0"/>
+                            <a:cs typeface="Times New Roman" panose="02020603050405020304" pitchFamily="18" charset="0"/>
+                          </a:endParaRPr>
+                        </a:p>
+                      </a:txBody>
+                      <a:tcPr marL="9525" marR="9525" marT="9525" marB="0" anchor="b"/>
+                    </a:tc>
+                    <a:tc>
+                      <a:txBody>
+                        <a:bodyPr/>
+                        <a:lstStyle/>
+                        <a:p>
+                          <a:pPr algn="ctr" fontAlgn="b"/>
+                          <a:r>
+                            <a:rPr lang="en-US" sz="1200" u="none" strike="noStrike">
+                              <a:effectLst/>
+                            </a:rPr>
+                            <a:t>1000</a:t>
+                          </a:r>
+                          <a:endParaRPr lang="en-US" sz="1200" b="0" i="0" u="none" strike="noStrike">
+                            <a:solidFill>
+                              <a:srgbClr val="000000"/>
+                            </a:solidFill>
+                            <a:effectLst/>
+                            <a:latin typeface="Times New Roman" panose="02020603050405020304" pitchFamily="18" charset="0"/>
+                            <a:cs typeface="Times New Roman" panose="02020603050405020304" pitchFamily="18" charset="0"/>
+                          </a:endParaRPr>
+                        </a:p>
+                      </a:txBody>
+                      <a:tcPr marL="9525" marR="9525" marT="9525" marB="0" anchor="b"/>
+                    </a:tc>
+                  </a:tr>
+                  <a:tr h="190500">
+                    <a:tc>
+                      <a:txBody>
+                        <a:bodyPr/>
+                        <a:lstStyle/>
+                        <a:p>
+                          <a:pPr algn="l" fontAlgn="b"/>
+                          <a:r>
+                            <a:rPr lang="en-US" sz="1200" u="none" strike="noStrike" dirty="0">
+                              <a:effectLst/>
+                            </a:rPr>
+                            <a:t>time points</a:t>
+                          </a:r>
+                          <a:endParaRPr lang="en-US" sz="1200" b="1" i="0" u="none" strike="noStrike" dirty="0">
+                            <a:solidFill>
+                              <a:srgbClr val="000000"/>
+                            </a:solidFill>
+                            <a:effectLst/>
+                            <a:latin typeface="Times New Roman" panose="02020603050405020304" pitchFamily="18" charset="0"/>
+                            <a:cs typeface="Times New Roman" panose="02020603050405020304" pitchFamily="18" charset="0"/>
+                          </a:endParaRPr>
+                        </a:p>
+                      </a:txBody>
+                      <a:tcPr marL="9525" marR="9525" marT="9525" marB="0" anchor="b"/>
+                    </a:tc>
+                    <a:tc gridSpan="3">
+                      <a:txBody>
+                        <a:bodyPr/>
+                        <a:lstStyle/>
+                        <a:p>
+                          <a:pPr algn="ctr" fontAlgn="b"/>
+                          <a:r>
+                            <a:rPr lang="en-US" sz="1200" u="none" strike="noStrike">
+                              <a:effectLst/>
+                            </a:rPr>
+                            <a:t>0~4, 0~9</a:t>
+                          </a:r>
+                          <a:endParaRPr lang="en-US" sz="1200" b="0" i="0" u="none" strike="noStrike">
+                            <a:solidFill>
+                              <a:srgbClr val="000000"/>
+                            </a:solidFill>
+                            <a:effectLst/>
+                            <a:latin typeface="Times New Roman" panose="02020603050405020304" pitchFamily="18" charset="0"/>
+                            <a:cs typeface="Times New Roman" panose="02020603050405020304" pitchFamily="18" charset="0"/>
+                          </a:endParaRPr>
+                        </a:p>
+                      </a:txBody>
+                      <a:tcPr marL="9525" marR="9525" marT="9525" marB="0" anchor="b"/>
+                    </a:tc>
+                    <a:tc hMerge="1">
+                      <a:txBody>
+                        <a:bodyPr/>
+                        <a:lstStyle/>
+                        <a:p>
+                          <a:endParaRPr lang="en-US"/>
+                        </a:p>
+                      </a:txBody>
+                      <a:tcPr/>
+                    </a:tc>
+                    <a:tc hMerge="1">
+                      <a:txBody>
+                        <a:bodyPr/>
+                        <a:lstStyle/>
+                        <a:p>
+                          <a:endParaRPr lang="en-US"/>
+                        </a:p>
+                      </a:txBody>
+                      <a:tcPr/>
+                    </a:tc>
+                  </a:tr>
+                  <a:tr h="190500">
+                    <a:tc>
+                      <a:txBody>
+                        <a:bodyPr/>
+                        <a:lstStyle/>
+                        <a:p>
+                          <a:pPr algn="l" fontAlgn="b"/>
+                          <a:r>
+                            <a:rPr lang="en-US" sz="1200" u="none" strike="noStrike" dirty="0">
+                              <a:effectLst/>
+                            </a:rPr>
+                            <a:t>Sample size</a:t>
+                          </a:r>
+                          <a:endParaRPr lang="en-US" sz="1200" b="1" i="0" u="none" strike="noStrike" dirty="0">
+                            <a:solidFill>
+                              <a:srgbClr val="000000"/>
+                            </a:solidFill>
+                            <a:effectLst/>
+                            <a:latin typeface="Times New Roman" panose="02020603050405020304" pitchFamily="18" charset="0"/>
+                            <a:cs typeface="Times New Roman" panose="02020603050405020304" pitchFamily="18" charset="0"/>
+                          </a:endParaRPr>
+                        </a:p>
+                      </a:txBody>
+                      <a:tcPr marL="9525" marR="9525" marT="9525" marB="0" anchor="b"/>
+                    </a:tc>
+                    <a:tc>
+                      <a:txBody>
+                        <a:bodyPr/>
+                        <a:lstStyle/>
+                        <a:p>
+                          <a:pPr algn="ctr" fontAlgn="b"/>
+                          <a:r>
+                            <a:rPr lang="en-US" sz="1200" u="none" strike="noStrike" dirty="0">
+                              <a:effectLst/>
+                            </a:rPr>
+                            <a:t>100, 200</a:t>
+                          </a:r>
+                          <a:endParaRPr lang="en-US" sz="1200" b="0" i="0" u="none" strike="noStrike" dirty="0">
+                            <a:solidFill>
+                              <a:srgbClr val="000000"/>
+                            </a:solidFill>
+                            <a:effectLst/>
+                            <a:latin typeface="Times New Roman" panose="02020603050405020304" pitchFamily="18" charset="0"/>
+                            <a:cs typeface="Times New Roman" panose="02020603050405020304" pitchFamily="18" charset="0"/>
+                          </a:endParaRPr>
+                        </a:p>
+                      </a:txBody>
+                      <a:tcPr marL="9525" marR="9525" marT="9525" marB="0" anchor="b"/>
+                    </a:tc>
+                    <a:tc>
+                      <a:txBody>
+                        <a:bodyPr/>
+                        <a:lstStyle/>
+                        <a:p>
+                          <a:pPr algn="ctr" fontAlgn="b"/>
+                          <a:r>
+                            <a:rPr lang="en-US" sz="1200" u="none" strike="noStrike">
+                              <a:effectLst/>
+                            </a:rPr>
+                            <a:t>1000, 2000</a:t>
+                          </a:r>
+                          <a:endParaRPr lang="en-US" sz="1200" b="0" i="0" u="none" strike="noStrike">
+                            <a:solidFill>
+                              <a:srgbClr val="000000"/>
+                            </a:solidFill>
+                            <a:effectLst/>
+                            <a:latin typeface="Times New Roman" panose="02020603050405020304" pitchFamily="18" charset="0"/>
+                            <a:cs typeface="Times New Roman" panose="02020603050405020304" pitchFamily="18" charset="0"/>
+                          </a:endParaRPr>
+                        </a:p>
+                      </a:txBody>
+                      <a:tcPr marL="9525" marR="9525" marT="9525" marB="0" anchor="b"/>
+                    </a:tc>
+                    <a:tc>
+                      <a:txBody>
+                        <a:bodyPr/>
+                        <a:lstStyle/>
+                        <a:p>
+                          <a:pPr algn="ctr" fontAlgn="b"/>
+                          <a:r>
+                            <a:rPr lang="en-US" sz="1200" u="none" strike="noStrike">
+                              <a:effectLst/>
+                            </a:rPr>
+                            <a:t>5000, 10000</a:t>
+                          </a:r>
+                          <a:endParaRPr lang="en-US" sz="1200" b="0" i="0" u="none" strike="noStrike">
+                            <a:solidFill>
+                              <a:srgbClr val="000000"/>
+                            </a:solidFill>
+                            <a:effectLst/>
+                            <a:latin typeface="Times New Roman" panose="02020603050405020304" pitchFamily="18" charset="0"/>
+                            <a:cs typeface="Times New Roman" panose="02020603050405020304" pitchFamily="18" charset="0"/>
+                          </a:endParaRPr>
+                        </a:p>
+                      </a:txBody>
+                      <a:tcPr marL="9525" marR="9525" marT="9525" marB="0" anchor="b"/>
+                    </a:tc>
+                  </a:tr>
+                  <a:tr h="190500">
+                    <a:tc>
+                      <a:txBody>
+                        <a:bodyPr/>
+                        <a:lstStyle/>
+                        <a:p>
+                          <a:pPr algn="l" fontAlgn="b"/>
+                          <a:r>
+                            <a:rPr lang="en-US" sz="1200" u="none" strike="noStrike">
+                              <a:effectLst/>
+                            </a:rPr>
+                            <a:t>Intercept</a:t>
+                          </a:r>
+                          <a:endParaRPr lang="en-US" sz="1200" b="1" i="0" u="none" strike="noStrike">
+                            <a:solidFill>
+                              <a:srgbClr val="000000"/>
+                            </a:solidFill>
+                            <a:effectLst/>
+                            <a:latin typeface="Times New Roman" panose="02020603050405020304" pitchFamily="18" charset="0"/>
+                            <a:cs typeface="Times New Roman" panose="02020603050405020304" pitchFamily="18" charset="0"/>
+                          </a:endParaRPr>
+                        </a:p>
+                      </a:txBody>
+                      <a:tcPr marL="9525" marR="9525" marT="9525" marB="0" anchor="b"/>
+                    </a:tc>
+                    <a:tc gridSpan="3">
+                      <a:txBody>
+                        <a:bodyPr/>
+                        <a:lstStyle/>
+                        <a:p>
+                          <a:pPr algn="ctr" fontAlgn="b"/>
+                          <a:r>
+                            <a:rPr lang="en-US" sz="1200" u="none" strike="noStrike" dirty="0">
+                              <a:effectLst/>
+                            </a:rPr>
+                            <a:t>2</a:t>
+                          </a:r>
+                          <a:endParaRPr lang="en-US" sz="1200" b="0" i="0" u="none" strike="noStrike" dirty="0">
+                            <a:solidFill>
+                              <a:srgbClr val="000000"/>
+                            </a:solidFill>
+                            <a:effectLst/>
+                            <a:latin typeface="Times New Roman" panose="02020603050405020304" pitchFamily="18" charset="0"/>
+                            <a:cs typeface="Times New Roman" panose="02020603050405020304" pitchFamily="18" charset="0"/>
+                          </a:endParaRPr>
+                        </a:p>
+                      </a:txBody>
+                      <a:tcPr marL="9525" marR="9525" marT="9525" marB="0" anchor="b"/>
+                    </a:tc>
+                    <a:tc hMerge="1">
+                      <a:txBody>
+                        <a:bodyPr/>
+                        <a:lstStyle/>
+                        <a:p>
+                          <a:endParaRPr lang="en-US"/>
+                        </a:p>
+                      </a:txBody>
+                      <a:tcPr/>
+                    </a:tc>
+                    <a:tc hMerge="1">
+                      <a:txBody>
+                        <a:bodyPr/>
+                        <a:lstStyle/>
+                        <a:p>
+                          <a:endParaRPr lang="en-US"/>
+                        </a:p>
+                      </a:txBody>
+                      <a:tcPr/>
+                    </a:tc>
+                  </a:tr>
+                  <a:tr h="190500">
+                    <a:tc>
+                      <a:txBody>
+                        <a:bodyPr/>
+                        <a:lstStyle/>
+                        <a:p>
+                          <a:pPr algn="l" fontAlgn="b"/>
+                          <a:r>
+                            <a:rPr lang="en-US" sz="1200" u="none" strike="noStrike">
+                              <a:effectLst/>
+                            </a:rPr>
+                            <a:t>Time</a:t>
+                          </a:r>
+                          <a:endParaRPr lang="en-US" sz="1200" b="1" i="0" u="none" strike="noStrike">
+                            <a:solidFill>
+                              <a:srgbClr val="000000"/>
+                            </a:solidFill>
+                            <a:effectLst/>
+                            <a:latin typeface="Times New Roman" panose="02020603050405020304" pitchFamily="18" charset="0"/>
+                            <a:cs typeface="Times New Roman" panose="02020603050405020304" pitchFamily="18" charset="0"/>
+                          </a:endParaRPr>
+                        </a:p>
+                      </a:txBody>
+                      <a:tcPr marL="9525" marR="9525" marT="9525" marB="0" anchor="b"/>
+                    </a:tc>
+                    <a:tc gridSpan="3">
+                      <a:txBody>
+                        <a:bodyPr/>
+                        <a:lstStyle/>
+                        <a:p>
+                          <a:pPr algn="ctr" fontAlgn="b"/>
+                          <a:r>
+                            <a:rPr lang="en-US" sz="1200" u="none" strike="noStrike" dirty="0">
+                              <a:effectLst/>
+                            </a:rPr>
+                            <a:t>0.5</a:t>
+                          </a:r>
+                          <a:endParaRPr lang="en-US" sz="1200" b="0" i="0" u="none" strike="noStrike" dirty="0">
+                            <a:solidFill>
+                              <a:srgbClr val="000000"/>
+                            </a:solidFill>
+                            <a:effectLst/>
+                            <a:latin typeface="Times New Roman" panose="02020603050405020304" pitchFamily="18" charset="0"/>
+                            <a:cs typeface="Times New Roman" panose="02020603050405020304" pitchFamily="18" charset="0"/>
+                          </a:endParaRPr>
+                        </a:p>
+                      </a:txBody>
+                      <a:tcPr marL="9525" marR="9525" marT="9525" marB="0" anchor="b"/>
+                    </a:tc>
+                    <a:tc hMerge="1">
+                      <a:txBody>
+                        <a:bodyPr/>
+                        <a:lstStyle/>
+                        <a:p>
+                          <a:endParaRPr lang="en-US"/>
+                        </a:p>
+                      </a:txBody>
+                      <a:tcPr/>
+                    </a:tc>
+                    <a:tc hMerge="1">
+                      <a:txBody>
+                        <a:bodyPr/>
+                        <a:lstStyle/>
+                        <a:p>
+                          <a:endParaRPr lang="en-US"/>
+                        </a:p>
+                      </a:txBody>
+                      <a:tcPr/>
+                    </a:tc>
+                  </a:tr>
+                  <a:tr h="190500">
+                    <a:tc>
+                      <a:txBody>
+                        <a:bodyPr/>
+                        <a:lstStyle/>
+                        <a:p>
+                          <a:pPr algn="l" fontAlgn="b"/>
+                          <a:r>
+                            <a:rPr lang="en-US" sz="1200" u="none" strike="noStrike" dirty="0" smtClean="0">
+                              <a:effectLst/>
+                            </a:rPr>
+                            <a:t>Treatment</a:t>
+                          </a:r>
+                          <a:endParaRPr lang="en-US" sz="1200" b="1" i="0" u="none" strike="noStrike" dirty="0">
+                            <a:solidFill>
+                              <a:srgbClr val="000000"/>
+                            </a:solidFill>
+                            <a:effectLst/>
+                            <a:latin typeface="Times New Roman" panose="02020603050405020304" pitchFamily="18" charset="0"/>
+                            <a:cs typeface="Times New Roman" panose="02020603050405020304" pitchFamily="18" charset="0"/>
+                          </a:endParaRPr>
+                        </a:p>
+                      </a:txBody>
+                      <a:tcPr marL="9525" marR="9525" marT="9525" marB="0" anchor="b"/>
+                    </a:tc>
+                    <a:tc gridSpan="3">
+                      <a:txBody>
+                        <a:bodyPr/>
+                        <a:lstStyle/>
+                        <a:p>
+                          <a:pPr algn="ctr" fontAlgn="b"/>
+                          <a:r>
+                            <a:rPr lang="en-US" sz="1200" u="none" strike="noStrike" dirty="0">
+                              <a:effectLst/>
+                            </a:rPr>
+                            <a:t>1</a:t>
+                          </a:r>
+                          <a:endParaRPr lang="en-US" sz="1200" b="0" i="0" u="none" strike="noStrike" dirty="0">
+                            <a:solidFill>
+                              <a:srgbClr val="000000"/>
+                            </a:solidFill>
+                            <a:effectLst/>
+                            <a:latin typeface="Times New Roman" panose="02020603050405020304" pitchFamily="18" charset="0"/>
+                            <a:cs typeface="Times New Roman" panose="02020603050405020304" pitchFamily="18" charset="0"/>
+                          </a:endParaRPr>
+                        </a:p>
+                      </a:txBody>
+                      <a:tcPr marL="9525" marR="9525" marT="9525" marB="0" anchor="b"/>
+                    </a:tc>
+                    <a:tc hMerge="1">
+                      <a:txBody>
+                        <a:bodyPr/>
+                        <a:lstStyle/>
+                        <a:p>
+                          <a:endParaRPr lang="en-US"/>
+                        </a:p>
+                      </a:txBody>
+                      <a:tcPr/>
+                    </a:tc>
+                    <a:tc hMerge="1">
+                      <a:txBody>
+                        <a:bodyPr/>
+                        <a:lstStyle/>
+                        <a:p>
+                          <a:endParaRPr lang="en-US"/>
+                        </a:p>
+                      </a:txBody>
+                      <a:tcPr/>
+                    </a:tc>
+                  </a:tr>
+                  <a:tr h="190500">
+                    <a:tc>
+                      <a:txBody>
+                        <a:bodyPr/>
+                        <a:lstStyle/>
+                        <a:p>
+                          <a:pPr algn="l" fontAlgn="b"/>
+                          <a:r>
+                            <a:rPr lang="en-US" sz="1200" u="none" strike="noStrike" dirty="0" smtClean="0">
+                              <a:effectLst/>
+                            </a:rPr>
+                            <a:t>Treatment*time</a:t>
+                          </a:r>
+                          <a:endParaRPr lang="en-US" sz="1200" b="1" i="0" u="none" strike="noStrike" dirty="0">
+                            <a:solidFill>
+                              <a:srgbClr val="000000"/>
+                            </a:solidFill>
+                            <a:effectLst/>
+                            <a:latin typeface="Times New Roman" panose="02020603050405020304" pitchFamily="18" charset="0"/>
+                            <a:cs typeface="Times New Roman" panose="02020603050405020304" pitchFamily="18" charset="0"/>
+                          </a:endParaRPr>
+                        </a:p>
+                      </a:txBody>
+                      <a:tcPr marL="9525" marR="9525" marT="9525" marB="0" anchor="b"/>
+                    </a:tc>
+                    <a:tc gridSpan="3">
+                      <a:txBody>
+                        <a:bodyPr/>
+                        <a:lstStyle/>
+                        <a:p>
+                          <a:pPr algn="ctr" fontAlgn="b"/>
+                          <a:r>
+                            <a:rPr lang="en-US" sz="1200" u="none" strike="noStrike" dirty="0">
+                              <a:effectLst/>
+                            </a:rPr>
+                            <a:t>0.25</a:t>
+                          </a:r>
+                          <a:endParaRPr lang="en-US" sz="1200" b="0" i="0" u="none" strike="noStrike" dirty="0">
+                            <a:solidFill>
+                              <a:srgbClr val="000000"/>
+                            </a:solidFill>
+                            <a:effectLst/>
+                            <a:latin typeface="Times New Roman" panose="02020603050405020304" pitchFamily="18" charset="0"/>
+                            <a:cs typeface="Times New Roman" panose="02020603050405020304" pitchFamily="18" charset="0"/>
+                          </a:endParaRPr>
+                        </a:p>
+                      </a:txBody>
+                      <a:tcPr marL="9525" marR="9525" marT="9525" marB="0" anchor="b"/>
+                    </a:tc>
+                    <a:tc hMerge="1">
+                      <a:txBody>
+                        <a:bodyPr/>
+                        <a:lstStyle/>
+                        <a:p>
+                          <a:endParaRPr lang="en-US"/>
+                        </a:p>
+                      </a:txBody>
+                      <a:tcPr/>
+                    </a:tc>
+                    <a:tc hMerge="1">
+                      <a:txBody>
+                        <a:bodyPr/>
+                        <a:lstStyle/>
+                        <a:p>
+                          <a:endParaRPr lang="en-US"/>
+                        </a:p>
+                      </a:txBody>
+                      <a:tcPr/>
+                    </a:tc>
+                  </a:tr>
+                  <a:tr h="190500">
+                    <a:tc>
+                      <a:txBody>
+                        <a:bodyPr/>
+                        <a:lstStyle/>
+                        <a:p>
+                          <a:pPr algn="l" fontAlgn="b"/>
+                          <a:r>
+                            <a:rPr lang="en-US" sz="1200" u="none" strike="noStrike" dirty="0">
+                              <a:effectLst/>
+                            </a:rPr>
+                            <a:t>Error</a:t>
+                          </a:r>
+                          <a:endParaRPr lang="en-US" sz="1200" b="1" i="0" u="none" strike="noStrike" dirty="0">
+                            <a:solidFill>
+                              <a:srgbClr val="000000"/>
+                            </a:solidFill>
+                            <a:effectLst/>
+                            <a:latin typeface="Times New Roman" panose="02020603050405020304" pitchFamily="18" charset="0"/>
+                            <a:cs typeface="Times New Roman" panose="02020603050405020304" pitchFamily="18" charset="0"/>
+                          </a:endParaRPr>
+                        </a:p>
+                      </a:txBody>
+                      <a:tcPr marL="9525" marR="9525" marT="9525" marB="0" anchor="b"/>
+                    </a:tc>
+                    <a:tc gridSpan="3">
+                      <a:txBody>
+                        <a:bodyPr/>
+                        <a:lstStyle/>
+                        <a:p>
+                          <a:pPr algn="ctr" fontAlgn="b"/>
+                          <a:r>
+                            <a:rPr lang="en-US" sz="1200" u="none" strike="noStrike" dirty="0">
+                              <a:effectLst/>
+                            </a:rPr>
+                            <a:t>N(0.3)</a:t>
+                          </a:r>
+                          <a:endParaRPr lang="en-US" sz="1200" b="0" i="0" u="none" strike="noStrike" dirty="0">
+                            <a:solidFill>
+                              <a:srgbClr val="000000"/>
+                            </a:solidFill>
+                            <a:effectLst/>
+                            <a:latin typeface="Times New Roman" panose="02020603050405020304" pitchFamily="18" charset="0"/>
+                            <a:cs typeface="Times New Roman" panose="02020603050405020304" pitchFamily="18" charset="0"/>
+                          </a:endParaRPr>
+                        </a:p>
+                      </a:txBody>
+                      <a:tcPr marL="9525" marR="9525" marT="9525" marB="0" anchor="b"/>
+                    </a:tc>
+                    <a:tc hMerge="1">
+                      <a:txBody>
+                        <a:bodyPr/>
+                        <a:lstStyle/>
+                        <a:p>
+                          <a:endParaRPr lang="en-US"/>
+                        </a:p>
+                      </a:txBody>
+                      <a:tcPr/>
+                    </a:tc>
+                    <a:tc hMerge="1">
+                      <a:txBody>
+                        <a:bodyPr/>
+                        <a:lstStyle/>
+                        <a:p>
+                          <a:endParaRPr lang="en-US"/>
+                        </a:p>
+                      </a:txBody>
+                      <a:tcPr/>
+                    </a:tc>
+                  </a:tr>
+                  <a:tr h="190500">
+                    <a:tc>
+                      <a:txBody>
+                        <a:bodyPr/>
+                        <a:lstStyle/>
+                        <a:p>
+                          <a:pPr algn="l" fontAlgn="b"/>
+                          <a:r>
+                            <a:rPr lang="en-US" sz="1200" u="none" strike="noStrike" dirty="0" smtClean="0">
+                              <a:effectLst/>
+                            </a:rPr>
+                            <a:t>Random</a:t>
+                          </a:r>
+                          <a:r>
+                            <a:rPr lang="en-US" sz="1200" u="none" strike="noStrike" baseline="0" dirty="0" smtClean="0">
+                              <a:effectLst/>
+                            </a:rPr>
+                            <a:t> </a:t>
+                          </a:r>
+                          <a:r>
+                            <a:rPr lang="en-US" sz="1200" u="none" strike="noStrike" dirty="0" smtClean="0">
+                              <a:effectLst/>
+                            </a:rPr>
+                            <a:t>components</a:t>
+                          </a:r>
+                        </a:p>
+                        <a:p>
+                          <a:pPr algn="l" fontAlgn="b"/>
+                          <a14:m>
+                            <m:oMathPara xmlns:m="http://schemas.openxmlformats.org/officeDocument/2006/math">
+                              <m:oMathParaPr>
+                                <m:jc m:val="left"/>
+                              </m:oMathParaPr>
+                              <m:oMath xmlns:m="http://schemas.openxmlformats.org/officeDocument/2006/math">
+                                <m:r>
+                                  <a:rPr lang="en-US" sz="1200" kern="1200" smtClean="0">
+                                    <a:latin typeface="Cambria Math" panose="02040503050406030204" pitchFamily="18" charset="0"/>
+                                  </a:rPr>
+                                  <m:t>𝑅</m:t>
+                                </m:r>
+                                <m:r>
+                                  <a:rPr lang="en-US" sz="1200" u="none" strike="noStrike" kern="1200" smtClean="0">
+                                    <a:effectLst/>
+                                    <a:latin typeface="Cambria Math" panose="02040503050406030204" pitchFamily="18" charset="0"/>
+                                  </a:rPr>
+                                  <m:t>𝑎𝑛𝑑𝑜𝑚</m:t>
+                                </m:r>
+                                <m:r>
+                                  <a:rPr lang="en-US" sz="1200" u="none" strike="noStrike" kern="1200" smtClean="0">
+                                    <a:effectLst/>
+                                    <a:latin typeface="Cambria Math" panose="02040503050406030204" pitchFamily="18" charset="0"/>
+                                  </a:rPr>
+                                  <m:t> </m:t>
+                                </m:r>
+                                <m:r>
+                                  <a:rPr lang="en-US" sz="1200" u="none" strike="noStrike" kern="1200" smtClean="0">
+                                    <a:effectLst/>
+                                    <a:latin typeface="Cambria Math" panose="02040503050406030204" pitchFamily="18" charset="0"/>
+                                  </a:rPr>
+                                  <m:t>𝑖𝑛𝑡𝑒𝑟𝑐𝑒𝑝𝑡</m:t>
+                                </m:r>
+                                <m:r>
+                                  <a:rPr lang="en-US" sz="1200" u="none" strike="noStrike" kern="1200" smtClean="0">
+                                    <a:effectLst/>
+                                    <a:latin typeface="Cambria Math" panose="02040503050406030204" pitchFamily="18" charset="0"/>
+                                  </a:rPr>
+                                  <m:t> </m:t>
+                                </m:r>
+                                <m:sSub>
+                                  <m:sSubPr>
+                                    <m:ctrlPr>
+                                      <a:rPr lang="en-US" sz="1200" i="1" u="none" strike="noStrike" kern="1200" smtClean="0">
+                                        <a:effectLst/>
+                                        <a:latin typeface="Cambria Math" panose="02040503050406030204" pitchFamily="18" charset="0"/>
+                                      </a:rPr>
+                                    </m:ctrlPr>
+                                  </m:sSubPr>
+                                  <m:e>
+                                    <m:r>
+                                      <a:rPr lang="en-US" sz="1200" u="none" strike="noStrike" kern="1200" smtClean="0">
+                                        <a:effectLst/>
+                                        <a:latin typeface="Cambria Math" panose="02040503050406030204" pitchFamily="18" charset="0"/>
+                                      </a:rPr>
+                                      <m:t>𝑏</m:t>
+                                    </m:r>
+                                  </m:e>
+                                  <m:sub>
+                                    <m:r>
+                                      <a:rPr lang="en-US" sz="1200" u="none" strike="noStrike" kern="1200" smtClean="0">
+                                        <a:effectLst/>
+                                        <a:latin typeface="Cambria Math" panose="02040503050406030204" pitchFamily="18" charset="0"/>
+                                      </a:rPr>
+                                      <m:t>0</m:t>
+                                    </m:r>
+                                    <m:r>
+                                      <a:rPr lang="en-US" sz="1200" u="none" strike="noStrike" kern="1200" smtClean="0">
+                                        <a:effectLst/>
+                                        <a:latin typeface="Cambria Math" panose="02040503050406030204" pitchFamily="18" charset="0"/>
+                                      </a:rPr>
+                                      <m:t>𝑖</m:t>
+                                    </m:r>
+                                  </m:sub>
+                                </m:sSub>
+                              </m:oMath>
+                            </m:oMathPara>
+                          </a14:m>
+                          <a:endParaRPr lang="en-US" sz="1200" u="none" strike="noStrike" kern="1200" dirty="0" smtClean="0">
+                            <a:effectLst/>
+                          </a:endParaRPr>
+                        </a:p>
+                        <a:p>
+                          <a:pPr algn="l" fontAlgn="b"/>
+                          <a14:m>
+                            <m:oMathPara xmlns:m="http://schemas.openxmlformats.org/officeDocument/2006/math">
+                              <m:oMathParaPr>
+                                <m:jc m:val="left"/>
+                              </m:oMathParaPr>
+                              <m:oMath xmlns:m="http://schemas.openxmlformats.org/officeDocument/2006/math">
+                                <m:r>
+                                  <a:rPr lang="en-US" sz="1200" kern="1200" smtClean="0">
+                                    <a:latin typeface="Cambria Math" panose="02040503050406030204" pitchFamily="18" charset="0"/>
+                                  </a:rPr>
+                                  <m:t>𝑅𝑎𝑛𝑑𝑜𝑚</m:t>
+                                </m:r>
+                                <m:r>
+                                  <a:rPr lang="en-US" sz="1200" kern="1200" smtClean="0">
+                                    <a:latin typeface="Cambria Math" panose="02040503050406030204" pitchFamily="18" charset="0"/>
+                                  </a:rPr>
+                                  <m:t> </m:t>
+                                </m:r>
+                                <m:r>
+                                  <a:rPr lang="en-US" sz="1200" kern="1200" smtClean="0">
+                                    <a:latin typeface="Cambria Math" panose="02040503050406030204" pitchFamily="18" charset="0"/>
+                                  </a:rPr>
+                                  <m:t>𝑠𝑙𝑜𝑝𝑒</m:t>
+                                </m:r>
+                                <m:r>
+                                  <a:rPr lang="en-US" sz="1200" kern="1200" smtClean="0">
+                                    <a:latin typeface="Cambria Math" panose="02040503050406030204" pitchFamily="18" charset="0"/>
+                                  </a:rPr>
+                                  <m:t> </m:t>
+                                </m:r>
+                                <m:sSub>
+                                  <m:sSubPr>
+                                    <m:ctrlPr>
+                                      <a:rPr lang="en-US" sz="1200" i="1" kern="1200" smtClean="0">
+                                        <a:latin typeface="Cambria Math" panose="02040503050406030204" pitchFamily="18" charset="0"/>
+                                      </a:rPr>
+                                    </m:ctrlPr>
+                                  </m:sSubPr>
+                                  <m:e>
+                                    <m:r>
+                                      <a:rPr lang="en-US" sz="1200" kern="1200">
+                                        <a:latin typeface="Cambria Math" panose="02040503050406030204" pitchFamily="18" charset="0"/>
+                                      </a:rPr>
+                                      <m:t>𝑏</m:t>
+                                    </m:r>
+                                  </m:e>
+                                  <m:sub>
+                                    <m:r>
+                                      <a:rPr lang="en-US" sz="1200" kern="1200" smtClean="0">
+                                        <a:latin typeface="Cambria Math" panose="02040503050406030204" pitchFamily="18" charset="0"/>
+                                      </a:rPr>
+                                      <m:t>1</m:t>
+                                    </m:r>
+                                  </m:sub>
+                                </m:sSub>
+                              </m:oMath>
+                            </m:oMathPara>
+                          </a14:m>
+                          <a:endParaRPr lang="en-US" sz="1200" u="none" strike="noStrike" dirty="0" smtClean="0">
+                            <a:effectLst/>
+                          </a:endParaRPr>
+                        </a:p>
+                        <a:p>
+                          <a:pPr algn="ctr" fontAlgn="b"/>
+                          <a:r>
+                            <a:rPr lang="en-US" sz="1100" u="none" strike="noStrike" dirty="0" err="1" smtClean="0">
+                              <a:effectLst/>
+                            </a:rPr>
+                            <a:t>i</a:t>
+                          </a:r>
+                          <a:r>
+                            <a:rPr lang="en-US" sz="1100" u="none" strike="noStrike" baseline="0" dirty="0" smtClean="0">
+                              <a:effectLst/>
+                            </a:rPr>
+                            <a:t> represents each subjects</a:t>
+                          </a:r>
+                          <a:endParaRPr lang="en-US" sz="1100" u="none" strike="noStrike" dirty="0" smtClean="0">
+                            <a:effectLst/>
+                          </a:endParaRPr>
+                        </a:p>
+                        <a:p>
+                          <a:pPr algn="ctr" fontAlgn="b"/>
+                          <a:endParaRPr lang="en-US" sz="1200" b="1" i="0" u="none" strike="noStrike" dirty="0">
+                            <a:solidFill>
+                              <a:srgbClr val="000000"/>
+                            </a:solidFill>
+                            <a:effectLst/>
+                            <a:latin typeface="Times New Roman" panose="02020603050405020304" pitchFamily="18" charset="0"/>
+                            <a:cs typeface="Times New Roman" panose="02020603050405020304" pitchFamily="18" charset="0"/>
+                          </a:endParaRPr>
+                        </a:p>
+                      </a:txBody>
+                      <a:tcPr marL="9525" marR="9525" marT="9525" marB="0" anchor="b"/>
+                    </a:tc>
+                    <a:tc gridSpan="3">
+                      <a:txBody>
+                        <a:bodyPr/>
+                        <a:lstStyle/>
+                        <a:p>
+                          <a:pPr algn="l" fontAlgn="b"/>
+                          <a:r>
+                            <a:rPr lang="en-US" sz="1200" kern="1200" dirty="0" smtClean="0"/>
+                            <a:t>Skewd:</a:t>
+                          </a:r>
+                          <a:r>
+                            <a:rPr lang="en-US" sz="1200" kern="1200" baseline="0" dirty="0" smtClean="0"/>
+                            <a:t> </a:t>
+                          </a:r>
+                          <a14:m>
+                            <m:oMath xmlns:m="http://schemas.openxmlformats.org/officeDocument/2006/math">
+                              <m:sSub>
+                                <m:sSubPr>
+                                  <m:ctrlPr>
+                                    <a:rPr lang="en-US" sz="1200" i="1" kern="1200" smtClean="0">
+                                      <a:latin typeface="Cambria Math" panose="02040503050406030204" pitchFamily="18" charset="0"/>
+                                    </a:rPr>
+                                  </m:ctrlPr>
+                                </m:sSubPr>
+                                <m:e>
+                                  <m:r>
+                                    <a:rPr lang="en-US" sz="1200" kern="1200" smtClean="0">
+                                      <a:latin typeface="Cambria Math" panose="02040503050406030204" pitchFamily="18" charset="0"/>
+                                    </a:rPr>
+                                    <m:t>𝑏</m:t>
+                                  </m:r>
+                                </m:e>
+                                <m:sub>
+                                  <m:r>
+                                    <a:rPr lang="en-US" sz="1200" kern="1200" smtClean="0">
+                                      <a:latin typeface="Cambria Math" panose="02040503050406030204" pitchFamily="18" charset="0"/>
+                                    </a:rPr>
+                                    <m:t>0</m:t>
+                                  </m:r>
+                                  <m:r>
+                                    <a:rPr lang="en-US" sz="1200" kern="1200" smtClean="0">
+                                      <a:latin typeface="Cambria Math" panose="02040503050406030204" pitchFamily="18" charset="0"/>
+                                    </a:rPr>
+                                    <m:t>𝑖</m:t>
+                                  </m:r>
+                                </m:sub>
+                              </m:sSub>
+                            </m:oMath>
+                          </a14:m>
+                          <a:r>
+                            <a:rPr lang="en-US" sz="1200" kern="1200" dirty="0" smtClean="0"/>
+                            <a:t>~</a:t>
+                          </a:r>
+                          <a14:m>
+                            <m:oMath xmlns:m="http://schemas.openxmlformats.org/officeDocument/2006/math">
+                              <m:func>
+                                <m:funcPr>
+                                  <m:ctrlPr>
+                                    <a:rPr lang="en-US" sz="1200" i="1" kern="1200" dirty="0" smtClean="0">
+                                      <a:latin typeface="Cambria Math" panose="02040503050406030204" pitchFamily="18" charset="0"/>
+                                    </a:rPr>
+                                  </m:ctrlPr>
+                                </m:funcPr>
+                                <m:fName>
+                                  <m:r>
+                                    <m:rPr>
+                                      <m:sty m:val="p"/>
+                                    </m:rPr>
+                                    <a:rPr lang="en-US" sz="1200" kern="1200" dirty="0" smtClean="0">
+                                      <a:latin typeface="Cambria Math" panose="02040503050406030204" pitchFamily="18" charset="0"/>
+                                    </a:rPr>
+                                    <m:t>log</m:t>
+                                  </m:r>
+                                </m:fName>
+                                <m:e>
+                                  <m:r>
+                                    <a:rPr lang="en-US" sz="1200" kern="1200" dirty="0" smtClean="0">
+                                      <a:latin typeface="Cambria Math" panose="02040503050406030204" pitchFamily="18" charset="0"/>
+                                    </a:rPr>
+                                    <m:t>𝑁</m:t>
+                                  </m:r>
+                                </m:e>
+                              </m:func>
+                              <m:r>
+                                <a:rPr lang="en-US" sz="1200" kern="1200" dirty="0" smtClean="0">
+                                  <a:latin typeface="Cambria Math" panose="02040503050406030204" pitchFamily="18" charset="0"/>
+                                </a:rPr>
+                                <m:t>(5,3)</m:t>
+                              </m:r>
+                            </m:oMath>
+                          </a14:m>
+                          <a:endParaRPr lang="en-US" sz="1200" u="none" strike="noStrike" dirty="0" smtClean="0">
+                            <a:effectLst/>
+                          </a:endParaRPr>
+                        </a:p>
+                        <a:p>
+                          <a:pPr algn="l" fontAlgn="b"/>
+                          <a:endParaRPr lang="en-US" sz="1200" u="none" strike="noStrike" dirty="0" smtClean="0">
+                            <a:effectLst/>
+                          </a:endParaRPr>
+                        </a:p>
+                        <a:p>
+                          <a:pPr algn="l" fontAlgn="b"/>
+                          <a:r>
+                            <a:rPr lang="en-US" sz="1200" kern="1200" dirty="0" err="1" smtClean="0"/>
+                            <a:t>Skewd</a:t>
+                          </a:r>
+                          <a:r>
+                            <a:rPr lang="en-US" sz="1200" kern="1200" dirty="0" smtClean="0"/>
+                            <a:t>:</a:t>
+                          </a:r>
+                          <a:r>
+                            <a:rPr lang="en-US" sz="1200" kern="1200" baseline="0" dirty="0" smtClean="0"/>
+                            <a:t> </a:t>
+                          </a:r>
+                          <a14:m>
+                            <m:oMath xmlns:m="http://schemas.openxmlformats.org/officeDocument/2006/math">
+                              <m:d>
+                                <m:dPr>
+                                  <m:ctrlPr>
+                                    <a:rPr lang="en-US" sz="1200" i="1" kern="1200" smtClean="0">
+                                      <a:latin typeface="Cambria Math" panose="02040503050406030204" pitchFamily="18" charset="0"/>
+                                    </a:rPr>
+                                  </m:ctrlPr>
+                                </m:dPr>
+                                <m:e>
+                                  <m:f>
+                                    <m:fPr>
+                                      <m:type m:val="noBar"/>
+                                      <m:ctrlPr>
+                                        <a:rPr lang="en-US" sz="1200" i="1" kern="1200" smtClean="0">
+                                          <a:latin typeface="Cambria Math" panose="02040503050406030204" pitchFamily="18" charset="0"/>
+                                        </a:rPr>
+                                      </m:ctrlPr>
+                                    </m:fPr>
+                                    <m:num>
+                                      <m:sSub>
+                                        <m:sSubPr>
+                                          <m:ctrlPr>
+                                            <a:rPr lang="en-US" sz="1200" i="1" kern="1200" smtClean="0">
+                                              <a:latin typeface="Cambria Math" panose="02040503050406030204" pitchFamily="18" charset="0"/>
+                                            </a:rPr>
+                                          </m:ctrlPr>
+                                        </m:sSubPr>
+                                        <m:e>
+                                          <m:r>
+                                            <a:rPr lang="en-US" sz="1200" kern="1200" smtClean="0">
+                                              <a:latin typeface="Cambria Math" panose="02040503050406030204" pitchFamily="18" charset="0"/>
+                                            </a:rPr>
+                                            <m:t>𝑏</m:t>
+                                          </m:r>
+                                        </m:e>
+                                        <m:sub>
+                                          <m:r>
+                                            <a:rPr lang="en-US" sz="1200" kern="1200" smtClean="0">
+                                              <a:latin typeface="Cambria Math" panose="02040503050406030204" pitchFamily="18" charset="0"/>
+                                            </a:rPr>
+                                            <m:t>0</m:t>
+                                          </m:r>
+                                          <m:r>
+                                            <a:rPr lang="en-US" sz="1200" kern="1200" smtClean="0">
+                                              <a:latin typeface="Cambria Math" panose="02040503050406030204" pitchFamily="18" charset="0"/>
+                                            </a:rPr>
+                                            <m:t>𝑖</m:t>
+                                          </m:r>
+                                        </m:sub>
+                                      </m:sSub>
+                                    </m:num>
+                                    <m:den>
+                                      <m:sSub>
+                                        <m:sSubPr>
+                                          <m:ctrlPr>
+                                            <a:rPr lang="en-US" sz="1200" i="1" kern="1200" smtClean="0">
+                                              <a:latin typeface="Cambria Math" panose="02040503050406030204" pitchFamily="18" charset="0"/>
+                                            </a:rPr>
+                                          </m:ctrlPr>
+                                        </m:sSubPr>
+                                        <m:e>
+                                          <m:r>
+                                            <a:rPr lang="en-US" sz="1200" kern="1200">
+                                              <a:latin typeface="Cambria Math" panose="02040503050406030204" pitchFamily="18" charset="0"/>
+                                            </a:rPr>
+                                            <m:t>𝑏</m:t>
+                                          </m:r>
+                                        </m:e>
+                                        <m:sub>
+                                          <m:r>
+                                            <a:rPr lang="en-US" sz="1200" kern="1200" smtClean="0">
+                                              <a:latin typeface="Cambria Math" panose="02040503050406030204" pitchFamily="18" charset="0"/>
+                                            </a:rPr>
+                                            <m:t>1</m:t>
+                                          </m:r>
+                                        </m:sub>
+                                      </m:sSub>
+                                    </m:den>
+                                  </m:f>
+                                </m:e>
+                              </m:d>
+                            </m:oMath>
+                          </a14:m>
+                          <a:r>
+                            <a:rPr lang="en-US" sz="1200" kern="1200" dirty="0" smtClean="0"/>
+                            <a:t>~</a:t>
+                          </a:r>
+                          <a14:m>
+                            <m:oMath xmlns:m="http://schemas.openxmlformats.org/officeDocument/2006/math">
+                              <m:func>
+                                <m:funcPr>
+                                  <m:ctrlPr>
+                                    <a:rPr lang="en-US" sz="1200" i="1" kern="1200" dirty="0" smtClean="0">
+                                      <a:latin typeface="Cambria Math" panose="02040503050406030204" pitchFamily="18" charset="0"/>
+                                    </a:rPr>
+                                  </m:ctrlPr>
+                                </m:funcPr>
+                                <m:fName>
+                                  <m:r>
+                                    <m:rPr>
+                                      <m:sty m:val="p"/>
+                                    </m:rPr>
+                                    <a:rPr lang="en-US" sz="1200" kern="1200" dirty="0" smtClean="0">
+                                      <a:latin typeface="Cambria Math" panose="02040503050406030204" pitchFamily="18" charset="0"/>
+                                    </a:rPr>
+                                    <m:t>log</m:t>
+                                  </m:r>
+                                </m:fName>
+                                <m:e>
+                                  <m:r>
+                                    <a:rPr lang="en-US" sz="1200" kern="1200" dirty="0" smtClean="0">
+                                      <a:latin typeface="Cambria Math" panose="02040503050406030204" pitchFamily="18" charset="0"/>
+                                    </a:rPr>
+                                    <m:t>𝑁</m:t>
+                                  </m:r>
+                                </m:e>
+                              </m:func>
+                              <m:r>
+                                <a:rPr lang="en-US" sz="1200" kern="1200" dirty="0" smtClean="0">
+                                  <a:latin typeface="Cambria Math" panose="02040503050406030204" pitchFamily="18" charset="0"/>
+                                </a:rPr>
+                                <m:t>(</m:t>
+                              </m:r>
+                              <m:d>
+                                <m:dPr>
+                                  <m:ctrlPr>
+                                    <a:rPr lang="en-US" sz="1200" i="1" kern="1200" smtClean="0">
+                                      <a:latin typeface="Cambria Math" panose="02040503050406030204" pitchFamily="18" charset="0"/>
+                                    </a:rPr>
+                                  </m:ctrlPr>
+                                </m:dPr>
+                                <m:e>
+                                  <m:f>
+                                    <m:fPr>
+                                      <m:type m:val="noBar"/>
+                                      <m:ctrlPr>
+                                        <a:rPr lang="en-US" sz="1200" i="1" kern="1200" smtClean="0">
+                                          <a:latin typeface="Cambria Math" panose="02040503050406030204" pitchFamily="18" charset="0"/>
+                                        </a:rPr>
+                                      </m:ctrlPr>
+                                    </m:fPr>
+                                    <m:num>
+                                      <m:r>
+                                        <a:rPr lang="en-US" sz="1200" kern="1200" smtClean="0">
+                                          <a:latin typeface="Cambria Math" panose="02040503050406030204" pitchFamily="18" charset="0"/>
+                                        </a:rPr>
+                                        <m:t>5</m:t>
+                                      </m:r>
+                                    </m:num>
+                                    <m:den>
+                                      <m:r>
+                                        <a:rPr lang="en-US" sz="1200" kern="1200" smtClean="0">
+                                          <a:latin typeface="Cambria Math" panose="02040503050406030204" pitchFamily="18" charset="0"/>
+                                        </a:rPr>
+                                        <m:t>6</m:t>
+                                      </m:r>
+                                    </m:den>
+                                  </m:f>
+                                </m:e>
+                              </m:d>
+                            </m:oMath>
+                          </a14:m>
+                          <a:r>
+                            <a:rPr lang="en-US" sz="1200" kern="1200" dirty="0" smtClean="0"/>
+                            <a:t>,</a:t>
+                          </a:r>
+                          <a14:m>
+                            <m:oMath xmlns:m="http://schemas.openxmlformats.org/officeDocument/2006/math">
+                              <m:d>
+                                <m:dPr>
+                                  <m:ctrlPr>
+                                    <a:rPr lang="en-US" sz="1200" i="1" kern="1200" dirty="0" smtClean="0">
+                                      <a:latin typeface="Cambria Math" panose="02040503050406030204" pitchFamily="18" charset="0"/>
+                                    </a:rPr>
+                                  </m:ctrlPr>
+                                </m:dPr>
+                                <m:e>
+                                  <m:f>
+                                    <m:fPr>
+                                      <m:type m:val="noBar"/>
+                                      <m:ctrlPr>
+                                        <a:rPr lang="en-US" sz="1200" i="1" kern="1200" dirty="0" smtClean="0">
+                                          <a:latin typeface="Cambria Math" panose="02040503050406030204" pitchFamily="18" charset="0"/>
+                                        </a:rPr>
+                                      </m:ctrlPr>
+                                    </m:fPr>
+                                    <m:num>
+                                      <m:r>
+                                        <a:rPr lang="en-US" sz="1200" kern="1200" dirty="0" smtClean="0">
+                                          <a:latin typeface="Cambria Math" panose="02040503050406030204" pitchFamily="18" charset="0"/>
+                                        </a:rPr>
+                                        <m:t>3</m:t>
+                                      </m:r>
+                                    </m:num>
+                                    <m:den>
+                                      <m:r>
+                                        <a:rPr lang="en-US" sz="1200" kern="1200" dirty="0" smtClean="0">
+                                          <a:latin typeface="Cambria Math" panose="02040503050406030204" pitchFamily="18" charset="0"/>
+                                        </a:rPr>
+                                        <m:t>1.5</m:t>
+                                      </m:r>
+                                    </m:den>
+                                  </m:f>
+                                  <m:r>
+                                    <a:rPr lang="en-US" sz="1200" kern="1200" dirty="0" smtClean="0">
+                                      <a:latin typeface="Cambria Math" panose="02040503050406030204" pitchFamily="18" charset="0"/>
+                                    </a:rPr>
+                                    <m:t> </m:t>
+                                  </m:r>
+                                  <m:f>
+                                    <m:fPr>
+                                      <m:type m:val="noBar"/>
+                                      <m:ctrlPr>
+                                        <a:rPr lang="en-US" sz="1200" i="1" kern="1200" dirty="0" smtClean="0">
+                                          <a:latin typeface="Cambria Math" panose="02040503050406030204" pitchFamily="18" charset="0"/>
+                                        </a:rPr>
+                                      </m:ctrlPr>
+                                    </m:fPr>
+                                    <m:num>
+                                      <m:r>
+                                        <a:rPr lang="en-US" sz="1200" kern="1200" dirty="0" smtClean="0">
+                                          <a:latin typeface="Cambria Math" panose="02040503050406030204" pitchFamily="18" charset="0"/>
+                                        </a:rPr>
+                                        <m:t>1.5</m:t>
+                                      </m:r>
+                                    </m:num>
+                                    <m:den>
+                                      <m:r>
+                                        <a:rPr lang="en-US" sz="1200" kern="1200" dirty="0" smtClean="0">
+                                          <a:latin typeface="Cambria Math" panose="02040503050406030204" pitchFamily="18" charset="0"/>
+                                        </a:rPr>
+                                        <m:t>2</m:t>
+                                      </m:r>
+                                    </m:den>
+                                  </m:f>
+                                </m:e>
+                              </m:d>
+                              <m:r>
+                                <a:rPr lang="en-US" sz="1200" kern="1200" dirty="0" smtClean="0">
+                                  <a:latin typeface="Cambria Math" panose="02040503050406030204" pitchFamily="18" charset="0"/>
+                                </a:rPr>
+                                <m:t>)</m:t>
+                              </m:r>
+                            </m:oMath>
+                          </a14:m>
+                          <a:endParaRPr lang="en-US" sz="1200" u="none" strike="noStrike" dirty="0" smtClean="0">
+                            <a:effectLst/>
+                          </a:endParaRPr>
+                        </a:p>
+                        <a:p>
+                          <a:pPr algn="l" fontAlgn="b"/>
+                          <a:endParaRPr lang="en-US" sz="1200" u="none" strike="noStrike" kern="1200" dirty="0" smtClean="0">
+                            <a:effectLst/>
+                          </a:endParaRPr>
+                        </a:p>
+                        <a:p>
+                          <a:pPr algn="l" fontAlgn="b"/>
+                          <a:r>
+                            <a:rPr lang="en-US" sz="1200" kern="1200" dirty="0" smtClean="0"/>
+                            <a:t>Mixture: </a:t>
+                          </a:r>
+                          <a14:m>
+                            <m:oMath xmlns:m="http://schemas.openxmlformats.org/officeDocument/2006/math">
+                              <m:sSub>
+                                <m:sSubPr>
+                                  <m:ctrlPr>
+                                    <a:rPr lang="en-US" sz="1200" i="1" kern="1200" smtClean="0">
+                                      <a:latin typeface="Cambria Math" panose="02040503050406030204" pitchFamily="18" charset="0"/>
+                                    </a:rPr>
+                                  </m:ctrlPr>
+                                </m:sSubPr>
+                                <m:e>
+                                  <m:r>
+                                    <a:rPr lang="en-US" sz="1200" kern="1200" smtClean="0">
+                                      <a:latin typeface="Cambria Math" panose="02040503050406030204" pitchFamily="18" charset="0"/>
+                                    </a:rPr>
+                                    <m:t>𝑏</m:t>
+                                  </m:r>
+                                </m:e>
+                                <m:sub>
+                                  <m:r>
+                                    <a:rPr lang="en-US" sz="1200" kern="1200" smtClean="0">
+                                      <a:latin typeface="Cambria Math" panose="02040503050406030204" pitchFamily="18" charset="0"/>
+                                    </a:rPr>
+                                    <m:t>0</m:t>
+                                  </m:r>
+                                  <m:r>
+                                    <a:rPr lang="en-US" sz="1200" kern="1200" smtClean="0">
+                                      <a:latin typeface="Cambria Math" panose="02040503050406030204" pitchFamily="18" charset="0"/>
+                                    </a:rPr>
+                                    <m:t>𝑖</m:t>
+                                  </m:r>
+                                </m:sub>
+                              </m:sSub>
+                            </m:oMath>
+                          </a14:m>
+                          <a:r>
+                            <a:rPr lang="en-US" sz="1200" kern="1200" dirty="0" smtClean="0"/>
+                            <a:t>~</a:t>
+                          </a:r>
+                          <a14:m>
+                            <m:oMath xmlns:m="http://schemas.openxmlformats.org/officeDocument/2006/math">
+                              <m:f>
+                                <m:fPr>
+                                  <m:ctrlPr>
+                                    <a:rPr lang="en-US" sz="1200" i="1" kern="1200" dirty="0" smtClean="0">
+                                      <a:latin typeface="Cambria Math" panose="02040503050406030204" pitchFamily="18" charset="0"/>
+                                    </a:rPr>
+                                  </m:ctrlPr>
+                                </m:fPr>
+                                <m:num>
+                                  <m:r>
+                                    <a:rPr lang="en-US" sz="1200" kern="1200" dirty="0" smtClean="0">
+                                      <a:latin typeface="Cambria Math" panose="02040503050406030204" pitchFamily="18" charset="0"/>
+                                    </a:rPr>
+                                    <m:t>1</m:t>
+                                  </m:r>
+                                </m:num>
+                                <m:den>
+                                  <m:r>
+                                    <a:rPr lang="en-US" sz="1200" kern="1200" dirty="0" smtClean="0">
+                                      <a:latin typeface="Cambria Math" panose="02040503050406030204" pitchFamily="18" charset="0"/>
+                                    </a:rPr>
+                                    <m:t>3</m:t>
+                                  </m:r>
+                                </m:den>
+                              </m:f>
+                              <m:r>
+                                <a:rPr lang="en-US" sz="1200" kern="1200" dirty="0" smtClean="0">
+                                  <a:latin typeface="Cambria Math" panose="02040503050406030204" pitchFamily="18" charset="0"/>
+                                </a:rPr>
+                                <m:t>×</m:t>
+                              </m:r>
+                              <m:r>
+                                <a:rPr lang="en-US" sz="1200" kern="1200" dirty="0" smtClean="0">
+                                  <a:latin typeface="Cambria Math" panose="02040503050406030204" pitchFamily="18" charset="0"/>
+                                </a:rPr>
+                                <m:t>𝑁</m:t>
+                              </m:r>
+                              <m:d>
+                                <m:dPr>
+                                  <m:ctrlPr>
+                                    <a:rPr lang="en-US" sz="1200" i="1" kern="1200" dirty="0" smtClean="0">
+                                      <a:latin typeface="Cambria Math" panose="02040503050406030204" pitchFamily="18" charset="0"/>
+                                    </a:rPr>
+                                  </m:ctrlPr>
+                                </m:dPr>
+                                <m:e>
+                                  <m:r>
+                                    <a:rPr lang="en-US" sz="1200" kern="1200" dirty="0" smtClean="0">
+                                      <a:latin typeface="Cambria Math" panose="02040503050406030204" pitchFamily="18" charset="0"/>
+                                    </a:rPr>
+                                    <m:t>0,3</m:t>
+                                  </m:r>
+                                </m:e>
+                              </m:d>
+                              <m:r>
+                                <a:rPr lang="en-US" sz="1200" kern="1200" dirty="0" smtClean="0">
+                                  <a:latin typeface="Cambria Math" panose="02040503050406030204" pitchFamily="18" charset="0"/>
+                                </a:rPr>
+                                <m:t>+</m:t>
+                              </m:r>
+                              <m:f>
+                                <m:fPr>
+                                  <m:ctrlPr>
+                                    <a:rPr lang="en-US" sz="1200" i="1" kern="1200" dirty="0" smtClean="0">
+                                      <a:latin typeface="Cambria Math" panose="02040503050406030204" pitchFamily="18" charset="0"/>
+                                    </a:rPr>
+                                  </m:ctrlPr>
+                                </m:fPr>
+                                <m:num>
+                                  <m:r>
+                                    <a:rPr lang="en-US" sz="1200" kern="1200" dirty="0" smtClean="0">
+                                      <a:latin typeface="Cambria Math" panose="02040503050406030204" pitchFamily="18" charset="0"/>
+                                    </a:rPr>
+                                    <m:t>2</m:t>
+                                  </m:r>
+                                </m:num>
+                                <m:den>
+                                  <m:r>
+                                    <a:rPr lang="en-US" sz="1200" kern="1200" dirty="0" smtClean="0">
+                                      <a:latin typeface="Cambria Math" panose="02040503050406030204" pitchFamily="18" charset="0"/>
+                                    </a:rPr>
+                                    <m:t>3</m:t>
+                                  </m:r>
+                                </m:den>
+                              </m:f>
+                              <m:r>
+                                <a:rPr lang="en-US" sz="1200" kern="1200" dirty="0" smtClean="0">
+                                  <a:latin typeface="Cambria Math" panose="02040503050406030204" pitchFamily="18" charset="0"/>
+                                </a:rPr>
+                                <m:t>×</m:t>
+                              </m:r>
+                              <m:r>
+                                <a:rPr lang="en-US" sz="1200" kern="1200" dirty="0" smtClean="0">
+                                  <a:latin typeface="Cambria Math" panose="02040503050406030204" pitchFamily="18" charset="0"/>
+                                </a:rPr>
+                                <m:t>𝑁</m:t>
+                              </m:r>
+                              <m:r>
+                                <a:rPr lang="en-US" sz="1200" kern="1200" dirty="0" smtClean="0">
+                                  <a:latin typeface="Cambria Math" panose="02040503050406030204" pitchFamily="18" charset="0"/>
+                                </a:rPr>
+                                <m:t>(0,6)</m:t>
+                              </m:r>
+                            </m:oMath>
+                          </a14:m>
+                          <a:endParaRPr lang="en-US" sz="1200" u="none" strike="noStrike" dirty="0" smtClean="0">
+                            <a:effectLst/>
+                          </a:endParaRPr>
+                        </a:p>
+                        <a:p>
+                          <a:pPr algn="l" fontAlgn="b"/>
+                          <a:endParaRPr lang="en-US" sz="1200" u="none" strike="noStrike" dirty="0" smtClean="0">
+                            <a:effectLst/>
+                          </a:endParaRPr>
+                        </a:p>
+                        <a:p>
+                          <a:pPr algn="l" fontAlgn="b"/>
+                          <a:r>
+                            <a:rPr lang="en-US" sz="1200" kern="1200" dirty="0" smtClean="0"/>
+                            <a:t>Mixture: </a:t>
+                          </a:r>
+                          <a14:m>
+                            <m:oMath xmlns:m="http://schemas.openxmlformats.org/officeDocument/2006/math">
+                              <m:d>
+                                <m:dPr>
+                                  <m:ctrlPr>
+                                    <a:rPr lang="en-US" sz="1200" i="1" kern="1200" smtClean="0">
+                                      <a:latin typeface="Cambria Math" panose="02040503050406030204" pitchFamily="18" charset="0"/>
+                                    </a:rPr>
+                                  </m:ctrlPr>
+                                </m:dPr>
+                                <m:e>
+                                  <m:f>
+                                    <m:fPr>
+                                      <m:type m:val="noBar"/>
+                                      <m:ctrlPr>
+                                        <a:rPr lang="en-US" sz="1200" i="1" kern="1200" smtClean="0">
+                                          <a:latin typeface="Cambria Math" panose="02040503050406030204" pitchFamily="18" charset="0"/>
+                                        </a:rPr>
+                                      </m:ctrlPr>
+                                    </m:fPr>
+                                    <m:num>
+                                      <m:sSub>
+                                        <m:sSubPr>
+                                          <m:ctrlPr>
+                                            <a:rPr lang="en-US" sz="1200" i="1" kern="1200" smtClean="0">
+                                              <a:latin typeface="Cambria Math" panose="02040503050406030204" pitchFamily="18" charset="0"/>
+                                            </a:rPr>
+                                          </m:ctrlPr>
+                                        </m:sSubPr>
+                                        <m:e>
+                                          <m:r>
+                                            <a:rPr lang="en-US" sz="1200" kern="1200" smtClean="0">
+                                              <a:latin typeface="Cambria Math" panose="02040503050406030204" pitchFamily="18" charset="0"/>
+                                            </a:rPr>
+                                            <m:t>𝑏</m:t>
+                                          </m:r>
+                                        </m:e>
+                                        <m:sub>
+                                          <m:r>
+                                            <a:rPr lang="en-US" sz="1200" kern="1200" smtClean="0">
+                                              <a:latin typeface="Cambria Math" panose="02040503050406030204" pitchFamily="18" charset="0"/>
+                                            </a:rPr>
+                                            <m:t>0</m:t>
+                                          </m:r>
+                                          <m:r>
+                                            <a:rPr lang="en-US" sz="1200" kern="1200" smtClean="0">
+                                              <a:latin typeface="Cambria Math" panose="02040503050406030204" pitchFamily="18" charset="0"/>
+                                            </a:rPr>
+                                            <m:t>𝑖</m:t>
+                                          </m:r>
+                                        </m:sub>
+                                      </m:sSub>
+                                    </m:num>
+                                    <m:den>
+                                      <m:sSub>
+                                        <m:sSubPr>
+                                          <m:ctrlPr>
+                                            <a:rPr lang="en-US" sz="1200" i="1" kern="1200" smtClean="0">
+                                              <a:latin typeface="Cambria Math" panose="02040503050406030204" pitchFamily="18" charset="0"/>
+                                            </a:rPr>
+                                          </m:ctrlPr>
+                                        </m:sSubPr>
+                                        <m:e>
+                                          <m:r>
+                                            <a:rPr lang="en-US" sz="1200" kern="1200">
+                                              <a:latin typeface="Cambria Math" panose="02040503050406030204" pitchFamily="18" charset="0"/>
+                                            </a:rPr>
+                                            <m:t>𝑏</m:t>
+                                          </m:r>
+                                        </m:e>
+                                        <m:sub>
+                                          <m:r>
+                                            <a:rPr lang="en-US" sz="1200" kern="1200" smtClean="0">
+                                              <a:latin typeface="Cambria Math" panose="02040503050406030204" pitchFamily="18" charset="0"/>
+                                            </a:rPr>
+                                            <m:t>1</m:t>
+                                          </m:r>
+                                        </m:sub>
+                                      </m:sSub>
+                                    </m:den>
+                                  </m:f>
+                                </m:e>
+                              </m:d>
+                            </m:oMath>
+                          </a14:m>
+                          <a:r>
+                            <a:rPr lang="en-US" sz="1200" kern="1200" dirty="0" smtClean="0"/>
+                            <a:t>~</a:t>
+                          </a:r>
+                          <a14:m>
+                            <m:oMath xmlns:m="http://schemas.openxmlformats.org/officeDocument/2006/math">
+                              <m:f>
+                                <m:fPr>
+                                  <m:ctrlPr>
+                                    <a:rPr lang="en-US" sz="1200" i="1" kern="1200" dirty="0" smtClean="0">
+                                      <a:latin typeface="Cambria Math" panose="02040503050406030204" pitchFamily="18" charset="0"/>
+                                    </a:rPr>
+                                  </m:ctrlPr>
+                                </m:fPr>
+                                <m:num>
+                                  <m:r>
+                                    <a:rPr lang="en-US" sz="1200" kern="1200" dirty="0" smtClean="0">
+                                      <a:latin typeface="Cambria Math" panose="02040503050406030204" pitchFamily="18" charset="0"/>
+                                    </a:rPr>
+                                    <m:t>1</m:t>
+                                  </m:r>
+                                </m:num>
+                                <m:den>
+                                  <m:r>
+                                    <a:rPr lang="en-US" sz="1200" kern="1200" dirty="0" smtClean="0">
+                                      <a:latin typeface="Cambria Math" panose="02040503050406030204" pitchFamily="18" charset="0"/>
+                                    </a:rPr>
+                                    <m:t>3</m:t>
+                                  </m:r>
+                                </m:den>
+                              </m:f>
+                              <m:r>
+                                <a:rPr lang="en-US" sz="1200" kern="1200" dirty="0" smtClean="0">
+                                  <a:latin typeface="Cambria Math" panose="02040503050406030204" pitchFamily="18" charset="0"/>
+                                </a:rPr>
+                                <m:t>×</m:t>
+                              </m:r>
+                              <m:r>
+                                <a:rPr lang="en-US" sz="1200" kern="1200" dirty="0" smtClean="0">
+                                  <a:latin typeface="Cambria Math" panose="02040503050406030204" pitchFamily="18" charset="0"/>
+                                </a:rPr>
+                                <m:t>𝑁</m:t>
+                              </m:r>
+                              <m:r>
+                                <a:rPr lang="en-US" sz="1200" kern="1200" dirty="0" smtClean="0">
+                                  <a:latin typeface="Cambria Math" panose="02040503050406030204" pitchFamily="18" charset="0"/>
+                                </a:rPr>
+                                <m:t>(</m:t>
+                              </m:r>
+                              <m:d>
+                                <m:dPr>
+                                  <m:ctrlPr>
+                                    <a:rPr lang="en-US" sz="1200" i="1" kern="1200" smtClean="0">
+                                      <a:latin typeface="Cambria Math" panose="02040503050406030204" pitchFamily="18" charset="0"/>
+                                    </a:rPr>
+                                  </m:ctrlPr>
+                                </m:dPr>
+                                <m:e>
+                                  <m:f>
+                                    <m:fPr>
+                                      <m:type m:val="noBar"/>
+                                      <m:ctrlPr>
+                                        <a:rPr lang="en-US" sz="1200" i="1" kern="1200" smtClean="0">
+                                          <a:latin typeface="Cambria Math" panose="02040503050406030204" pitchFamily="18" charset="0"/>
+                                        </a:rPr>
+                                      </m:ctrlPr>
+                                    </m:fPr>
+                                    <m:num>
+                                      <m:r>
+                                        <a:rPr lang="en-US" sz="1200" kern="1200" smtClean="0">
+                                          <a:latin typeface="Cambria Math" panose="02040503050406030204" pitchFamily="18" charset="0"/>
+                                        </a:rPr>
+                                        <m:t>0</m:t>
+                                      </m:r>
+                                    </m:num>
+                                    <m:den>
+                                      <m:r>
+                                        <a:rPr lang="en-US" sz="1200" kern="1200" smtClean="0">
+                                          <a:latin typeface="Cambria Math" panose="02040503050406030204" pitchFamily="18" charset="0"/>
+                                        </a:rPr>
+                                        <m:t>0</m:t>
+                                      </m:r>
+                                    </m:den>
+                                  </m:f>
+                                </m:e>
+                              </m:d>
+                            </m:oMath>
+                          </a14:m>
+                          <a:r>
+                            <a:rPr lang="en-US" sz="1200" kern="1200" dirty="0" smtClean="0"/>
+                            <a:t>,</a:t>
+                          </a:r>
+                          <a14:m>
+                            <m:oMath xmlns:m="http://schemas.openxmlformats.org/officeDocument/2006/math">
+                              <m:d>
+                                <m:dPr>
+                                  <m:ctrlPr>
+                                    <a:rPr lang="en-US" sz="1200" i="1" kern="1200" dirty="0" smtClean="0">
+                                      <a:latin typeface="Cambria Math" panose="02040503050406030204" pitchFamily="18" charset="0"/>
+                                    </a:rPr>
+                                  </m:ctrlPr>
+                                </m:dPr>
+                                <m:e>
+                                  <m:f>
+                                    <m:fPr>
+                                      <m:type m:val="noBar"/>
+                                      <m:ctrlPr>
+                                        <a:rPr lang="en-US" sz="1200" i="1" kern="1200" dirty="0" smtClean="0">
+                                          <a:latin typeface="Cambria Math" panose="02040503050406030204" pitchFamily="18" charset="0"/>
+                                        </a:rPr>
+                                      </m:ctrlPr>
+                                    </m:fPr>
+                                    <m:num>
+                                      <m:r>
+                                        <a:rPr lang="en-US" sz="1200" kern="1200" dirty="0" smtClean="0">
+                                          <a:latin typeface="Cambria Math" panose="02040503050406030204" pitchFamily="18" charset="0"/>
+                                        </a:rPr>
+                                        <m:t>3</m:t>
+                                      </m:r>
+                                    </m:num>
+                                    <m:den>
+                                      <m:r>
+                                        <a:rPr lang="en-US" sz="1200" kern="1200" dirty="0" smtClean="0">
+                                          <a:latin typeface="Cambria Math" panose="02040503050406030204" pitchFamily="18" charset="0"/>
+                                        </a:rPr>
+                                        <m:t>1.5</m:t>
+                                      </m:r>
+                                    </m:den>
+                                  </m:f>
+                                  <m:r>
+                                    <a:rPr lang="en-US" sz="1200" kern="1200" dirty="0" smtClean="0">
+                                      <a:latin typeface="Cambria Math" panose="02040503050406030204" pitchFamily="18" charset="0"/>
+                                    </a:rPr>
+                                    <m:t> </m:t>
+                                  </m:r>
+                                  <m:f>
+                                    <m:fPr>
+                                      <m:type m:val="noBar"/>
+                                      <m:ctrlPr>
+                                        <a:rPr lang="en-US" sz="1200" i="1" kern="1200" dirty="0" smtClean="0">
+                                          <a:latin typeface="Cambria Math" panose="02040503050406030204" pitchFamily="18" charset="0"/>
+                                        </a:rPr>
+                                      </m:ctrlPr>
+                                    </m:fPr>
+                                    <m:num>
+                                      <m:r>
+                                        <a:rPr lang="en-US" sz="1200" kern="1200" dirty="0" smtClean="0">
+                                          <a:latin typeface="Cambria Math" panose="02040503050406030204" pitchFamily="18" charset="0"/>
+                                        </a:rPr>
+                                        <m:t>1.5</m:t>
+                                      </m:r>
+                                    </m:num>
+                                    <m:den>
+                                      <m:r>
+                                        <a:rPr lang="en-US" sz="1200" kern="1200" dirty="0" smtClean="0">
+                                          <a:latin typeface="Cambria Math" panose="02040503050406030204" pitchFamily="18" charset="0"/>
+                                        </a:rPr>
+                                        <m:t>2</m:t>
+                                      </m:r>
+                                    </m:den>
+                                  </m:f>
+                                </m:e>
+                              </m:d>
+                              <m:r>
+                                <a:rPr lang="en-US" sz="1200" kern="1200" dirty="0" smtClean="0">
+                                  <a:latin typeface="Cambria Math" panose="02040503050406030204" pitchFamily="18" charset="0"/>
+                                </a:rPr>
+                                <m:t>)+</m:t>
+                              </m:r>
+                              <m:f>
+                                <m:fPr>
+                                  <m:ctrlPr>
+                                    <a:rPr lang="en-US" sz="1200" i="1" kern="1200" dirty="0" smtClean="0">
+                                      <a:latin typeface="Cambria Math" panose="02040503050406030204" pitchFamily="18" charset="0"/>
+                                    </a:rPr>
+                                  </m:ctrlPr>
+                                </m:fPr>
+                                <m:num>
+                                  <m:r>
+                                    <a:rPr lang="en-US" sz="1200" kern="1200" dirty="0" smtClean="0">
+                                      <a:latin typeface="Cambria Math" panose="02040503050406030204" pitchFamily="18" charset="0"/>
+                                    </a:rPr>
+                                    <m:t>2</m:t>
+                                  </m:r>
+                                </m:num>
+                                <m:den>
+                                  <m:r>
+                                    <a:rPr lang="en-US" sz="1200" kern="1200" dirty="0" smtClean="0">
+                                      <a:latin typeface="Cambria Math" panose="02040503050406030204" pitchFamily="18" charset="0"/>
+                                    </a:rPr>
+                                    <m:t>3</m:t>
+                                  </m:r>
+                                </m:den>
+                              </m:f>
+                              <m:r>
+                                <a:rPr lang="en-US" sz="1200" kern="1200" dirty="0" smtClean="0">
+                                  <a:latin typeface="Cambria Math" panose="02040503050406030204" pitchFamily="18" charset="0"/>
+                                </a:rPr>
+                                <m:t>×</m:t>
+                              </m:r>
+                              <m:r>
+                                <a:rPr lang="en-US" sz="1200" kern="1200" dirty="0" smtClean="0">
+                                  <a:latin typeface="Cambria Math" panose="02040503050406030204" pitchFamily="18" charset="0"/>
+                                </a:rPr>
+                                <m:t>𝑁</m:t>
+                              </m:r>
+                              <m:r>
+                                <a:rPr lang="en-US" sz="1200" kern="1200" dirty="0" smtClean="0">
+                                  <a:latin typeface="Cambria Math" panose="02040503050406030204" pitchFamily="18" charset="0"/>
+                                </a:rPr>
+                                <m:t>(</m:t>
+                              </m:r>
+                              <m:d>
+                                <m:dPr>
+                                  <m:ctrlPr>
+                                    <a:rPr lang="en-US" sz="1200" i="1" kern="1200" smtClean="0">
+                                      <a:latin typeface="Cambria Math" panose="02040503050406030204" pitchFamily="18" charset="0"/>
+                                    </a:rPr>
+                                  </m:ctrlPr>
+                                </m:dPr>
+                                <m:e>
+                                  <m:f>
+                                    <m:fPr>
+                                      <m:type m:val="noBar"/>
+                                      <m:ctrlPr>
+                                        <a:rPr lang="en-US" sz="1200" i="1" kern="1200" smtClean="0">
+                                          <a:latin typeface="Cambria Math" panose="02040503050406030204" pitchFamily="18" charset="0"/>
+                                        </a:rPr>
+                                      </m:ctrlPr>
+                                    </m:fPr>
+                                    <m:num>
+                                      <m:r>
+                                        <a:rPr lang="en-US" sz="1200" kern="1200" smtClean="0">
+                                          <a:latin typeface="Cambria Math" panose="02040503050406030204" pitchFamily="18" charset="0"/>
+                                        </a:rPr>
+                                        <m:t>0</m:t>
+                                      </m:r>
+                                    </m:num>
+                                    <m:den>
+                                      <m:r>
+                                        <a:rPr lang="en-US" sz="1200" kern="1200" smtClean="0">
+                                          <a:latin typeface="Cambria Math" panose="02040503050406030204" pitchFamily="18" charset="0"/>
+                                        </a:rPr>
+                                        <m:t>0</m:t>
+                                      </m:r>
+                                    </m:den>
+                                  </m:f>
+                                </m:e>
+                              </m:d>
+                            </m:oMath>
+                          </a14:m>
+                          <a:r>
+                            <a:rPr lang="en-US" sz="1200" kern="1200" dirty="0" smtClean="0"/>
+                            <a:t>,</a:t>
+                          </a:r>
+                          <a14:m>
+                            <m:oMath xmlns:m="http://schemas.openxmlformats.org/officeDocument/2006/math">
+                              <m:d>
+                                <m:dPr>
+                                  <m:ctrlPr>
+                                    <a:rPr lang="en-US" sz="1200" i="1" kern="1200" dirty="0" smtClean="0">
+                                      <a:latin typeface="Cambria Math" panose="02040503050406030204" pitchFamily="18" charset="0"/>
+                                    </a:rPr>
+                                  </m:ctrlPr>
+                                </m:dPr>
+                                <m:e>
+                                  <m:f>
+                                    <m:fPr>
+                                      <m:type m:val="noBar"/>
+                                      <m:ctrlPr>
+                                        <a:rPr lang="en-US" sz="1200" i="1" kern="1200" dirty="0" smtClean="0">
+                                          <a:latin typeface="Cambria Math" panose="02040503050406030204" pitchFamily="18" charset="0"/>
+                                        </a:rPr>
+                                      </m:ctrlPr>
+                                    </m:fPr>
+                                    <m:num>
+                                      <m:r>
+                                        <a:rPr lang="en-US" sz="1200" kern="1200" dirty="0" smtClean="0">
+                                          <a:latin typeface="Cambria Math" panose="02040503050406030204" pitchFamily="18" charset="0"/>
+                                        </a:rPr>
+                                        <m:t>2</m:t>
+                                      </m:r>
+                                    </m:num>
+                                    <m:den>
+                                      <m:r>
+                                        <a:rPr lang="en-US" sz="1200" kern="1200" dirty="0" smtClean="0">
+                                          <a:latin typeface="Cambria Math" panose="02040503050406030204" pitchFamily="18" charset="0"/>
+                                        </a:rPr>
+                                        <m:t>1</m:t>
+                                      </m:r>
+                                    </m:den>
+                                  </m:f>
+                                  <m:r>
+                                    <a:rPr lang="en-US" sz="1200" kern="1200" dirty="0" smtClean="0">
+                                      <a:latin typeface="Cambria Math" panose="02040503050406030204" pitchFamily="18" charset="0"/>
+                                    </a:rPr>
+                                    <m:t> </m:t>
+                                  </m:r>
+                                  <m:f>
+                                    <m:fPr>
+                                      <m:type m:val="noBar"/>
+                                      <m:ctrlPr>
+                                        <a:rPr lang="en-US" sz="1200" i="1" kern="1200" dirty="0" smtClean="0">
+                                          <a:latin typeface="Cambria Math" panose="02040503050406030204" pitchFamily="18" charset="0"/>
+                                        </a:rPr>
+                                      </m:ctrlPr>
+                                    </m:fPr>
+                                    <m:num>
+                                      <m:r>
+                                        <a:rPr lang="en-US" sz="1200" kern="1200" dirty="0" smtClean="0">
+                                          <a:latin typeface="Cambria Math" panose="02040503050406030204" pitchFamily="18" charset="0"/>
+                                        </a:rPr>
+                                        <m:t>1</m:t>
+                                      </m:r>
+                                    </m:num>
+                                    <m:den>
+                                      <m:r>
+                                        <a:rPr lang="en-US" sz="1200" kern="1200" dirty="0" smtClean="0">
+                                          <a:latin typeface="Cambria Math" panose="02040503050406030204" pitchFamily="18" charset="0"/>
+                                        </a:rPr>
+                                        <m:t>4</m:t>
+                                      </m:r>
+                                    </m:den>
+                                  </m:f>
+                                </m:e>
+                              </m:d>
+                              <m:r>
+                                <a:rPr lang="en-US" sz="1200" kern="1200" dirty="0" smtClean="0">
+                                  <a:latin typeface="Cambria Math" panose="02040503050406030204" pitchFamily="18" charset="0"/>
+                                </a:rPr>
+                                <m:t>)</m:t>
+                              </m:r>
+                            </m:oMath>
+                          </a14:m>
+                          <a:r>
+                            <a:rPr lang="en-US" sz="1200" kern="1200" dirty="0" smtClean="0"/>
+                            <a:t> </a:t>
+                          </a:r>
+                          <a:endParaRPr lang="en-US" sz="1200" b="0" i="0" u="none" strike="noStrike" dirty="0">
+                            <a:solidFill>
+                              <a:srgbClr val="000000"/>
+                            </a:solidFill>
+                            <a:effectLst/>
+                            <a:latin typeface="Times New Roman" panose="02020603050405020304" pitchFamily="18" charset="0"/>
+                            <a:cs typeface="Times New Roman" panose="02020603050405020304" pitchFamily="18" charset="0"/>
+                          </a:endParaRPr>
+                        </a:p>
+                      </a:txBody>
+                      <a:tcPr marL="9525" marR="9525" marT="9525" marB="0" anchor="b"/>
+                    </a:tc>
+                    <a:tc hMerge="1">
+                      <a:txBody>
+                        <a:bodyPr/>
+                        <a:lstStyle/>
+                        <a:p>
+                          <a:endParaRPr lang="en-US"/>
+                        </a:p>
+                      </a:txBody>
+                      <a:tcPr/>
+                    </a:tc>
+                    <a:tc hMerge="1">
+                      <a:txBody>
+                        <a:bodyPr/>
+                        <a:lstStyle/>
+                        <a:p>
+                          <a:endParaRPr lang="en-US"/>
+                        </a:p>
+                      </a:txBody>
+                      <a:tcPr/>
+                    </a:tc>
+                  </a:tr>
+                </a:tbl>
+              </a:graphicData>
+            </a:graphic>
+          </p:graphicFrame>
+        </mc:Choice>
+        <mc:Fallback xmlns="">
+          <p:graphicFrame>
+            <p:nvGraphicFramePr>
+              <p:cNvPr id="4" name="Table 3"/>
+              <p:cNvGraphicFramePr>
+                <a:graphicFrameLocks noGrp="1"/>
+              </p:cNvGraphicFramePr>
+              <p:nvPr>
+                <p:extLst>
+                  <p:ext uri="{D42A27DB-BD31-4B8C-83A1-F6EECF244321}">
+                    <p14:modId xmlns:p14="http://schemas.microsoft.com/office/powerpoint/2010/main" val="946941913"/>
+                  </p:ext>
+                </p:extLst>
+              </p:nvPr>
+            </p:nvGraphicFramePr>
+            <p:xfrm>
+              <a:off x="6354560" y="2868960"/>
+              <a:ext cx="5505208" cy="3476752"/>
+            </p:xfrm>
+            <a:graphic>
+              <a:graphicData uri="http://schemas.openxmlformats.org/drawingml/2006/table">
+                <a:tbl>
+                  <a:tblPr>
+                    <a:tableStyleId>{5C22544A-7EE6-4342-B048-85BDC9FD1C3A}</a:tableStyleId>
+                  </a:tblPr>
+                  <a:tblGrid>
+                    <a:gridCol w="1711484"/>
+                    <a:gridCol w="1272964"/>
+                    <a:gridCol w="1348569"/>
+                    <a:gridCol w="1172191"/>
+                  </a:tblGrid>
+                  <a:tr h="192405">
+                    <a:tc gridSpan="4">
+                      <a:txBody>
+                        <a:bodyPr/>
+                        <a:lstStyle/>
+                        <a:p>
+                          <a:pPr marL="0" algn="ctr" defTabSz="457200" rtl="0" eaLnBrk="1" fontAlgn="b" latinLnBrk="0" hangingPunct="1"/>
+                          <a:r>
+                            <a:rPr lang="en-US" sz="1200" u="none" strike="noStrike" kern="1200" dirty="0" smtClean="0">
+                              <a:solidFill>
+                                <a:schemeClr val="dk1"/>
+                              </a:solidFill>
+                              <a:effectLst/>
+                              <a:latin typeface="+mn-lt"/>
+                              <a:ea typeface="+mn-ea"/>
+                              <a:cs typeface="+mn-cs"/>
+                            </a:rPr>
+                            <a:t>Simulation settings (simulation number =500)</a:t>
+                          </a:r>
+                          <a:endParaRPr lang="en-US" sz="1200" u="none" strike="noStrike" kern="1200" dirty="0">
+                            <a:solidFill>
+                              <a:schemeClr val="dk1"/>
+                            </a:solidFill>
+                            <a:effectLst/>
+                            <a:latin typeface="+mn-lt"/>
+                            <a:ea typeface="+mn-ea"/>
+                            <a:cs typeface="+mn-cs"/>
+                          </a:endParaRPr>
+                        </a:p>
+                      </a:txBody>
+                      <a:tcPr marL="9525" marR="9525" marT="9525" marB="0" anchor="b"/>
+                    </a:tc>
+                    <a:tc hMerge="1">
+                      <a:txBody>
+                        <a:bodyPr/>
+                        <a:lstStyle/>
+                        <a:p>
+                          <a:pPr algn="ctr" fontAlgn="b"/>
+                          <a:endParaRPr lang="en-US" sz="1100" b="1" i="0" u="none" strike="noStrike" dirty="0">
+                            <a:solidFill>
+                              <a:srgbClr val="000000"/>
+                            </a:solidFill>
+                            <a:effectLst/>
+                            <a:latin typeface="Times New Roman" panose="02020603050405020304" pitchFamily="18" charset="0"/>
+                            <a:cs typeface="Times New Roman" panose="02020603050405020304" pitchFamily="18" charset="0"/>
+                          </a:endParaRPr>
+                        </a:p>
+                      </a:txBody>
+                      <a:tcPr marL="9525" marR="9525" marT="9525" marB="0" anchor="b"/>
+                    </a:tc>
+                    <a:tc hMerge="1">
+                      <a:txBody>
+                        <a:bodyPr/>
+                        <a:lstStyle/>
+                        <a:p>
+                          <a:endParaRPr lang="en-US"/>
+                        </a:p>
+                      </a:txBody>
+                      <a:tcPr/>
+                    </a:tc>
+                    <a:tc hMerge="1">
+                      <a:txBody>
+                        <a:bodyPr/>
+                        <a:lstStyle/>
+                        <a:p>
+                          <a:endParaRPr lang="en-US"/>
+                        </a:p>
+                      </a:txBody>
+                      <a:tcPr/>
+                    </a:tc>
+                  </a:tr>
+                  <a:tr h="192405">
+                    <a:tc>
+                      <a:txBody>
+                        <a:bodyPr/>
+                        <a:lstStyle/>
+                        <a:p>
+                          <a:pPr algn="l" fontAlgn="b"/>
+                          <a:r>
+                            <a:rPr lang="en-US" sz="1200" u="none" strike="noStrike" dirty="0">
+                              <a:effectLst/>
+                            </a:rPr>
+                            <a:t>Items</a:t>
+                          </a:r>
+                          <a:endParaRPr lang="en-US" sz="1200" b="1" i="0" u="none" strike="noStrike" dirty="0">
+                            <a:solidFill>
+                              <a:srgbClr val="000000"/>
+                            </a:solidFill>
+                            <a:effectLst/>
+                            <a:latin typeface="Times New Roman" panose="02020603050405020304" pitchFamily="18" charset="0"/>
+                            <a:cs typeface="Times New Roman" panose="02020603050405020304" pitchFamily="18" charset="0"/>
+                          </a:endParaRPr>
+                        </a:p>
+                      </a:txBody>
+                      <a:tcPr marL="9525" marR="9525" marT="9525" marB="0" anchor="b"/>
+                    </a:tc>
+                    <a:tc gridSpan="3">
+                      <a:txBody>
+                        <a:bodyPr/>
+                        <a:lstStyle/>
+                        <a:p>
+                          <a:pPr algn="ctr" fontAlgn="b"/>
+                          <a:r>
+                            <a:rPr lang="en-US" sz="1200" u="none" strike="noStrike" dirty="0">
+                              <a:effectLst/>
+                            </a:rPr>
+                            <a:t>Values</a:t>
+                          </a:r>
+                          <a:endParaRPr lang="en-US" sz="1200" b="1" i="0" u="none" strike="noStrike" dirty="0">
+                            <a:solidFill>
+                              <a:srgbClr val="000000"/>
+                            </a:solidFill>
+                            <a:effectLst/>
+                            <a:latin typeface="Times New Roman" panose="02020603050405020304" pitchFamily="18" charset="0"/>
+                            <a:cs typeface="Times New Roman" panose="02020603050405020304" pitchFamily="18" charset="0"/>
+                          </a:endParaRPr>
+                        </a:p>
+                      </a:txBody>
+                      <a:tcPr marL="9525" marR="9525" marT="9525" marB="0" anchor="b"/>
+                    </a:tc>
+                    <a:tc hMerge="1">
+                      <a:txBody>
+                        <a:bodyPr/>
+                        <a:lstStyle/>
+                        <a:p>
+                          <a:endParaRPr lang="en-US"/>
+                        </a:p>
+                      </a:txBody>
+                      <a:tcPr/>
+                    </a:tc>
+                    <a:tc hMerge="1">
+                      <a:txBody>
+                        <a:bodyPr/>
+                        <a:lstStyle/>
+                        <a:p>
+                          <a:endParaRPr lang="en-US"/>
+                        </a:p>
+                      </a:txBody>
+                      <a:tcPr/>
+                    </a:tc>
+                  </a:tr>
+                  <a:tr h="192405">
+                    <a:tc>
+                      <a:txBody>
+                        <a:bodyPr/>
+                        <a:lstStyle/>
+                        <a:p>
+                          <a:pPr algn="l" fontAlgn="b"/>
+                          <a:r>
+                            <a:rPr lang="en-US" sz="1200" u="none" strike="noStrike" dirty="0">
+                              <a:effectLst/>
+                            </a:rPr>
+                            <a:t>Subject size </a:t>
+                          </a:r>
+                          <a:endParaRPr lang="en-US" sz="1200" b="1" i="0" u="none" strike="noStrike" dirty="0">
+                            <a:solidFill>
+                              <a:srgbClr val="000000"/>
+                            </a:solidFill>
+                            <a:effectLst/>
+                            <a:latin typeface="Times New Roman" panose="02020603050405020304" pitchFamily="18" charset="0"/>
+                            <a:cs typeface="Times New Roman" panose="02020603050405020304" pitchFamily="18" charset="0"/>
+                          </a:endParaRPr>
+                        </a:p>
+                      </a:txBody>
+                      <a:tcPr marL="9525" marR="9525" marT="9525" marB="0" anchor="b"/>
+                    </a:tc>
+                    <a:tc>
+                      <a:txBody>
+                        <a:bodyPr/>
+                        <a:lstStyle/>
+                        <a:p>
+                          <a:pPr algn="ctr" fontAlgn="b"/>
+                          <a:r>
+                            <a:rPr lang="en-US" sz="1200" u="none" strike="noStrike">
+                              <a:effectLst/>
+                            </a:rPr>
+                            <a:t>20</a:t>
+                          </a:r>
+                          <a:endParaRPr lang="en-US" sz="1200" b="0" i="0" u="none" strike="noStrike">
+                            <a:solidFill>
+                              <a:srgbClr val="000000"/>
+                            </a:solidFill>
+                            <a:effectLst/>
+                            <a:latin typeface="Times New Roman" panose="02020603050405020304" pitchFamily="18" charset="0"/>
+                            <a:cs typeface="Times New Roman" panose="02020603050405020304" pitchFamily="18" charset="0"/>
+                          </a:endParaRPr>
+                        </a:p>
+                      </a:txBody>
+                      <a:tcPr marL="9525" marR="9525" marT="9525" marB="0" anchor="b"/>
+                    </a:tc>
+                    <a:tc>
+                      <a:txBody>
+                        <a:bodyPr/>
+                        <a:lstStyle/>
+                        <a:p>
+                          <a:pPr algn="ctr" fontAlgn="b"/>
+                          <a:r>
+                            <a:rPr lang="en-US" sz="1200" u="none" strike="noStrike">
+                              <a:effectLst/>
+                            </a:rPr>
+                            <a:t>200</a:t>
+                          </a:r>
+                          <a:endParaRPr lang="en-US" sz="1200" b="0" i="0" u="none" strike="noStrike">
+                            <a:solidFill>
+                              <a:srgbClr val="000000"/>
+                            </a:solidFill>
+                            <a:effectLst/>
+                            <a:latin typeface="Times New Roman" panose="02020603050405020304" pitchFamily="18" charset="0"/>
+                            <a:cs typeface="Times New Roman" panose="02020603050405020304" pitchFamily="18" charset="0"/>
+                          </a:endParaRPr>
+                        </a:p>
+                      </a:txBody>
+                      <a:tcPr marL="9525" marR="9525" marT="9525" marB="0" anchor="b"/>
+                    </a:tc>
+                    <a:tc>
+                      <a:txBody>
+                        <a:bodyPr/>
+                        <a:lstStyle/>
+                        <a:p>
+                          <a:pPr algn="ctr" fontAlgn="b"/>
+                          <a:r>
+                            <a:rPr lang="en-US" sz="1200" u="none" strike="noStrike">
+                              <a:effectLst/>
+                            </a:rPr>
+                            <a:t>1000</a:t>
+                          </a:r>
+                          <a:endParaRPr lang="en-US" sz="1200" b="0" i="0" u="none" strike="noStrike">
+                            <a:solidFill>
+                              <a:srgbClr val="000000"/>
+                            </a:solidFill>
+                            <a:effectLst/>
+                            <a:latin typeface="Times New Roman" panose="02020603050405020304" pitchFamily="18" charset="0"/>
+                            <a:cs typeface="Times New Roman" panose="02020603050405020304" pitchFamily="18" charset="0"/>
+                          </a:endParaRPr>
+                        </a:p>
+                      </a:txBody>
+                      <a:tcPr marL="9525" marR="9525" marT="9525" marB="0" anchor="b"/>
+                    </a:tc>
+                  </a:tr>
+                  <a:tr h="192405">
+                    <a:tc>
+                      <a:txBody>
+                        <a:bodyPr/>
+                        <a:lstStyle/>
+                        <a:p>
+                          <a:pPr algn="l" fontAlgn="b"/>
+                          <a:r>
+                            <a:rPr lang="en-US" sz="1200" u="none" strike="noStrike" dirty="0">
+                              <a:effectLst/>
+                            </a:rPr>
+                            <a:t>time points</a:t>
+                          </a:r>
+                          <a:endParaRPr lang="en-US" sz="1200" b="1" i="0" u="none" strike="noStrike" dirty="0">
+                            <a:solidFill>
+                              <a:srgbClr val="000000"/>
+                            </a:solidFill>
+                            <a:effectLst/>
+                            <a:latin typeface="Times New Roman" panose="02020603050405020304" pitchFamily="18" charset="0"/>
+                            <a:cs typeface="Times New Roman" panose="02020603050405020304" pitchFamily="18" charset="0"/>
+                          </a:endParaRPr>
+                        </a:p>
+                      </a:txBody>
+                      <a:tcPr marL="9525" marR="9525" marT="9525" marB="0" anchor="b"/>
+                    </a:tc>
+                    <a:tc gridSpan="3">
+                      <a:txBody>
+                        <a:bodyPr/>
+                        <a:lstStyle/>
+                        <a:p>
+                          <a:pPr algn="ctr" fontAlgn="b"/>
+                          <a:r>
+                            <a:rPr lang="en-US" sz="1200" u="none" strike="noStrike">
+                              <a:effectLst/>
+                            </a:rPr>
+                            <a:t>0~4, 0~9</a:t>
+                          </a:r>
+                          <a:endParaRPr lang="en-US" sz="1200" b="0" i="0" u="none" strike="noStrike">
+                            <a:solidFill>
+                              <a:srgbClr val="000000"/>
+                            </a:solidFill>
+                            <a:effectLst/>
+                            <a:latin typeface="Times New Roman" panose="02020603050405020304" pitchFamily="18" charset="0"/>
+                            <a:cs typeface="Times New Roman" panose="02020603050405020304" pitchFamily="18" charset="0"/>
+                          </a:endParaRPr>
+                        </a:p>
+                      </a:txBody>
+                      <a:tcPr marL="9525" marR="9525" marT="9525" marB="0" anchor="b"/>
+                    </a:tc>
+                    <a:tc hMerge="1">
+                      <a:txBody>
+                        <a:bodyPr/>
+                        <a:lstStyle/>
+                        <a:p>
+                          <a:endParaRPr lang="en-US"/>
+                        </a:p>
+                      </a:txBody>
+                      <a:tcPr/>
+                    </a:tc>
+                    <a:tc hMerge="1">
+                      <a:txBody>
+                        <a:bodyPr/>
+                        <a:lstStyle/>
+                        <a:p>
+                          <a:endParaRPr lang="en-US"/>
+                        </a:p>
+                      </a:txBody>
+                      <a:tcPr/>
+                    </a:tc>
+                  </a:tr>
+                  <a:tr h="192405">
+                    <a:tc>
+                      <a:txBody>
+                        <a:bodyPr/>
+                        <a:lstStyle/>
+                        <a:p>
+                          <a:pPr algn="l" fontAlgn="b"/>
+                          <a:r>
+                            <a:rPr lang="en-US" sz="1200" u="none" strike="noStrike" dirty="0">
+                              <a:effectLst/>
+                            </a:rPr>
+                            <a:t>Sample size</a:t>
+                          </a:r>
+                          <a:endParaRPr lang="en-US" sz="1200" b="1" i="0" u="none" strike="noStrike" dirty="0">
+                            <a:solidFill>
+                              <a:srgbClr val="000000"/>
+                            </a:solidFill>
+                            <a:effectLst/>
+                            <a:latin typeface="Times New Roman" panose="02020603050405020304" pitchFamily="18" charset="0"/>
+                            <a:cs typeface="Times New Roman" panose="02020603050405020304" pitchFamily="18" charset="0"/>
+                          </a:endParaRPr>
+                        </a:p>
+                      </a:txBody>
+                      <a:tcPr marL="9525" marR="9525" marT="9525" marB="0" anchor="b"/>
+                    </a:tc>
+                    <a:tc>
+                      <a:txBody>
+                        <a:bodyPr/>
+                        <a:lstStyle/>
+                        <a:p>
+                          <a:pPr algn="ctr" fontAlgn="b"/>
+                          <a:r>
+                            <a:rPr lang="en-US" sz="1200" u="none" strike="noStrike" dirty="0">
+                              <a:effectLst/>
+                            </a:rPr>
+                            <a:t>100, 200</a:t>
+                          </a:r>
+                          <a:endParaRPr lang="en-US" sz="1200" b="0" i="0" u="none" strike="noStrike" dirty="0">
+                            <a:solidFill>
+                              <a:srgbClr val="000000"/>
+                            </a:solidFill>
+                            <a:effectLst/>
+                            <a:latin typeface="Times New Roman" panose="02020603050405020304" pitchFamily="18" charset="0"/>
+                            <a:cs typeface="Times New Roman" panose="02020603050405020304" pitchFamily="18" charset="0"/>
+                          </a:endParaRPr>
+                        </a:p>
+                      </a:txBody>
+                      <a:tcPr marL="9525" marR="9525" marT="9525" marB="0" anchor="b"/>
+                    </a:tc>
+                    <a:tc>
+                      <a:txBody>
+                        <a:bodyPr/>
+                        <a:lstStyle/>
+                        <a:p>
+                          <a:pPr algn="ctr" fontAlgn="b"/>
+                          <a:r>
+                            <a:rPr lang="en-US" sz="1200" u="none" strike="noStrike">
+                              <a:effectLst/>
+                            </a:rPr>
+                            <a:t>1000, 2000</a:t>
+                          </a:r>
+                          <a:endParaRPr lang="en-US" sz="1200" b="0" i="0" u="none" strike="noStrike">
+                            <a:solidFill>
+                              <a:srgbClr val="000000"/>
+                            </a:solidFill>
+                            <a:effectLst/>
+                            <a:latin typeface="Times New Roman" panose="02020603050405020304" pitchFamily="18" charset="0"/>
+                            <a:cs typeface="Times New Roman" panose="02020603050405020304" pitchFamily="18" charset="0"/>
+                          </a:endParaRPr>
+                        </a:p>
+                      </a:txBody>
+                      <a:tcPr marL="9525" marR="9525" marT="9525" marB="0" anchor="b"/>
+                    </a:tc>
+                    <a:tc>
+                      <a:txBody>
+                        <a:bodyPr/>
+                        <a:lstStyle/>
+                        <a:p>
+                          <a:pPr algn="ctr" fontAlgn="b"/>
+                          <a:r>
+                            <a:rPr lang="en-US" sz="1200" u="none" strike="noStrike">
+                              <a:effectLst/>
+                            </a:rPr>
+                            <a:t>5000, 10000</a:t>
+                          </a:r>
+                          <a:endParaRPr lang="en-US" sz="1200" b="0" i="0" u="none" strike="noStrike">
+                            <a:solidFill>
+                              <a:srgbClr val="000000"/>
+                            </a:solidFill>
+                            <a:effectLst/>
+                            <a:latin typeface="Times New Roman" panose="02020603050405020304" pitchFamily="18" charset="0"/>
+                            <a:cs typeface="Times New Roman" panose="02020603050405020304" pitchFamily="18" charset="0"/>
+                          </a:endParaRPr>
+                        </a:p>
+                      </a:txBody>
+                      <a:tcPr marL="9525" marR="9525" marT="9525" marB="0" anchor="b"/>
+                    </a:tc>
+                  </a:tr>
+                  <a:tr h="192405">
+                    <a:tc>
+                      <a:txBody>
+                        <a:bodyPr/>
+                        <a:lstStyle/>
+                        <a:p>
+                          <a:pPr algn="l" fontAlgn="b"/>
+                          <a:r>
+                            <a:rPr lang="en-US" sz="1200" u="none" strike="noStrike">
+                              <a:effectLst/>
+                            </a:rPr>
+                            <a:t>Intercept</a:t>
+                          </a:r>
+                          <a:endParaRPr lang="en-US" sz="1200" b="1" i="0" u="none" strike="noStrike">
+                            <a:solidFill>
+                              <a:srgbClr val="000000"/>
+                            </a:solidFill>
+                            <a:effectLst/>
+                            <a:latin typeface="Times New Roman" panose="02020603050405020304" pitchFamily="18" charset="0"/>
+                            <a:cs typeface="Times New Roman" panose="02020603050405020304" pitchFamily="18" charset="0"/>
+                          </a:endParaRPr>
+                        </a:p>
+                      </a:txBody>
+                      <a:tcPr marL="9525" marR="9525" marT="9525" marB="0" anchor="b"/>
+                    </a:tc>
+                    <a:tc gridSpan="3">
+                      <a:txBody>
+                        <a:bodyPr/>
+                        <a:lstStyle/>
+                        <a:p>
+                          <a:pPr algn="ctr" fontAlgn="b"/>
+                          <a:r>
+                            <a:rPr lang="en-US" sz="1200" u="none" strike="noStrike" dirty="0">
+                              <a:effectLst/>
+                            </a:rPr>
+                            <a:t>2</a:t>
+                          </a:r>
+                          <a:endParaRPr lang="en-US" sz="1200" b="0" i="0" u="none" strike="noStrike" dirty="0">
+                            <a:solidFill>
+                              <a:srgbClr val="000000"/>
+                            </a:solidFill>
+                            <a:effectLst/>
+                            <a:latin typeface="Times New Roman" panose="02020603050405020304" pitchFamily="18" charset="0"/>
+                            <a:cs typeface="Times New Roman" panose="02020603050405020304" pitchFamily="18" charset="0"/>
+                          </a:endParaRPr>
+                        </a:p>
+                      </a:txBody>
+                      <a:tcPr marL="9525" marR="9525" marT="9525" marB="0" anchor="b"/>
+                    </a:tc>
+                    <a:tc hMerge="1">
+                      <a:txBody>
+                        <a:bodyPr/>
+                        <a:lstStyle/>
+                        <a:p>
+                          <a:endParaRPr lang="en-US"/>
+                        </a:p>
+                      </a:txBody>
+                      <a:tcPr/>
+                    </a:tc>
+                    <a:tc hMerge="1">
+                      <a:txBody>
+                        <a:bodyPr/>
+                        <a:lstStyle/>
+                        <a:p>
+                          <a:endParaRPr lang="en-US"/>
+                        </a:p>
+                      </a:txBody>
+                      <a:tcPr/>
+                    </a:tc>
+                  </a:tr>
+                  <a:tr h="192405">
+                    <a:tc>
+                      <a:txBody>
+                        <a:bodyPr/>
+                        <a:lstStyle/>
+                        <a:p>
+                          <a:pPr algn="l" fontAlgn="b"/>
+                          <a:r>
+                            <a:rPr lang="en-US" sz="1200" u="none" strike="noStrike">
+                              <a:effectLst/>
+                            </a:rPr>
+                            <a:t>Time</a:t>
+                          </a:r>
+                          <a:endParaRPr lang="en-US" sz="1200" b="1" i="0" u="none" strike="noStrike">
+                            <a:solidFill>
+                              <a:srgbClr val="000000"/>
+                            </a:solidFill>
+                            <a:effectLst/>
+                            <a:latin typeface="Times New Roman" panose="02020603050405020304" pitchFamily="18" charset="0"/>
+                            <a:cs typeface="Times New Roman" panose="02020603050405020304" pitchFamily="18" charset="0"/>
+                          </a:endParaRPr>
+                        </a:p>
+                      </a:txBody>
+                      <a:tcPr marL="9525" marR="9525" marT="9525" marB="0" anchor="b"/>
+                    </a:tc>
+                    <a:tc gridSpan="3">
+                      <a:txBody>
+                        <a:bodyPr/>
+                        <a:lstStyle/>
+                        <a:p>
+                          <a:pPr algn="ctr" fontAlgn="b"/>
+                          <a:r>
+                            <a:rPr lang="en-US" sz="1200" u="none" strike="noStrike" dirty="0">
+                              <a:effectLst/>
+                            </a:rPr>
+                            <a:t>0.5</a:t>
+                          </a:r>
+                          <a:endParaRPr lang="en-US" sz="1200" b="0" i="0" u="none" strike="noStrike" dirty="0">
+                            <a:solidFill>
+                              <a:srgbClr val="000000"/>
+                            </a:solidFill>
+                            <a:effectLst/>
+                            <a:latin typeface="Times New Roman" panose="02020603050405020304" pitchFamily="18" charset="0"/>
+                            <a:cs typeface="Times New Roman" panose="02020603050405020304" pitchFamily="18" charset="0"/>
+                          </a:endParaRPr>
+                        </a:p>
+                      </a:txBody>
+                      <a:tcPr marL="9525" marR="9525" marT="9525" marB="0" anchor="b"/>
+                    </a:tc>
+                    <a:tc hMerge="1">
+                      <a:txBody>
+                        <a:bodyPr/>
+                        <a:lstStyle/>
+                        <a:p>
+                          <a:endParaRPr lang="en-US"/>
+                        </a:p>
+                      </a:txBody>
+                      <a:tcPr/>
+                    </a:tc>
+                    <a:tc hMerge="1">
+                      <a:txBody>
+                        <a:bodyPr/>
+                        <a:lstStyle/>
+                        <a:p>
+                          <a:endParaRPr lang="en-US"/>
+                        </a:p>
+                      </a:txBody>
+                      <a:tcPr/>
+                    </a:tc>
+                  </a:tr>
+                  <a:tr h="192405">
+                    <a:tc>
+                      <a:txBody>
+                        <a:bodyPr/>
+                        <a:lstStyle/>
+                        <a:p>
+                          <a:pPr algn="l" fontAlgn="b"/>
+                          <a:r>
+                            <a:rPr lang="en-US" sz="1200" u="none" strike="noStrike" dirty="0" smtClean="0">
+                              <a:effectLst/>
+                            </a:rPr>
+                            <a:t>Treatment</a:t>
+                          </a:r>
+                          <a:endParaRPr lang="en-US" sz="1200" b="1" i="0" u="none" strike="noStrike" dirty="0">
+                            <a:solidFill>
+                              <a:srgbClr val="000000"/>
+                            </a:solidFill>
+                            <a:effectLst/>
+                            <a:latin typeface="Times New Roman" panose="02020603050405020304" pitchFamily="18" charset="0"/>
+                            <a:cs typeface="Times New Roman" panose="02020603050405020304" pitchFamily="18" charset="0"/>
+                          </a:endParaRPr>
+                        </a:p>
+                      </a:txBody>
+                      <a:tcPr marL="9525" marR="9525" marT="9525" marB="0" anchor="b"/>
+                    </a:tc>
+                    <a:tc gridSpan="3">
+                      <a:txBody>
+                        <a:bodyPr/>
+                        <a:lstStyle/>
+                        <a:p>
+                          <a:pPr algn="ctr" fontAlgn="b"/>
+                          <a:r>
+                            <a:rPr lang="en-US" sz="1200" u="none" strike="noStrike" dirty="0">
+                              <a:effectLst/>
+                            </a:rPr>
+                            <a:t>1</a:t>
+                          </a:r>
+                          <a:endParaRPr lang="en-US" sz="1200" b="0" i="0" u="none" strike="noStrike" dirty="0">
+                            <a:solidFill>
+                              <a:srgbClr val="000000"/>
+                            </a:solidFill>
+                            <a:effectLst/>
+                            <a:latin typeface="Times New Roman" panose="02020603050405020304" pitchFamily="18" charset="0"/>
+                            <a:cs typeface="Times New Roman" panose="02020603050405020304" pitchFamily="18" charset="0"/>
+                          </a:endParaRPr>
+                        </a:p>
+                      </a:txBody>
+                      <a:tcPr marL="9525" marR="9525" marT="9525" marB="0" anchor="b"/>
+                    </a:tc>
+                    <a:tc hMerge="1">
+                      <a:txBody>
+                        <a:bodyPr/>
+                        <a:lstStyle/>
+                        <a:p>
+                          <a:endParaRPr lang="en-US"/>
+                        </a:p>
+                      </a:txBody>
+                      <a:tcPr/>
+                    </a:tc>
+                    <a:tc hMerge="1">
+                      <a:txBody>
+                        <a:bodyPr/>
+                        <a:lstStyle/>
+                        <a:p>
+                          <a:endParaRPr lang="en-US"/>
+                        </a:p>
+                      </a:txBody>
+                      <a:tcPr/>
+                    </a:tc>
+                  </a:tr>
+                  <a:tr h="192405">
+                    <a:tc>
+                      <a:txBody>
+                        <a:bodyPr/>
+                        <a:lstStyle/>
+                        <a:p>
+                          <a:pPr algn="l" fontAlgn="b"/>
+                          <a:r>
+                            <a:rPr lang="en-US" sz="1200" u="none" strike="noStrike" dirty="0" smtClean="0">
+                              <a:effectLst/>
+                            </a:rPr>
+                            <a:t>Treatment*time</a:t>
+                          </a:r>
+                          <a:endParaRPr lang="en-US" sz="1200" b="1" i="0" u="none" strike="noStrike" dirty="0">
+                            <a:solidFill>
+                              <a:srgbClr val="000000"/>
+                            </a:solidFill>
+                            <a:effectLst/>
+                            <a:latin typeface="Times New Roman" panose="02020603050405020304" pitchFamily="18" charset="0"/>
+                            <a:cs typeface="Times New Roman" panose="02020603050405020304" pitchFamily="18" charset="0"/>
+                          </a:endParaRPr>
+                        </a:p>
+                      </a:txBody>
+                      <a:tcPr marL="9525" marR="9525" marT="9525" marB="0" anchor="b"/>
+                    </a:tc>
+                    <a:tc gridSpan="3">
+                      <a:txBody>
+                        <a:bodyPr/>
+                        <a:lstStyle/>
+                        <a:p>
+                          <a:pPr algn="ctr" fontAlgn="b"/>
+                          <a:r>
+                            <a:rPr lang="en-US" sz="1200" u="none" strike="noStrike" dirty="0">
+                              <a:effectLst/>
+                            </a:rPr>
+                            <a:t>0.25</a:t>
+                          </a:r>
+                          <a:endParaRPr lang="en-US" sz="1200" b="0" i="0" u="none" strike="noStrike" dirty="0">
+                            <a:solidFill>
+                              <a:srgbClr val="000000"/>
+                            </a:solidFill>
+                            <a:effectLst/>
+                            <a:latin typeface="Times New Roman" panose="02020603050405020304" pitchFamily="18" charset="0"/>
+                            <a:cs typeface="Times New Roman" panose="02020603050405020304" pitchFamily="18" charset="0"/>
+                          </a:endParaRPr>
+                        </a:p>
+                      </a:txBody>
+                      <a:tcPr marL="9525" marR="9525" marT="9525" marB="0" anchor="b"/>
+                    </a:tc>
+                    <a:tc hMerge="1">
+                      <a:txBody>
+                        <a:bodyPr/>
+                        <a:lstStyle/>
+                        <a:p>
+                          <a:endParaRPr lang="en-US"/>
+                        </a:p>
+                      </a:txBody>
+                      <a:tcPr/>
+                    </a:tc>
+                    <a:tc hMerge="1">
+                      <a:txBody>
+                        <a:bodyPr/>
+                        <a:lstStyle/>
+                        <a:p>
+                          <a:endParaRPr lang="en-US"/>
+                        </a:p>
+                      </a:txBody>
+                      <a:tcPr/>
+                    </a:tc>
+                  </a:tr>
+                  <a:tr h="192405">
+                    <a:tc>
+                      <a:txBody>
+                        <a:bodyPr/>
+                        <a:lstStyle/>
+                        <a:p>
+                          <a:pPr algn="l" fontAlgn="b"/>
+                          <a:r>
+                            <a:rPr lang="en-US" sz="1200" u="none" strike="noStrike" dirty="0">
+                              <a:effectLst/>
+                            </a:rPr>
+                            <a:t>Error</a:t>
+                          </a:r>
+                          <a:endParaRPr lang="en-US" sz="1200" b="1" i="0" u="none" strike="noStrike" dirty="0">
+                            <a:solidFill>
+                              <a:srgbClr val="000000"/>
+                            </a:solidFill>
+                            <a:effectLst/>
+                            <a:latin typeface="Times New Roman" panose="02020603050405020304" pitchFamily="18" charset="0"/>
+                            <a:cs typeface="Times New Roman" panose="02020603050405020304" pitchFamily="18" charset="0"/>
+                          </a:endParaRPr>
+                        </a:p>
+                      </a:txBody>
+                      <a:tcPr marL="9525" marR="9525" marT="9525" marB="0" anchor="b"/>
+                    </a:tc>
+                    <a:tc gridSpan="3">
+                      <a:txBody>
+                        <a:bodyPr/>
+                        <a:lstStyle/>
+                        <a:p>
+                          <a:pPr algn="ctr" fontAlgn="b"/>
+                          <a:r>
+                            <a:rPr lang="en-US" sz="1200" u="none" strike="noStrike" dirty="0">
+                              <a:effectLst/>
+                            </a:rPr>
+                            <a:t>N(0.3)</a:t>
+                          </a:r>
+                          <a:endParaRPr lang="en-US" sz="1200" b="0" i="0" u="none" strike="noStrike" dirty="0">
+                            <a:solidFill>
+                              <a:srgbClr val="000000"/>
+                            </a:solidFill>
+                            <a:effectLst/>
+                            <a:latin typeface="Times New Roman" panose="02020603050405020304" pitchFamily="18" charset="0"/>
+                            <a:cs typeface="Times New Roman" panose="02020603050405020304" pitchFamily="18" charset="0"/>
+                          </a:endParaRPr>
+                        </a:p>
+                      </a:txBody>
+                      <a:tcPr marL="9525" marR="9525" marT="9525" marB="0" anchor="b"/>
+                    </a:tc>
+                    <a:tc hMerge="1">
+                      <a:txBody>
+                        <a:bodyPr/>
+                        <a:lstStyle/>
+                        <a:p>
+                          <a:endParaRPr lang="en-US"/>
+                        </a:p>
+                      </a:txBody>
+                      <a:tcPr/>
+                    </a:tc>
+                    <a:tc hMerge="1">
+                      <a:txBody>
+                        <a:bodyPr/>
+                        <a:lstStyle/>
+                        <a:p>
+                          <a:endParaRPr lang="en-US"/>
+                        </a:p>
+                      </a:txBody>
+                      <a:tcPr/>
+                    </a:tc>
+                  </a:tr>
+                  <a:tr h="1552702">
+                    <a:tc>
+                      <a:txBody>
+                        <a:bodyPr/>
+                        <a:lstStyle/>
+                        <a:p>
+                          <a:endParaRPr lang="en-US"/>
+                        </a:p>
+                      </a:txBody>
+                      <a:tcPr marL="9525" marR="9525" marT="9525" marB="0" anchor="b">
+                        <a:blipFill rotWithShape="0">
+                          <a:blip r:embed="rId2"/>
+                          <a:stretch>
+                            <a:fillRect l="-356" t="-126275" r="-222420" b="-4314"/>
+                          </a:stretch>
+                        </a:blipFill>
+                      </a:tcPr>
+                    </a:tc>
+                    <a:tc gridSpan="3">
+                      <a:txBody>
+                        <a:bodyPr/>
+                        <a:lstStyle/>
+                        <a:p>
+                          <a:endParaRPr lang="en-US"/>
+                        </a:p>
+                      </a:txBody>
+                      <a:tcPr marL="9525" marR="9525" marT="9525" marB="0" anchor="b">
+                        <a:blipFill rotWithShape="0">
+                          <a:blip r:embed="rId2"/>
+                          <a:stretch>
+                            <a:fillRect l="-45265" t="-126275" r="-321" b="-4314"/>
+                          </a:stretch>
+                        </a:blipFill>
+                      </a:tcPr>
+                    </a:tc>
+                    <a:tc hMerge="1">
+                      <a:txBody>
+                        <a:bodyPr/>
+                        <a:lstStyle/>
+                        <a:p>
+                          <a:endParaRPr lang="en-US"/>
+                        </a:p>
+                      </a:txBody>
+                      <a:tcPr/>
+                    </a:tc>
+                    <a:tc hMerge="1">
+                      <a:txBody>
+                        <a:bodyPr/>
+                        <a:lstStyle/>
+                        <a:p>
+                          <a:endParaRPr lang="en-US"/>
+                        </a:p>
+                      </a:txBody>
+                      <a:tcPr/>
+                    </a:tc>
+                  </a:tr>
+                </a:tbl>
+              </a:graphicData>
+            </a:graphic>
+          </p:graphicFrame>
+        </mc:Fallback>
+      </mc:AlternateContent>
     </p:spTree>
     <p:extLst>
       <p:ext uri="{BB962C8B-B14F-4D97-AF65-F5344CB8AC3E}">
@@ -7620,8 +10289,8 @@
           </a:p>
         </p:txBody>
       </p:sp>
-      <mc:AlternateContent xmlns:mc="http://schemas.openxmlformats.org/markup-compatibility/2006">
-        <mc:Choice xmlns:a14="http://schemas.microsoft.com/office/drawing/2010/main" Requires="a14">
+      <mc:AlternateContent xmlns:mc="http://schemas.openxmlformats.org/markup-compatibility/2006" xmlns:a14="http://schemas.microsoft.com/office/drawing/2010/main">
+        <mc:Choice Requires="a14">
           <p:graphicFrame>
             <p:nvGraphicFramePr>
               <p:cNvPr id="6" name="Content Placeholder 5"/>
@@ -12076,7 +14745,7 @@
             </a:graphic>
           </p:graphicFrame>
         </mc:Choice>
-        <mc:Fallback>
+        <mc:Fallback xmlns="">
           <p:graphicFrame>
             <p:nvGraphicFramePr>
               <p:cNvPr id="6" name="Content Placeholder 5"/>
